--- a/assets/facility-icons/icons.pptx
+++ b/assets/facility-icons/icons.pptx
@@ -6928,6 +6928,317 @@
           </a:prstGeom>
         </p:spPr>
       </p:pic>
+      <p:sp>
+        <p:nvSpPr>
+          <p:cNvPr id="2" name="Graphic 4" descr="Marker with solid fill">
+            <a:extLst>
+              <a:ext uri="{FF2B5EF4-FFF2-40B4-BE49-F238E27FC236}">
+                <a16:creationId xmlns:a16="http://schemas.microsoft.com/office/drawing/2014/main" id="{7774079A-8A77-E69C-24BC-42C1E97C5CC0}"/>
+              </a:ext>
+            </a:extLst>
+          </p:cNvPr>
+          <p:cNvSpPr/>
+          <p:nvPr/>
+        </p:nvSpPr>
+        <p:spPr>
+          <a:xfrm>
+            <a:off x="5782027" y="2112267"/>
+            <a:ext cx="627945" cy="1020000"/>
+          </a:xfrm>
+          <a:custGeom>
+            <a:avLst/>
+            <a:gdLst>
+              <a:gd name="connsiteX0" fmla="*/ 313973 w 627945"/>
+              <a:gd name="connsiteY0" fmla="*/ 450000 h 1020000"/>
+              <a:gd name="connsiteX1" fmla="*/ 178973 w 627945"/>
+              <a:gd name="connsiteY1" fmla="*/ 315000 h 1020000"/>
+              <a:gd name="connsiteX2" fmla="*/ 313973 w 627945"/>
+              <a:gd name="connsiteY2" fmla="*/ 180000 h 1020000"/>
+              <a:gd name="connsiteX3" fmla="*/ 448973 w 627945"/>
+              <a:gd name="connsiteY3" fmla="*/ 315000 h 1020000"/>
+              <a:gd name="connsiteX4" fmla="*/ 313973 w 627945"/>
+              <a:gd name="connsiteY4" fmla="*/ 450000 h 1020000"/>
+              <a:gd name="connsiteX5" fmla="*/ 313973 w 627945"/>
+              <a:gd name="connsiteY5" fmla="*/ 0 h 1020000"/>
+              <a:gd name="connsiteX6" fmla="*/ 54473 w 627945"/>
+              <a:gd name="connsiteY6" fmla="*/ 138000 h 1020000"/>
+              <a:gd name="connsiteX7" fmla="*/ 21473 w 627945"/>
+              <a:gd name="connsiteY7" fmla="*/ 430500 h 1020000"/>
+              <a:gd name="connsiteX8" fmla="*/ 163973 w 627945"/>
+              <a:gd name="connsiteY8" fmla="*/ 745500 h 1020000"/>
+              <a:gd name="connsiteX9" fmla="*/ 286973 w 627945"/>
+              <a:gd name="connsiteY9" fmla="*/ 1003500 h 1020000"/>
+              <a:gd name="connsiteX10" fmla="*/ 313973 w 627945"/>
+              <a:gd name="connsiteY10" fmla="*/ 1020000 h 1020000"/>
+              <a:gd name="connsiteX11" fmla="*/ 340973 w 627945"/>
+              <a:gd name="connsiteY11" fmla="*/ 1003500 h 1020000"/>
+              <a:gd name="connsiteX12" fmla="*/ 463973 w 627945"/>
+              <a:gd name="connsiteY12" fmla="*/ 745500 h 1020000"/>
+              <a:gd name="connsiteX13" fmla="*/ 606473 w 627945"/>
+              <a:gd name="connsiteY13" fmla="*/ 430500 h 1020000"/>
+              <a:gd name="connsiteX14" fmla="*/ 573473 w 627945"/>
+              <a:gd name="connsiteY14" fmla="*/ 138000 h 1020000"/>
+              <a:gd name="connsiteX15" fmla="*/ 313973 w 627945"/>
+              <a:gd name="connsiteY15" fmla="*/ 0 h 1020000"/>
+              <a:gd name="connsiteX0" fmla="*/ 313973 w 627945"/>
+              <a:gd name="connsiteY0" fmla="*/ 450000 h 1020000"/>
+              <a:gd name="connsiteX1" fmla="*/ 178973 w 627945"/>
+              <a:gd name="connsiteY1" fmla="*/ 315000 h 1020000"/>
+              <a:gd name="connsiteX2" fmla="*/ 313973 w 627945"/>
+              <a:gd name="connsiteY2" fmla="*/ 180000 h 1020000"/>
+              <a:gd name="connsiteX3" fmla="*/ 313973 w 627945"/>
+              <a:gd name="connsiteY3" fmla="*/ 450000 h 1020000"/>
+              <a:gd name="connsiteX4" fmla="*/ 313973 w 627945"/>
+              <a:gd name="connsiteY4" fmla="*/ 0 h 1020000"/>
+              <a:gd name="connsiteX5" fmla="*/ 54473 w 627945"/>
+              <a:gd name="connsiteY5" fmla="*/ 138000 h 1020000"/>
+              <a:gd name="connsiteX6" fmla="*/ 21473 w 627945"/>
+              <a:gd name="connsiteY6" fmla="*/ 430500 h 1020000"/>
+              <a:gd name="connsiteX7" fmla="*/ 163973 w 627945"/>
+              <a:gd name="connsiteY7" fmla="*/ 745500 h 1020000"/>
+              <a:gd name="connsiteX8" fmla="*/ 286973 w 627945"/>
+              <a:gd name="connsiteY8" fmla="*/ 1003500 h 1020000"/>
+              <a:gd name="connsiteX9" fmla="*/ 313973 w 627945"/>
+              <a:gd name="connsiteY9" fmla="*/ 1020000 h 1020000"/>
+              <a:gd name="connsiteX10" fmla="*/ 340973 w 627945"/>
+              <a:gd name="connsiteY10" fmla="*/ 1003500 h 1020000"/>
+              <a:gd name="connsiteX11" fmla="*/ 463973 w 627945"/>
+              <a:gd name="connsiteY11" fmla="*/ 745500 h 1020000"/>
+              <a:gd name="connsiteX12" fmla="*/ 606473 w 627945"/>
+              <a:gd name="connsiteY12" fmla="*/ 430500 h 1020000"/>
+              <a:gd name="connsiteX13" fmla="*/ 573473 w 627945"/>
+              <a:gd name="connsiteY13" fmla="*/ 138000 h 1020000"/>
+              <a:gd name="connsiteX14" fmla="*/ 313973 w 627945"/>
+              <a:gd name="connsiteY14" fmla="*/ 0 h 1020000"/>
+              <a:gd name="connsiteX0" fmla="*/ 313973 w 627945"/>
+              <a:gd name="connsiteY0" fmla="*/ 180000 h 1020000"/>
+              <a:gd name="connsiteX1" fmla="*/ 178973 w 627945"/>
+              <a:gd name="connsiteY1" fmla="*/ 315000 h 1020000"/>
+              <a:gd name="connsiteX2" fmla="*/ 313973 w 627945"/>
+              <a:gd name="connsiteY2" fmla="*/ 180000 h 1020000"/>
+              <a:gd name="connsiteX3" fmla="*/ 313973 w 627945"/>
+              <a:gd name="connsiteY3" fmla="*/ 0 h 1020000"/>
+              <a:gd name="connsiteX4" fmla="*/ 54473 w 627945"/>
+              <a:gd name="connsiteY4" fmla="*/ 138000 h 1020000"/>
+              <a:gd name="connsiteX5" fmla="*/ 21473 w 627945"/>
+              <a:gd name="connsiteY5" fmla="*/ 430500 h 1020000"/>
+              <a:gd name="connsiteX6" fmla="*/ 163973 w 627945"/>
+              <a:gd name="connsiteY6" fmla="*/ 745500 h 1020000"/>
+              <a:gd name="connsiteX7" fmla="*/ 286973 w 627945"/>
+              <a:gd name="connsiteY7" fmla="*/ 1003500 h 1020000"/>
+              <a:gd name="connsiteX8" fmla="*/ 313973 w 627945"/>
+              <a:gd name="connsiteY8" fmla="*/ 1020000 h 1020000"/>
+              <a:gd name="connsiteX9" fmla="*/ 340973 w 627945"/>
+              <a:gd name="connsiteY9" fmla="*/ 1003500 h 1020000"/>
+              <a:gd name="connsiteX10" fmla="*/ 463973 w 627945"/>
+              <a:gd name="connsiteY10" fmla="*/ 745500 h 1020000"/>
+              <a:gd name="connsiteX11" fmla="*/ 606473 w 627945"/>
+              <a:gd name="connsiteY11" fmla="*/ 430500 h 1020000"/>
+              <a:gd name="connsiteX12" fmla="*/ 573473 w 627945"/>
+              <a:gd name="connsiteY12" fmla="*/ 138000 h 1020000"/>
+              <a:gd name="connsiteX13" fmla="*/ 313973 w 627945"/>
+              <a:gd name="connsiteY13" fmla="*/ 0 h 1020000"/>
+              <a:gd name="connsiteX0" fmla="*/ 313973 w 627945"/>
+              <a:gd name="connsiteY0" fmla="*/ 0 h 1020000"/>
+              <a:gd name="connsiteX1" fmla="*/ 54473 w 627945"/>
+              <a:gd name="connsiteY1" fmla="*/ 138000 h 1020000"/>
+              <a:gd name="connsiteX2" fmla="*/ 21473 w 627945"/>
+              <a:gd name="connsiteY2" fmla="*/ 430500 h 1020000"/>
+              <a:gd name="connsiteX3" fmla="*/ 163973 w 627945"/>
+              <a:gd name="connsiteY3" fmla="*/ 745500 h 1020000"/>
+              <a:gd name="connsiteX4" fmla="*/ 286973 w 627945"/>
+              <a:gd name="connsiteY4" fmla="*/ 1003500 h 1020000"/>
+              <a:gd name="connsiteX5" fmla="*/ 313973 w 627945"/>
+              <a:gd name="connsiteY5" fmla="*/ 1020000 h 1020000"/>
+              <a:gd name="connsiteX6" fmla="*/ 340973 w 627945"/>
+              <a:gd name="connsiteY6" fmla="*/ 1003500 h 1020000"/>
+              <a:gd name="connsiteX7" fmla="*/ 463973 w 627945"/>
+              <a:gd name="connsiteY7" fmla="*/ 745500 h 1020000"/>
+              <a:gd name="connsiteX8" fmla="*/ 606473 w 627945"/>
+              <a:gd name="connsiteY8" fmla="*/ 430500 h 1020000"/>
+              <a:gd name="connsiteX9" fmla="*/ 573473 w 627945"/>
+              <a:gd name="connsiteY9" fmla="*/ 138000 h 1020000"/>
+              <a:gd name="connsiteX10" fmla="*/ 313973 w 627945"/>
+              <a:gd name="connsiteY10" fmla="*/ 0 h 1020000"/>
+            </a:gdLst>
+            <a:ahLst/>
+            <a:cxnLst>
+              <a:cxn ang="0">
+                <a:pos x="connsiteX0" y="connsiteY0"/>
+              </a:cxn>
+              <a:cxn ang="0">
+                <a:pos x="connsiteX1" y="connsiteY1"/>
+              </a:cxn>
+              <a:cxn ang="0">
+                <a:pos x="connsiteX2" y="connsiteY2"/>
+              </a:cxn>
+              <a:cxn ang="0">
+                <a:pos x="connsiteX3" y="connsiteY3"/>
+              </a:cxn>
+              <a:cxn ang="0">
+                <a:pos x="connsiteX4" y="connsiteY4"/>
+              </a:cxn>
+              <a:cxn ang="0">
+                <a:pos x="connsiteX5" y="connsiteY5"/>
+              </a:cxn>
+              <a:cxn ang="0">
+                <a:pos x="connsiteX6" y="connsiteY6"/>
+              </a:cxn>
+              <a:cxn ang="0">
+                <a:pos x="connsiteX7" y="connsiteY7"/>
+              </a:cxn>
+              <a:cxn ang="0">
+                <a:pos x="connsiteX8" y="connsiteY8"/>
+              </a:cxn>
+              <a:cxn ang="0">
+                <a:pos x="connsiteX9" y="connsiteY9"/>
+              </a:cxn>
+              <a:cxn ang="0">
+                <a:pos x="connsiteX10" y="connsiteY10"/>
+              </a:cxn>
+            </a:cxnLst>
+            <a:rect l="l" t="t" r="r" b="b"/>
+            <a:pathLst>
+              <a:path w="627945" h="1020000">
+                <a:moveTo>
+                  <a:pt x="313973" y="0"/>
+                </a:moveTo>
+                <a:cubicBezTo>
+                  <a:pt x="210473" y="0"/>
+                  <a:pt x="112973" y="51000"/>
+                  <a:pt x="54473" y="138000"/>
+                </a:cubicBezTo>
+                <a:cubicBezTo>
+                  <a:pt x="-4027" y="223500"/>
+                  <a:pt x="-16027" y="333000"/>
+                  <a:pt x="21473" y="430500"/>
+                </a:cubicBezTo>
+                <a:lnTo>
+                  <a:pt x="163973" y="745500"/>
+                </a:lnTo>
+                <a:lnTo>
+                  <a:pt x="286973" y="1003500"/>
+                </a:lnTo>
+                <a:cubicBezTo>
+                  <a:pt x="291473" y="1014000"/>
+                  <a:pt x="301973" y="1020000"/>
+                  <a:pt x="313973" y="1020000"/>
+                </a:cubicBezTo>
+                <a:cubicBezTo>
+                  <a:pt x="325973" y="1020000"/>
+                  <a:pt x="336473" y="1014000"/>
+                  <a:pt x="340973" y="1003500"/>
+                </a:cubicBezTo>
+                <a:lnTo>
+                  <a:pt x="463973" y="745500"/>
+                </a:lnTo>
+                <a:lnTo>
+                  <a:pt x="606473" y="430500"/>
+                </a:lnTo>
+                <a:cubicBezTo>
+                  <a:pt x="643973" y="333000"/>
+                  <a:pt x="631973" y="223500"/>
+                  <a:pt x="573473" y="138000"/>
+                </a:cubicBezTo>
+                <a:cubicBezTo>
+                  <a:pt x="514973" y="51000"/>
+                  <a:pt x="417473" y="0"/>
+                  <a:pt x="313973" y="0"/>
+                </a:cubicBezTo>
+                <a:close/>
+              </a:path>
+            </a:pathLst>
+          </a:custGeom>
+          <a:solidFill>
+            <a:srgbClr val="17A9AE"/>
+          </a:solidFill>
+          <a:ln w="14982" cap="flat">
+            <a:solidFill>
+              <a:schemeClr val="tx1"/>
+            </a:solidFill>
+            <a:prstDash val="solid"/>
+            <a:miter/>
+          </a:ln>
+        </p:spPr>
+        <p:txBody>
+          <a:bodyPr rtlCol="0" anchor="ctr"/>
+          <a:lstStyle/>
+          <a:p>
+            <a:endParaRPr lang="en-GB"/>
+          </a:p>
+        </p:txBody>
+      </p:sp>
+      <p:sp>
+        <p:nvSpPr>
+          <p:cNvPr id="3" name="TextBox 2">
+            <a:extLst>
+              <a:ext uri="{FF2B5EF4-FFF2-40B4-BE49-F238E27FC236}">
+                <a16:creationId xmlns:a16="http://schemas.microsoft.com/office/drawing/2014/main" id="{B29A0E2F-F6BD-7FBD-E59C-40499D8DBDFC}"/>
+              </a:ext>
+            </a:extLst>
+          </p:cNvPr>
+          <p:cNvSpPr txBox="1"/>
+          <p:nvPr/>
+        </p:nvSpPr>
+        <p:spPr>
+          <a:xfrm>
+            <a:off x="6751993" y="2397090"/>
+            <a:ext cx="2174506" cy="369332"/>
+          </a:xfrm>
+          <a:prstGeom prst="rect">
+            <a:avLst/>
+          </a:prstGeom>
+          <a:noFill/>
+        </p:spPr>
+        <p:txBody>
+          <a:bodyPr wrap="none" rtlCol="0">
+            <a:spAutoFit/>
+          </a:bodyPr>
+          <a:lstStyle/>
+          <a:p>
+            <a:r>
+              <a:rPr lang="en-GB" dirty="0"/>
+              <a:t>Wind energy test site</a:t>
+            </a:r>
+          </a:p>
+        </p:txBody>
+      </p:sp>
+      <p:pic>
+        <p:nvPicPr>
+          <p:cNvPr id="14" name="Graphic 13" descr="Tools with solid fill">
+            <a:extLst>
+              <a:ext uri="{FF2B5EF4-FFF2-40B4-BE49-F238E27FC236}">
+                <a16:creationId xmlns:a16="http://schemas.microsoft.com/office/drawing/2014/main" id="{6E39D23F-58F0-899D-48EE-4EBD204C192F}"/>
+              </a:ext>
+            </a:extLst>
+          </p:cNvPr>
+          <p:cNvPicPr>
+            <a:picLocks noChangeAspect="1"/>
+          </p:cNvPicPr>
+          <p:nvPr/>
+        </p:nvPicPr>
+        <p:blipFill>
+          <a:blip r:embed="rId8">
+            <a:extLst>
+              <a:ext uri="{96DAC541-7B7A-43D3-8B79-37D633B846F1}">
+                <asvg:svgBlip xmlns:asvg="http://schemas.microsoft.com/office/drawing/2016/SVG/main" r:embed="rId9"/>
+              </a:ext>
+            </a:extLst>
+          </a:blip>
+          <a:stretch>
+            <a:fillRect/>
+          </a:stretch>
+        </p:blipFill>
+        <p:spPr>
+          <a:xfrm>
+            <a:off x="5861772" y="2233478"/>
+            <a:ext cx="459001" cy="459001"/>
+          </a:xfrm>
+          <a:prstGeom prst="rect">
+            <a:avLst/>
+          </a:prstGeom>
+        </p:spPr>
+      </p:pic>
     </p:spTree>
     <p:extLst>
       <p:ext uri="{BB962C8B-B14F-4D97-AF65-F5344CB8AC3E}">

--- a/assets/facility-icons/icons.pptx
+++ b/assets/facility-icons/icons.pptx
@@ -270,7 +270,7 @@
           <a:p>
             <a:fld id="{11D5A04A-CF49-1842-BD70-375BE74049A1}" type="datetimeFigureOut">
               <a:rPr lang="en-GB" smtClean="0"/>
-              <a:t>05/12/2022</a:t>
+              <a:t>08/12/2022</a:t>
             </a:fld>
             <a:endParaRPr lang="en-GB"/>
           </a:p>
@@ -468,7 +468,7 @@
           <a:p>
             <a:fld id="{11D5A04A-CF49-1842-BD70-375BE74049A1}" type="datetimeFigureOut">
               <a:rPr lang="en-GB" smtClean="0"/>
-              <a:t>05/12/2022</a:t>
+              <a:t>08/12/2022</a:t>
             </a:fld>
             <a:endParaRPr lang="en-GB"/>
           </a:p>
@@ -676,7 +676,7 @@
           <a:p>
             <a:fld id="{11D5A04A-CF49-1842-BD70-375BE74049A1}" type="datetimeFigureOut">
               <a:rPr lang="en-GB" smtClean="0"/>
-              <a:t>05/12/2022</a:t>
+              <a:t>08/12/2022</a:t>
             </a:fld>
             <a:endParaRPr lang="en-GB"/>
           </a:p>
@@ -874,7 +874,7 @@
           <a:p>
             <a:fld id="{11D5A04A-CF49-1842-BD70-375BE74049A1}" type="datetimeFigureOut">
               <a:rPr lang="en-GB" smtClean="0"/>
-              <a:t>05/12/2022</a:t>
+              <a:t>08/12/2022</a:t>
             </a:fld>
             <a:endParaRPr lang="en-GB"/>
           </a:p>
@@ -1149,7 +1149,7 @@
           <a:p>
             <a:fld id="{11D5A04A-CF49-1842-BD70-375BE74049A1}" type="datetimeFigureOut">
               <a:rPr lang="en-GB" smtClean="0"/>
-              <a:t>05/12/2022</a:t>
+              <a:t>08/12/2022</a:t>
             </a:fld>
             <a:endParaRPr lang="en-GB"/>
           </a:p>
@@ -1414,7 +1414,7 @@
           <a:p>
             <a:fld id="{11D5A04A-CF49-1842-BD70-375BE74049A1}" type="datetimeFigureOut">
               <a:rPr lang="en-GB" smtClean="0"/>
-              <a:t>05/12/2022</a:t>
+              <a:t>08/12/2022</a:t>
             </a:fld>
             <a:endParaRPr lang="en-GB"/>
           </a:p>
@@ -1826,7 +1826,7 @@
           <a:p>
             <a:fld id="{11D5A04A-CF49-1842-BD70-375BE74049A1}" type="datetimeFigureOut">
               <a:rPr lang="en-GB" smtClean="0"/>
-              <a:t>05/12/2022</a:t>
+              <a:t>08/12/2022</a:t>
             </a:fld>
             <a:endParaRPr lang="en-GB"/>
           </a:p>
@@ -1967,7 +1967,7 @@
           <a:p>
             <a:fld id="{11D5A04A-CF49-1842-BD70-375BE74049A1}" type="datetimeFigureOut">
               <a:rPr lang="en-GB" smtClean="0"/>
-              <a:t>05/12/2022</a:t>
+              <a:t>08/12/2022</a:t>
             </a:fld>
             <a:endParaRPr lang="en-GB"/>
           </a:p>
@@ -2080,7 +2080,7 @@
           <a:p>
             <a:fld id="{11D5A04A-CF49-1842-BD70-375BE74049A1}" type="datetimeFigureOut">
               <a:rPr lang="en-GB" smtClean="0"/>
-              <a:t>05/12/2022</a:t>
+              <a:t>08/12/2022</a:t>
             </a:fld>
             <a:endParaRPr lang="en-GB"/>
           </a:p>
@@ -2391,7 +2391,7 @@
           <a:p>
             <a:fld id="{11D5A04A-CF49-1842-BD70-375BE74049A1}" type="datetimeFigureOut">
               <a:rPr lang="en-GB" smtClean="0"/>
-              <a:t>05/12/2022</a:t>
+              <a:t>08/12/2022</a:t>
             </a:fld>
             <a:endParaRPr lang="en-GB"/>
           </a:p>
@@ -2679,7 +2679,7 @@
           <a:p>
             <a:fld id="{11D5A04A-CF49-1842-BD70-375BE74049A1}" type="datetimeFigureOut">
               <a:rPr lang="en-GB" smtClean="0"/>
-              <a:t>05/12/2022</a:t>
+              <a:t>08/12/2022</a:t>
             </a:fld>
             <a:endParaRPr lang="en-GB"/>
           </a:p>
@@ -2920,7 +2920,7 @@
           <a:p>
             <a:fld id="{11D5A04A-CF49-1842-BD70-375BE74049A1}" type="datetimeFigureOut">
               <a:rPr lang="en-GB" smtClean="0"/>
-              <a:t>05/12/2022</a:t>
+              <a:t>08/12/2022</a:t>
             </a:fld>
             <a:endParaRPr lang="en-GB"/>
           </a:p>
@@ -7239,6 +7239,316 @@
           </a:prstGeom>
         </p:spPr>
       </p:pic>
+      <p:sp>
+        <p:nvSpPr>
+          <p:cNvPr id="4" name="Graphic 4" descr="Marker with solid fill">
+            <a:extLst>
+              <a:ext uri="{FF2B5EF4-FFF2-40B4-BE49-F238E27FC236}">
+                <a16:creationId xmlns:a16="http://schemas.microsoft.com/office/drawing/2014/main" id="{742D270A-C323-BF47-50EF-A56E688A9077}"/>
+              </a:ext>
+            </a:extLst>
+          </p:cNvPr>
+          <p:cNvSpPr/>
+          <p:nvPr/>
+        </p:nvSpPr>
+        <p:spPr>
+          <a:xfrm>
+            <a:off x="5782027" y="621416"/>
+            <a:ext cx="627945" cy="1020000"/>
+          </a:xfrm>
+          <a:custGeom>
+            <a:avLst/>
+            <a:gdLst>
+              <a:gd name="connsiteX0" fmla="*/ 313973 w 627945"/>
+              <a:gd name="connsiteY0" fmla="*/ 450000 h 1020000"/>
+              <a:gd name="connsiteX1" fmla="*/ 178973 w 627945"/>
+              <a:gd name="connsiteY1" fmla="*/ 315000 h 1020000"/>
+              <a:gd name="connsiteX2" fmla="*/ 313973 w 627945"/>
+              <a:gd name="connsiteY2" fmla="*/ 180000 h 1020000"/>
+              <a:gd name="connsiteX3" fmla="*/ 448973 w 627945"/>
+              <a:gd name="connsiteY3" fmla="*/ 315000 h 1020000"/>
+              <a:gd name="connsiteX4" fmla="*/ 313973 w 627945"/>
+              <a:gd name="connsiteY4" fmla="*/ 450000 h 1020000"/>
+              <a:gd name="connsiteX5" fmla="*/ 313973 w 627945"/>
+              <a:gd name="connsiteY5" fmla="*/ 0 h 1020000"/>
+              <a:gd name="connsiteX6" fmla="*/ 54473 w 627945"/>
+              <a:gd name="connsiteY6" fmla="*/ 138000 h 1020000"/>
+              <a:gd name="connsiteX7" fmla="*/ 21473 w 627945"/>
+              <a:gd name="connsiteY7" fmla="*/ 430500 h 1020000"/>
+              <a:gd name="connsiteX8" fmla="*/ 163973 w 627945"/>
+              <a:gd name="connsiteY8" fmla="*/ 745500 h 1020000"/>
+              <a:gd name="connsiteX9" fmla="*/ 286973 w 627945"/>
+              <a:gd name="connsiteY9" fmla="*/ 1003500 h 1020000"/>
+              <a:gd name="connsiteX10" fmla="*/ 313973 w 627945"/>
+              <a:gd name="connsiteY10" fmla="*/ 1020000 h 1020000"/>
+              <a:gd name="connsiteX11" fmla="*/ 340973 w 627945"/>
+              <a:gd name="connsiteY11" fmla="*/ 1003500 h 1020000"/>
+              <a:gd name="connsiteX12" fmla="*/ 463973 w 627945"/>
+              <a:gd name="connsiteY12" fmla="*/ 745500 h 1020000"/>
+              <a:gd name="connsiteX13" fmla="*/ 606473 w 627945"/>
+              <a:gd name="connsiteY13" fmla="*/ 430500 h 1020000"/>
+              <a:gd name="connsiteX14" fmla="*/ 573473 w 627945"/>
+              <a:gd name="connsiteY14" fmla="*/ 138000 h 1020000"/>
+              <a:gd name="connsiteX15" fmla="*/ 313973 w 627945"/>
+              <a:gd name="connsiteY15" fmla="*/ 0 h 1020000"/>
+              <a:gd name="connsiteX0" fmla="*/ 313973 w 627945"/>
+              <a:gd name="connsiteY0" fmla="*/ 450000 h 1020000"/>
+              <a:gd name="connsiteX1" fmla="*/ 178973 w 627945"/>
+              <a:gd name="connsiteY1" fmla="*/ 315000 h 1020000"/>
+              <a:gd name="connsiteX2" fmla="*/ 313973 w 627945"/>
+              <a:gd name="connsiteY2" fmla="*/ 180000 h 1020000"/>
+              <a:gd name="connsiteX3" fmla="*/ 313973 w 627945"/>
+              <a:gd name="connsiteY3" fmla="*/ 450000 h 1020000"/>
+              <a:gd name="connsiteX4" fmla="*/ 313973 w 627945"/>
+              <a:gd name="connsiteY4" fmla="*/ 0 h 1020000"/>
+              <a:gd name="connsiteX5" fmla="*/ 54473 w 627945"/>
+              <a:gd name="connsiteY5" fmla="*/ 138000 h 1020000"/>
+              <a:gd name="connsiteX6" fmla="*/ 21473 w 627945"/>
+              <a:gd name="connsiteY6" fmla="*/ 430500 h 1020000"/>
+              <a:gd name="connsiteX7" fmla="*/ 163973 w 627945"/>
+              <a:gd name="connsiteY7" fmla="*/ 745500 h 1020000"/>
+              <a:gd name="connsiteX8" fmla="*/ 286973 w 627945"/>
+              <a:gd name="connsiteY8" fmla="*/ 1003500 h 1020000"/>
+              <a:gd name="connsiteX9" fmla="*/ 313973 w 627945"/>
+              <a:gd name="connsiteY9" fmla="*/ 1020000 h 1020000"/>
+              <a:gd name="connsiteX10" fmla="*/ 340973 w 627945"/>
+              <a:gd name="connsiteY10" fmla="*/ 1003500 h 1020000"/>
+              <a:gd name="connsiteX11" fmla="*/ 463973 w 627945"/>
+              <a:gd name="connsiteY11" fmla="*/ 745500 h 1020000"/>
+              <a:gd name="connsiteX12" fmla="*/ 606473 w 627945"/>
+              <a:gd name="connsiteY12" fmla="*/ 430500 h 1020000"/>
+              <a:gd name="connsiteX13" fmla="*/ 573473 w 627945"/>
+              <a:gd name="connsiteY13" fmla="*/ 138000 h 1020000"/>
+              <a:gd name="connsiteX14" fmla="*/ 313973 w 627945"/>
+              <a:gd name="connsiteY14" fmla="*/ 0 h 1020000"/>
+              <a:gd name="connsiteX0" fmla="*/ 313973 w 627945"/>
+              <a:gd name="connsiteY0" fmla="*/ 180000 h 1020000"/>
+              <a:gd name="connsiteX1" fmla="*/ 178973 w 627945"/>
+              <a:gd name="connsiteY1" fmla="*/ 315000 h 1020000"/>
+              <a:gd name="connsiteX2" fmla="*/ 313973 w 627945"/>
+              <a:gd name="connsiteY2" fmla="*/ 180000 h 1020000"/>
+              <a:gd name="connsiteX3" fmla="*/ 313973 w 627945"/>
+              <a:gd name="connsiteY3" fmla="*/ 0 h 1020000"/>
+              <a:gd name="connsiteX4" fmla="*/ 54473 w 627945"/>
+              <a:gd name="connsiteY4" fmla="*/ 138000 h 1020000"/>
+              <a:gd name="connsiteX5" fmla="*/ 21473 w 627945"/>
+              <a:gd name="connsiteY5" fmla="*/ 430500 h 1020000"/>
+              <a:gd name="connsiteX6" fmla="*/ 163973 w 627945"/>
+              <a:gd name="connsiteY6" fmla="*/ 745500 h 1020000"/>
+              <a:gd name="connsiteX7" fmla="*/ 286973 w 627945"/>
+              <a:gd name="connsiteY7" fmla="*/ 1003500 h 1020000"/>
+              <a:gd name="connsiteX8" fmla="*/ 313973 w 627945"/>
+              <a:gd name="connsiteY8" fmla="*/ 1020000 h 1020000"/>
+              <a:gd name="connsiteX9" fmla="*/ 340973 w 627945"/>
+              <a:gd name="connsiteY9" fmla="*/ 1003500 h 1020000"/>
+              <a:gd name="connsiteX10" fmla="*/ 463973 w 627945"/>
+              <a:gd name="connsiteY10" fmla="*/ 745500 h 1020000"/>
+              <a:gd name="connsiteX11" fmla="*/ 606473 w 627945"/>
+              <a:gd name="connsiteY11" fmla="*/ 430500 h 1020000"/>
+              <a:gd name="connsiteX12" fmla="*/ 573473 w 627945"/>
+              <a:gd name="connsiteY12" fmla="*/ 138000 h 1020000"/>
+              <a:gd name="connsiteX13" fmla="*/ 313973 w 627945"/>
+              <a:gd name="connsiteY13" fmla="*/ 0 h 1020000"/>
+              <a:gd name="connsiteX0" fmla="*/ 313973 w 627945"/>
+              <a:gd name="connsiteY0" fmla="*/ 0 h 1020000"/>
+              <a:gd name="connsiteX1" fmla="*/ 54473 w 627945"/>
+              <a:gd name="connsiteY1" fmla="*/ 138000 h 1020000"/>
+              <a:gd name="connsiteX2" fmla="*/ 21473 w 627945"/>
+              <a:gd name="connsiteY2" fmla="*/ 430500 h 1020000"/>
+              <a:gd name="connsiteX3" fmla="*/ 163973 w 627945"/>
+              <a:gd name="connsiteY3" fmla="*/ 745500 h 1020000"/>
+              <a:gd name="connsiteX4" fmla="*/ 286973 w 627945"/>
+              <a:gd name="connsiteY4" fmla="*/ 1003500 h 1020000"/>
+              <a:gd name="connsiteX5" fmla="*/ 313973 w 627945"/>
+              <a:gd name="connsiteY5" fmla="*/ 1020000 h 1020000"/>
+              <a:gd name="connsiteX6" fmla="*/ 340973 w 627945"/>
+              <a:gd name="connsiteY6" fmla="*/ 1003500 h 1020000"/>
+              <a:gd name="connsiteX7" fmla="*/ 463973 w 627945"/>
+              <a:gd name="connsiteY7" fmla="*/ 745500 h 1020000"/>
+              <a:gd name="connsiteX8" fmla="*/ 606473 w 627945"/>
+              <a:gd name="connsiteY8" fmla="*/ 430500 h 1020000"/>
+              <a:gd name="connsiteX9" fmla="*/ 573473 w 627945"/>
+              <a:gd name="connsiteY9" fmla="*/ 138000 h 1020000"/>
+              <a:gd name="connsiteX10" fmla="*/ 313973 w 627945"/>
+              <a:gd name="connsiteY10" fmla="*/ 0 h 1020000"/>
+            </a:gdLst>
+            <a:ahLst/>
+            <a:cxnLst>
+              <a:cxn ang="0">
+                <a:pos x="connsiteX0" y="connsiteY0"/>
+              </a:cxn>
+              <a:cxn ang="0">
+                <a:pos x="connsiteX1" y="connsiteY1"/>
+              </a:cxn>
+              <a:cxn ang="0">
+                <a:pos x="connsiteX2" y="connsiteY2"/>
+              </a:cxn>
+              <a:cxn ang="0">
+                <a:pos x="connsiteX3" y="connsiteY3"/>
+              </a:cxn>
+              <a:cxn ang="0">
+                <a:pos x="connsiteX4" y="connsiteY4"/>
+              </a:cxn>
+              <a:cxn ang="0">
+                <a:pos x="connsiteX5" y="connsiteY5"/>
+              </a:cxn>
+              <a:cxn ang="0">
+                <a:pos x="connsiteX6" y="connsiteY6"/>
+              </a:cxn>
+              <a:cxn ang="0">
+                <a:pos x="connsiteX7" y="connsiteY7"/>
+              </a:cxn>
+              <a:cxn ang="0">
+                <a:pos x="connsiteX8" y="connsiteY8"/>
+              </a:cxn>
+              <a:cxn ang="0">
+                <a:pos x="connsiteX9" y="connsiteY9"/>
+              </a:cxn>
+              <a:cxn ang="0">
+                <a:pos x="connsiteX10" y="connsiteY10"/>
+              </a:cxn>
+            </a:cxnLst>
+            <a:rect l="l" t="t" r="r" b="b"/>
+            <a:pathLst>
+              <a:path w="627945" h="1020000">
+                <a:moveTo>
+                  <a:pt x="313973" y="0"/>
+                </a:moveTo>
+                <a:cubicBezTo>
+                  <a:pt x="210473" y="0"/>
+                  <a:pt x="112973" y="51000"/>
+                  <a:pt x="54473" y="138000"/>
+                </a:cubicBezTo>
+                <a:cubicBezTo>
+                  <a:pt x="-4027" y="223500"/>
+                  <a:pt x="-16027" y="333000"/>
+                  <a:pt x="21473" y="430500"/>
+                </a:cubicBezTo>
+                <a:lnTo>
+                  <a:pt x="163973" y="745500"/>
+                </a:lnTo>
+                <a:lnTo>
+                  <a:pt x="286973" y="1003500"/>
+                </a:lnTo>
+                <a:cubicBezTo>
+                  <a:pt x="291473" y="1014000"/>
+                  <a:pt x="301973" y="1020000"/>
+                  <a:pt x="313973" y="1020000"/>
+                </a:cubicBezTo>
+                <a:cubicBezTo>
+                  <a:pt x="325973" y="1020000"/>
+                  <a:pt x="336473" y="1014000"/>
+                  <a:pt x="340973" y="1003500"/>
+                </a:cubicBezTo>
+                <a:lnTo>
+                  <a:pt x="463973" y="745500"/>
+                </a:lnTo>
+                <a:lnTo>
+                  <a:pt x="606473" y="430500"/>
+                </a:lnTo>
+                <a:cubicBezTo>
+                  <a:pt x="643973" y="333000"/>
+                  <a:pt x="631973" y="223500"/>
+                  <a:pt x="573473" y="138000"/>
+                </a:cubicBezTo>
+                <a:cubicBezTo>
+                  <a:pt x="514973" y="51000"/>
+                  <a:pt x="417473" y="0"/>
+                  <a:pt x="313973" y="0"/>
+                </a:cubicBezTo>
+                <a:close/>
+              </a:path>
+            </a:pathLst>
+          </a:custGeom>
+          <a:solidFill>
+            <a:srgbClr val="17A9AE"/>
+          </a:solidFill>
+          <a:ln w="14982" cap="flat">
+            <a:solidFill>
+              <a:schemeClr val="tx1"/>
+            </a:solidFill>
+            <a:prstDash val="solid"/>
+            <a:miter/>
+          </a:ln>
+        </p:spPr>
+        <p:txBody>
+          <a:bodyPr rtlCol="0" anchor="ctr"/>
+          <a:lstStyle/>
+          <a:p>
+            <a:endParaRPr lang="en-GB"/>
+          </a:p>
+        </p:txBody>
+      </p:sp>
+      <p:sp>
+        <p:nvSpPr>
+          <p:cNvPr id="5" name="TextBox 4">
+            <a:extLst>
+              <a:ext uri="{FF2B5EF4-FFF2-40B4-BE49-F238E27FC236}">
+                <a16:creationId xmlns:a16="http://schemas.microsoft.com/office/drawing/2014/main" id="{302DBE57-6137-B5CC-8F99-0C1D95386E01}"/>
+              </a:ext>
+            </a:extLst>
+          </p:cNvPr>
+          <p:cNvSpPr txBox="1"/>
+          <p:nvPr/>
+        </p:nvSpPr>
+        <p:spPr>
+          <a:xfrm>
+            <a:off x="6751993" y="906239"/>
+            <a:ext cx="1234890" cy="369332"/>
+          </a:xfrm>
+          <a:prstGeom prst="rect">
+            <a:avLst/>
+          </a:prstGeom>
+          <a:noFill/>
+        </p:spPr>
+        <p:txBody>
+          <a:bodyPr wrap="none" rtlCol="0">
+            <a:spAutoFit/>
+          </a:bodyPr>
+          <a:lstStyle/>
+          <a:p>
+            <a:r>
+              <a:rPr lang="en-GB" dirty="0"/>
+              <a:t>Data portal</a:t>
+            </a:r>
+          </a:p>
+        </p:txBody>
+      </p:sp>
+      <p:pic>
+        <p:nvPicPr>
+          <p:cNvPr id="17" name="Graphic 16" descr="Database with solid fill">
+            <a:extLst>
+              <a:ext uri="{FF2B5EF4-FFF2-40B4-BE49-F238E27FC236}">
+                <a16:creationId xmlns:a16="http://schemas.microsoft.com/office/drawing/2014/main" id="{28E591B9-ABBD-4AEB-7AD4-E2B5B573ADA4}"/>
+              </a:ext>
+            </a:extLst>
+          </p:cNvPr>
+          <p:cNvPicPr>
+            <a:picLocks noChangeAspect="1"/>
+          </p:cNvPicPr>
+          <p:nvPr/>
+        </p:nvPicPr>
+        <p:blipFill>
+          <a:blip r:embed="rId10">
+            <a:extLst>
+              <a:ext uri="{96DAC541-7B7A-43D3-8B79-37D633B846F1}">
+                <asvg:svgBlip xmlns:asvg="http://schemas.microsoft.com/office/drawing/2016/SVG/main" r:embed="rId11"/>
+              </a:ext>
+            </a:extLst>
+          </a:blip>
+          <a:srcRect/>
+          <a:stretch/>
+        </p:blipFill>
+        <p:spPr>
+          <a:xfrm>
+            <a:off x="5861772" y="742627"/>
+            <a:ext cx="459001" cy="459001"/>
+          </a:xfrm>
+          <a:prstGeom prst="rect">
+            <a:avLst/>
+          </a:prstGeom>
+        </p:spPr>
+      </p:pic>
     </p:spTree>
     <p:extLst>
       <p:ext uri="{BB962C8B-B14F-4D97-AF65-F5344CB8AC3E}">

--- a/assets/facility-icons/icons.pptx
+++ b/assets/facility-icons/icons.pptx
@@ -270,7 +270,7 @@
           <a:p>
             <a:fld id="{11D5A04A-CF49-1842-BD70-375BE74049A1}" type="datetimeFigureOut">
               <a:rPr lang="en-GB" smtClean="0"/>
-              <a:t>08/12/2022</a:t>
+              <a:t>14/12/2022</a:t>
             </a:fld>
             <a:endParaRPr lang="en-GB"/>
           </a:p>
@@ -468,7 +468,7 @@
           <a:p>
             <a:fld id="{11D5A04A-CF49-1842-BD70-375BE74049A1}" type="datetimeFigureOut">
               <a:rPr lang="en-GB" smtClean="0"/>
-              <a:t>08/12/2022</a:t>
+              <a:t>14/12/2022</a:t>
             </a:fld>
             <a:endParaRPr lang="en-GB"/>
           </a:p>
@@ -676,7 +676,7 @@
           <a:p>
             <a:fld id="{11D5A04A-CF49-1842-BD70-375BE74049A1}" type="datetimeFigureOut">
               <a:rPr lang="en-GB" smtClean="0"/>
-              <a:t>08/12/2022</a:t>
+              <a:t>14/12/2022</a:t>
             </a:fld>
             <a:endParaRPr lang="en-GB"/>
           </a:p>
@@ -874,7 +874,7 @@
           <a:p>
             <a:fld id="{11D5A04A-CF49-1842-BD70-375BE74049A1}" type="datetimeFigureOut">
               <a:rPr lang="en-GB" smtClean="0"/>
-              <a:t>08/12/2022</a:t>
+              <a:t>14/12/2022</a:t>
             </a:fld>
             <a:endParaRPr lang="en-GB"/>
           </a:p>
@@ -1149,7 +1149,7 @@
           <a:p>
             <a:fld id="{11D5A04A-CF49-1842-BD70-375BE74049A1}" type="datetimeFigureOut">
               <a:rPr lang="en-GB" smtClean="0"/>
-              <a:t>08/12/2022</a:t>
+              <a:t>14/12/2022</a:t>
             </a:fld>
             <a:endParaRPr lang="en-GB"/>
           </a:p>
@@ -1414,7 +1414,7 @@
           <a:p>
             <a:fld id="{11D5A04A-CF49-1842-BD70-375BE74049A1}" type="datetimeFigureOut">
               <a:rPr lang="en-GB" smtClean="0"/>
-              <a:t>08/12/2022</a:t>
+              <a:t>14/12/2022</a:t>
             </a:fld>
             <a:endParaRPr lang="en-GB"/>
           </a:p>
@@ -1826,7 +1826,7 @@
           <a:p>
             <a:fld id="{11D5A04A-CF49-1842-BD70-375BE74049A1}" type="datetimeFigureOut">
               <a:rPr lang="en-GB" smtClean="0"/>
-              <a:t>08/12/2022</a:t>
+              <a:t>14/12/2022</a:t>
             </a:fld>
             <a:endParaRPr lang="en-GB"/>
           </a:p>
@@ -1967,7 +1967,7 @@
           <a:p>
             <a:fld id="{11D5A04A-CF49-1842-BD70-375BE74049A1}" type="datetimeFigureOut">
               <a:rPr lang="en-GB" smtClean="0"/>
-              <a:t>08/12/2022</a:t>
+              <a:t>14/12/2022</a:t>
             </a:fld>
             <a:endParaRPr lang="en-GB"/>
           </a:p>
@@ -2080,7 +2080,7 @@
           <a:p>
             <a:fld id="{11D5A04A-CF49-1842-BD70-375BE74049A1}" type="datetimeFigureOut">
               <a:rPr lang="en-GB" smtClean="0"/>
-              <a:t>08/12/2022</a:t>
+              <a:t>14/12/2022</a:t>
             </a:fld>
             <a:endParaRPr lang="en-GB"/>
           </a:p>
@@ -2391,7 +2391,7 @@
           <a:p>
             <a:fld id="{11D5A04A-CF49-1842-BD70-375BE74049A1}" type="datetimeFigureOut">
               <a:rPr lang="en-GB" smtClean="0"/>
-              <a:t>08/12/2022</a:t>
+              <a:t>14/12/2022</a:t>
             </a:fld>
             <a:endParaRPr lang="en-GB"/>
           </a:p>
@@ -2679,7 +2679,7 @@
           <a:p>
             <a:fld id="{11D5A04A-CF49-1842-BD70-375BE74049A1}" type="datetimeFigureOut">
               <a:rPr lang="en-GB" smtClean="0"/>
-              <a:t>08/12/2022</a:t>
+              <a:t>14/12/2022</a:t>
             </a:fld>
             <a:endParaRPr lang="en-GB"/>
           </a:p>
@@ -2920,7 +2920,7 @@
           <a:p>
             <a:fld id="{11D5A04A-CF49-1842-BD70-375BE74049A1}" type="datetimeFigureOut">
               <a:rPr lang="en-GB" smtClean="0"/>
-              <a:t>08/12/2022</a:t>
+              <a:t>14/12/2022</a:t>
             </a:fld>
             <a:endParaRPr lang="en-GB"/>
           </a:p>
@@ -3819,10 +3819,10 @@
       </p:sp>
       <p:grpSp>
         <p:nvGrpSpPr>
-          <p:cNvPr id="16" name="Group 15">
+          <p:cNvPr id="20" name="Group 19">
             <a:extLst>
               <a:ext uri="{FF2B5EF4-FFF2-40B4-BE49-F238E27FC236}">
-                <a16:creationId xmlns:a16="http://schemas.microsoft.com/office/drawing/2014/main" id="{41D4F97A-4DAD-DA0A-1447-3D5A244B50C4}"/>
+                <a16:creationId xmlns:a16="http://schemas.microsoft.com/office/drawing/2014/main" id="{CB834C1B-5237-1871-D6E2-3061CE54106D}"/>
               </a:ext>
             </a:extLst>
           </p:cNvPr>
@@ -3832,9 +3832,9 @@
         <p:grpSpPr>
           <a:xfrm>
             <a:off x="2389190" y="621416"/>
-            <a:ext cx="3185754" cy="1020000"/>
-            <a:chOff x="5468055" y="1778885"/>
-            <a:chExt cx="3185754" cy="1020000"/>
+            <a:ext cx="627945" cy="1020000"/>
+            <a:chOff x="2389190" y="621416"/>
+            <a:chExt cx="627945" cy="1020000"/>
           </a:xfrm>
         </p:grpSpPr>
         <p:sp>
@@ -3851,7 +3851,7 @@
           </p:nvSpPr>
           <p:spPr>
             <a:xfrm>
-              <a:off x="5468055" y="1778885"/>
+              <a:off x="2389190" y="621416"/>
               <a:ext cx="627945" cy="1020000"/>
             </a:xfrm>
             <a:custGeom>
@@ -4091,7 +4091,7 @@
           </p:nvSpPr>
           <p:spPr>
             <a:xfrm>
-              <a:off x="5586074" y="1985644"/>
+              <a:off x="2507209" y="828175"/>
               <a:ext cx="391907" cy="72000"/>
             </a:xfrm>
             <a:prstGeom prst="roundRect">
@@ -4145,7 +4145,7 @@
           </p:nvSpPr>
           <p:spPr>
             <a:xfrm>
-              <a:off x="5638027" y="2144059"/>
+              <a:off x="2559162" y="986590"/>
               <a:ext cx="288000" cy="72000"/>
             </a:xfrm>
             <a:prstGeom prst="roundRect">
@@ -4199,7 +4199,7 @@
           </p:nvSpPr>
           <p:spPr>
             <a:xfrm>
-              <a:off x="5674027" y="2302474"/>
+              <a:off x="2595162" y="1145005"/>
               <a:ext cx="216000" cy="72000"/>
             </a:xfrm>
             <a:prstGeom prst="roundRect">
@@ -4253,7 +4253,7 @@
           </p:nvSpPr>
           <p:spPr>
             <a:xfrm>
-              <a:off x="5710027" y="2454825"/>
+              <a:off x="2631162" y="1297356"/>
               <a:ext cx="144000" cy="72000"/>
             </a:xfrm>
             <a:prstGeom prst="roundRect">
@@ -4307,7 +4307,7 @@
           </p:nvSpPr>
           <p:spPr>
             <a:xfrm>
-              <a:off x="5746027" y="2607176"/>
+              <a:off x="2667162" y="1449707"/>
               <a:ext cx="72000" cy="72000"/>
             </a:xfrm>
             <a:prstGeom prst="roundRect">
@@ -4347,42 +4347,42 @@
             </a:p>
           </p:txBody>
         </p:sp>
-        <p:sp>
-          <p:nvSpPr>
-            <p:cNvPr id="15" name="TextBox 14">
-              <a:extLst>
-                <a:ext uri="{FF2B5EF4-FFF2-40B4-BE49-F238E27FC236}">
-                  <a16:creationId xmlns:a16="http://schemas.microsoft.com/office/drawing/2014/main" id="{285AFC6A-6C3A-F131-09CD-1C4DC8C30F94}"/>
-                </a:ext>
-              </a:extLst>
-            </p:cNvPr>
-            <p:cNvSpPr txBox="1"/>
-            <p:nvPr/>
-          </p:nvSpPr>
-          <p:spPr>
-            <a:xfrm>
-              <a:off x="6460067" y="2063708"/>
-              <a:ext cx="2193742" cy="369332"/>
-            </a:xfrm>
-            <a:prstGeom prst="rect">
-              <a:avLst/>
-            </a:prstGeom>
-            <a:noFill/>
-          </p:spPr>
-          <p:txBody>
-            <a:bodyPr wrap="none" rtlCol="0">
-              <a:spAutoFit/>
-            </a:bodyPr>
-            <a:lstStyle/>
-            <a:p>
-              <a:r>
-                <a:rPr lang="en-GB" dirty="0"/>
-                <a:t>Vertical profiling lidar</a:t>
-              </a:r>
-            </a:p>
-          </p:txBody>
-        </p:sp>
       </p:grpSp>
+      <p:sp>
+        <p:nvSpPr>
+          <p:cNvPr id="15" name="TextBox 14">
+            <a:extLst>
+              <a:ext uri="{FF2B5EF4-FFF2-40B4-BE49-F238E27FC236}">
+                <a16:creationId xmlns:a16="http://schemas.microsoft.com/office/drawing/2014/main" id="{285AFC6A-6C3A-F131-09CD-1C4DC8C30F94}"/>
+              </a:ext>
+            </a:extLst>
+          </p:cNvPr>
+          <p:cNvSpPr txBox="1"/>
+          <p:nvPr/>
+        </p:nvSpPr>
+        <p:spPr>
+          <a:xfrm>
+            <a:off x="3239154" y="906239"/>
+            <a:ext cx="1750351" cy="307777"/>
+          </a:xfrm>
+          <a:prstGeom prst="rect">
+            <a:avLst/>
+          </a:prstGeom>
+          <a:noFill/>
+        </p:spPr>
+        <p:txBody>
+          <a:bodyPr wrap="none" rtlCol="0">
+            <a:spAutoFit/>
+          </a:bodyPr>
+          <a:lstStyle/>
+          <a:p>
+            <a:r>
+              <a:rPr lang="en-GB" sz="1400" dirty="0"/>
+              <a:t>Vertical profiling lidar</a:t>
+            </a:r>
+          </a:p>
+        </p:txBody>
+      </p:sp>
       <p:sp>
         <p:nvSpPr>
           <p:cNvPr id="18" name="Graphic 4" descr="Marker with solid fill">
@@ -4637,8 +4637,8 @@
         </p:nvSpPr>
         <p:spPr>
           <a:xfrm>
-            <a:off x="3381202" y="2396372"/>
-            <a:ext cx="1084977" cy="369332"/>
+            <a:off x="3239154" y="2396372"/>
+            <a:ext cx="887038" cy="307777"/>
           </a:xfrm>
           <a:prstGeom prst="rect">
             <a:avLst/>
@@ -4652,7 +4652,7 @@
           <a:lstStyle/>
           <a:p>
             <a:r>
-              <a:rPr lang="en-GB" dirty="0"/>
+              <a:rPr lang="en-GB" sz="1400" dirty="0"/>
               <a:t>Met mast</a:t>
             </a:r>
           </a:p>
@@ -5343,8 +5343,8 @@
         </p:nvSpPr>
         <p:spPr>
           <a:xfrm>
-            <a:off x="3381201" y="3886505"/>
-            <a:ext cx="1430200" cy="369332"/>
+            <a:off x="3239154" y="3886505"/>
+            <a:ext cx="1154483" cy="307777"/>
           </a:xfrm>
           <a:prstGeom prst="rect">
             <a:avLst/>
@@ -5358,7 +5358,7 @@
           <a:lstStyle/>
           <a:p>
             <a:r>
-              <a:rPr lang="en-GB" dirty="0"/>
+              <a:rPr lang="en-GB" sz="1400" dirty="0"/>
               <a:t>Wind turbine</a:t>
             </a:r>
           </a:p>
@@ -6239,8 +6239,8 @@
         </p:nvSpPr>
         <p:spPr>
           <a:xfrm>
-            <a:off x="3381201" y="5131520"/>
-            <a:ext cx="1180451" cy="369332"/>
+            <a:off x="3239154" y="5131520"/>
+            <a:ext cx="958596" cy="307777"/>
           </a:xfrm>
           <a:prstGeom prst="rect">
             <a:avLst/>
@@ -6254,7 +6254,7 @@
           <a:lstStyle/>
           <a:p>
             <a:r>
-              <a:rPr lang="en-GB" dirty="0"/>
+              <a:rPr lang="en-GB" sz="1400" dirty="0"/>
               <a:t>Wind farm</a:t>
             </a:r>
           </a:p>
@@ -6310,7 +6310,7 @@
         </p:nvSpPr>
         <p:spPr>
           <a:xfrm>
-            <a:off x="5787599" y="4851905"/>
+            <a:off x="5299327" y="4851905"/>
             <a:ext cx="627945" cy="1020000"/>
           </a:xfrm>
           <a:custGeom>
@@ -6550,8 +6550,8 @@
         </p:nvSpPr>
         <p:spPr>
           <a:xfrm>
-            <a:off x="6757565" y="5136728"/>
-            <a:ext cx="3083408" cy="369332"/>
+            <a:off x="6151691" y="5136728"/>
+            <a:ext cx="2440796" cy="307777"/>
           </a:xfrm>
           <a:prstGeom prst="rect">
             <a:avLst/>
@@ -6565,14 +6565,14 @@
           <a:lstStyle/>
           <a:p>
             <a:r>
-              <a:rPr lang="en-GB" dirty="0"/>
+              <a:rPr lang="en-GB" sz="1400" dirty="0"/>
               <a:t>Power systems research </a:t>
             </a:r>
             <a:r>
-              <a:rPr lang="en-GB" dirty="0" err="1"/>
+              <a:rPr lang="en-GB" sz="1400" dirty="0" err="1"/>
               <a:t>center</a:t>
             </a:r>
-            <a:endParaRPr lang="en-GB" dirty="0"/>
+            <a:endParaRPr lang="en-GB" sz="1400" dirty="0"/>
           </a:p>
         </p:txBody>
       </p:sp>
@@ -6604,7 +6604,7 @@
         </p:blipFill>
         <p:spPr>
           <a:xfrm>
-            <a:off x="5843633" y="4970439"/>
+            <a:off x="5355361" y="4970439"/>
             <a:ext cx="495281" cy="495281"/>
           </a:xfrm>
           <a:prstGeom prst="rect">
@@ -6626,7 +6626,7 @@
         </p:nvSpPr>
         <p:spPr>
           <a:xfrm>
-            <a:off x="5782027" y="3601682"/>
+            <a:off x="5293755" y="3601682"/>
             <a:ext cx="627945" cy="1020000"/>
           </a:xfrm>
           <a:custGeom>
@@ -6866,8 +6866,8 @@
         </p:nvSpPr>
         <p:spPr>
           <a:xfrm>
-            <a:off x="6751993" y="3886505"/>
-            <a:ext cx="2895601" cy="369332"/>
+            <a:off x="6146119" y="3886505"/>
+            <a:ext cx="2292807" cy="307777"/>
           </a:xfrm>
           <a:prstGeom prst="rect">
             <a:avLst/>
@@ -6881,14 +6881,14 @@
           <a:lstStyle/>
           <a:p>
             <a:r>
-              <a:rPr lang="en-GB" dirty="0"/>
+              <a:rPr lang="en-GB" sz="1400" dirty="0"/>
               <a:t>Wind energy research </a:t>
             </a:r>
             <a:r>
-              <a:rPr lang="en-GB" dirty="0" err="1"/>
+              <a:rPr lang="en-GB" sz="1400" dirty="0" err="1"/>
               <a:t>center</a:t>
             </a:r>
-            <a:endParaRPr lang="en-GB" dirty="0"/>
+            <a:endParaRPr lang="en-GB" sz="1400" dirty="0"/>
           </a:p>
         </p:txBody>
       </p:sp>
@@ -6920,7 +6920,7 @@
         </p:blipFill>
         <p:spPr>
           <a:xfrm>
-            <a:off x="5815212" y="3625937"/>
+            <a:off x="5326940" y="3625937"/>
             <a:ext cx="561575" cy="561575"/>
           </a:xfrm>
           <a:prstGeom prst="rect">
@@ -6942,7 +6942,7 @@
         </p:nvSpPr>
         <p:spPr>
           <a:xfrm>
-            <a:off x="5782027" y="2112267"/>
+            <a:off x="5293755" y="2112267"/>
             <a:ext cx="627945" cy="1020000"/>
           </a:xfrm>
           <a:custGeom>
@@ -7182,8 +7182,8 @@
         </p:nvSpPr>
         <p:spPr>
           <a:xfrm>
-            <a:off x="6751993" y="2397090"/>
-            <a:ext cx="2174506" cy="369332"/>
+            <a:off x="6146119" y="2397090"/>
+            <a:ext cx="1736116" cy="307777"/>
           </a:xfrm>
           <a:prstGeom prst="rect">
             <a:avLst/>
@@ -7197,7 +7197,7 @@
           <a:lstStyle/>
           <a:p>
             <a:r>
-              <a:rPr lang="en-GB" dirty="0"/>
+              <a:rPr lang="en-GB" sz="1400" dirty="0"/>
               <a:t>Wind energy test site</a:t>
             </a:r>
           </a:p>
@@ -7231,7 +7231,7 @@
         </p:blipFill>
         <p:spPr>
           <a:xfrm>
-            <a:off x="5861772" y="2233478"/>
+            <a:off x="5373500" y="2233478"/>
             <a:ext cx="459001" cy="459001"/>
           </a:xfrm>
           <a:prstGeom prst="rect">
@@ -7253,7 +7253,7 @@
         </p:nvSpPr>
         <p:spPr>
           <a:xfrm>
-            <a:off x="5782027" y="621416"/>
+            <a:off x="5293755" y="621416"/>
             <a:ext cx="627945" cy="1020000"/>
           </a:xfrm>
           <a:custGeom>
@@ -7493,8 +7493,8 @@
         </p:nvSpPr>
         <p:spPr>
           <a:xfrm>
-            <a:off x="6751993" y="906239"/>
-            <a:ext cx="1234890" cy="369332"/>
+            <a:off x="6146119" y="906239"/>
+            <a:ext cx="1004186" cy="307777"/>
           </a:xfrm>
           <a:prstGeom prst="rect">
             <a:avLst/>
@@ -7508,7 +7508,7 @@
           <a:lstStyle/>
           <a:p>
             <a:r>
-              <a:rPr lang="en-GB" dirty="0"/>
+              <a:rPr lang="en-GB" sz="1400" dirty="0"/>
               <a:t>Data portal</a:t>
             </a:r>
           </a:p>
@@ -7541,7 +7541,2675 @@
         </p:blipFill>
         <p:spPr>
           <a:xfrm>
-            <a:off x="5861772" y="742627"/>
+            <a:off x="5373500" y="742627"/>
+            <a:ext cx="459001" cy="459001"/>
+          </a:xfrm>
+          <a:prstGeom prst="rect">
+            <a:avLst/>
+          </a:prstGeom>
+        </p:spPr>
+      </p:pic>
+      <p:sp>
+        <p:nvSpPr>
+          <p:cNvPr id="22" name="TextBox 21">
+            <a:extLst>
+              <a:ext uri="{FF2B5EF4-FFF2-40B4-BE49-F238E27FC236}">
+                <a16:creationId xmlns:a16="http://schemas.microsoft.com/office/drawing/2014/main" id="{CC88DEFD-9C38-9282-B463-7CCDED283B61}"/>
+              </a:ext>
+            </a:extLst>
+          </p:cNvPr>
+          <p:cNvSpPr txBox="1"/>
+          <p:nvPr/>
+        </p:nvSpPr>
+        <p:spPr>
+          <a:xfrm>
+            <a:off x="9515709" y="3887318"/>
+            <a:ext cx="2292807" cy="307777"/>
+          </a:xfrm>
+          <a:prstGeom prst="rect">
+            <a:avLst/>
+          </a:prstGeom>
+          <a:noFill/>
+        </p:spPr>
+        <p:txBody>
+          <a:bodyPr wrap="none" rtlCol="0">
+            <a:spAutoFit/>
+          </a:bodyPr>
+          <a:lstStyle/>
+          <a:p>
+            <a:r>
+              <a:rPr lang="en-GB" sz="1400" dirty="0"/>
+              <a:t>Wind energy research </a:t>
+            </a:r>
+            <a:r>
+              <a:rPr lang="en-GB" sz="1400" dirty="0" err="1"/>
+              <a:t>center</a:t>
+            </a:r>
+            <a:endParaRPr lang="en-GB" sz="1400" dirty="0"/>
+          </a:p>
+        </p:txBody>
+      </p:sp>
+      <p:grpSp>
+        <p:nvGrpSpPr>
+          <p:cNvPr id="31" name="Group 30">
+            <a:extLst>
+              <a:ext uri="{FF2B5EF4-FFF2-40B4-BE49-F238E27FC236}">
+                <a16:creationId xmlns:a16="http://schemas.microsoft.com/office/drawing/2014/main" id="{B32F6CB2-5AA0-C027-9E28-432B13D0757D}"/>
+              </a:ext>
+            </a:extLst>
+          </p:cNvPr>
+          <p:cNvGrpSpPr>
+            <a:grpSpLocks noChangeAspect="1"/>
+          </p:cNvGrpSpPr>
+          <p:nvPr/>
+        </p:nvGrpSpPr>
+        <p:grpSpPr>
+          <a:xfrm>
+            <a:off x="8843135" y="3684339"/>
+            <a:ext cx="318596" cy="561576"/>
+            <a:chOff x="2592518" y="3713719"/>
+            <a:chExt cx="307557" cy="542118"/>
+          </a:xfrm>
+        </p:grpSpPr>
+        <p:sp>
+          <p:nvSpPr>
+            <p:cNvPr id="32" name="Freeform 31">
+              <a:extLst>
+                <a:ext uri="{FF2B5EF4-FFF2-40B4-BE49-F238E27FC236}">
+                  <a16:creationId xmlns:a16="http://schemas.microsoft.com/office/drawing/2014/main" id="{497EAA44-7041-1134-AD17-A97500795D51}"/>
+                </a:ext>
+              </a:extLst>
+            </p:cNvPr>
+            <p:cNvSpPr/>
+            <p:nvPr/>
+          </p:nvSpPr>
+          <p:spPr>
+            <a:xfrm>
+              <a:off x="2669533" y="3939663"/>
+              <a:ext cx="123712" cy="316174"/>
+            </a:xfrm>
+            <a:custGeom>
+              <a:avLst/>
+              <a:gdLst>
+                <a:gd name="connsiteX0" fmla="*/ 69709 w 123712"/>
+                <a:gd name="connsiteY0" fmla="*/ 0 h 316174"/>
+                <a:gd name="connsiteX1" fmla="*/ 37997 w 123712"/>
+                <a:gd name="connsiteY1" fmla="*/ 22881 h 316174"/>
+                <a:gd name="connsiteX2" fmla="*/ 24725 w 123712"/>
+                <a:gd name="connsiteY2" fmla="*/ 292610 h 316174"/>
+                <a:gd name="connsiteX3" fmla="*/ 0 w 123712"/>
+                <a:gd name="connsiteY3" fmla="*/ 292610 h 316174"/>
+                <a:gd name="connsiteX4" fmla="*/ 0 w 123712"/>
+                <a:gd name="connsiteY4" fmla="*/ 316174 h 316174"/>
+                <a:gd name="connsiteX5" fmla="*/ 23564 w 123712"/>
+                <a:gd name="connsiteY5" fmla="*/ 316174 h 316174"/>
+                <a:gd name="connsiteX6" fmla="*/ 100148 w 123712"/>
+                <a:gd name="connsiteY6" fmla="*/ 316174 h 316174"/>
+                <a:gd name="connsiteX7" fmla="*/ 123713 w 123712"/>
+                <a:gd name="connsiteY7" fmla="*/ 316174 h 316174"/>
+                <a:gd name="connsiteX8" fmla="*/ 123713 w 123712"/>
+                <a:gd name="connsiteY8" fmla="*/ 292610 h 316174"/>
+                <a:gd name="connsiteX9" fmla="*/ 98605 w 123712"/>
+                <a:gd name="connsiteY9" fmla="*/ 292610 h 316174"/>
+                <a:gd name="connsiteX10" fmla="*/ 79547 w 123712"/>
+                <a:gd name="connsiteY10" fmla="*/ 2027 h 316174"/>
+                <a:gd name="connsiteX11" fmla="*/ 69709 w 123712"/>
+                <a:gd name="connsiteY11" fmla="*/ 0 h 316174"/>
+              </a:gdLst>
+              <a:ahLst/>
+              <a:cxnLst>
+                <a:cxn ang="0">
+                  <a:pos x="connsiteX0" y="connsiteY0"/>
+                </a:cxn>
+                <a:cxn ang="0">
+                  <a:pos x="connsiteX1" y="connsiteY1"/>
+                </a:cxn>
+                <a:cxn ang="0">
+                  <a:pos x="connsiteX2" y="connsiteY2"/>
+                </a:cxn>
+                <a:cxn ang="0">
+                  <a:pos x="connsiteX3" y="connsiteY3"/>
+                </a:cxn>
+                <a:cxn ang="0">
+                  <a:pos x="connsiteX4" y="connsiteY4"/>
+                </a:cxn>
+                <a:cxn ang="0">
+                  <a:pos x="connsiteX5" y="connsiteY5"/>
+                </a:cxn>
+                <a:cxn ang="0">
+                  <a:pos x="connsiteX6" y="connsiteY6"/>
+                </a:cxn>
+                <a:cxn ang="0">
+                  <a:pos x="connsiteX7" y="connsiteY7"/>
+                </a:cxn>
+                <a:cxn ang="0">
+                  <a:pos x="connsiteX8" y="connsiteY8"/>
+                </a:cxn>
+                <a:cxn ang="0">
+                  <a:pos x="connsiteX9" y="connsiteY9"/>
+                </a:cxn>
+                <a:cxn ang="0">
+                  <a:pos x="connsiteX10" y="connsiteY10"/>
+                </a:cxn>
+                <a:cxn ang="0">
+                  <a:pos x="connsiteX11" y="connsiteY11"/>
+                </a:cxn>
+              </a:cxnLst>
+              <a:rect l="l" t="t" r="r" b="b"/>
+              <a:pathLst>
+                <a:path w="123712" h="316174">
+                  <a:moveTo>
+                    <a:pt x="69709" y="0"/>
+                  </a:moveTo>
+                  <a:lnTo>
+                    <a:pt x="37997" y="22881"/>
+                  </a:lnTo>
+                  <a:lnTo>
+                    <a:pt x="24725" y="292610"/>
+                  </a:lnTo>
+                  <a:lnTo>
+                    <a:pt x="0" y="292610"/>
+                  </a:lnTo>
+                  <a:lnTo>
+                    <a:pt x="0" y="316174"/>
+                  </a:lnTo>
+                  <a:lnTo>
+                    <a:pt x="23564" y="316174"/>
+                  </a:lnTo>
+                  <a:lnTo>
+                    <a:pt x="100148" y="316174"/>
+                  </a:lnTo>
+                  <a:lnTo>
+                    <a:pt x="123713" y="316174"/>
+                  </a:lnTo>
+                  <a:lnTo>
+                    <a:pt x="123713" y="292610"/>
+                  </a:lnTo>
+                  <a:lnTo>
+                    <a:pt x="98605" y="292610"/>
+                  </a:lnTo>
+                  <a:lnTo>
+                    <a:pt x="79547" y="2027"/>
+                  </a:lnTo>
+                  <a:lnTo>
+                    <a:pt x="69709" y="0"/>
+                  </a:lnTo>
+                  <a:close/>
+                </a:path>
+              </a:pathLst>
+            </a:custGeom>
+            <a:solidFill>
+              <a:schemeClr val="bg1"/>
+            </a:solidFill>
+            <a:ln w="5854" cap="flat">
+              <a:noFill/>
+              <a:prstDash val="solid"/>
+              <a:miter/>
+            </a:ln>
+          </p:spPr>
+          <p:txBody>
+            <a:bodyPr rtlCol="0" anchor="ctr"/>
+            <a:lstStyle/>
+            <a:p>
+              <a:endParaRPr lang="en-GB"/>
+            </a:p>
+          </p:txBody>
+        </p:sp>
+        <p:sp>
+          <p:nvSpPr>
+            <p:cNvPr id="33" name="Freeform 32">
+              <a:extLst>
+                <a:ext uri="{FF2B5EF4-FFF2-40B4-BE49-F238E27FC236}">
+                  <a16:creationId xmlns:a16="http://schemas.microsoft.com/office/drawing/2014/main" id="{CACBF976-CDCC-99CA-B211-C8340584AA05}"/>
+                </a:ext>
+              </a:extLst>
+            </p:cNvPr>
+            <p:cNvSpPr/>
+            <p:nvPr/>
+          </p:nvSpPr>
+          <p:spPr>
+            <a:xfrm>
+              <a:off x="2682632" y="3713719"/>
+              <a:ext cx="65075" cy="156611"/>
+            </a:xfrm>
+            <a:custGeom>
+              <a:avLst/>
+              <a:gdLst>
+                <a:gd name="connsiteX0" fmla="*/ 14277 w 65075"/>
+                <a:gd name="connsiteY0" fmla="*/ 152676 h 156611"/>
+                <a:gd name="connsiteX1" fmla="*/ 17028 w 65075"/>
+                <a:gd name="connsiteY1" fmla="*/ 156612 h 156611"/>
+                <a:gd name="connsiteX2" fmla="*/ 22796 w 65075"/>
+                <a:gd name="connsiteY2" fmla="*/ 149589 h 156611"/>
+                <a:gd name="connsiteX3" fmla="*/ 63898 w 65075"/>
+                <a:gd name="connsiteY3" fmla="*/ 146055 h 156611"/>
+                <a:gd name="connsiteX4" fmla="*/ 65076 w 65075"/>
+                <a:gd name="connsiteY4" fmla="*/ 140941 h 156611"/>
+                <a:gd name="connsiteX5" fmla="*/ 20722 w 65075"/>
+                <a:gd name="connsiteY5" fmla="*/ 7432 h 156611"/>
+                <a:gd name="connsiteX6" fmla="*/ 7429 w 65075"/>
+                <a:gd name="connsiteY6" fmla="*/ 489 h 156611"/>
+                <a:gd name="connsiteX7" fmla="*/ 74 w 65075"/>
+                <a:gd name="connsiteY7" fmla="*/ 11850 h 156611"/>
+              </a:gdLst>
+              <a:ahLst/>
+              <a:cxnLst>
+                <a:cxn ang="0">
+                  <a:pos x="connsiteX0" y="connsiteY0"/>
+                </a:cxn>
+                <a:cxn ang="0">
+                  <a:pos x="connsiteX1" y="connsiteY1"/>
+                </a:cxn>
+                <a:cxn ang="0">
+                  <a:pos x="connsiteX2" y="connsiteY2"/>
+                </a:cxn>
+                <a:cxn ang="0">
+                  <a:pos x="connsiteX3" y="connsiteY3"/>
+                </a:cxn>
+                <a:cxn ang="0">
+                  <a:pos x="connsiteX4" y="connsiteY4"/>
+                </a:cxn>
+                <a:cxn ang="0">
+                  <a:pos x="connsiteX5" y="connsiteY5"/>
+                </a:cxn>
+                <a:cxn ang="0">
+                  <a:pos x="connsiteX6" y="connsiteY6"/>
+                </a:cxn>
+                <a:cxn ang="0">
+                  <a:pos x="connsiteX7" y="connsiteY7"/>
+                </a:cxn>
+              </a:cxnLst>
+              <a:rect l="l" t="t" r="r" b="b"/>
+              <a:pathLst>
+                <a:path w="65075" h="156611">
+                  <a:moveTo>
+                    <a:pt x="14277" y="152676"/>
+                  </a:moveTo>
+                  <a:lnTo>
+                    <a:pt x="17028" y="156612"/>
+                  </a:lnTo>
+                  <a:cubicBezTo>
+                    <a:pt x="18623" y="154020"/>
+                    <a:pt x="20564" y="151658"/>
+                    <a:pt x="22796" y="149589"/>
+                  </a:cubicBezTo>
+                  <a:cubicBezTo>
+                    <a:pt x="34149" y="139317"/>
+                    <a:pt x="50957" y="137871"/>
+                    <a:pt x="63898" y="146055"/>
+                  </a:cubicBezTo>
+                  <a:lnTo>
+                    <a:pt x="65076" y="140941"/>
+                  </a:lnTo>
+                  <a:lnTo>
+                    <a:pt x="20722" y="7432"/>
+                  </a:lnTo>
+                  <a:cubicBezTo>
+                    <a:pt x="18968" y="1844"/>
+                    <a:pt x="13017" y="-1264"/>
+                    <a:pt x="7429" y="489"/>
+                  </a:cubicBezTo>
+                  <a:cubicBezTo>
+                    <a:pt x="2566" y="2016"/>
+                    <a:pt x="-524" y="6787"/>
+                    <a:pt x="74" y="11850"/>
+                  </a:cubicBezTo>
+                  <a:close/>
+                </a:path>
+              </a:pathLst>
+            </a:custGeom>
+            <a:solidFill>
+              <a:schemeClr val="bg1"/>
+            </a:solidFill>
+            <a:ln w="5854" cap="flat">
+              <a:noFill/>
+              <a:prstDash val="solid"/>
+              <a:miter/>
+            </a:ln>
+          </p:spPr>
+          <p:txBody>
+            <a:bodyPr rtlCol="0" anchor="ctr"/>
+            <a:lstStyle/>
+            <a:p>
+              <a:endParaRPr lang="en-GB"/>
+            </a:p>
+          </p:txBody>
+        </p:sp>
+        <p:sp>
+          <p:nvSpPr>
+            <p:cNvPr id="34" name="Freeform 33">
+              <a:extLst>
+                <a:ext uri="{FF2B5EF4-FFF2-40B4-BE49-F238E27FC236}">
+                  <a16:creationId xmlns:a16="http://schemas.microsoft.com/office/drawing/2014/main" id="{294FEAF3-B47C-8480-243D-46BC4DA97A3C}"/>
+                </a:ext>
+              </a:extLst>
+            </p:cNvPr>
+            <p:cNvSpPr/>
+            <p:nvPr/>
+          </p:nvSpPr>
+          <p:spPr>
+            <a:xfrm>
+              <a:off x="2744073" y="3874466"/>
+              <a:ext cx="156002" cy="77852"/>
+            </a:xfrm>
+            <a:custGeom>
+              <a:avLst/>
+              <a:gdLst>
+                <a:gd name="connsiteX0" fmla="*/ 149539 w 156002"/>
+                <a:gd name="connsiteY0" fmla="*/ 57485 h 77852"/>
+                <a:gd name="connsiteX1" fmla="*/ 21879 w 156002"/>
+                <a:gd name="connsiteY1" fmla="*/ 0 h 77852"/>
+                <a:gd name="connsiteX2" fmla="*/ 15558 w 156002"/>
+                <a:gd name="connsiteY2" fmla="*/ 701 h 77852"/>
+                <a:gd name="connsiteX3" fmla="*/ 0 w 156002"/>
+                <a:gd name="connsiteY3" fmla="*/ 44537 h 77852"/>
+                <a:gd name="connsiteX4" fmla="*/ 6074 w 156002"/>
+                <a:gd name="connsiteY4" fmla="*/ 49414 h 77852"/>
+                <a:gd name="connsiteX5" fmla="*/ 143041 w 156002"/>
+                <a:gd name="connsiteY5" fmla="*/ 77586 h 77852"/>
+                <a:gd name="connsiteX6" fmla="*/ 155736 w 156002"/>
+                <a:gd name="connsiteY6" fmla="*/ 69602 h 77852"/>
+                <a:gd name="connsiteX7" fmla="*/ 149539 w 156002"/>
+                <a:gd name="connsiteY7" fmla="*/ 57485 h 77852"/>
+              </a:gdLst>
+              <a:ahLst/>
+              <a:cxnLst>
+                <a:cxn ang="0">
+                  <a:pos x="connsiteX0" y="connsiteY0"/>
+                </a:cxn>
+                <a:cxn ang="0">
+                  <a:pos x="connsiteX1" y="connsiteY1"/>
+                </a:cxn>
+                <a:cxn ang="0">
+                  <a:pos x="connsiteX2" y="connsiteY2"/>
+                </a:cxn>
+                <a:cxn ang="0">
+                  <a:pos x="connsiteX3" y="connsiteY3"/>
+                </a:cxn>
+                <a:cxn ang="0">
+                  <a:pos x="connsiteX4" y="connsiteY4"/>
+                </a:cxn>
+                <a:cxn ang="0">
+                  <a:pos x="connsiteX5" y="connsiteY5"/>
+                </a:cxn>
+                <a:cxn ang="0">
+                  <a:pos x="connsiteX6" y="connsiteY6"/>
+                </a:cxn>
+                <a:cxn ang="0">
+                  <a:pos x="connsiteX7" y="connsiteY7"/>
+                </a:cxn>
+              </a:cxnLst>
+              <a:rect l="l" t="t" r="r" b="b"/>
+              <a:pathLst>
+                <a:path w="156002" h="77852">
+                  <a:moveTo>
+                    <a:pt x="149539" y="57485"/>
+                  </a:moveTo>
+                  <a:lnTo>
+                    <a:pt x="21879" y="0"/>
+                  </a:lnTo>
+                  <a:lnTo>
+                    <a:pt x="15558" y="701"/>
+                  </a:lnTo>
+                  <a:cubicBezTo>
+                    <a:pt x="23043" y="17118"/>
+                    <a:pt x="16160" y="36512"/>
+                    <a:pt x="0" y="44537"/>
+                  </a:cubicBezTo>
+                  <a:lnTo>
+                    <a:pt x="6074" y="49414"/>
+                  </a:lnTo>
+                  <a:lnTo>
+                    <a:pt x="143041" y="77586"/>
+                  </a:lnTo>
+                  <a:cubicBezTo>
+                    <a:pt x="148752" y="78886"/>
+                    <a:pt x="154435" y="75312"/>
+                    <a:pt x="155736" y="69602"/>
+                  </a:cubicBezTo>
+                  <a:cubicBezTo>
+                    <a:pt x="156877" y="64595"/>
+                    <a:pt x="154266" y="59491"/>
+                    <a:pt x="149539" y="57485"/>
+                  </a:cubicBezTo>
+                  <a:close/>
+                </a:path>
+              </a:pathLst>
+            </a:custGeom>
+            <a:solidFill>
+              <a:schemeClr val="bg1"/>
+            </a:solidFill>
+            <a:ln w="5854" cap="flat">
+              <a:noFill/>
+              <a:prstDash val="solid"/>
+              <a:miter/>
+            </a:ln>
+          </p:spPr>
+          <p:txBody>
+            <a:bodyPr rtlCol="0" anchor="ctr"/>
+            <a:lstStyle/>
+            <a:p>
+              <a:endParaRPr lang="en-GB"/>
+            </a:p>
+          </p:txBody>
+        </p:sp>
+        <p:sp>
+          <p:nvSpPr>
+            <p:cNvPr id="35" name="Freeform 34">
+              <a:extLst>
+                <a:ext uri="{FF2B5EF4-FFF2-40B4-BE49-F238E27FC236}">
+                  <a16:creationId xmlns:a16="http://schemas.microsoft.com/office/drawing/2014/main" id="{90414018-2E72-8382-3CAF-2E465CE92AC6}"/>
+                </a:ext>
+              </a:extLst>
+            </p:cNvPr>
+            <p:cNvSpPr/>
+            <p:nvPr/>
+          </p:nvSpPr>
+          <p:spPr>
+            <a:xfrm>
+              <a:off x="2592518" y="3889341"/>
+              <a:ext cx="133733" cy="124142"/>
+            </a:xfrm>
+            <a:custGeom>
+              <a:avLst/>
+              <a:gdLst>
+                <a:gd name="connsiteX0" fmla="*/ 133734 w 133733"/>
+                <a:gd name="connsiteY0" fmla="*/ 33503 h 124142"/>
+                <a:gd name="connsiteX1" fmla="*/ 101775 w 133733"/>
+                <a:gd name="connsiteY1" fmla="*/ 0 h 124142"/>
+                <a:gd name="connsiteX2" fmla="*/ 95295 w 133733"/>
+                <a:gd name="connsiteY2" fmla="*/ 2221 h 124142"/>
+                <a:gd name="connsiteX3" fmla="*/ 2763 w 133733"/>
+                <a:gd name="connsiteY3" fmla="*/ 106399 h 124142"/>
+                <a:gd name="connsiteX4" fmla="*/ 3465 w 133733"/>
+                <a:gd name="connsiteY4" fmla="*/ 121379 h 124142"/>
+                <a:gd name="connsiteX5" fmla="*/ 16902 w 133733"/>
+                <a:gd name="connsiteY5" fmla="*/ 122069 h 124142"/>
+                <a:gd name="connsiteX6" fmla="*/ 130953 w 133733"/>
+                <a:gd name="connsiteY6" fmla="*/ 39936 h 124142"/>
+              </a:gdLst>
+              <a:ahLst/>
+              <a:cxnLst>
+                <a:cxn ang="0">
+                  <a:pos x="connsiteX0" y="connsiteY0"/>
+                </a:cxn>
+                <a:cxn ang="0">
+                  <a:pos x="connsiteX1" y="connsiteY1"/>
+                </a:cxn>
+                <a:cxn ang="0">
+                  <a:pos x="connsiteX2" y="connsiteY2"/>
+                </a:cxn>
+                <a:cxn ang="0">
+                  <a:pos x="connsiteX3" y="connsiteY3"/>
+                </a:cxn>
+                <a:cxn ang="0">
+                  <a:pos x="connsiteX4" y="connsiteY4"/>
+                </a:cxn>
+                <a:cxn ang="0">
+                  <a:pos x="connsiteX5" y="connsiteY5"/>
+                </a:cxn>
+                <a:cxn ang="0">
+                  <a:pos x="connsiteX6" y="connsiteY6"/>
+                </a:cxn>
+              </a:cxnLst>
+              <a:rect l="l" t="t" r="r" b="b"/>
+              <a:pathLst>
+                <a:path w="133733" h="124142">
+                  <a:moveTo>
+                    <a:pt x="133734" y="33503"/>
+                  </a:moveTo>
+                  <a:cubicBezTo>
+                    <a:pt x="115913" y="32509"/>
+                    <a:pt x="101927" y="17848"/>
+                    <a:pt x="101775" y="0"/>
+                  </a:cubicBezTo>
+                  <a:lnTo>
+                    <a:pt x="95295" y="2221"/>
+                  </a:lnTo>
+                  <a:lnTo>
+                    <a:pt x="2763" y="106399"/>
+                  </a:lnTo>
+                  <a:cubicBezTo>
+                    <a:pt x="-1179" y="110729"/>
+                    <a:pt x="-865" y="117436"/>
+                    <a:pt x="3465" y="121379"/>
+                  </a:cubicBezTo>
+                  <a:cubicBezTo>
+                    <a:pt x="7206" y="124785"/>
+                    <a:pt x="12832" y="125074"/>
+                    <a:pt x="16902" y="122069"/>
+                  </a:cubicBezTo>
+                  <a:lnTo>
+                    <a:pt x="130953" y="39936"/>
+                  </a:lnTo>
+                  <a:close/>
+                </a:path>
+              </a:pathLst>
+            </a:custGeom>
+            <a:solidFill>
+              <a:schemeClr val="bg1"/>
+            </a:solidFill>
+            <a:ln w="5854" cap="flat">
+              <a:noFill/>
+              <a:prstDash val="solid"/>
+              <a:miter/>
+            </a:ln>
+          </p:spPr>
+          <p:txBody>
+            <a:bodyPr rtlCol="0" anchor="ctr"/>
+            <a:lstStyle/>
+            <a:p>
+              <a:endParaRPr lang="en-GB"/>
+            </a:p>
+          </p:txBody>
+        </p:sp>
+        <p:sp>
+          <p:nvSpPr>
+            <p:cNvPr id="36" name="Freeform 35">
+              <a:extLst>
+                <a:ext uri="{FF2B5EF4-FFF2-40B4-BE49-F238E27FC236}">
+                  <a16:creationId xmlns:a16="http://schemas.microsoft.com/office/drawing/2014/main" id="{C1228091-CFDE-D19C-8091-053AEB126B76}"/>
+                </a:ext>
+              </a:extLst>
+            </p:cNvPr>
+            <p:cNvSpPr/>
+            <p:nvPr/>
+          </p:nvSpPr>
+          <p:spPr>
+            <a:xfrm>
+              <a:off x="2711816" y="3872150"/>
+              <a:ext cx="33119" cy="33120"/>
+            </a:xfrm>
+            <a:custGeom>
+              <a:avLst/>
+              <a:gdLst>
+                <a:gd name="connsiteX0" fmla="*/ 5452 w 33119"/>
+                <a:gd name="connsiteY0" fmla="*/ 4278 h 33120"/>
+                <a:gd name="connsiteX1" fmla="*/ 4278 w 33119"/>
+                <a:gd name="connsiteY1" fmla="*/ 27668 h 33120"/>
+                <a:gd name="connsiteX2" fmla="*/ 27668 w 33119"/>
+                <a:gd name="connsiteY2" fmla="*/ 28842 h 33120"/>
+                <a:gd name="connsiteX3" fmla="*/ 28846 w 33119"/>
+                <a:gd name="connsiteY3" fmla="*/ 5456 h 33120"/>
+                <a:gd name="connsiteX4" fmla="*/ 5456 w 33119"/>
+                <a:gd name="connsiteY4" fmla="*/ 4275 h 33120"/>
+                <a:gd name="connsiteX5" fmla="*/ 5452 w 33119"/>
+                <a:gd name="connsiteY5" fmla="*/ 4278 h 33120"/>
+              </a:gdLst>
+              <a:ahLst/>
+              <a:cxnLst>
+                <a:cxn ang="0">
+                  <a:pos x="connsiteX0" y="connsiteY0"/>
+                </a:cxn>
+                <a:cxn ang="0">
+                  <a:pos x="connsiteX1" y="connsiteY1"/>
+                </a:cxn>
+                <a:cxn ang="0">
+                  <a:pos x="connsiteX2" y="connsiteY2"/>
+                </a:cxn>
+                <a:cxn ang="0">
+                  <a:pos x="connsiteX3" y="connsiteY3"/>
+                </a:cxn>
+                <a:cxn ang="0">
+                  <a:pos x="connsiteX4" y="connsiteY4"/>
+                </a:cxn>
+                <a:cxn ang="0">
+                  <a:pos x="connsiteX5" y="connsiteY5"/>
+                </a:cxn>
+              </a:cxnLst>
+              <a:rect l="l" t="t" r="r" b="b"/>
+              <a:pathLst>
+                <a:path w="33119" h="33120">
+                  <a:moveTo>
+                    <a:pt x="5452" y="4278"/>
+                  </a:moveTo>
+                  <a:cubicBezTo>
+                    <a:pt x="-1331" y="10413"/>
+                    <a:pt x="-1856" y="20885"/>
+                    <a:pt x="4278" y="27668"/>
+                  </a:cubicBezTo>
+                  <a:cubicBezTo>
+                    <a:pt x="10413" y="34451"/>
+                    <a:pt x="20885" y="34977"/>
+                    <a:pt x="27668" y="28842"/>
+                  </a:cubicBezTo>
+                  <a:cubicBezTo>
+                    <a:pt x="34449" y="22708"/>
+                    <a:pt x="34976" y="12240"/>
+                    <a:pt x="28846" y="5456"/>
+                  </a:cubicBezTo>
+                  <a:cubicBezTo>
+                    <a:pt x="22713" y="-1329"/>
+                    <a:pt x="12241" y="-1858"/>
+                    <a:pt x="5456" y="4275"/>
+                  </a:cubicBezTo>
+                  <a:cubicBezTo>
+                    <a:pt x="5455" y="4276"/>
+                    <a:pt x="5453" y="4277"/>
+                    <a:pt x="5452" y="4278"/>
+                  </a:cubicBezTo>
+                  <a:close/>
+                </a:path>
+              </a:pathLst>
+            </a:custGeom>
+            <a:solidFill>
+              <a:schemeClr val="bg1"/>
+            </a:solidFill>
+            <a:ln w="5854" cap="flat">
+              <a:noFill/>
+              <a:prstDash val="solid"/>
+              <a:miter/>
+            </a:ln>
+          </p:spPr>
+          <p:txBody>
+            <a:bodyPr rtlCol="0" anchor="ctr"/>
+            <a:lstStyle/>
+            <a:p>
+              <a:endParaRPr lang="en-GB"/>
+            </a:p>
+          </p:txBody>
+        </p:sp>
+      </p:grpSp>
+      <p:sp>
+        <p:nvSpPr>
+          <p:cNvPr id="42" name="Graphic 4" descr="Marker with solid fill">
+            <a:extLst>
+              <a:ext uri="{FF2B5EF4-FFF2-40B4-BE49-F238E27FC236}">
+                <a16:creationId xmlns:a16="http://schemas.microsoft.com/office/drawing/2014/main" id="{380FAB2B-7FC9-63E4-84AD-0515E470CC0A}"/>
+              </a:ext>
+            </a:extLst>
+          </p:cNvPr>
+          <p:cNvSpPr/>
+          <p:nvPr/>
+        </p:nvSpPr>
+        <p:spPr>
+          <a:xfrm>
+            <a:off x="8686157" y="3601682"/>
+            <a:ext cx="627945" cy="1020000"/>
+          </a:xfrm>
+          <a:custGeom>
+            <a:avLst/>
+            <a:gdLst>
+              <a:gd name="connsiteX0" fmla="*/ 313973 w 627945"/>
+              <a:gd name="connsiteY0" fmla="*/ 450000 h 1020000"/>
+              <a:gd name="connsiteX1" fmla="*/ 178973 w 627945"/>
+              <a:gd name="connsiteY1" fmla="*/ 315000 h 1020000"/>
+              <a:gd name="connsiteX2" fmla="*/ 313973 w 627945"/>
+              <a:gd name="connsiteY2" fmla="*/ 180000 h 1020000"/>
+              <a:gd name="connsiteX3" fmla="*/ 448973 w 627945"/>
+              <a:gd name="connsiteY3" fmla="*/ 315000 h 1020000"/>
+              <a:gd name="connsiteX4" fmla="*/ 313973 w 627945"/>
+              <a:gd name="connsiteY4" fmla="*/ 450000 h 1020000"/>
+              <a:gd name="connsiteX5" fmla="*/ 313973 w 627945"/>
+              <a:gd name="connsiteY5" fmla="*/ 0 h 1020000"/>
+              <a:gd name="connsiteX6" fmla="*/ 54473 w 627945"/>
+              <a:gd name="connsiteY6" fmla="*/ 138000 h 1020000"/>
+              <a:gd name="connsiteX7" fmla="*/ 21473 w 627945"/>
+              <a:gd name="connsiteY7" fmla="*/ 430500 h 1020000"/>
+              <a:gd name="connsiteX8" fmla="*/ 163973 w 627945"/>
+              <a:gd name="connsiteY8" fmla="*/ 745500 h 1020000"/>
+              <a:gd name="connsiteX9" fmla="*/ 286973 w 627945"/>
+              <a:gd name="connsiteY9" fmla="*/ 1003500 h 1020000"/>
+              <a:gd name="connsiteX10" fmla="*/ 313973 w 627945"/>
+              <a:gd name="connsiteY10" fmla="*/ 1020000 h 1020000"/>
+              <a:gd name="connsiteX11" fmla="*/ 340973 w 627945"/>
+              <a:gd name="connsiteY11" fmla="*/ 1003500 h 1020000"/>
+              <a:gd name="connsiteX12" fmla="*/ 463973 w 627945"/>
+              <a:gd name="connsiteY12" fmla="*/ 745500 h 1020000"/>
+              <a:gd name="connsiteX13" fmla="*/ 606473 w 627945"/>
+              <a:gd name="connsiteY13" fmla="*/ 430500 h 1020000"/>
+              <a:gd name="connsiteX14" fmla="*/ 573473 w 627945"/>
+              <a:gd name="connsiteY14" fmla="*/ 138000 h 1020000"/>
+              <a:gd name="connsiteX15" fmla="*/ 313973 w 627945"/>
+              <a:gd name="connsiteY15" fmla="*/ 0 h 1020000"/>
+              <a:gd name="connsiteX0" fmla="*/ 313973 w 627945"/>
+              <a:gd name="connsiteY0" fmla="*/ 450000 h 1020000"/>
+              <a:gd name="connsiteX1" fmla="*/ 178973 w 627945"/>
+              <a:gd name="connsiteY1" fmla="*/ 315000 h 1020000"/>
+              <a:gd name="connsiteX2" fmla="*/ 313973 w 627945"/>
+              <a:gd name="connsiteY2" fmla="*/ 180000 h 1020000"/>
+              <a:gd name="connsiteX3" fmla="*/ 313973 w 627945"/>
+              <a:gd name="connsiteY3" fmla="*/ 450000 h 1020000"/>
+              <a:gd name="connsiteX4" fmla="*/ 313973 w 627945"/>
+              <a:gd name="connsiteY4" fmla="*/ 0 h 1020000"/>
+              <a:gd name="connsiteX5" fmla="*/ 54473 w 627945"/>
+              <a:gd name="connsiteY5" fmla="*/ 138000 h 1020000"/>
+              <a:gd name="connsiteX6" fmla="*/ 21473 w 627945"/>
+              <a:gd name="connsiteY6" fmla="*/ 430500 h 1020000"/>
+              <a:gd name="connsiteX7" fmla="*/ 163973 w 627945"/>
+              <a:gd name="connsiteY7" fmla="*/ 745500 h 1020000"/>
+              <a:gd name="connsiteX8" fmla="*/ 286973 w 627945"/>
+              <a:gd name="connsiteY8" fmla="*/ 1003500 h 1020000"/>
+              <a:gd name="connsiteX9" fmla="*/ 313973 w 627945"/>
+              <a:gd name="connsiteY9" fmla="*/ 1020000 h 1020000"/>
+              <a:gd name="connsiteX10" fmla="*/ 340973 w 627945"/>
+              <a:gd name="connsiteY10" fmla="*/ 1003500 h 1020000"/>
+              <a:gd name="connsiteX11" fmla="*/ 463973 w 627945"/>
+              <a:gd name="connsiteY11" fmla="*/ 745500 h 1020000"/>
+              <a:gd name="connsiteX12" fmla="*/ 606473 w 627945"/>
+              <a:gd name="connsiteY12" fmla="*/ 430500 h 1020000"/>
+              <a:gd name="connsiteX13" fmla="*/ 573473 w 627945"/>
+              <a:gd name="connsiteY13" fmla="*/ 138000 h 1020000"/>
+              <a:gd name="connsiteX14" fmla="*/ 313973 w 627945"/>
+              <a:gd name="connsiteY14" fmla="*/ 0 h 1020000"/>
+              <a:gd name="connsiteX0" fmla="*/ 313973 w 627945"/>
+              <a:gd name="connsiteY0" fmla="*/ 180000 h 1020000"/>
+              <a:gd name="connsiteX1" fmla="*/ 178973 w 627945"/>
+              <a:gd name="connsiteY1" fmla="*/ 315000 h 1020000"/>
+              <a:gd name="connsiteX2" fmla="*/ 313973 w 627945"/>
+              <a:gd name="connsiteY2" fmla="*/ 180000 h 1020000"/>
+              <a:gd name="connsiteX3" fmla="*/ 313973 w 627945"/>
+              <a:gd name="connsiteY3" fmla="*/ 0 h 1020000"/>
+              <a:gd name="connsiteX4" fmla="*/ 54473 w 627945"/>
+              <a:gd name="connsiteY4" fmla="*/ 138000 h 1020000"/>
+              <a:gd name="connsiteX5" fmla="*/ 21473 w 627945"/>
+              <a:gd name="connsiteY5" fmla="*/ 430500 h 1020000"/>
+              <a:gd name="connsiteX6" fmla="*/ 163973 w 627945"/>
+              <a:gd name="connsiteY6" fmla="*/ 745500 h 1020000"/>
+              <a:gd name="connsiteX7" fmla="*/ 286973 w 627945"/>
+              <a:gd name="connsiteY7" fmla="*/ 1003500 h 1020000"/>
+              <a:gd name="connsiteX8" fmla="*/ 313973 w 627945"/>
+              <a:gd name="connsiteY8" fmla="*/ 1020000 h 1020000"/>
+              <a:gd name="connsiteX9" fmla="*/ 340973 w 627945"/>
+              <a:gd name="connsiteY9" fmla="*/ 1003500 h 1020000"/>
+              <a:gd name="connsiteX10" fmla="*/ 463973 w 627945"/>
+              <a:gd name="connsiteY10" fmla="*/ 745500 h 1020000"/>
+              <a:gd name="connsiteX11" fmla="*/ 606473 w 627945"/>
+              <a:gd name="connsiteY11" fmla="*/ 430500 h 1020000"/>
+              <a:gd name="connsiteX12" fmla="*/ 573473 w 627945"/>
+              <a:gd name="connsiteY12" fmla="*/ 138000 h 1020000"/>
+              <a:gd name="connsiteX13" fmla="*/ 313973 w 627945"/>
+              <a:gd name="connsiteY13" fmla="*/ 0 h 1020000"/>
+              <a:gd name="connsiteX0" fmla="*/ 313973 w 627945"/>
+              <a:gd name="connsiteY0" fmla="*/ 0 h 1020000"/>
+              <a:gd name="connsiteX1" fmla="*/ 54473 w 627945"/>
+              <a:gd name="connsiteY1" fmla="*/ 138000 h 1020000"/>
+              <a:gd name="connsiteX2" fmla="*/ 21473 w 627945"/>
+              <a:gd name="connsiteY2" fmla="*/ 430500 h 1020000"/>
+              <a:gd name="connsiteX3" fmla="*/ 163973 w 627945"/>
+              <a:gd name="connsiteY3" fmla="*/ 745500 h 1020000"/>
+              <a:gd name="connsiteX4" fmla="*/ 286973 w 627945"/>
+              <a:gd name="connsiteY4" fmla="*/ 1003500 h 1020000"/>
+              <a:gd name="connsiteX5" fmla="*/ 313973 w 627945"/>
+              <a:gd name="connsiteY5" fmla="*/ 1020000 h 1020000"/>
+              <a:gd name="connsiteX6" fmla="*/ 340973 w 627945"/>
+              <a:gd name="connsiteY6" fmla="*/ 1003500 h 1020000"/>
+              <a:gd name="connsiteX7" fmla="*/ 463973 w 627945"/>
+              <a:gd name="connsiteY7" fmla="*/ 745500 h 1020000"/>
+              <a:gd name="connsiteX8" fmla="*/ 606473 w 627945"/>
+              <a:gd name="connsiteY8" fmla="*/ 430500 h 1020000"/>
+              <a:gd name="connsiteX9" fmla="*/ 573473 w 627945"/>
+              <a:gd name="connsiteY9" fmla="*/ 138000 h 1020000"/>
+              <a:gd name="connsiteX10" fmla="*/ 313973 w 627945"/>
+              <a:gd name="connsiteY10" fmla="*/ 0 h 1020000"/>
+            </a:gdLst>
+            <a:ahLst/>
+            <a:cxnLst>
+              <a:cxn ang="0">
+                <a:pos x="connsiteX0" y="connsiteY0"/>
+              </a:cxn>
+              <a:cxn ang="0">
+                <a:pos x="connsiteX1" y="connsiteY1"/>
+              </a:cxn>
+              <a:cxn ang="0">
+                <a:pos x="connsiteX2" y="connsiteY2"/>
+              </a:cxn>
+              <a:cxn ang="0">
+                <a:pos x="connsiteX3" y="connsiteY3"/>
+              </a:cxn>
+              <a:cxn ang="0">
+                <a:pos x="connsiteX4" y="connsiteY4"/>
+              </a:cxn>
+              <a:cxn ang="0">
+                <a:pos x="connsiteX5" y="connsiteY5"/>
+              </a:cxn>
+              <a:cxn ang="0">
+                <a:pos x="connsiteX6" y="connsiteY6"/>
+              </a:cxn>
+              <a:cxn ang="0">
+                <a:pos x="connsiteX7" y="connsiteY7"/>
+              </a:cxn>
+              <a:cxn ang="0">
+                <a:pos x="connsiteX8" y="connsiteY8"/>
+              </a:cxn>
+              <a:cxn ang="0">
+                <a:pos x="connsiteX9" y="connsiteY9"/>
+              </a:cxn>
+              <a:cxn ang="0">
+                <a:pos x="connsiteX10" y="connsiteY10"/>
+              </a:cxn>
+            </a:cxnLst>
+            <a:rect l="l" t="t" r="r" b="b"/>
+            <a:pathLst>
+              <a:path w="627945" h="1020000">
+                <a:moveTo>
+                  <a:pt x="313973" y="0"/>
+                </a:moveTo>
+                <a:cubicBezTo>
+                  <a:pt x="210473" y="0"/>
+                  <a:pt x="112973" y="51000"/>
+                  <a:pt x="54473" y="138000"/>
+                </a:cubicBezTo>
+                <a:cubicBezTo>
+                  <a:pt x="-4027" y="223500"/>
+                  <a:pt x="-16027" y="333000"/>
+                  <a:pt x="21473" y="430500"/>
+                </a:cubicBezTo>
+                <a:lnTo>
+                  <a:pt x="163973" y="745500"/>
+                </a:lnTo>
+                <a:lnTo>
+                  <a:pt x="286973" y="1003500"/>
+                </a:lnTo>
+                <a:cubicBezTo>
+                  <a:pt x="291473" y="1014000"/>
+                  <a:pt x="301973" y="1020000"/>
+                  <a:pt x="313973" y="1020000"/>
+                </a:cubicBezTo>
+                <a:cubicBezTo>
+                  <a:pt x="325973" y="1020000"/>
+                  <a:pt x="336473" y="1014000"/>
+                  <a:pt x="340973" y="1003500"/>
+                </a:cubicBezTo>
+                <a:lnTo>
+                  <a:pt x="463973" y="745500"/>
+                </a:lnTo>
+                <a:lnTo>
+                  <a:pt x="606473" y="430500"/>
+                </a:lnTo>
+                <a:cubicBezTo>
+                  <a:pt x="643973" y="333000"/>
+                  <a:pt x="631973" y="223500"/>
+                  <a:pt x="573473" y="138000"/>
+                </a:cubicBezTo>
+                <a:cubicBezTo>
+                  <a:pt x="514973" y="51000"/>
+                  <a:pt x="417473" y="0"/>
+                  <a:pt x="313973" y="0"/>
+                </a:cubicBezTo>
+                <a:close/>
+              </a:path>
+            </a:pathLst>
+          </a:custGeom>
+          <a:solidFill>
+            <a:srgbClr val="17A9AE"/>
+          </a:solidFill>
+          <a:ln w="14982" cap="flat">
+            <a:solidFill>
+              <a:schemeClr val="tx1"/>
+            </a:solidFill>
+            <a:prstDash val="solid"/>
+            <a:miter/>
+          </a:ln>
+        </p:spPr>
+        <p:txBody>
+          <a:bodyPr rtlCol="0" anchor="ctr"/>
+          <a:lstStyle/>
+          <a:p>
+            <a:endParaRPr lang="en-GB" dirty="0"/>
+          </a:p>
+        </p:txBody>
+      </p:sp>
+      <p:pic>
+        <p:nvPicPr>
+          <p:cNvPr id="83" name="Graphic 82" descr="Magnifying glass with solid fill">
+            <a:extLst>
+              <a:ext uri="{FF2B5EF4-FFF2-40B4-BE49-F238E27FC236}">
+                <a16:creationId xmlns:a16="http://schemas.microsoft.com/office/drawing/2014/main" id="{2B766E91-99BB-1599-8CD5-8C34984CF286}"/>
+              </a:ext>
+            </a:extLst>
+          </p:cNvPr>
+          <p:cNvPicPr>
+            <a:picLocks noChangeAspect="1"/>
+          </p:cNvPicPr>
+          <p:nvPr/>
+        </p:nvPicPr>
+        <p:blipFill>
+          <a:blip r:embed="rId12">
+            <a:extLst>
+              <a:ext uri="{96DAC541-7B7A-43D3-8B79-37D633B846F1}">
+                <asvg:svgBlip xmlns:asvg="http://schemas.microsoft.com/office/drawing/2016/SVG/main" r:embed="rId13"/>
+              </a:ext>
+            </a:extLst>
+          </a:blip>
+          <a:stretch>
+            <a:fillRect/>
+          </a:stretch>
+        </p:blipFill>
+        <p:spPr>
+          <a:xfrm rot="1606036">
+            <a:off x="8624209" y="3615300"/>
+            <a:ext cx="743375" cy="743375"/>
+          </a:xfrm>
+          <a:prstGeom prst="rect">
+            <a:avLst/>
+          </a:prstGeom>
+        </p:spPr>
+      </p:pic>
+      <p:grpSp>
+        <p:nvGrpSpPr>
+          <p:cNvPr id="52" name="Group 51">
+            <a:extLst>
+              <a:ext uri="{FF2B5EF4-FFF2-40B4-BE49-F238E27FC236}">
+                <a16:creationId xmlns:a16="http://schemas.microsoft.com/office/drawing/2014/main" id="{517B3B25-8DE8-0DEA-6811-888F40AEC6F8}"/>
+              </a:ext>
+            </a:extLst>
+          </p:cNvPr>
+          <p:cNvGrpSpPr>
+            <a:grpSpLocks noChangeAspect="1"/>
+          </p:cNvGrpSpPr>
+          <p:nvPr/>
+        </p:nvGrpSpPr>
+        <p:grpSpPr>
+          <a:xfrm rot="19736769">
+            <a:off x="8842430" y="3739712"/>
+            <a:ext cx="258554" cy="252000"/>
+            <a:chOff x="2592518" y="3713719"/>
+            <a:chExt cx="307557" cy="299764"/>
+          </a:xfrm>
+        </p:grpSpPr>
+        <p:sp>
+          <p:nvSpPr>
+            <p:cNvPr id="54" name="Freeform 53">
+              <a:extLst>
+                <a:ext uri="{FF2B5EF4-FFF2-40B4-BE49-F238E27FC236}">
+                  <a16:creationId xmlns:a16="http://schemas.microsoft.com/office/drawing/2014/main" id="{D6E535C4-C19F-4425-B95F-95BDD140FA86}"/>
+                </a:ext>
+              </a:extLst>
+            </p:cNvPr>
+            <p:cNvSpPr/>
+            <p:nvPr/>
+          </p:nvSpPr>
+          <p:spPr>
+            <a:xfrm>
+              <a:off x="2682632" y="3713719"/>
+              <a:ext cx="65075" cy="156611"/>
+            </a:xfrm>
+            <a:custGeom>
+              <a:avLst/>
+              <a:gdLst>
+                <a:gd name="connsiteX0" fmla="*/ 14277 w 65075"/>
+                <a:gd name="connsiteY0" fmla="*/ 152676 h 156611"/>
+                <a:gd name="connsiteX1" fmla="*/ 17028 w 65075"/>
+                <a:gd name="connsiteY1" fmla="*/ 156612 h 156611"/>
+                <a:gd name="connsiteX2" fmla="*/ 22796 w 65075"/>
+                <a:gd name="connsiteY2" fmla="*/ 149589 h 156611"/>
+                <a:gd name="connsiteX3" fmla="*/ 63898 w 65075"/>
+                <a:gd name="connsiteY3" fmla="*/ 146055 h 156611"/>
+                <a:gd name="connsiteX4" fmla="*/ 65076 w 65075"/>
+                <a:gd name="connsiteY4" fmla="*/ 140941 h 156611"/>
+                <a:gd name="connsiteX5" fmla="*/ 20722 w 65075"/>
+                <a:gd name="connsiteY5" fmla="*/ 7432 h 156611"/>
+                <a:gd name="connsiteX6" fmla="*/ 7429 w 65075"/>
+                <a:gd name="connsiteY6" fmla="*/ 489 h 156611"/>
+                <a:gd name="connsiteX7" fmla="*/ 74 w 65075"/>
+                <a:gd name="connsiteY7" fmla="*/ 11850 h 156611"/>
+              </a:gdLst>
+              <a:ahLst/>
+              <a:cxnLst>
+                <a:cxn ang="0">
+                  <a:pos x="connsiteX0" y="connsiteY0"/>
+                </a:cxn>
+                <a:cxn ang="0">
+                  <a:pos x="connsiteX1" y="connsiteY1"/>
+                </a:cxn>
+                <a:cxn ang="0">
+                  <a:pos x="connsiteX2" y="connsiteY2"/>
+                </a:cxn>
+                <a:cxn ang="0">
+                  <a:pos x="connsiteX3" y="connsiteY3"/>
+                </a:cxn>
+                <a:cxn ang="0">
+                  <a:pos x="connsiteX4" y="connsiteY4"/>
+                </a:cxn>
+                <a:cxn ang="0">
+                  <a:pos x="connsiteX5" y="connsiteY5"/>
+                </a:cxn>
+                <a:cxn ang="0">
+                  <a:pos x="connsiteX6" y="connsiteY6"/>
+                </a:cxn>
+                <a:cxn ang="0">
+                  <a:pos x="connsiteX7" y="connsiteY7"/>
+                </a:cxn>
+              </a:cxnLst>
+              <a:rect l="l" t="t" r="r" b="b"/>
+              <a:pathLst>
+                <a:path w="65075" h="156611">
+                  <a:moveTo>
+                    <a:pt x="14277" y="152676"/>
+                  </a:moveTo>
+                  <a:lnTo>
+                    <a:pt x="17028" y="156612"/>
+                  </a:lnTo>
+                  <a:cubicBezTo>
+                    <a:pt x="18623" y="154020"/>
+                    <a:pt x="20564" y="151658"/>
+                    <a:pt x="22796" y="149589"/>
+                  </a:cubicBezTo>
+                  <a:cubicBezTo>
+                    <a:pt x="34149" y="139317"/>
+                    <a:pt x="50957" y="137871"/>
+                    <a:pt x="63898" y="146055"/>
+                  </a:cubicBezTo>
+                  <a:lnTo>
+                    <a:pt x="65076" y="140941"/>
+                  </a:lnTo>
+                  <a:lnTo>
+                    <a:pt x="20722" y="7432"/>
+                  </a:lnTo>
+                  <a:cubicBezTo>
+                    <a:pt x="18968" y="1844"/>
+                    <a:pt x="13017" y="-1264"/>
+                    <a:pt x="7429" y="489"/>
+                  </a:cubicBezTo>
+                  <a:cubicBezTo>
+                    <a:pt x="2566" y="2016"/>
+                    <a:pt x="-524" y="6787"/>
+                    <a:pt x="74" y="11850"/>
+                  </a:cubicBezTo>
+                  <a:close/>
+                </a:path>
+              </a:pathLst>
+            </a:custGeom>
+            <a:solidFill>
+              <a:schemeClr val="bg1"/>
+            </a:solidFill>
+            <a:ln w="3175" cap="flat">
+              <a:noFill/>
+              <a:prstDash val="solid"/>
+              <a:miter/>
+            </a:ln>
+          </p:spPr>
+          <p:txBody>
+            <a:bodyPr rtlCol="0" anchor="ctr"/>
+            <a:lstStyle/>
+            <a:p>
+              <a:endParaRPr lang="en-GB"/>
+            </a:p>
+          </p:txBody>
+        </p:sp>
+        <p:sp>
+          <p:nvSpPr>
+            <p:cNvPr id="55" name="Freeform 54">
+              <a:extLst>
+                <a:ext uri="{FF2B5EF4-FFF2-40B4-BE49-F238E27FC236}">
+                  <a16:creationId xmlns:a16="http://schemas.microsoft.com/office/drawing/2014/main" id="{50E92586-C4B9-DE94-7B24-4F4307F69065}"/>
+                </a:ext>
+              </a:extLst>
+            </p:cNvPr>
+            <p:cNvSpPr/>
+            <p:nvPr/>
+          </p:nvSpPr>
+          <p:spPr>
+            <a:xfrm>
+              <a:off x="2744073" y="3874466"/>
+              <a:ext cx="156002" cy="77852"/>
+            </a:xfrm>
+            <a:custGeom>
+              <a:avLst/>
+              <a:gdLst>
+                <a:gd name="connsiteX0" fmla="*/ 149539 w 156002"/>
+                <a:gd name="connsiteY0" fmla="*/ 57485 h 77852"/>
+                <a:gd name="connsiteX1" fmla="*/ 21879 w 156002"/>
+                <a:gd name="connsiteY1" fmla="*/ 0 h 77852"/>
+                <a:gd name="connsiteX2" fmla="*/ 15558 w 156002"/>
+                <a:gd name="connsiteY2" fmla="*/ 701 h 77852"/>
+                <a:gd name="connsiteX3" fmla="*/ 0 w 156002"/>
+                <a:gd name="connsiteY3" fmla="*/ 44537 h 77852"/>
+                <a:gd name="connsiteX4" fmla="*/ 6074 w 156002"/>
+                <a:gd name="connsiteY4" fmla="*/ 49414 h 77852"/>
+                <a:gd name="connsiteX5" fmla="*/ 143041 w 156002"/>
+                <a:gd name="connsiteY5" fmla="*/ 77586 h 77852"/>
+                <a:gd name="connsiteX6" fmla="*/ 155736 w 156002"/>
+                <a:gd name="connsiteY6" fmla="*/ 69602 h 77852"/>
+                <a:gd name="connsiteX7" fmla="*/ 149539 w 156002"/>
+                <a:gd name="connsiteY7" fmla="*/ 57485 h 77852"/>
+              </a:gdLst>
+              <a:ahLst/>
+              <a:cxnLst>
+                <a:cxn ang="0">
+                  <a:pos x="connsiteX0" y="connsiteY0"/>
+                </a:cxn>
+                <a:cxn ang="0">
+                  <a:pos x="connsiteX1" y="connsiteY1"/>
+                </a:cxn>
+                <a:cxn ang="0">
+                  <a:pos x="connsiteX2" y="connsiteY2"/>
+                </a:cxn>
+                <a:cxn ang="0">
+                  <a:pos x="connsiteX3" y="connsiteY3"/>
+                </a:cxn>
+                <a:cxn ang="0">
+                  <a:pos x="connsiteX4" y="connsiteY4"/>
+                </a:cxn>
+                <a:cxn ang="0">
+                  <a:pos x="connsiteX5" y="connsiteY5"/>
+                </a:cxn>
+                <a:cxn ang="0">
+                  <a:pos x="connsiteX6" y="connsiteY6"/>
+                </a:cxn>
+                <a:cxn ang="0">
+                  <a:pos x="connsiteX7" y="connsiteY7"/>
+                </a:cxn>
+              </a:cxnLst>
+              <a:rect l="l" t="t" r="r" b="b"/>
+              <a:pathLst>
+                <a:path w="156002" h="77852">
+                  <a:moveTo>
+                    <a:pt x="149539" y="57485"/>
+                  </a:moveTo>
+                  <a:lnTo>
+                    <a:pt x="21879" y="0"/>
+                  </a:lnTo>
+                  <a:lnTo>
+                    <a:pt x="15558" y="701"/>
+                  </a:lnTo>
+                  <a:cubicBezTo>
+                    <a:pt x="23043" y="17118"/>
+                    <a:pt x="16160" y="36512"/>
+                    <a:pt x="0" y="44537"/>
+                  </a:cubicBezTo>
+                  <a:lnTo>
+                    <a:pt x="6074" y="49414"/>
+                  </a:lnTo>
+                  <a:lnTo>
+                    <a:pt x="143041" y="77586"/>
+                  </a:lnTo>
+                  <a:cubicBezTo>
+                    <a:pt x="148752" y="78886"/>
+                    <a:pt x="154435" y="75312"/>
+                    <a:pt x="155736" y="69602"/>
+                  </a:cubicBezTo>
+                  <a:cubicBezTo>
+                    <a:pt x="156877" y="64595"/>
+                    <a:pt x="154266" y="59491"/>
+                    <a:pt x="149539" y="57485"/>
+                  </a:cubicBezTo>
+                  <a:close/>
+                </a:path>
+              </a:pathLst>
+            </a:custGeom>
+            <a:solidFill>
+              <a:schemeClr val="bg1"/>
+            </a:solidFill>
+            <a:ln w="3175" cap="flat">
+              <a:noFill/>
+              <a:prstDash val="solid"/>
+              <a:miter/>
+            </a:ln>
+          </p:spPr>
+          <p:txBody>
+            <a:bodyPr rtlCol="0" anchor="ctr"/>
+            <a:lstStyle/>
+            <a:p>
+              <a:endParaRPr lang="en-GB"/>
+            </a:p>
+          </p:txBody>
+        </p:sp>
+        <p:sp>
+          <p:nvSpPr>
+            <p:cNvPr id="56" name="Freeform 55">
+              <a:extLst>
+                <a:ext uri="{FF2B5EF4-FFF2-40B4-BE49-F238E27FC236}">
+                  <a16:creationId xmlns:a16="http://schemas.microsoft.com/office/drawing/2014/main" id="{208169D0-A0D9-0100-41C9-783B55FC1C92}"/>
+                </a:ext>
+              </a:extLst>
+            </p:cNvPr>
+            <p:cNvSpPr/>
+            <p:nvPr/>
+          </p:nvSpPr>
+          <p:spPr>
+            <a:xfrm>
+              <a:off x="2592518" y="3889341"/>
+              <a:ext cx="133733" cy="124142"/>
+            </a:xfrm>
+            <a:custGeom>
+              <a:avLst/>
+              <a:gdLst>
+                <a:gd name="connsiteX0" fmla="*/ 133734 w 133733"/>
+                <a:gd name="connsiteY0" fmla="*/ 33503 h 124142"/>
+                <a:gd name="connsiteX1" fmla="*/ 101775 w 133733"/>
+                <a:gd name="connsiteY1" fmla="*/ 0 h 124142"/>
+                <a:gd name="connsiteX2" fmla="*/ 95295 w 133733"/>
+                <a:gd name="connsiteY2" fmla="*/ 2221 h 124142"/>
+                <a:gd name="connsiteX3" fmla="*/ 2763 w 133733"/>
+                <a:gd name="connsiteY3" fmla="*/ 106399 h 124142"/>
+                <a:gd name="connsiteX4" fmla="*/ 3465 w 133733"/>
+                <a:gd name="connsiteY4" fmla="*/ 121379 h 124142"/>
+                <a:gd name="connsiteX5" fmla="*/ 16902 w 133733"/>
+                <a:gd name="connsiteY5" fmla="*/ 122069 h 124142"/>
+                <a:gd name="connsiteX6" fmla="*/ 130953 w 133733"/>
+                <a:gd name="connsiteY6" fmla="*/ 39936 h 124142"/>
+              </a:gdLst>
+              <a:ahLst/>
+              <a:cxnLst>
+                <a:cxn ang="0">
+                  <a:pos x="connsiteX0" y="connsiteY0"/>
+                </a:cxn>
+                <a:cxn ang="0">
+                  <a:pos x="connsiteX1" y="connsiteY1"/>
+                </a:cxn>
+                <a:cxn ang="0">
+                  <a:pos x="connsiteX2" y="connsiteY2"/>
+                </a:cxn>
+                <a:cxn ang="0">
+                  <a:pos x="connsiteX3" y="connsiteY3"/>
+                </a:cxn>
+                <a:cxn ang="0">
+                  <a:pos x="connsiteX4" y="connsiteY4"/>
+                </a:cxn>
+                <a:cxn ang="0">
+                  <a:pos x="connsiteX5" y="connsiteY5"/>
+                </a:cxn>
+                <a:cxn ang="0">
+                  <a:pos x="connsiteX6" y="connsiteY6"/>
+                </a:cxn>
+              </a:cxnLst>
+              <a:rect l="l" t="t" r="r" b="b"/>
+              <a:pathLst>
+                <a:path w="133733" h="124142">
+                  <a:moveTo>
+                    <a:pt x="133734" y="33503"/>
+                  </a:moveTo>
+                  <a:cubicBezTo>
+                    <a:pt x="115913" y="32509"/>
+                    <a:pt x="101927" y="17848"/>
+                    <a:pt x="101775" y="0"/>
+                  </a:cubicBezTo>
+                  <a:lnTo>
+                    <a:pt x="95295" y="2221"/>
+                  </a:lnTo>
+                  <a:lnTo>
+                    <a:pt x="2763" y="106399"/>
+                  </a:lnTo>
+                  <a:cubicBezTo>
+                    <a:pt x="-1179" y="110729"/>
+                    <a:pt x="-865" y="117436"/>
+                    <a:pt x="3465" y="121379"/>
+                  </a:cubicBezTo>
+                  <a:cubicBezTo>
+                    <a:pt x="7206" y="124785"/>
+                    <a:pt x="12832" y="125074"/>
+                    <a:pt x="16902" y="122069"/>
+                  </a:cubicBezTo>
+                  <a:lnTo>
+                    <a:pt x="130953" y="39936"/>
+                  </a:lnTo>
+                  <a:close/>
+                </a:path>
+              </a:pathLst>
+            </a:custGeom>
+            <a:solidFill>
+              <a:schemeClr val="bg1"/>
+            </a:solidFill>
+            <a:ln w="3175" cap="flat">
+              <a:noFill/>
+              <a:prstDash val="solid"/>
+              <a:miter/>
+            </a:ln>
+          </p:spPr>
+          <p:txBody>
+            <a:bodyPr rtlCol="0" anchor="ctr"/>
+            <a:lstStyle/>
+            <a:p>
+              <a:endParaRPr lang="en-GB"/>
+            </a:p>
+          </p:txBody>
+        </p:sp>
+        <p:sp>
+          <p:nvSpPr>
+            <p:cNvPr id="57" name="Freeform 56">
+              <a:extLst>
+                <a:ext uri="{FF2B5EF4-FFF2-40B4-BE49-F238E27FC236}">
+                  <a16:creationId xmlns:a16="http://schemas.microsoft.com/office/drawing/2014/main" id="{32F9BCA5-41AB-4BB6-E32D-6DC37EAA872E}"/>
+                </a:ext>
+              </a:extLst>
+            </p:cNvPr>
+            <p:cNvSpPr/>
+            <p:nvPr/>
+          </p:nvSpPr>
+          <p:spPr>
+            <a:xfrm>
+              <a:off x="2711816" y="3872150"/>
+              <a:ext cx="33119" cy="33120"/>
+            </a:xfrm>
+            <a:custGeom>
+              <a:avLst/>
+              <a:gdLst>
+                <a:gd name="connsiteX0" fmla="*/ 5452 w 33119"/>
+                <a:gd name="connsiteY0" fmla="*/ 4278 h 33120"/>
+                <a:gd name="connsiteX1" fmla="*/ 4278 w 33119"/>
+                <a:gd name="connsiteY1" fmla="*/ 27668 h 33120"/>
+                <a:gd name="connsiteX2" fmla="*/ 27668 w 33119"/>
+                <a:gd name="connsiteY2" fmla="*/ 28842 h 33120"/>
+                <a:gd name="connsiteX3" fmla="*/ 28846 w 33119"/>
+                <a:gd name="connsiteY3" fmla="*/ 5456 h 33120"/>
+                <a:gd name="connsiteX4" fmla="*/ 5456 w 33119"/>
+                <a:gd name="connsiteY4" fmla="*/ 4275 h 33120"/>
+                <a:gd name="connsiteX5" fmla="*/ 5452 w 33119"/>
+                <a:gd name="connsiteY5" fmla="*/ 4278 h 33120"/>
+              </a:gdLst>
+              <a:ahLst/>
+              <a:cxnLst>
+                <a:cxn ang="0">
+                  <a:pos x="connsiteX0" y="connsiteY0"/>
+                </a:cxn>
+                <a:cxn ang="0">
+                  <a:pos x="connsiteX1" y="connsiteY1"/>
+                </a:cxn>
+                <a:cxn ang="0">
+                  <a:pos x="connsiteX2" y="connsiteY2"/>
+                </a:cxn>
+                <a:cxn ang="0">
+                  <a:pos x="connsiteX3" y="connsiteY3"/>
+                </a:cxn>
+                <a:cxn ang="0">
+                  <a:pos x="connsiteX4" y="connsiteY4"/>
+                </a:cxn>
+                <a:cxn ang="0">
+                  <a:pos x="connsiteX5" y="connsiteY5"/>
+                </a:cxn>
+              </a:cxnLst>
+              <a:rect l="l" t="t" r="r" b="b"/>
+              <a:pathLst>
+                <a:path w="33119" h="33120">
+                  <a:moveTo>
+                    <a:pt x="5452" y="4278"/>
+                  </a:moveTo>
+                  <a:cubicBezTo>
+                    <a:pt x="-1331" y="10413"/>
+                    <a:pt x="-1856" y="20885"/>
+                    <a:pt x="4278" y="27668"/>
+                  </a:cubicBezTo>
+                  <a:cubicBezTo>
+                    <a:pt x="10413" y="34451"/>
+                    <a:pt x="20885" y="34977"/>
+                    <a:pt x="27668" y="28842"/>
+                  </a:cubicBezTo>
+                  <a:cubicBezTo>
+                    <a:pt x="34449" y="22708"/>
+                    <a:pt x="34976" y="12240"/>
+                    <a:pt x="28846" y="5456"/>
+                  </a:cubicBezTo>
+                  <a:cubicBezTo>
+                    <a:pt x="22713" y="-1329"/>
+                    <a:pt x="12241" y="-1858"/>
+                    <a:pt x="5456" y="4275"/>
+                  </a:cubicBezTo>
+                  <a:cubicBezTo>
+                    <a:pt x="5455" y="4276"/>
+                    <a:pt x="5453" y="4277"/>
+                    <a:pt x="5452" y="4278"/>
+                  </a:cubicBezTo>
+                  <a:close/>
+                </a:path>
+              </a:pathLst>
+            </a:custGeom>
+            <a:solidFill>
+              <a:schemeClr val="bg1"/>
+            </a:solidFill>
+            <a:ln w="3175" cap="flat">
+              <a:noFill/>
+              <a:prstDash val="solid"/>
+              <a:miter/>
+            </a:ln>
+          </p:spPr>
+          <p:txBody>
+            <a:bodyPr rtlCol="0" anchor="ctr"/>
+            <a:lstStyle/>
+            <a:p>
+              <a:endParaRPr lang="en-GB"/>
+            </a:p>
+          </p:txBody>
+        </p:sp>
+      </p:grpSp>
+      <p:grpSp>
+        <p:nvGrpSpPr>
+          <p:cNvPr id="85" name="Group 84">
+            <a:extLst>
+              <a:ext uri="{FF2B5EF4-FFF2-40B4-BE49-F238E27FC236}">
+                <a16:creationId xmlns:a16="http://schemas.microsoft.com/office/drawing/2014/main" id="{AFD7FCCF-3F12-9F24-A8DF-31186CCCB960}"/>
+              </a:ext>
+            </a:extLst>
+          </p:cNvPr>
+          <p:cNvGrpSpPr>
+            <a:grpSpLocks noChangeAspect="1"/>
+          </p:cNvGrpSpPr>
+          <p:nvPr/>
+        </p:nvGrpSpPr>
+        <p:grpSpPr>
+          <a:xfrm>
+            <a:off x="9128749" y="5023457"/>
+            <a:ext cx="318596" cy="561576"/>
+            <a:chOff x="2592518" y="3713719"/>
+            <a:chExt cx="307557" cy="542118"/>
+          </a:xfrm>
+        </p:grpSpPr>
+        <p:sp>
+          <p:nvSpPr>
+            <p:cNvPr id="86" name="Freeform 85">
+              <a:extLst>
+                <a:ext uri="{FF2B5EF4-FFF2-40B4-BE49-F238E27FC236}">
+                  <a16:creationId xmlns:a16="http://schemas.microsoft.com/office/drawing/2014/main" id="{4B7FCF2B-38FA-A629-D858-DC012EE23FD2}"/>
+                </a:ext>
+              </a:extLst>
+            </p:cNvPr>
+            <p:cNvSpPr/>
+            <p:nvPr/>
+          </p:nvSpPr>
+          <p:spPr>
+            <a:xfrm>
+              <a:off x="2669533" y="3939663"/>
+              <a:ext cx="123712" cy="316174"/>
+            </a:xfrm>
+            <a:custGeom>
+              <a:avLst/>
+              <a:gdLst>
+                <a:gd name="connsiteX0" fmla="*/ 69709 w 123712"/>
+                <a:gd name="connsiteY0" fmla="*/ 0 h 316174"/>
+                <a:gd name="connsiteX1" fmla="*/ 37997 w 123712"/>
+                <a:gd name="connsiteY1" fmla="*/ 22881 h 316174"/>
+                <a:gd name="connsiteX2" fmla="*/ 24725 w 123712"/>
+                <a:gd name="connsiteY2" fmla="*/ 292610 h 316174"/>
+                <a:gd name="connsiteX3" fmla="*/ 0 w 123712"/>
+                <a:gd name="connsiteY3" fmla="*/ 292610 h 316174"/>
+                <a:gd name="connsiteX4" fmla="*/ 0 w 123712"/>
+                <a:gd name="connsiteY4" fmla="*/ 316174 h 316174"/>
+                <a:gd name="connsiteX5" fmla="*/ 23564 w 123712"/>
+                <a:gd name="connsiteY5" fmla="*/ 316174 h 316174"/>
+                <a:gd name="connsiteX6" fmla="*/ 100148 w 123712"/>
+                <a:gd name="connsiteY6" fmla="*/ 316174 h 316174"/>
+                <a:gd name="connsiteX7" fmla="*/ 123713 w 123712"/>
+                <a:gd name="connsiteY7" fmla="*/ 316174 h 316174"/>
+                <a:gd name="connsiteX8" fmla="*/ 123713 w 123712"/>
+                <a:gd name="connsiteY8" fmla="*/ 292610 h 316174"/>
+                <a:gd name="connsiteX9" fmla="*/ 98605 w 123712"/>
+                <a:gd name="connsiteY9" fmla="*/ 292610 h 316174"/>
+                <a:gd name="connsiteX10" fmla="*/ 79547 w 123712"/>
+                <a:gd name="connsiteY10" fmla="*/ 2027 h 316174"/>
+                <a:gd name="connsiteX11" fmla="*/ 69709 w 123712"/>
+                <a:gd name="connsiteY11" fmla="*/ 0 h 316174"/>
+              </a:gdLst>
+              <a:ahLst/>
+              <a:cxnLst>
+                <a:cxn ang="0">
+                  <a:pos x="connsiteX0" y="connsiteY0"/>
+                </a:cxn>
+                <a:cxn ang="0">
+                  <a:pos x="connsiteX1" y="connsiteY1"/>
+                </a:cxn>
+                <a:cxn ang="0">
+                  <a:pos x="connsiteX2" y="connsiteY2"/>
+                </a:cxn>
+                <a:cxn ang="0">
+                  <a:pos x="connsiteX3" y="connsiteY3"/>
+                </a:cxn>
+                <a:cxn ang="0">
+                  <a:pos x="connsiteX4" y="connsiteY4"/>
+                </a:cxn>
+                <a:cxn ang="0">
+                  <a:pos x="connsiteX5" y="connsiteY5"/>
+                </a:cxn>
+                <a:cxn ang="0">
+                  <a:pos x="connsiteX6" y="connsiteY6"/>
+                </a:cxn>
+                <a:cxn ang="0">
+                  <a:pos x="connsiteX7" y="connsiteY7"/>
+                </a:cxn>
+                <a:cxn ang="0">
+                  <a:pos x="connsiteX8" y="connsiteY8"/>
+                </a:cxn>
+                <a:cxn ang="0">
+                  <a:pos x="connsiteX9" y="connsiteY9"/>
+                </a:cxn>
+                <a:cxn ang="0">
+                  <a:pos x="connsiteX10" y="connsiteY10"/>
+                </a:cxn>
+                <a:cxn ang="0">
+                  <a:pos x="connsiteX11" y="connsiteY11"/>
+                </a:cxn>
+              </a:cxnLst>
+              <a:rect l="l" t="t" r="r" b="b"/>
+              <a:pathLst>
+                <a:path w="123712" h="316174">
+                  <a:moveTo>
+                    <a:pt x="69709" y="0"/>
+                  </a:moveTo>
+                  <a:lnTo>
+                    <a:pt x="37997" y="22881"/>
+                  </a:lnTo>
+                  <a:lnTo>
+                    <a:pt x="24725" y="292610"/>
+                  </a:lnTo>
+                  <a:lnTo>
+                    <a:pt x="0" y="292610"/>
+                  </a:lnTo>
+                  <a:lnTo>
+                    <a:pt x="0" y="316174"/>
+                  </a:lnTo>
+                  <a:lnTo>
+                    <a:pt x="23564" y="316174"/>
+                  </a:lnTo>
+                  <a:lnTo>
+                    <a:pt x="100148" y="316174"/>
+                  </a:lnTo>
+                  <a:lnTo>
+                    <a:pt x="123713" y="316174"/>
+                  </a:lnTo>
+                  <a:lnTo>
+                    <a:pt x="123713" y="292610"/>
+                  </a:lnTo>
+                  <a:lnTo>
+                    <a:pt x="98605" y="292610"/>
+                  </a:lnTo>
+                  <a:lnTo>
+                    <a:pt x="79547" y="2027"/>
+                  </a:lnTo>
+                  <a:lnTo>
+                    <a:pt x="69709" y="0"/>
+                  </a:lnTo>
+                  <a:close/>
+                </a:path>
+              </a:pathLst>
+            </a:custGeom>
+            <a:solidFill>
+              <a:schemeClr val="bg1"/>
+            </a:solidFill>
+            <a:ln w="5854" cap="flat">
+              <a:noFill/>
+              <a:prstDash val="solid"/>
+              <a:miter/>
+            </a:ln>
+          </p:spPr>
+          <p:txBody>
+            <a:bodyPr rtlCol="0" anchor="ctr"/>
+            <a:lstStyle/>
+            <a:p>
+              <a:endParaRPr lang="en-GB"/>
+            </a:p>
+          </p:txBody>
+        </p:sp>
+        <p:sp>
+          <p:nvSpPr>
+            <p:cNvPr id="87" name="Freeform 86">
+              <a:extLst>
+                <a:ext uri="{FF2B5EF4-FFF2-40B4-BE49-F238E27FC236}">
+                  <a16:creationId xmlns:a16="http://schemas.microsoft.com/office/drawing/2014/main" id="{4B839BAD-E716-6C84-4C47-B19E91F7E12F}"/>
+                </a:ext>
+              </a:extLst>
+            </p:cNvPr>
+            <p:cNvSpPr/>
+            <p:nvPr/>
+          </p:nvSpPr>
+          <p:spPr>
+            <a:xfrm>
+              <a:off x="2682632" y="3713719"/>
+              <a:ext cx="65075" cy="156611"/>
+            </a:xfrm>
+            <a:custGeom>
+              <a:avLst/>
+              <a:gdLst>
+                <a:gd name="connsiteX0" fmla="*/ 14277 w 65075"/>
+                <a:gd name="connsiteY0" fmla="*/ 152676 h 156611"/>
+                <a:gd name="connsiteX1" fmla="*/ 17028 w 65075"/>
+                <a:gd name="connsiteY1" fmla="*/ 156612 h 156611"/>
+                <a:gd name="connsiteX2" fmla="*/ 22796 w 65075"/>
+                <a:gd name="connsiteY2" fmla="*/ 149589 h 156611"/>
+                <a:gd name="connsiteX3" fmla="*/ 63898 w 65075"/>
+                <a:gd name="connsiteY3" fmla="*/ 146055 h 156611"/>
+                <a:gd name="connsiteX4" fmla="*/ 65076 w 65075"/>
+                <a:gd name="connsiteY4" fmla="*/ 140941 h 156611"/>
+                <a:gd name="connsiteX5" fmla="*/ 20722 w 65075"/>
+                <a:gd name="connsiteY5" fmla="*/ 7432 h 156611"/>
+                <a:gd name="connsiteX6" fmla="*/ 7429 w 65075"/>
+                <a:gd name="connsiteY6" fmla="*/ 489 h 156611"/>
+                <a:gd name="connsiteX7" fmla="*/ 74 w 65075"/>
+                <a:gd name="connsiteY7" fmla="*/ 11850 h 156611"/>
+              </a:gdLst>
+              <a:ahLst/>
+              <a:cxnLst>
+                <a:cxn ang="0">
+                  <a:pos x="connsiteX0" y="connsiteY0"/>
+                </a:cxn>
+                <a:cxn ang="0">
+                  <a:pos x="connsiteX1" y="connsiteY1"/>
+                </a:cxn>
+                <a:cxn ang="0">
+                  <a:pos x="connsiteX2" y="connsiteY2"/>
+                </a:cxn>
+                <a:cxn ang="0">
+                  <a:pos x="connsiteX3" y="connsiteY3"/>
+                </a:cxn>
+                <a:cxn ang="0">
+                  <a:pos x="connsiteX4" y="connsiteY4"/>
+                </a:cxn>
+                <a:cxn ang="0">
+                  <a:pos x="connsiteX5" y="connsiteY5"/>
+                </a:cxn>
+                <a:cxn ang="0">
+                  <a:pos x="connsiteX6" y="connsiteY6"/>
+                </a:cxn>
+                <a:cxn ang="0">
+                  <a:pos x="connsiteX7" y="connsiteY7"/>
+                </a:cxn>
+              </a:cxnLst>
+              <a:rect l="l" t="t" r="r" b="b"/>
+              <a:pathLst>
+                <a:path w="65075" h="156611">
+                  <a:moveTo>
+                    <a:pt x="14277" y="152676"/>
+                  </a:moveTo>
+                  <a:lnTo>
+                    <a:pt x="17028" y="156612"/>
+                  </a:lnTo>
+                  <a:cubicBezTo>
+                    <a:pt x="18623" y="154020"/>
+                    <a:pt x="20564" y="151658"/>
+                    <a:pt x="22796" y="149589"/>
+                  </a:cubicBezTo>
+                  <a:cubicBezTo>
+                    <a:pt x="34149" y="139317"/>
+                    <a:pt x="50957" y="137871"/>
+                    <a:pt x="63898" y="146055"/>
+                  </a:cubicBezTo>
+                  <a:lnTo>
+                    <a:pt x="65076" y="140941"/>
+                  </a:lnTo>
+                  <a:lnTo>
+                    <a:pt x="20722" y="7432"/>
+                  </a:lnTo>
+                  <a:cubicBezTo>
+                    <a:pt x="18968" y="1844"/>
+                    <a:pt x="13017" y="-1264"/>
+                    <a:pt x="7429" y="489"/>
+                  </a:cubicBezTo>
+                  <a:cubicBezTo>
+                    <a:pt x="2566" y="2016"/>
+                    <a:pt x="-524" y="6787"/>
+                    <a:pt x="74" y="11850"/>
+                  </a:cubicBezTo>
+                  <a:close/>
+                </a:path>
+              </a:pathLst>
+            </a:custGeom>
+            <a:solidFill>
+              <a:schemeClr val="bg1"/>
+            </a:solidFill>
+            <a:ln w="5854" cap="flat">
+              <a:noFill/>
+              <a:prstDash val="solid"/>
+              <a:miter/>
+            </a:ln>
+          </p:spPr>
+          <p:txBody>
+            <a:bodyPr rtlCol="0" anchor="ctr"/>
+            <a:lstStyle/>
+            <a:p>
+              <a:endParaRPr lang="en-GB"/>
+            </a:p>
+          </p:txBody>
+        </p:sp>
+        <p:sp>
+          <p:nvSpPr>
+            <p:cNvPr id="91" name="Freeform 90">
+              <a:extLst>
+                <a:ext uri="{FF2B5EF4-FFF2-40B4-BE49-F238E27FC236}">
+                  <a16:creationId xmlns:a16="http://schemas.microsoft.com/office/drawing/2014/main" id="{66B91EF7-9818-2106-10A2-13F2ACE63D2C}"/>
+                </a:ext>
+              </a:extLst>
+            </p:cNvPr>
+            <p:cNvSpPr/>
+            <p:nvPr/>
+          </p:nvSpPr>
+          <p:spPr>
+            <a:xfrm>
+              <a:off x="2744073" y="3874466"/>
+              <a:ext cx="156002" cy="77852"/>
+            </a:xfrm>
+            <a:custGeom>
+              <a:avLst/>
+              <a:gdLst>
+                <a:gd name="connsiteX0" fmla="*/ 149539 w 156002"/>
+                <a:gd name="connsiteY0" fmla="*/ 57485 h 77852"/>
+                <a:gd name="connsiteX1" fmla="*/ 21879 w 156002"/>
+                <a:gd name="connsiteY1" fmla="*/ 0 h 77852"/>
+                <a:gd name="connsiteX2" fmla="*/ 15558 w 156002"/>
+                <a:gd name="connsiteY2" fmla="*/ 701 h 77852"/>
+                <a:gd name="connsiteX3" fmla="*/ 0 w 156002"/>
+                <a:gd name="connsiteY3" fmla="*/ 44537 h 77852"/>
+                <a:gd name="connsiteX4" fmla="*/ 6074 w 156002"/>
+                <a:gd name="connsiteY4" fmla="*/ 49414 h 77852"/>
+                <a:gd name="connsiteX5" fmla="*/ 143041 w 156002"/>
+                <a:gd name="connsiteY5" fmla="*/ 77586 h 77852"/>
+                <a:gd name="connsiteX6" fmla="*/ 155736 w 156002"/>
+                <a:gd name="connsiteY6" fmla="*/ 69602 h 77852"/>
+                <a:gd name="connsiteX7" fmla="*/ 149539 w 156002"/>
+                <a:gd name="connsiteY7" fmla="*/ 57485 h 77852"/>
+              </a:gdLst>
+              <a:ahLst/>
+              <a:cxnLst>
+                <a:cxn ang="0">
+                  <a:pos x="connsiteX0" y="connsiteY0"/>
+                </a:cxn>
+                <a:cxn ang="0">
+                  <a:pos x="connsiteX1" y="connsiteY1"/>
+                </a:cxn>
+                <a:cxn ang="0">
+                  <a:pos x="connsiteX2" y="connsiteY2"/>
+                </a:cxn>
+                <a:cxn ang="0">
+                  <a:pos x="connsiteX3" y="connsiteY3"/>
+                </a:cxn>
+                <a:cxn ang="0">
+                  <a:pos x="connsiteX4" y="connsiteY4"/>
+                </a:cxn>
+                <a:cxn ang="0">
+                  <a:pos x="connsiteX5" y="connsiteY5"/>
+                </a:cxn>
+                <a:cxn ang="0">
+                  <a:pos x="connsiteX6" y="connsiteY6"/>
+                </a:cxn>
+                <a:cxn ang="0">
+                  <a:pos x="connsiteX7" y="connsiteY7"/>
+                </a:cxn>
+              </a:cxnLst>
+              <a:rect l="l" t="t" r="r" b="b"/>
+              <a:pathLst>
+                <a:path w="156002" h="77852">
+                  <a:moveTo>
+                    <a:pt x="149539" y="57485"/>
+                  </a:moveTo>
+                  <a:lnTo>
+                    <a:pt x="21879" y="0"/>
+                  </a:lnTo>
+                  <a:lnTo>
+                    <a:pt x="15558" y="701"/>
+                  </a:lnTo>
+                  <a:cubicBezTo>
+                    <a:pt x="23043" y="17118"/>
+                    <a:pt x="16160" y="36512"/>
+                    <a:pt x="0" y="44537"/>
+                  </a:cubicBezTo>
+                  <a:lnTo>
+                    <a:pt x="6074" y="49414"/>
+                  </a:lnTo>
+                  <a:lnTo>
+                    <a:pt x="143041" y="77586"/>
+                  </a:lnTo>
+                  <a:cubicBezTo>
+                    <a:pt x="148752" y="78886"/>
+                    <a:pt x="154435" y="75312"/>
+                    <a:pt x="155736" y="69602"/>
+                  </a:cubicBezTo>
+                  <a:cubicBezTo>
+                    <a:pt x="156877" y="64595"/>
+                    <a:pt x="154266" y="59491"/>
+                    <a:pt x="149539" y="57485"/>
+                  </a:cubicBezTo>
+                  <a:close/>
+                </a:path>
+              </a:pathLst>
+            </a:custGeom>
+            <a:solidFill>
+              <a:schemeClr val="bg1"/>
+            </a:solidFill>
+            <a:ln w="5854" cap="flat">
+              <a:noFill/>
+              <a:prstDash val="solid"/>
+              <a:miter/>
+            </a:ln>
+          </p:spPr>
+          <p:txBody>
+            <a:bodyPr rtlCol="0" anchor="ctr"/>
+            <a:lstStyle/>
+            <a:p>
+              <a:endParaRPr lang="en-GB"/>
+            </a:p>
+          </p:txBody>
+        </p:sp>
+        <p:sp>
+          <p:nvSpPr>
+            <p:cNvPr id="92" name="Freeform 91">
+              <a:extLst>
+                <a:ext uri="{FF2B5EF4-FFF2-40B4-BE49-F238E27FC236}">
+                  <a16:creationId xmlns:a16="http://schemas.microsoft.com/office/drawing/2014/main" id="{D00CAA20-3CD8-131F-58CE-7B0F43DFD2F5}"/>
+                </a:ext>
+              </a:extLst>
+            </p:cNvPr>
+            <p:cNvSpPr/>
+            <p:nvPr/>
+          </p:nvSpPr>
+          <p:spPr>
+            <a:xfrm>
+              <a:off x="2592518" y="3889341"/>
+              <a:ext cx="133733" cy="124142"/>
+            </a:xfrm>
+            <a:custGeom>
+              <a:avLst/>
+              <a:gdLst>
+                <a:gd name="connsiteX0" fmla="*/ 133734 w 133733"/>
+                <a:gd name="connsiteY0" fmla="*/ 33503 h 124142"/>
+                <a:gd name="connsiteX1" fmla="*/ 101775 w 133733"/>
+                <a:gd name="connsiteY1" fmla="*/ 0 h 124142"/>
+                <a:gd name="connsiteX2" fmla="*/ 95295 w 133733"/>
+                <a:gd name="connsiteY2" fmla="*/ 2221 h 124142"/>
+                <a:gd name="connsiteX3" fmla="*/ 2763 w 133733"/>
+                <a:gd name="connsiteY3" fmla="*/ 106399 h 124142"/>
+                <a:gd name="connsiteX4" fmla="*/ 3465 w 133733"/>
+                <a:gd name="connsiteY4" fmla="*/ 121379 h 124142"/>
+                <a:gd name="connsiteX5" fmla="*/ 16902 w 133733"/>
+                <a:gd name="connsiteY5" fmla="*/ 122069 h 124142"/>
+                <a:gd name="connsiteX6" fmla="*/ 130953 w 133733"/>
+                <a:gd name="connsiteY6" fmla="*/ 39936 h 124142"/>
+              </a:gdLst>
+              <a:ahLst/>
+              <a:cxnLst>
+                <a:cxn ang="0">
+                  <a:pos x="connsiteX0" y="connsiteY0"/>
+                </a:cxn>
+                <a:cxn ang="0">
+                  <a:pos x="connsiteX1" y="connsiteY1"/>
+                </a:cxn>
+                <a:cxn ang="0">
+                  <a:pos x="connsiteX2" y="connsiteY2"/>
+                </a:cxn>
+                <a:cxn ang="0">
+                  <a:pos x="connsiteX3" y="connsiteY3"/>
+                </a:cxn>
+                <a:cxn ang="0">
+                  <a:pos x="connsiteX4" y="connsiteY4"/>
+                </a:cxn>
+                <a:cxn ang="0">
+                  <a:pos x="connsiteX5" y="connsiteY5"/>
+                </a:cxn>
+                <a:cxn ang="0">
+                  <a:pos x="connsiteX6" y="connsiteY6"/>
+                </a:cxn>
+              </a:cxnLst>
+              <a:rect l="l" t="t" r="r" b="b"/>
+              <a:pathLst>
+                <a:path w="133733" h="124142">
+                  <a:moveTo>
+                    <a:pt x="133734" y="33503"/>
+                  </a:moveTo>
+                  <a:cubicBezTo>
+                    <a:pt x="115913" y="32509"/>
+                    <a:pt x="101927" y="17848"/>
+                    <a:pt x="101775" y="0"/>
+                  </a:cubicBezTo>
+                  <a:lnTo>
+                    <a:pt x="95295" y="2221"/>
+                  </a:lnTo>
+                  <a:lnTo>
+                    <a:pt x="2763" y="106399"/>
+                  </a:lnTo>
+                  <a:cubicBezTo>
+                    <a:pt x="-1179" y="110729"/>
+                    <a:pt x="-865" y="117436"/>
+                    <a:pt x="3465" y="121379"/>
+                  </a:cubicBezTo>
+                  <a:cubicBezTo>
+                    <a:pt x="7206" y="124785"/>
+                    <a:pt x="12832" y="125074"/>
+                    <a:pt x="16902" y="122069"/>
+                  </a:cubicBezTo>
+                  <a:lnTo>
+                    <a:pt x="130953" y="39936"/>
+                  </a:lnTo>
+                  <a:close/>
+                </a:path>
+              </a:pathLst>
+            </a:custGeom>
+            <a:solidFill>
+              <a:schemeClr val="bg1"/>
+            </a:solidFill>
+            <a:ln w="5854" cap="flat">
+              <a:noFill/>
+              <a:prstDash val="solid"/>
+              <a:miter/>
+            </a:ln>
+          </p:spPr>
+          <p:txBody>
+            <a:bodyPr rtlCol="0" anchor="ctr"/>
+            <a:lstStyle/>
+            <a:p>
+              <a:endParaRPr lang="en-GB"/>
+            </a:p>
+          </p:txBody>
+        </p:sp>
+        <p:sp>
+          <p:nvSpPr>
+            <p:cNvPr id="94" name="Freeform 93">
+              <a:extLst>
+                <a:ext uri="{FF2B5EF4-FFF2-40B4-BE49-F238E27FC236}">
+                  <a16:creationId xmlns:a16="http://schemas.microsoft.com/office/drawing/2014/main" id="{AB2238CA-80F4-AF65-DF32-C3BDD121BE0D}"/>
+                </a:ext>
+              </a:extLst>
+            </p:cNvPr>
+            <p:cNvSpPr/>
+            <p:nvPr/>
+          </p:nvSpPr>
+          <p:spPr>
+            <a:xfrm>
+              <a:off x="2711816" y="3872150"/>
+              <a:ext cx="33119" cy="33120"/>
+            </a:xfrm>
+            <a:custGeom>
+              <a:avLst/>
+              <a:gdLst>
+                <a:gd name="connsiteX0" fmla="*/ 5452 w 33119"/>
+                <a:gd name="connsiteY0" fmla="*/ 4278 h 33120"/>
+                <a:gd name="connsiteX1" fmla="*/ 4278 w 33119"/>
+                <a:gd name="connsiteY1" fmla="*/ 27668 h 33120"/>
+                <a:gd name="connsiteX2" fmla="*/ 27668 w 33119"/>
+                <a:gd name="connsiteY2" fmla="*/ 28842 h 33120"/>
+                <a:gd name="connsiteX3" fmla="*/ 28846 w 33119"/>
+                <a:gd name="connsiteY3" fmla="*/ 5456 h 33120"/>
+                <a:gd name="connsiteX4" fmla="*/ 5456 w 33119"/>
+                <a:gd name="connsiteY4" fmla="*/ 4275 h 33120"/>
+                <a:gd name="connsiteX5" fmla="*/ 5452 w 33119"/>
+                <a:gd name="connsiteY5" fmla="*/ 4278 h 33120"/>
+              </a:gdLst>
+              <a:ahLst/>
+              <a:cxnLst>
+                <a:cxn ang="0">
+                  <a:pos x="connsiteX0" y="connsiteY0"/>
+                </a:cxn>
+                <a:cxn ang="0">
+                  <a:pos x="connsiteX1" y="connsiteY1"/>
+                </a:cxn>
+                <a:cxn ang="0">
+                  <a:pos x="connsiteX2" y="connsiteY2"/>
+                </a:cxn>
+                <a:cxn ang="0">
+                  <a:pos x="connsiteX3" y="connsiteY3"/>
+                </a:cxn>
+                <a:cxn ang="0">
+                  <a:pos x="connsiteX4" y="connsiteY4"/>
+                </a:cxn>
+                <a:cxn ang="0">
+                  <a:pos x="connsiteX5" y="connsiteY5"/>
+                </a:cxn>
+              </a:cxnLst>
+              <a:rect l="l" t="t" r="r" b="b"/>
+              <a:pathLst>
+                <a:path w="33119" h="33120">
+                  <a:moveTo>
+                    <a:pt x="5452" y="4278"/>
+                  </a:moveTo>
+                  <a:cubicBezTo>
+                    <a:pt x="-1331" y="10413"/>
+                    <a:pt x="-1856" y="20885"/>
+                    <a:pt x="4278" y="27668"/>
+                  </a:cubicBezTo>
+                  <a:cubicBezTo>
+                    <a:pt x="10413" y="34451"/>
+                    <a:pt x="20885" y="34977"/>
+                    <a:pt x="27668" y="28842"/>
+                  </a:cubicBezTo>
+                  <a:cubicBezTo>
+                    <a:pt x="34449" y="22708"/>
+                    <a:pt x="34976" y="12240"/>
+                    <a:pt x="28846" y="5456"/>
+                  </a:cubicBezTo>
+                  <a:cubicBezTo>
+                    <a:pt x="22713" y="-1329"/>
+                    <a:pt x="12241" y="-1858"/>
+                    <a:pt x="5456" y="4275"/>
+                  </a:cubicBezTo>
+                  <a:cubicBezTo>
+                    <a:pt x="5455" y="4276"/>
+                    <a:pt x="5453" y="4277"/>
+                    <a:pt x="5452" y="4278"/>
+                  </a:cubicBezTo>
+                  <a:close/>
+                </a:path>
+              </a:pathLst>
+            </a:custGeom>
+            <a:solidFill>
+              <a:schemeClr val="bg1"/>
+            </a:solidFill>
+            <a:ln w="5854" cap="flat">
+              <a:noFill/>
+              <a:prstDash val="solid"/>
+              <a:miter/>
+            </a:ln>
+          </p:spPr>
+          <p:txBody>
+            <a:bodyPr rtlCol="0" anchor="ctr"/>
+            <a:lstStyle/>
+            <a:p>
+              <a:endParaRPr lang="en-GB"/>
+            </a:p>
+          </p:txBody>
+        </p:sp>
+      </p:grpSp>
+      <p:sp>
+        <p:nvSpPr>
+          <p:cNvPr id="97" name="Graphic 4" descr="Marker with solid fill">
+            <a:extLst>
+              <a:ext uri="{FF2B5EF4-FFF2-40B4-BE49-F238E27FC236}">
+                <a16:creationId xmlns:a16="http://schemas.microsoft.com/office/drawing/2014/main" id="{91AB53C4-9A70-D6CA-763E-297C876A75CE}"/>
+              </a:ext>
+            </a:extLst>
+          </p:cNvPr>
+          <p:cNvSpPr/>
+          <p:nvPr/>
+        </p:nvSpPr>
+        <p:spPr>
+          <a:xfrm>
+            <a:off x="8689921" y="4846697"/>
+            <a:ext cx="627945" cy="1020000"/>
+          </a:xfrm>
+          <a:custGeom>
+            <a:avLst/>
+            <a:gdLst>
+              <a:gd name="connsiteX0" fmla="*/ 313973 w 627945"/>
+              <a:gd name="connsiteY0" fmla="*/ 450000 h 1020000"/>
+              <a:gd name="connsiteX1" fmla="*/ 178973 w 627945"/>
+              <a:gd name="connsiteY1" fmla="*/ 315000 h 1020000"/>
+              <a:gd name="connsiteX2" fmla="*/ 313973 w 627945"/>
+              <a:gd name="connsiteY2" fmla="*/ 180000 h 1020000"/>
+              <a:gd name="connsiteX3" fmla="*/ 448973 w 627945"/>
+              <a:gd name="connsiteY3" fmla="*/ 315000 h 1020000"/>
+              <a:gd name="connsiteX4" fmla="*/ 313973 w 627945"/>
+              <a:gd name="connsiteY4" fmla="*/ 450000 h 1020000"/>
+              <a:gd name="connsiteX5" fmla="*/ 313973 w 627945"/>
+              <a:gd name="connsiteY5" fmla="*/ 0 h 1020000"/>
+              <a:gd name="connsiteX6" fmla="*/ 54473 w 627945"/>
+              <a:gd name="connsiteY6" fmla="*/ 138000 h 1020000"/>
+              <a:gd name="connsiteX7" fmla="*/ 21473 w 627945"/>
+              <a:gd name="connsiteY7" fmla="*/ 430500 h 1020000"/>
+              <a:gd name="connsiteX8" fmla="*/ 163973 w 627945"/>
+              <a:gd name="connsiteY8" fmla="*/ 745500 h 1020000"/>
+              <a:gd name="connsiteX9" fmla="*/ 286973 w 627945"/>
+              <a:gd name="connsiteY9" fmla="*/ 1003500 h 1020000"/>
+              <a:gd name="connsiteX10" fmla="*/ 313973 w 627945"/>
+              <a:gd name="connsiteY10" fmla="*/ 1020000 h 1020000"/>
+              <a:gd name="connsiteX11" fmla="*/ 340973 w 627945"/>
+              <a:gd name="connsiteY11" fmla="*/ 1003500 h 1020000"/>
+              <a:gd name="connsiteX12" fmla="*/ 463973 w 627945"/>
+              <a:gd name="connsiteY12" fmla="*/ 745500 h 1020000"/>
+              <a:gd name="connsiteX13" fmla="*/ 606473 w 627945"/>
+              <a:gd name="connsiteY13" fmla="*/ 430500 h 1020000"/>
+              <a:gd name="connsiteX14" fmla="*/ 573473 w 627945"/>
+              <a:gd name="connsiteY14" fmla="*/ 138000 h 1020000"/>
+              <a:gd name="connsiteX15" fmla="*/ 313973 w 627945"/>
+              <a:gd name="connsiteY15" fmla="*/ 0 h 1020000"/>
+              <a:gd name="connsiteX0" fmla="*/ 313973 w 627945"/>
+              <a:gd name="connsiteY0" fmla="*/ 450000 h 1020000"/>
+              <a:gd name="connsiteX1" fmla="*/ 178973 w 627945"/>
+              <a:gd name="connsiteY1" fmla="*/ 315000 h 1020000"/>
+              <a:gd name="connsiteX2" fmla="*/ 313973 w 627945"/>
+              <a:gd name="connsiteY2" fmla="*/ 180000 h 1020000"/>
+              <a:gd name="connsiteX3" fmla="*/ 313973 w 627945"/>
+              <a:gd name="connsiteY3" fmla="*/ 450000 h 1020000"/>
+              <a:gd name="connsiteX4" fmla="*/ 313973 w 627945"/>
+              <a:gd name="connsiteY4" fmla="*/ 0 h 1020000"/>
+              <a:gd name="connsiteX5" fmla="*/ 54473 w 627945"/>
+              <a:gd name="connsiteY5" fmla="*/ 138000 h 1020000"/>
+              <a:gd name="connsiteX6" fmla="*/ 21473 w 627945"/>
+              <a:gd name="connsiteY6" fmla="*/ 430500 h 1020000"/>
+              <a:gd name="connsiteX7" fmla="*/ 163973 w 627945"/>
+              <a:gd name="connsiteY7" fmla="*/ 745500 h 1020000"/>
+              <a:gd name="connsiteX8" fmla="*/ 286973 w 627945"/>
+              <a:gd name="connsiteY8" fmla="*/ 1003500 h 1020000"/>
+              <a:gd name="connsiteX9" fmla="*/ 313973 w 627945"/>
+              <a:gd name="connsiteY9" fmla="*/ 1020000 h 1020000"/>
+              <a:gd name="connsiteX10" fmla="*/ 340973 w 627945"/>
+              <a:gd name="connsiteY10" fmla="*/ 1003500 h 1020000"/>
+              <a:gd name="connsiteX11" fmla="*/ 463973 w 627945"/>
+              <a:gd name="connsiteY11" fmla="*/ 745500 h 1020000"/>
+              <a:gd name="connsiteX12" fmla="*/ 606473 w 627945"/>
+              <a:gd name="connsiteY12" fmla="*/ 430500 h 1020000"/>
+              <a:gd name="connsiteX13" fmla="*/ 573473 w 627945"/>
+              <a:gd name="connsiteY13" fmla="*/ 138000 h 1020000"/>
+              <a:gd name="connsiteX14" fmla="*/ 313973 w 627945"/>
+              <a:gd name="connsiteY14" fmla="*/ 0 h 1020000"/>
+              <a:gd name="connsiteX0" fmla="*/ 313973 w 627945"/>
+              <a:gd name="connsiteY0" fmla="*/ 180000 h 1020000"/>
+              <a:gd name="connsiteX1" fmla="*/ 178973 w 627945"/>
+              <a:gd name="connsiteY1" fmla="*/ 315000 h 1020000"/>
+              <a:gd name="connsiteX2" fmla="*/ 313973 w 627945"/>
+              <a:gd name="connsiteY2" fmla="*/ 180000 h 1020000"/>
+              <a:gd name="connsiteX3" fmla="*/ 313973 w 627945"/>
+              <a:gd name="connsiteY3" fmla="*/ 0 h 1020000"/>
+              <a:gd name="connsiteX4" fmla="*/ 54473 w 627945"/>
+              <a:gd name="connsiteY4" fmla="*/ 138000 h 1020000"/>
+              <a:gd name="connsiteX5" fmla="*/ 21473 w 627945"/>
+              <a:gd name="connsiteY5" fmla="*/ 430500 h 1020000"/>
+              <a:gd name="connsiteX6" fmla="*/ 163973 w 627945"/>
+              <a:gd name="connsiteY6" fmla="*/ 745500 h 1020000"/>
+              <a:gd name="connsiteX7" fmla="*/ 286973 w 627945"/>
+              <a:gd name="connsiteY7" fmla="*/ 1003500 h 1020000"/>
+              <a:gd name="connsiteX8" fmla="*/ 313973 w 627945"/>
+              <a:gd name="connsiteY8" fmla="*/ 1020000 h 1020000"/>
+              <a:gd name="connsiteX9" fmla="*/ 340973 w 627945"/>
+              <a:gd name="connsiteY9" fmla="*/ 1003500 h 1020000"/>
+              <a:gd name="connsiteX10" fmla="*/ 463973 w 627945"/>
+              <a:gd name="connsiteY10" fmla="*/ 745500 h 1020000"/>
+              <a:gd name="connsiteX11" fmla="*/ 606473 w 627945"/>
+              <a:gd name="connsiteY11" fmla="*/ 430500 h 1020000"/>
+              <a:gd name="connsiteX12" fmla="*/ 573473 w 627945"/>
+              <a:gd name="connsiteY12" fmla="*/ 138000 h 1020000"/>
+              <a:gd name="connsiteX13" fmla="*/ 313973 w 627945"/>
+              <a:gd name="connsiteY13" fmla="*/ 0 h 1020000"/>
+              <a:gd name="connsiteX0" fmla="*/ 313973 w 627945"/>
+              <a:gd name="connsiteY0" fmla="*/ 0 h 1020000"/>
+              <a:gd name="connsiteX1" fmla="*/ 54473 w 627945"/>
+              <a:gd name="connsiteY1" fmla="*/ 138000 h 1020000"/>
+              <a:gd name="connsiteX2" fmla="*/ 21473 w 627945"/>
+              <a:gd name="connsiteY2" fmla="*/ 430500 h 1020000"/>
+              <a:gd name="connsiteX3" fmla="*/ 163973 w 627945"/>
+              <a:gd name="connsiteY3" fmla="*/ 745500 h 1020000"/>
+              <a:gd name="connsiteX4" fmla="*/ 286973 w 627945"/>
+              <a:gd name="connsiteY4" fmla="*/ 1003500 h 1020000"/>
+              <a:gd name="connsiteX5" fmla="*/ 313973 w 627945"/>
+              <a:gd name="connsiteY5" fmla="*/ 1020000 h 1020000"/>
+              <a:gd name="connsiteX6" fmla="*/ 340973 w 627945"/>
+              <a:gd name="connsiteY6" fmla="*/ 1003500 h 1020000"/>
+              <a:gd name="connsiteX7" fmla="*/ 463973 w 627945"/>
+              <a:gd name="connsiteY7" fmla="*/ 745500 h 1020000"/>
+              <a:gd name="connsiteX8" fmla="*/ 606473 w 627945"/>
+              <a:gd name="connsiteY8" fmla="*/ 430500 h 1020000"/>
+              <a:gd name="connsiteX9" fmla="*/ 573473 w 627945"/>
+              <a:gd name="connsiteY9" fmla="*/ 138000 h 1020000"/>
+              <a:gd name="connsiteX10" fmla="*/ 313973 w 627945"/>
+              <a:gd name="connsiteY10" fmla="*/ 0 h 1020000"/>
+            </a:gdLst>
+            <a:ahLst/>
+            <a:cxnLst>
+              <a:cxn ang="0">
+                <a:pos x="connsiteX0" y="connsiteY0"/>
+              </a:cxn>
+              <a:cxn ang="0">
+                <a:pos x="connsiteX1" y="connsiteY1"/>
+              </a:cxn>
+              <a:cxn ang="0">
+                <a:pos x="connsiteX2" y="connsiteY2"/>
+              </a:cxn>
+              <a:cxn ang="0">
+                <a:pos x="connsiteX3" y="connsiteY3"/>
+              </a:cxn>
+              <a:cxn ang="0">
+                <a:pos x="connsiteX4" y="connsiteY4"/>
+              </a:cxn>
+              <a:cxn ang="0">
+                <a:pos x="connsiteX5" y="connsiteY5"/>
+              </a:cxn>
+              <a:cxn ang="0">
+                <a:pos x="connsiteX6" y="connsiteY6"/>
+              </a:cxn>
+              <a:cxn ang="0">
+                <a:pos x="connsiteX7" y="connsiteY7"/>
+              </a:cxn>
+              <a:cxn ang="0">
+                <a:pos x="connsiteX8" y="connsiteY8"/>
+              </a:cxn>
+              <a:cxn ang="0">
+                <a:pos x="connsiteX9" y="connsiteY9"/>
+              </a:cxn>
+              <a:cxn ang="0">
+                <a:pos x="connsiteX10" y="connsiteY10"/>
+              </a:cxn>
+            </a:cxnLst>
+            <a:rect l="l" t="t" r="r" b="b"/>
+            <a:pathLst>
+              <a:path w="627945" h="1020000">
+                <a:moveTo>
+                  <a:pt x="313973" y="0"/>
+                </a:moveTo>
+                <a:cubicBezTo>
+                  <a:pt x="210473" y="0"/>
+                  <a:pt x="112973" y="51000"/>
+                  <a:pt x="54473" y="138000"/>
+                </a:cubicBezTo>
+                <a:cubicBezTo>
+                  <a:pt x="-4027" y="223500"/>
+                  <a:pt x="-16027" y="333000"/>
+                  <a:pt x="21473" y="430500"/>
+                </a:cubicBezTo>
+                <a:lnTo>
+                  <a:pt x="163973" y="745500"/>
+                </a:lnTo>
+                <a:lnTo>
+                  <a:pt x="286973" y="1003500"/>
+                </a:lnTo>
+                <a:cubicBezTo>
+                  <a:pt x="291473" y="1014000"/>
+                  <a:pt x="301973" y="1020000"/>
+                  <a:pt x="313973" y="1020000"/>
+                </a:cubicBezTo>
+                <a:cubicBezTo>
+                  <a:pt x="325973" y="1020000"/>
+                  <a:pt x="336473" y="1014000"/>
+                  <a:pt x="340973" y="1003500"/>
+                </a:cubicBezTo>
+                <a:lnTo>
+                  <a:pt x="463973" y="745500"/>
+                </a:lnTo>
+                <a:lnTo>
+                  <a:pt x="606473" y="430500"/>
+                </a:lnTo>
+                <a:cubicBezTo>
+                  <a:pt x="643973" y="333000"/>
+                  <a:pt x="631973" y="223500"/>
+                  <a:pt x="573473" y="138000"/>
+                </a:cubicBezTo>
+                <a:cubicBezTo>
+                  <a:pt x="514973" y="51000"/>
+                  <a:pt x="417473" y="0"/>
+                  <a:pt x="313973" y="0"/>
+                </a:cubicBezTo>
+                <a:close/>
+              </a:path>
+            </a:pathLst>
+          </a:custGeom>
+          <a:solidFill>
+            <a:srgbClr val="17A9AE"/>
+          </a:solidFill>
+          <a:ln w="14982" cap="flat">
+            <a:solidFill>
+              <a:schemeClr val="tx1"/>
+            </a:solidFill>
+            <a:prstDash val="solid"/>
+            <a:miter/>
+          </a:ln>
+        </p:spPr>
+        <p:txBody>
+          <a:bodyPr rtlCol="0" anchor="ctr"/>
+          <a:lstStyle/>
+          <a:p>
+            <a:endParaRPr lang="en-GB" dirty="0"/>
+          </a:p>
+        </p:txBody>
+      </p:sp>
+      <p:pic>
+        <p:nvPicPr>
+          <p:cNvPr id="106" name="Graphic 105" descr="Porthole with solid fill">
+            <a:extLst>
+              <a:ext uri="{FF2B5EF4-FFF2-40B4-BE49-F238E27FC236}">
+                <a16:creationId xmlns:a16="http://schemas.microsoft.com/office/drawing/2014/main" id="{64D02B08-3856-47FC-AE89-BE5B704A538D}"/>
+              </a:ext>
+            </a:extLst>
+          </p:cNvPr>
+          <p:cNvPicPr>
+            <a:picLocks noChangeAspect="1"/>
+          </p:cNvPicPr>
+          <p:nvPr/>
+        </p:nvPicPr>
+        <p:blipFill>
+          <a:blip r:embed="rId14">
+            <a:extLst>
+              <a:ext uri="{96DAC541-7B7A-43D3-8B79-37D633B846F1}">
+                <asvg:svgBlip xmlns:asvg="http://schemas.microsoft.com/office/drawing/2016/SVG/main" r:embed="rId15"/>
+              </a:ext>
+            </a:extLst>
+          </a:blip>
+          <a:stretch>
+            <a:fillRect/>
+          </a:stretch>
+        </p:blipFill>
+        <p:spPr>
+          <a:xfrm>
+            <a:off x="8668928" y="4826850"/>
+            <a:ext cx="662527" cy="662527"/>
+          </a:xfrm>
+          <a:prstGeom prst="rect">
+            <a:avLst/>
+          </a:prstGeom>
+        </p:spPr>
+      </p:pic>
+      <p:sp>
+        <p:nvSpPr>
+          <p:cNvPr id="107" name="TextBox 106">
+            <a:extLst>
+              <a:ext uri="{FF2B5EF4-FFF2-40B4-BE49-F238E27FC236}">
+                <a16:creationId xmlns:a16="http://schemas.microsoft.com/office/drawing/2014/main" id="{9DE590BB-9153-AD64-CE4E-E72ADE6759D0}"/>
+              </a:ext>
+            </a:extLst>
+          </p:cNvPr>
+          <p:cNvSpPr txBox="1"/>
+          <p:nvPr/>
+        </p:nvSpPr>
+        <p:spPr>
+          <a:xfrm>
+            <a:off x="9515709" y="4989883"/>
+            <a:ext cx="2914003" cy="307777"/>
+          </a:xfrm>
+          <a:prstGeom prst="rect">
+            <a:avLst/>
+          </a:prstGeom>
+          <a:noFill/>
+        </p:spPr>
+        <p:txBody>
+          <a:bodyPr wrap="none" rtlCol="0">
+            <a:spAutoFit/>
+          </a:bodyPr>
+          <a:lstStyle/>
+          <a:p>
+            <a:r>
+              <a:rPr lang="en-GB" sz="1400" dirty="0"/>
+              <a:t>Marine and maritime research </a:t>
+            </a:r>
+            <a:r>
+              <a:rPr lang="en-GB" sz="1400" dirty="0" err="1"/>
+              <a:t>center</a:t>
+            </a:r>
+            <a:endParaRPr lang="en-GB" sz="1400" dirty="0"/>
+          </a:p>
+        </p:txBody>
+      </p:sp>
+      <p:sp>
+        <p:nvSpPr>
+          <p:cNvPr id="108" name="Graphic 4" descr="Marker with solid fill">
+            <a:extLst>
+              <a:ext uri="{FF2B5EF4-FFF2-40B4-BE49-F238E27FC236}">
+                <a16:creationId xmlns:a16="http://schemas.microsoft.com/office/drawing/2014/main" id="{7CA84431-2CF5-FFDE-9924-B3B2E4D5CAEF}"/>
+              </a:ext>
+            </a:extLst>
+          </p:cNvPr>
+          <p:cNvSpPr/>
+          <p:nvPr/>
+        </p:nvSpPr>
+        <p:spPr>
+          <a:xfrm>
+            <a:off x="8686157" y="616117"/>
+            <a:ext cx="627945" cy="1020000"/>
+          </a:xfrm>
+          <a:custGeom>
+            <a:avLst/>
+            <a:gdLst>
+              <a:gd name="connsiteX0" fmla="*/ 313973 w 627945"/>
+              <a:gd name="connsiteY0" fmla="*/ 450000 h 1020000"/>
+              <a:gd name="connsiteX1" fmla="*/ 178973 w 627945"/>
+              <a:gd name="connsiteY1" fmla="*/ 315000 h 1020000"/>
+              <a:gd name="connsiteX2" fmla="*/ 313973 w 627945"/>
+              <a:gd name="connsiteY2" fmla="*/ 180000 h 1020000"/>
+              <a:gd name="connsiteX3" fmla="*/ 448973 w 627945"/>
+              <a:gd name="connsiteY3" fmla="*/ 315000 h 1020000"/>
+              <a:gd name="connsiteX4" fmla="*/ 313973 w 627945"/>
+              <a:gd name="connsiteY4" fmla="*/ 450000 h 1020000"/>
+              <a:gd name="connsiteX5" fmla="*/ 313973 w 627945"/>
+              <a:gd name="connsiteY5" fmla="*/ 0 h 1020000"/>
+              <a:gd name="connsiteX6" fmla="*/ 54473 w 627945"/>
+              <a:gd name="connsiteY6" fmla="*/ 138000 h 1020000"/>
+              <a:gd name="connsiteX7" fmla="*/ 21473 w 627945"/>
+              <a:gd name="connsiteY7" fmla="*/ 430500 h 1020000"/>
+              <a:gd name="connsiteX8" fmla="*/ 163973 w 627945"/>
+              <a:gd name="connsiteY8" fmla="*/ 745500 h 1020000"/>
+              <a:gd name="connsiteX9" fmla="*/ 286973 w 627945"/>
+              <a:gd name="connsiteY9" fmla="*/ 1003500 h 1020000"/>
+              <a:gd name="connsiteX10" fmla="*/ 313973 w 627945"/>
+              <a:gd name="connsiteY10" fmla="*/ 1020000 h 1020000"/>
+              <a:gd name="connsiteX11" fmla="*/ 340973 w 627945"/>
+              <a:gd name="connsiteY11" fmla="*/ 1003500 h 1020000"/>
+              <a:gd name="connsiteX12" fmla="*/ 463973 w 627945"/>
+              <a:gd name="connsiteY12" fmla="*/ 745500 h 1020000"/>
+              <a:gd name="connsiteX13" fmla="*/ 606473 w 627945"/>
+              <a:gd name="connsiteY13" fmla="*/ 430500 h 1020000"/>
+              <a:gd name="connsiteX14" fmla="*/ 573473 w 627945"/>
+              <a:gd name="connsiteY14" fmla="*/ 138000 h 1020000"/>
+              <a:gd name="connsiteX15" fmla="*/ 313973 w 627945"/>
+              <a:gd name="connsiteY15" fmla="*/ 0 h 1020000"/>
+              <a:gd name="connsiteX0" fmla="*/ 313973 w 627945"/>
+              <a:gd name="connsiteY0" fmla="*/ 450000 h 1020000"/>
+              <a:gd name="connsiteX1" fmla="*/ 178973 w 627945"/>
+              <a:gd name="connsiteY1" fmla="*/ 315000 h 1020000"/>
+              <a:gd name="connsiteX2" fmla="*/ 313973 w 627945"/>
+              <a:gd name="connsiteY2" fmla="*/ 180000 h 1020000"/>
+              <a:gd name="connsiteX3" fmla="*/ 313973 w 627945"/>
+              <a:gd name="connsiteY3" fmla="*/ 450000 h 1020000"/>
+              <a:gd name="connsiteX4" fmla="*/ 313973 w 627945"/>
+              <a:gd name="connsiteY4" fmla="*/ 0 h 1020000"/>
+              <a:gd name="connsiteX5" fmla="*/ 54473 w 627945"/>
+              <a:gd name="connsiteY5" fmla="*/ 138000 h 1020000"/>
+              <a:gd name="connsiteX6" fmla="*/ 21473 w 627945"/>
+              <a:gd name="connsiteY6" fmla="*/ 430500 h 1020000"/>
+              <a:gd name="connsiteX7" fmla="*/ 163973 w 627945"/>
+              <a:gd name="connsiteY7" fmla="*/ 745500 h 1020000"/>
+              <a:gd name="connsiteX8" fmla="*/ 286973 w 627945"/>
+              <a:gd name="connsiteY8" fmla="*/ 1003500 h 1020000"/>
+              <a:gd name="connsiteX9" fmla="*/ 313973 w 627945"/>
+              <a:gd name="connsiteY9" fmla="*/ 1020000 h 1020000"/>
+              <a:gd name="connsiteX10" fmla="*/ 340973 w 627945"/>
+              <a:gd name="connsiteY10" fmla="*/ 1003500 h 1020000"/>
+              <a:gd name="connsiteX11" fmla="*/ 463973 w 627945"/>
+              <a:gd name="connsiteY11" fmla="*/ 745500 h 1020000"/>
+              <a:gd name="connsiteX12" fmla="*/ 606473 w 627945"/>
+              <a:gd name="connsiteY12" fmla="*/ 430500 h 1020000"/>
+              <a:gd name="connsiteX13" fmla="*/ 573473 w 627945"/>
+              <a:gd name="connsiteY13" fmla="*/ 138000 h 1020000"/>
+              <a:gd name="connsiteX14" fmla="*/ 313973 w 627945"/>
+              <a:gd name="connsiteY14" fmla="*/ 0 h 1020000"/>
+              <a:gd name="connsiteX0" fmla="*/ 313973 w 627945"/>
+              <a:gd name="connsiteY0" fmla="*/ 180000 h 1020000"/>
+              <a:gd name="connsiteX1" fmla="*/ 178973 w 627945"/>
+              <a:gd name="connsiteY1" fmla="*/ 315000 h 1020000"/>
+              <a:gd name="connsiteX2" fmla="*/ 313973 w 627945"/>
+              <a:gd name="connsiteY2" fmla="*/ 180000 h 1020000"/>
+              <a:gd name="connsiteX3" fmla="*/ 313973 w 627945"/>
+              <a:gd name="connsiteY3" fmla="*/ 0 h 1020000"/>
+              <a:gd name="connsiteX4" fmla="*/ 54473 w 627945"/>
+              <a:gd name="connsiteY4" fmla="*/ 138000 h 1020000"/>
+              <a:gd name="connsiteX5" fmla="*/ 21473 w 627945"/>
+              <a:gd name="connsiteY5" fmla="*/ 430500 h 1020000"/>
+              <a:gd name="connsiteX6" fmla="*/ 163973 w 627945"/>
+              <a:gd name="connsiteY6" fmla="*/ 745500 h 1020000"/>
+              <a:gd name="connsiteX7" fmla="*/ 286973 w 627945"/>
+              <a:gd name="connsiteY7" fmla="*/ 1003500 h 1020000"/>
+              <a:gd name="connsiteX8" fmla="*/ 313973 w 627945"/>
+              <a:gd name="connsiteY8" fmla="*/ 1020000 h 1020000"/>
+              <a:gd name="connsiteX9" fmla="*/ 340973 w 627945"/>
+              <a:gd name="connsiteY9" fmla="*/ 1003500 h 1020000"/>
+              <a:gd name="connsiteX10" fmla="*/ 463973 w 627945"/>
+              <a:gd name="connsiteY10" fmla="*/ 745500 h 1020000"/>
+              <a:gd name="connsiteX11" fmla="*/ 606473 w 627945"/>
+              <a:gd name="connsiteY11" fmla="*/ 430500 h 1020000"/>
+              <a:gd name="connsiteX12" fmla="*/ 573473 w 627945"/>
+              <a:gd name="connsiteY12" fmla="*/ 138000 h 1020000"/>
+              <a:gd name="connsiteX13" fmla="*/ 313973 w 627945"/>
+              <a:gd name="connsiteY13" fmla="*/ 0 h 1020000"/>
+              <a:gd name="connsiteX0" fmla="*/ 313973 w 627945"/>
+              <a:gd name="connsiteY0" fmla="*/ 0 h 1020000"/>
+              <a:gd name="connsiteX1" fmla="*/ 54473 w 627945"/>
+              <a:gd name="connsiteY1" fmla="*/ 138000 h 1020000"/>
+              <a:gd name="connsiteX2" fmla="*/ 21473 w 627945"/>
+              <a:gd name="connsiteY2" fmla="*/ 430500 h 1020000"/>
+              <a:gd name="connsiteX3" fmla="*/ 163973 w 627945"/>
+              <a:gd name="connsiteY3" fmla="*/ 745500 h 1020000"/>
+              <a:gd name="connsiteX4" fmla="*/ 286973 w 627945"/>
+              <a:gd name="connsiteY4" fmla="*/ 1003500 h 1020000"/>
+              <a:gd name="connsiteX5" fmla="*/ 313973 w 627945"/>
+              <a:gd name="connsiteY5" fmla="*/ 1020000 h 1020000"/>
+              <a:gd name="connsiteX6" fmla="*/ 340973 w 627945"/>
+              <a:gd name="connsiteY6" fmla="*/ 1003500 h 1020000"/>
+              <a:gd name="connsiteX7" fmla="*/ 463973 w 627945"/>
+              <a:gd name="connsiteY7" fmla="*/ 745500 h 1020000"/>
+              <a:gd name="connsiteX8" fmla="*/ 606473 w 627945"/>
+              <a:gd name="connsiteY8" fmla="*/ 430500 h 1020000"/>
+              <a:gd name="connsiteX9" fmla="*/ 573473 w 627945"/>
+              <a:gd name="connsiteY9" fmla="*/ 138000 h 1020000"/>
+              <a:gd name="connsiteX10" fmla="*/ 313973 w 627945"/>
+              <a:gd name="connsiteY10" fmla="*/ 0 h 1020000"/>
+            </a:gdLst>
+            <a:ahLst/>
+            <a:cxnLst>
+              <a:cxn ang="0">
+                <a:pos x="connsiteX0" y="connsiteY0"/>
+              </a:cxn>
+              <a:cxn ang="0">
+                <a:pos x="connsiteX1" y="connsiteY1"/>
+              </a:cxn>
+              <a:cxn ang="0">
+                <a:pos x="connsiteX2" y="connsiteY2"/>
+              </a:cxn>
+              <a:cxn ang="0">
+                <a:pos x="connsiteX3" y="connsiteY3"/>
+              </a:cxn>
+              <a:cxn ang="0">
+                <a:pos x="connsiteX4" y="connsiteY4"/>
+              </a:cxn>
+              <a:cxn ang="0">
+                <a:pos x="connsiteX5" y="connsiteY5"/>
+              </a:cxn>
+              <a:cxn ang="0">
+                <a:pos x="connsiteX6" y="connsiteY6"/>
+              </a:cxn>
+              <a:cxn ang="0">
+                <a:pos x="connsiteX7" y="connsiteY7"/>
+              </a:cxn>
+              <a:cxn ang="0">
+                <a:pos x="connsiteX8" y="connsiteY8"/>
+              </a:cxn>
+              <a:cxn ang="0">
+                <a:pos x="connsiteX9" y="connsiteY9"/>
+              </a:cxn>
+              <a:cxn ang="0">
+                <a:pos x="connsiteX10" y="connsiteY10"/>
+              </a:cxn>
+            </a:cxnLst>
+            <a:rect l="l" t="t" r="r" b="b"/>
+            <a:pathLst>
+              <a:path w="627945" h="1020000">
+                <a:moveTo>
+                  <a:pt x="313973" y="0"/>
+                </a:moveTo>
+                <a:cubicBezTo>
+                  <a:pt x="210473" y="0"/>
+                  <a:pt x="112973" y="51000"/>
+                  <a:pt x="54473" y="138000"/>
+                </a:cubicBezTo>
+                <a:cubicBezTo>
+                  <a:pt x="-4027" y="223500"/>
+                  <a:pt x="-16027" y="333000"/>
+                  <a:pt x="21473" y="430500"/>
+                </a:cubicBezTo>
+                <a:lnTo>
+                  <a:pt x="163973" y="745500"/>
+                </a:lnTo>
+                <a:lnTo>
+                  <a:pt x="286973" y="1003500"/>
+                </a:lnTo>
+                <a:cubicBezTo>
+                  <a:pt x="291473" y="1014000"/>
+                  <a:pt x="301973" y="1020000"/>
+                  <a:pt x="313973" y="1020000"/>
+                </a:cubicBezTo>
+                <a:cubicBezTo>
+                  <a:pt x="325973" y="1020000"/>
+                  <a:pt x="336473" y="1014000"/>
+                  <a:pt x="340973" y="1003500"/>
+                </a:cubicBezTo>
+                <a:lnTo>
+                  <a:pt x="463973" y="745500"/>
+                </a:lnTo>
+                <a:lnTo>
+                  <a:pt x="606473" y="430500"/>
+                </a:lnTo>
+                <a:cubicBezTo>
+                  <a:pt x="643973" y="333000"/>
+                  <a:pt x="631973" y="223500"/>
+                  <a:pt x="573473" y="138000"/>
+                </a:cubicBezTo>
+                <a:cubicBezTo>
+                  <a:pt x="514973" y="51000"/>
+                  <a:pt x="417473" y="0"/>
+                  <a:pt x="313973" y="0"/>
+                </a:cubicBezTo>
+                <a:close/>
+              </a:path>
+            </a:pathLst>
+          </a:custGeom>
+          <a:solidFill>
+            <a:srgbClr val="17A9AE"/>
+          </a:solidFill>
+          <a:ln w="14982" cap="flat">
+            <a:solidFill>
+              <a:schemeClr val="tx1"/>
+            </a:solidFill>
+            <a:prstDash val="solid"/>
+            <a:miter/>
+          </a:ln>
+          <a:effectLst>
+            <a:outerShdw blurRad="50800" dist="38100" dir="2700000" algn="tl" rotWithShape="0">
+              <a:prstClr val="black">
+                <a:alpha val="40000"/>
+              </a:prstClr>
+            </a:outerShdw>
+          </a:effectLst>
+        </p:spPr>
+        <p:txBody>
+          <a:bodyPr rtlCol="0" anchor="ctr"/>
+          <a:lstStyle/>
+          <a:p>
+            <a:endParaRPr lang="en-GB"/>
+          </a:p>
+        </p:txBody>
+      </p:sp>
+      <p:sp>
+        <p:nvSpPr>
+          <p:cNvPr id="109" name="TextBox 108">
+            <a:extLst>
+              <a:ext uri="{FF2B5EF4-FFF2-40B4-BE49-F238E27FC236}">
+                <a16:creationId xmlns:a16="http://schemas.microsoft.com/office/drawing/2014/main" id="{67687637-FB50-421F-7A15-49AB2FC86AFA}"/>
+              </a:ext>
+            </a:extLst>
+          </p:cNvPr>
+          <p:cNvSpPr txBox="1"/>
+          <p:nvPr/>
+        </p:nvSpPr>
+        <p:spPr>
+          <a:xfrm>
+            <a:off x="9538521" y="900940"/>
+            <a:ext cx="960456" cy="307777"/>
+          </a:xfrm>
+          <a:prstGeom prst="rect">
+            <a:avLst/>
+          </a:prstGeom>
+          <a:noFill/>
+        </p:spPr>
+        <p:txBody>
+          <a:bodyPr wrap="none" rtlCol="0">
+            <a:spAutoFit/>
+          </a:bodyPr>
+          <a:lstStyle/>
+          <a:p>
+            <a:r>
+              <a:rPr lang="en-GB" sz="1400" dirty="0"/>
+              <a:t>Wind atlas</a:t>
+            </a:r>
+          </a:p>
+        </p:txBody>
+      </p:sp>
+      <p:pic>
+        <p:nvPicPr>
+          <p:cNvPr id="110" name="Graphic 109" descr="Map with pin with solid fill">
+            <a:extLst>
+              <a:ext uri="{FF2B5EF4-FFF2-40B4-BE49-F238E27FC236}">
+                <a16:creationId xmlns:a16="http://schemas.microsoft.com/office/drawing/2014/main" id="{6CB62FB3-DD71-5CC8-FF35-B3C8914A7312}"/>
+              </a:ext>
+            </a:extLst>
+          </p:cNvPr>
+          <p:cNvPicPr>
+            <a:picLocks noChangeAspect="1"/>
+          </p:cNvPicPr>
+          <p:nvPr/>
+        </p:nvPicPr>
+        <p:blipFill>
+          <a:blip r:embed="rId16">
+            <a:extLst>
+              <a:ext uri="{96DAC541-7B7A-43D3-8B79-37D633B846F1}">
+                <asvg:svgBlip xmlns:asvg="http://schemas.microsoft.com/office/drawing/2016/SVG/main" r:embed="rId17"/>
+              </a:ext>
+            </a:extLst>
+          </a:blip>
+          <a:srcRect/>
+          <a:stretch/>
+        </p:blipFill>
+        <p:spPr>
+          <a:xfrm>
+            <a:off x="8765902" y="737328"/>
             <a:ext cx="459001" cy="459001"/>
           </a:xfrm>
           <a:prstGeom prst="rect">

--- a/assets/facility-icons/icons.pptx
+++ b/assets/facility-icons/icons.pptx
@@ -2,10 +2,16 @@
 <file path=ppt/presentation.xml><?xml version="1.0" encoding="utf-8"?>
 <p:presentation xmlns:a="http://schemas.openxmlformats.org/drawingml/2006/main" xmlns:r="http://schemas.openxmlformats.org/officeDocument/2006/relationships" xmlns:p="http://schemas.openxmlformats.org/presentationml/2006/main" saveSubsetFonts="1" autoCompressPictures="0">
   <p:sldMasterIdLst>
-    <p:sldMasterId id="2147483648" r:id="rId1"/>
+    <p:sldMasterId id="2147483732" r:id="rId1"/>
   </p:sldMasterIdLst>
   <p:sldIdLst>
-    <p:sldId id="256" r:id="rId2"/>
+    <p:sldId id="258" r:id="rId2"/>
+    <p:sldId id="259" r:id="rId3"/>
+    <p:sldId id="263" r:id="rId4"/>
+    <p:sldId id="260" r:id="rId5"/>
+    <p:sldId id="262" r:id="rId6"/>
+    <p:sldId id="256" r:id="rId7"/>
+    <p:sldId id="261" r:id="rId8"/>
   </p:sldIdLst>
   <p:sldSz cx="12192000" cy="6858000"/>
   <p:notesSz cx="6858000" cy="9144000"/>
@@ -145,7 +151,7 @@
           <p:cNvPr id="2" name="Title 1">
             <a:extLst>
               <a:ext uri="{FF2B5EF4-FFF2-40B4-BE49-F238E27FC236}">
-                <a16:creationId xmlns:a16="http://schemas.microsoft.com/office/drawing/2014/main" id="{DCE73C2D-846B-B087-C806-2A56C46C9A00}"/>
+                <a16:creationId xmlns:a16="http://schemas.microsoft.com/office/drawing/2014/main" id="{436EF8C4-D478-9F32-1AF9-8E0A1674AF72}"/>
               </a:ext>
             </a:extLst>
           </p:cNvPr>
@@ -182,7 +188,7 @@
           <p:cNvPr id="3" name="Subtitle 2">
             <a:extLst>
               <a:ext uri="{FF2B5EF4-FFF2-40B4-BE49-F238E27FC236}">
-                <a16:creationId xmlns:a16="http://schemas.microsoft.com/office/drawing/2014/main" id="{0338FE58-CD4A-0638-0E1F-06BD43399FB6}"/>
+                <a16:creationId xmlns:a16="http://schemas.microsoft.com/office/drawing/2014/main" id="{5E69B74D-B354-79C3-4912-906415DB6C08}"/>
               </a:ext>
             </a:extLst>
           </p:cNvPr>
@@ -252,7 +258,7 @@
           <p:cNvPr id="4" name="Date Placeholder 3">
             <a:extLst>
               <a:ext uri="{FF2B5EF4-FFF2-40B4-BE49-F238E27FC236}">
-                <a16:creationId xmlns:a16="http://schemas.microsoft.com/office/drawing/2014/main" id="{95D04028-E2B5-1E74-ECF2-2DBD83AE8DC3}"/>
+                <a16:creationId xmlns:a16="http://schemas.microsoft.com/office/drawing/2014/main" id="{8E65016D-147E-3416-6030-D5DC744EEE10}"/>
               </a:ext>
             </a:extLst>
           </p:cNvPr>
@@ -270,7 +276,7 @@
           <a:p>
             <a:fld id="{11D5A04A-CF49-1842-BD70-375BE74049A1}" type="datetimeFigureOut">
               <a:rPr lang="en-GB" smtClean="0"/>
-              <a:t>14/12/2022</a:t>
+              <a:t>18/12/2022</a:t>
             </a:fld>
             <a:endParaRPr lang="en-GB"/>
           </a:p>
@@ -281,7 +287,7 @@
           <p:cNvPr id="5" name="Footer Placeholder 4">
             <a:extLst>
               <a:ext uri="{FF2B5EF4-FFF2-40B4-BE49-F238E27FC236}">
-                <a16:creationId xmlns:a16="http://schemas.microsoft.com/office/drawing/2014/main" id="{B86D52ED-F0D4-0D97-6D5B-6E0DBAEFC82B}"/>
+                <a16:creationId xmlns:a16="http://schemas.microsoft.com/office/drawing/2014/main" id="{FFE61C19-91BD-E0D2-88E9-904F212897E4}"/>
               </a:ext>
             </a:extLst>
           </p:cNvPr>
@@ -306,7 +312,7 @@
           <p:cNvPr id="6" name="Slide Number Placeholder 5">
             <a:extLst>
               <a:ext uri="{FF2B5EF4-FFF2-40B4-BE49-F238E27FC236}">
-                <a16:creationId xmlns:a16="http://schemas.microsoft.com/office/drawing/2014/main" id="{6B983826-CEB5-8CFC-F2FE-CCE4927B3CEF}"/>
+                <a16:creationId xmlns:a16="http://schemas.microsoft.com/office/drawing/2014/main" id="{17D072ED-06D1-C295-0315-7BF46488C5FD}"/>
               </a:ext>
             </a:extLst>
           </p:cNvPr>
@@ -333,7 +339,7 @@
     </p:spTree>
     <p:extLst>
       <p:ext uri="{BB962C8B-B14F-4D97-AF65-F5344CB8AC3E}">
-        <p14:creationId xmlns:p14="http://schemas.microsoft.com/office/powerpoint/2010/main" val="1268824843"/>
+        <p14:creationId xmlns:p14="http://schemas.microsoft.com/office/powerpoint/2010/main" val="2996137382"/>
       </p:ext>
     </p:extLst>
   </p:cSld>
@@ -365,7 +371,7 @@
           <p:cNvPr id="2" name="Title 1">
             <a:extLst>
               <a:ext uri="{FF2B5EF4-FFF2-40B4-BE49-F238E27FC236}">
-                <a16:creationId xmlns:a16="http://schemas.microsoft.com/office/drawing/2014/main" id="{86F448CC-C310-9B0F-0AF3-D3C4B2283C02}"/>
+                <a16:creationId xmlns:a16="http://schemas.microsoft.com/office/drawing/2014/main" id="{25CD159F-B52E-C19C-5EF2-FBA8F6EB2FC1}"/>
               </a:ext>
             </a:extLst>
           </p:cNvPr>
@@ -393,7 +399,7 @@
           <p:cNvPr id="3" name="Vertical Text Placeholder 2">
             <a:extLst>
               <a:ext uri="{FF2B5EF4-FFF2-40B4-BE49-F238E27FC236}">
-                <a16:creationId xmlns:a16="http://schemas.microsoft.com/office/drawing/2014/main" id="{412F6137-9AF7-A67F-8CE0-CCA48EE26E82}"/>
+                <a16:creationId xmlns:a16="http://schemas.microsoft.com/office/drawing/2014/main" id="{0B09128D-5053-A88F-03D7-6DD62F040E83}"/>
               </a:ext>
             </a:extLst>
           </p:cNvPr>
@@ -450,7 +456,7 @@
           <p:cNvPr id="4" name="Date Placeholder 3">
             <a:extLst>
               <a:ext uri="{FF2B5EF4-FFF2-40B4-BE49-F238E27FC236}">
-                <a16:creationId xmlns:a16="http://schemas.microsoft.com/office/drawing/2014/main" id="{59B4AECF-9F45-CF4D-17EA-9694477EE3DE}"/>
+                <a16:creationId xmlns:a16="http://schemas.microsoft.com/office/drawing/2014/main" id="{D75C1FEA-A64E-0BA6-B85B-474128BE26F7}"/>
               </a:ext>
             </a:extLst>
           </p:cNvPr>
@@ -468,7 +474,7 @@
           <a:p>
             <a:fld id="{11D5A04A-CF49-1842-BD70-375BE74049A1}" type="datetimeFigureOut">
               <a:rPr lang="en-GB" smtClean="0"/>
-              <a:t>14/12/2022</a:t>
+              <a:t>18/12/2022</a:t>
             </a:fld>
             <a:endParaRPr lang="en-GB"/>
           </a:p>
@@ -479,7 +485,7 @@
           <p:cNvPr id="5" name="Footer Placeholder 4">
             <a:extLst>
               <a:ext uri="{FF2B5EF4-FFF2-40B4-BE49-F238E27FC236}">
-                <a16:creationId xmlns:a16="http://schemas.microsoft.com/office/drawing/2014/main" id="{733DC6D8-1953-FFC2-A6B2-CB700D9D33A0}"/>
+                <a16:creationId xmlns:a16="http://schemas.microsoft.com/office/drawing/2014/main" id="{FE1266C4-817B-00C8-DA29-6FA9A231841D}"/>
               </a:ext>
             </a:extLst>
           </p:cNvPr>
@@ -504,7 +510,7 @@
           <p:cNvPr id="6" name="Slide Number Placeholder 5">
             <a:extLst>
               <a:ext uri="{FF2B5EF4-FFF2-40B4-BE49-F238E27FC236}">
-                <a16:creationId xmlns:a16="http://schemas.microsoft.com/office/drawing/2014/main" id="{7AE347C5-69B1-8CBC-CFF9-A21A05C7E872}"/>
+                <a16:creationId xmlns:a16="http://schemas.microsoft.com/office/drawing/2014/main" id="{EA1B1A77-AC24-57A2-E746-0750FDE42755}"/>
               </a:ext>
             </a:extLst>
           </p:cNvPr>
@@ -531,7 +537,7 @@
     </p:spTree>
     <p:extLst>
       <p:ext uri="{BB962C8B-B14F-4D97-AF65-F5344CB8AC3E}">
-        <p14:creationId xmlns:p14="http://schemas.microsoft.com/office/powerpoint/2010/main" val="4145274026"/>
+        <p14:creationId xmlns:p14="http://schemas.microsoft.com/office/powerpoint/2010/main" val="1939302974"/>
       </p:ext>
     </p:extLst>
   </p:cSld>
@@ -563,7 +569,7 @@
           <p:cNvPr id="2" name="Vertical Title 1">
             <a:extLst>
               <a:ext uri="{FF2B5EF4-FFF2-40B4-BE49-F238E27FC236}">
-                <a16:creationId xmlns:a16="http://schemas.microsoft.com/office/drawing/2014/main" id="{8883F702-EFF6-7FF3-AA8C-99A5FCF43F91}"/>
+                <a16:creationId xmlns:a16="http://schemas.microsoft.com/office/drawing/2014/main" id="{B9A35DA3-C928-3C11-DC03-DB1105D00842}"/>
               </a:ext>
             </a:extLst>
           </p:cNvPr>
@@ -596,7 +602,7 @@
           <p:cNvPr id="3" name="Vertical Text Placeholder 2">
             <a:extLst>
               <a:ext uri="{FF2B5EF4-FFF2-40B4-BE49-F238E27FC236}">
-                <a16:creationId xmlns:a16="http://schemas.microsoft.com/office/drawing/2014/main" id="{E31E4F99-1A9B-A610-1705-553029ED1CB9}"/>
+                <a16:creationId xmlns:a16="http://schemas.microsoft.com/office/drawing/2014/main" id="{07E85891-B695-EA20-80C3-39FF5F73F643}"/>
               </a:ext>
             </a:extLst>
           </p:cNvPr>
@@ -658,7 +664,7 @@
           <p:cNvPr id="4" name="Date Placeholder 3">
             <a:extLst>
               <a:ext uri="{FF2B5EF4-FFF2-40B4-BE49-F238E27FC236}">
-                <a16:creationId xmlns:a16="http://schemas.microsoft.com/office/drawing/2014/main" id="{89B79A78-EB2C-D343-6E15-BD39F6686B75}"/>
+                <a16:creationId xmlns:a16="http://schemas.microsoft.com/office/drawing/2014/main" id="{1664D4A8-03D5-36EB-D6BB-80D55B768C59}"/>
               </a:ext>
             </a:extLst>
           </p:cNvPr>
@@ -676,7 +682,7 @@
           <a:p>
             <a:fld id="{11D5A04A-CF49-1842-BD70-375BE74049A1}" type="datetimeFigureOut">
               <a:rPr lang="en-GB" smtClean="0"/>
-              <a:t>14/12/2022</a:t>
+              <a:t>18/12/2022</a:t>
             </a:fld>
             <a:endParaRPr lang="en-GB"/>
           </a:p>
@@ -687,7 +693,7 @@
           <p:cNvPr id="5" name="Footer Placeholder 4">
             <a:extLst>
               <a:ext uri="{FF2B5EF4-FFF2-40B4-BE49-F238E27FC236}">
-                <a16:creationId xmlns:a16="http://schemas.microsoft.com/office/drawing/2014/main" id="{4AA2319C-417D-67F7-9BF6-049731C0FDA9}"/>
+                <a16:creationId xmlns:a16="http://schemas.microsoft.com/office/drawing/2014/main" id="{5B026EBF-8FD7-97E5-1196-93217088CB8E}"/>
               </a:ext>
             </a:extLst>
           </p:cNvPr>
@@ -712,7 +718,7 @@
           <p:cNvPr id="6" name="Slide Number Placeholder 5">
             <a:extLst>
               <a:ext uri="{FF2B5EF4-FFF2-40B4-BE49-F238E27FC236}">
-                <a16:creationId xmlns:a16="http://schemas.microsoft.com/office/drawing/2014/main" id="{314961D6-7DC4-A28A-FF65-B9E0079B8463}"/>
+                <a16:creationId xmlns:a16="http://schemas.microsoft.com/office/drawing/2014/main" id="{362175FD-F693-1A62-032A-404C50D02F92}"/>
               </a:ext>
             </a:extLst>
           </p:cNvPr>
@@ -739,7 +745,7 @@
     </p:spTree>
     <p:extLst>
       <p:ext uri="{BB962C8B-B14F-4D97-AF65-F5344CB8AC3E}">
-        <p14:creationId xmlns:p14="http://schemas.microsoft.com/office/powerpoint/2010/main" val="44627805"/>
+        <p14:creationId xmlns:p14="http://schemas.microsoft.com/office/powerpoint/2010/main" val="1350185599"/>
       </p:ext>
     </p:extLst>
   </p:cSld>
@@ -771,7 +777,7 @@
           <p:cNvPr id="2" name="Title 1">
             <a:extLst>
               <a:ext uri="{FF2B5EF4-FFF2-40B4-BE49-F238E27FC236}">
-                <a16:creationId xmlns:a16="http://schemas.microsoft.com/office/drawing/2014/main" id="{A42D9398-E62C-6F9E-4E70-7442BFCE6380}"/>
+                <a16:creationId xmlns:a16="http://schemas.microsoft.com/office/drawing/2014/main" id="{A89B06B5-E22A-8274-B474-AFABF53F1A0F}"/>
               </a:ext>
             </a:extLst>
           </p:cNvPr>
@@ -799,7 +805,7 @@
           <p:cNvPr id="3" name="Content Placeholder 2">
             <a:extLst>
               <a:ext uri="{FF2B5EF4-FFF2-40B4-BE49-F238E27FC236}">
-                <a16:creationId xmlns:a16="http://schemas.microsoft.com/office/drawing/2014/main" id="{EDF762C2-26CE-1FAB-2264-37850D022C7F}"/>
+                <a16:creationId xmlns:a16="http://schemas.microsoft.com/office/drawing/2014/main" id="{D7F20417-8789-95E6-BD5A-46304B63E0E6}"/>
               </a:ext>
             </a:extLst>
           </p:cNvPr>
@@ -856,7 +862,7 @@
           <p:cNvPr id="4" name="Date Placeholder 3">
             <a:extLst>
               <a:ext uri="{FF2B5EF4-FFF2-40B4-BE49-F238E27FC236}">
-                <a16:creationId xmlns:a16="http://schemas.microsoft.com/office/drawing/2014/main" id="{A21BF075-F1E8-2A41-5285-989EEBBC9BEA}"/>
+                <a16:creationId xmlns:a16="http://schemas.microsoft.com/office/drawing/2014/main" id="{C1481D2F-119C-4D6F-36C2-D8B8239AEA0B}"/>
               </a:ext>
             </a:extLst>
           </p:cNvPr>
@@ -874,7 +880,7 @@
           <a:p>
             <a:fld id="{11D5A04A-CF49-1842-BD70-375BE74049A1}" type="datetimeFigureOut">
               <a:rPr lang="en-GB" smtClean="0"/>
-              <a:t>14/12/2022</a:t>
+              <a:t>18/12/2022</a:t>
             </a:fld>
             <a:endParaRPr lang="en-GB"/>
           </a:p>
@@ -885,7 +891,7 @@
           <p:cNvPr id="5" name="Footer Placeholder 4">
             <a:extLst>
               <a:ext uri="{FF2B5EF4-FFF2-40B4-BE49-F238E27FC236}">
-                <a16:creationId xmlns:a16="http://schemas.microsoft.com/office/drawing/2014/main" id="{CC01BDF7-D04B-9BEF-002A-1AF501BE5590}"/>
+                <a16:creationId xmlns:a16="http://schemas.microsoft.com/office/drawing/2014/main" id="{A1ABF486-1178-E19B-AC8C-3DF516EE3442}"/>
               </a:ext>
             </a:extLst>
           </p:cNvPr>
@@ -910,7 +916,7 @@
           <p:cNvPr id="6" name="Slide Number Placeholder 5">
             <a:extLst>
               <a:ext uri="{FF2B5EF4-FFF2-40B4-BE49-F238E27FC236}">
-                <a16:creationId xmlns:a16="http://schemas.microsoft.com/office/drawing/2014/main" id="{E9D6066F-1614-1666-D1EC-8FCB72B80A88}"/>
+                <a16:creationId xmlns:a16="http://schemas.microsoft.com/office/drawing/2014/main" id="{FB56B1F1-6CE7-3349-EC42-C6F2E18DA1A6}"/>
               </a:ext>
             </a:extLst>
           </p:cNvPr>
@@ -937,7 +943,7 @@
     </p:spTree>
     <p:extLst>
       <p:ext uri="{BB962C8B-B14F-4D97-AF65-F5344CB8AC3E}">
-        <p14:creationId xmlns:p14="http://schemas.microsoft.com/office/powerpoint/2010/main" val="986864286"/>
+        <p14:creationId xmlns:p14="http://schemas.microsoft.com/office/powerpoint/2010/main" val="1525618275"/>
       </p:ext>
     </p:extLst>
   </p:cSld>
@@ -969,7 +975,7 @@
           <p:cNvPr id="2" name="Title 1">
             <a:extLst>
               <a:ext uri="{FF2B5EF4-FFF2-40B4-BE49-F238E27FC236}">
-                <a16:creationId xmlns:a16="http://schemas.microsoft.com/office/drawing/2014/main" id="{469A7C58-A334-46BB-F3D3-DDDDFC90FE48}"/>
+                <a16:creationId xmlns:a16="http://schemas.microsoft.com/office/drawing/2014/main" id="{1D3FC40B-4C78-4ABA-1726-9881064FAB15}"/>
               </a:ext>
             </a:extLst>
           </p:cNvPr>
@@ -1006,7 +1012,7 @@
           <p:cNvPr id="3" name="Text Placeholder 2">
             <a:extLst>
               <a:ext uri="{FF2B5EF4-FFF2-40B4-BE49-F238E27FC236}">
-                <a16:creationId xmlns:a16="http://schemas.microsoft.com/office/drawing/2014/main" id="{C1CC4405-519E-6C4D-5FB7-9994C05B31BB}"/>
+                <a16:creationId xmlns:a16="http://schemas.microsoft.com/office/drawing/2014/main" id="{F56DFBFE-28F1-EEF8-55DE-26C9A0B97020}"/>
               </a:ext>
             </a:extLst>
           </p:cNvPr>
@@ -1131,7 +1137,7 @@
           <p:cNvPr id="4" name="Date Placeholder 3">
             <a:extLst>
               <a:ext uri="{FF2B5EF4-FFF2-40B4-BE49-F238E27FC236}">
-                <a16:creationId xmlns:a16="http://schemas.microsoft.com/office/drawing/2014/main" id="{1E5DE02D-D001-67A8-46E4-7FB212E82DEF}"/>
+                <a16:creationId xmlns:a16="http://schemas.microsoft.com/office/drawing/2014/main" id="{FAE04A3E-758B-2F7A-0ECA-E45D3CADC240}"/>
               </a:ext>
             </a:extLst>
           </p:cNvPr>
@@ -1149,7 +1155,7 @@
           <a:p>
             <a:fld id="{11D5A04A-CF49-1842-BD70-375BE74049A1}" type="datetimeFigureOut">
               <a:rPr lang="en-GB" smtClean="0"/>
-              <a:t>14/12/2022</a:t>
+              <a:t>18/12/2022</a:t>
             </a:fld>
             <a:endParaRPr lang="en-GB"/>
           </a:p>
@@ -1160,7 +1166,7 @@
           <p:cNvPr id="5" name="Footer Placeholder 4">
             <a:extLst>
               <a:ext uri="{FF2B5EF4-FFF2-40B4-BE49-F238E27FC236}">
-                <a16:creationId xmlns:a16="http://schemas.microsoft.com/office/drawing/2014/main" id="{5C619068-7D34-1367-2158-946F4D9D604C}"/>
+                <a16:creationId xmlns:a16="http://schemas.microsoft.com/office/drawing/2014/main" id="{72BFC617-BF06-1861-2DB9-B7F82EFF14E5}"/>
               </a:ext>
             </a:extLst>
           </p:cNvPr>
@@ -1185,7 +1191,7 @@
           <p:cNvPr id="6" name="Slide Number Placeholder 5">
             <a:extLst>
               <a:ext uri="{FF2B5EF4-FFF2-40B4-BE49-F238E27FC236}">
-                <a16:creationId xmlns:a16="http://schemas.microsoft.com/office/drawing/2014/main" id="{EBFF76EB-337C-B340-E2D7-ACE307F8B5B7}"/>
+                <a16:creationId xmlns:a16="http://schemas.microsoft.com/office/drawing/2014/main" id="{D55D0E45-8E60-A700-DC36-4047476A49CA}"/>
               </a:ext>
             </a:extLst>
           </p:cNvPr>
@@ -1212,7 +1218,7 @@
     </p:spTree>
     <p:extLst>
       <p:ext uri="{BB962C8B-B14F-4D97-AF65-F5344CB8AC3E}">
-        <p14:creationId xmlns:p14="http://schemas.microsoft.com/office/powerpoint/2010/main" val="812156151"/>
+        <p14:creationId xmlns:p14="http://schemas.microsoft.com/office/powerpoint/2010/main" val="3503157726"/>
       </p:ext>
     </p:extLst>
   </p:cSld>
@@ -1244,7 +1250,7 @@
           <p:cNvPr id="2" name="Title 1">
             <a:extLst>
               <a:ext uri="{FF2B5EF4-FFF2-40B4-BE49-F238E27FC236}">
-                <a16:creationId xmlns:a16="http://schemas.microsoft.com/office/drawing/2014/main" id="{F8D821FF-0A6B-1442-03CF-90B391A74B87}"/>
+                <a16:creationId xmlns:a16="http://schemas.microsoft.com/office/drawing/2014/main" id="{31227D69-01A8-D160-6E12-EEB9FA105334}"/>
               </a:ext>
             </a:extLst>
           </p:cNvPr>
@@ -1272,7 +1278,7 @@
           <p:cNvPr id="3" name="Content Placeholder 2">
             <a:extLst>
               <a:ext uri="{FF2B5EF4-FFF2-40B4-BE49-F238E27FC236}">
-                <a16:creationId xmlns:a16="http://schemas.microsoft.com/office/drawing/2014/main" id="{7443D976-DCFB-56CB-35F2-9F57F3C8A301}"/>
+                <a16:creationId xmlns:a16="http://schemas.microsoft.com/office/drawing/2014/main" id="{F3F0C496-E963-B72A-3EA5-D29090853ED8}"/>
               </a:ext>
             </a:extLst>
           </p:cNvPr>
@@ -1334,7 +1340,7 @@
           <p:cNvPr id="4" name="Content Placeholder 3">
             <a:extLst>
               <a:ext uri="{FF2B5EF4-FFF2-40B4-BE49-F238E27FC236}">
-                <a16:creationId xmlns:a16="http://schemas.microsoft.com/office/drawing/2014/main" id="{48D1B9C3-6F8C-21AA-A5EB-B5807C611737}"/>
+                <a16:creationId xmlns:a16="http://schemas.microsoft.com/office/drawing/2014/main" id="{3CB0C615-CFD4-DF57-0B33-1191B32DADA2}"/>
               </a:ext>
             </a:extLst>
           </p:cNvPr>
@@ -1396,7 +1402,7 @@
           <p:cNvPr id="5" name="Date Placeholder 4">
             <a:extLst>
               <a:ext uri="{FF2B5EF4-FFF2-40B4-BE49-F238E27FC236}">
-                <a16:creationId xmlns:a16="http://schemas.microsoft.com/office/drawing/2014/main" id="{92730A9D-0181-6EB3-58AB-B02C9D483AE2}"/>
+                <a16:creationId xmlns:a16="http://schemas.microsoft.com/office/drawing/2014/main" id="{E46D39B4-59D7-B28D-3E1E-B6A6B311FA20}"/>
               </a:ext>
             </a:extLst>
           </p:cNvPr>
@@ -1414,7 +1420,7 @@
           <a:p>
             <a:fld id="{11D5A04A-CF49-1842-BD70-375BE74049A1}" type="datetimeFigureOut">
               <a:rPr lang="en-GB" smtClean="0"/>
-              <a:t>14/12/2022</a:t>
+              <a:t>18/12/2022</a:t>
             </a:fld>
             <a:endParaRPr lang="en-GB"/>
           </a:p>
@@ -1425,7 +1431,7 @@
           <p:cNvPr id="6" name="Footer Placeholder 5">
             <a:extLst>
               <a:ext uri="{FF2B5EF4-FFF2-40B4-BE49-F238E27FC236}">
-                <a16:creationId xmlns:a16="http://schemas.microsoft.com/office/drawing/2014/main" id="{EB6EC8D2-03BB-A77E-7FDD-BA2810808ED0}"/>
+                <a16:creationId xmlns:a16="http://schemas.microsoft.com/office/drawing/2014/main" id="{E7378B4B-6F15-C7AC-994E-4FB09A71B78A}"/>
               </a:ext>
             </a:extLst>
           </p:cNvPr>
@@ -1450,7 +1456,7 @@
           <p:cNvPr id="7" name="Slide Number Placeholder 6">
             <a:extLst>
               <a:ext uri="{FF2B5EF4-FFF2-40B4-BE49-F238E27FC236}">
-                <a16:creationId xmlns:a16="http://schemas.microsoft.com/office/drawing/2014/main" id="{FFE1317F-F77A-8371-86D9-4AA5490242C0}"/>
+                <a16:creationId xmlns:a16="http://schemas.microsoft.com/office/drawing/2014/main" id="{9834CDF9-4ADA-DB00-1624-7A96D5A025B3}"/>
               </a:ext>
             </a:extLst>
           </p:cNvPr>
@@ -1477,7 +1483,7 @@
     </p:spTree>
     <p:extLst>
       <p:ext uri="{BB962C8B-B14F-4D97-AF65-F5344CB8AC3E}">
-        <p14:creationId xmlns:p14="http://schemas.microsoft.com/office/powerpoint/2010/main" val="1878073215"/>
+        <p14:creationId xmlns:p14="http://schemas.microsoft.com/office/powerpoint/2010/main" val="3155685905"/>
       </p:ext>
     </p:extLst>
   </p:cSld>
@@ -1509,7 +1515,7 @@
           <p:cNvPr id="2" name="Title 1">
             <a:extLst>
               <a:ext uri="{FF2B5EF4-FFF2-40B4-BE49-F238E27FC236}">
-                <a16:creationId xmlns:a16="http://schemas.microsoft.com/office/drawing/2014/main" id="{674F960A-6AC4-2257-D914-998A6A3D6C67}"/>
+                <a16:creationId xmlns:a16="http://schemas.microsoft.com/office/drawing/2014/main" id="{3C942A0D-B240-D8F0-B851-5DFC47C3C3F0}"/>
               </a:ext>
             </a:extLst>
           </p:cNvPr>
@@ -1542,7 +1548,7 @@
           <p:cNvPr id="3" name="Text Placeholder 2">
             <a:extLst>
               <a:ext uri="{FF2B5EF4-FFF2-40B4-BE49-F238E27FC236}">
-                <a16:creationId xmlns:a16="http://schemas.microsoft.com/office/drawing/2014/main" id="{AE00454B-3F5D-03B3-0A78-9BD864E314AE}"/>
+                <a16:creationId xmlns:a16="http://schemas.microsoft.com/office/drawing/2014/main" id="{C694E60A-86C3-9B61-AD7D-18494ADC44B1}"/>
               </a:ext>
             </a:extLst>
           </p:cNvPr>
@@ -1613,7 +1619,7 @@
           <p:cNvPr id="4" name="Content Placeholder 3">
             <a:extLst>
               <a:ext uri="{FF2B5EF4-FFF2-40B4-BE49-F238E27FC236}">
-                <a16:creationId xmlns:a16="http://schemas.microsoft.com/office/drawing/2014/main" id="{D644010D-FC2E-B3D8-C58C-314EB4A24804}"/>
+                <a16:creationId xmlns:a16="http://schemas.microsoft.com/office/drawing/2014/main" id="{35E00723-3303-7FC1-109D-6717F0320E0D}"/>
               </a:ext>
             </a:extLst>
           </p:cNvPr>
@@ -1675,7 +1681,7 @@
           <p:cNvPr id="5" name="Text Placeholder 4">
             <a:extLst>
               <a:ext uri="{FF2B5EF4-FFF2-40B4-BE49-F238E27FC236}">
-                <a16:creationId xmlns:a16="http://schemas.microsoft.com/office/drawing/2014/main" id="{11A8BD82-6FA8-2AB8-D400-AA81233E5125}"/>
+                <a16:creationId xmlns:a16="http://schemas.microsoft.com/office/drawing/2014/main" id="{83E9C9D7-D1DD-E33E-4340-6D282E9E5740}"/>
               </a:ext>
             </a:extLst>
           </p:cNvPr>
@@ -1746,7 +1752,7 @@
           <p:cNvPr id="6" name="Content Placeholder 5">
             <a:extLst>
               <a:ext uri="{FF2B5EF4-FFF2-40B4-BE49-F238E27FC236}">
-                <a16:creationId xmlns:a16="http://schemas.microsoft.com/office/drawing/2014/main" id="{BB64CEF0-D8B5-6099-4667-713A38086EB3}"/>
+                <a16:creationId xmlns:a16="http://schemas.microsoft.com/office/drawing/2014/main" id="{DC778231-7AAE-92C3-65BF-45E2A7555CC9}"/>
               </a:ext>
             </a:extLst>
           </p:cNvPr>
@@ -1808,7 +1814,7 @@
           <p:cNvPr id="7" name="Date Placeholder 6">
             <a:extLst>
               <a:ext uri="{FF2B5EF4-FFF2-40B4-BE49-F238E27FC236}">
-                <a16:creationId xmlns:a16="http://schemas.microsoft.com/office/drawing/2014/main" id="{FA3135D0-6B54-D7FD-BDB5-B5A667135D90}"/>
+                <a16:creationId xmlns:a16="http://schemas.microsoft.com/office/drawing/2014/main" id="{9C93DFC6-40C2-2046-2937-373D35B53C06}"/>
               </a:ext>
             </a:extLst>
           </p:cNvPr>
@@ -1826,7 +1832,7 @@
           <a:p>
             <a:fld id="{11D5A04A-CF49-1842-BD70-375BE74049A1}" type="datetimeFigureOut">
               <a:rPr lang="en-GB" smtClean="0"/>
-              <a:t>14/12/2022</a:t>
+              <a:t>18/12/2022</a:t>
             </a:fld>
             <a:endParaRPr lang="en-GB"/>
           </a:p>
@@ -1837,7 +1843,7 @@
           <p:cNvPr id="8" name="Footer Placeholder 7">
             <a:extLst>
               <a:ext uri="{FF2B5EF4-FFF2-40B4-BE49-F238E27FC236}">
-                <a16:creationId xmlns:a16="http://schemas.microsoft.com/office/drawing/2014/main" id="{9662A036-49ED-D985-CE2C-6B6C43F6FB47}"/>
+                <a16:creationId xmlns:a16="http://schemas.microsoft.com/office/drawing/2014/main" id="{510702B6-3A26-D258-513A-66F3B84C86FD}"/>
               </a:ext>
             </a:extLst>
           </p:cNvPr>
@@ -1862,7 +1868,7 @@
           <p:cNvPr id="9" name="Slide Number Placeholder 8">
             <a:extLst>
               <a:ext uri="{FF2B5EF4-FFF2-40B4-BE49-F238E27FC236}">
-                <a16:creationId xmlns:a16="http://schemas.microsoft.com/office/drawing/2014/main" id="{D28BB6FC-6FFC-73FE-A8DB-6F29BD5C89A8}"/>
+                <a16:creationId xmlns:a16="http://schemas.microsoft.com/office/drawing/2014/main" id="{73A49D93-2FCA-B446-E598-B221D1731A22}"/>
               </a:ext>
             </a:extLst>
           </p:cNvPr>
@@ -1889,7 +1895,7 @@
     </p:spTree>
     <p:extLst>
       <p:ext uri="{BB962C8B-B14F-4D97-AF65-F5344CB8AC3E}">
-        <p14:creationId xmlns:p14="http://schemas.microsoft.com/office/powerpoint/2010/main" val="580038663"/>
+        <p14:creationId xmlns:p14="http://schemas.microsoft.com/office/powerpoint/2010/main" val="2454519556"/>
       </p:ext>
     </p:extLst>
   </p:cSld>
@@ -1921,7 +1927,7 @@
           <p:cNvPr id="2" name="Title 1">
             <a:extLst>
               <a:ext uri="{FF2B5EF4-FFF2-40B4-BE49-F238E27FC236}">
-                <a16:creationId xmlns:a16="http://schemas.microsoft.com/office/drawing/2014/main" id="{F9CC986B-ACD5-446E-8D9E-2030688B7C51}"/>
+                <a16:creationId xmlns:a16="http://schemas.microsoft.com/office/drawing/2014/main" id="{C20738C4-D05C-75C7-0FC5-42D8D14BABC3}"/>
               </a:ext>
             </a:extLst>
           </p:cNvPr>
@@ -1949,7 +1955,7 @@
           <p:cNvPr id="3" name="Date Placeholder 2">
             <a:extLst>
               <a:ext uri="{FF2B5EF4-FFF2-40B4-BE49-F238E27FC236}">
-                <a16:creationId xmlns:a16="http://schemas.microsoft.com/office/drawing/2014/main" id="{C8476BAB-0D00-5AE4-9667-8816751842F6}"/>
+                <a16:creationId xmlns:a16="http://schemas.microsoft.com/office/drawing/2014/main" id="{A9206A1E-7C54-11F5-0E05-5FB22A13718D}"/>
               </a:ext>
             </a:extLst>
           </p:cNvPr>
@@ -1967,7 +1973,7 @@
           <a:p>
             <a:fld id="{11D5A04A-CF49-1842-BD70-375BE74049A1}" type="datetimeFigureOut">
               <a:rPr lang="en-GB" smtClean="0"/>
-              <a:t>14/12/2022</a:t>
+              <a:t>18/12/2022</a:t>
             </a:fld>
             <a:endParaRPr lang="en-GB"/>
           </a:p>
@@ -1978,7 +1984,7 @@
           <p:cNvPr id="4" name="Footer Placeholder 3">
             <a:extLst>
               <a:ext uri="{FF2B5EF4-FFF2-40B4-BE49-F238E27FC236}">
-                <a16:creationId xmlns:a16="http://schemas.microsoft.com/office/drawing/2014/main" id="{E26BA29F-DD20-0AC3-58C7-7134C52EBC8A}"/>
+                <a16:creationId xmlns:a16="http://schemas.microsoft.com/office/drawing/2014/main" id="{C8088994-0261-2ECE-21E9-7467BD3BB113}"/>
               </a:ext>
             </a:extLst>
           </p:cNvPr>
@@ -2003,7 +2009,7 @@
           <p:cNvPr id="5" name="Slide Number Placeholder 4">
             <a:extLst>
               <a:ext uri="{FF2B5EF4-FFF2-40B4-BE49-F238E27FC236}">
-                <a16:creationId xmlns:a16="http://schemas.microsoft.com/office/drawing/2014/main" id="{186B6AB1-5765-C92F-B359-5A491A14F38F}"/>
+                <a16:creationId xmlns:a16="http://schemas.microsoft.com/office/drawing/2014/main" id="{38F20244-47DE-23CF-E84F-4F17444C9E6E}"/>
               </a:ext>
             </a:extLst>
           </p:cNvPr>
@@ -2030,7 +2036,7 @@
     </p:spTree>
     <p:extLst>
       <p:ext uri="{BB962C8B-B14F-4D97-AF65-F5344CB8AC3E}">
-        <p14:creationId xmlns:p14="http://schemas.microsoft.com/office/powerpoint/2010/main" val="2337483224"/>
+        <p14:creationId xmlns:p14="http://schemas.microsoft.com/office/powerpoint/2010/main" val="3451734136"/>
       </p:ext>
     </p:extLst>
   </p:cSld>
@@ -2062,7 +2068,7 @@
           <p:cNvPr id="2" name="Date Placeholder 1">
             <a:extLst>
               <a:ext uri="{FF2B5EF4-FFF2-40B4-BE49-F238E27FC236}">
-                <a16:creationId xmlns:a16="http://schemas.microsoft.com/office/drawing/2014/main" id="{6241BAB4-3A55-C355-A262-91153DB44F5F}"/>
+                <a16:creationId xmlns:a16="http://schemas.microsoft.com/office/drawing/2014/main" id="{3BC887B4-D3B4-FD5C-D8F5-FAD2FA98CC0C}"/>
               </a:ext>
             </a:extLst>
           </p:cNvPr>
@@ -2080,7 +2086,7 @@
           <a:p>
             <a:fld id="{11D5A04A-CF49-1842-BD70-375BE74049A1}" type="datetimeFigureOut">
               <a:rPr lang="en-GB" smtClean="0"/>
-              <a:t>14/12/2022</a:t>
+              <a:t>18/12/2022</a:t>
             </a:fld>
             <a:endParaRPr lang="en-GB"/>
           </a:p>
@@ -2091,7 +2097,7 @@
           <p:cNvPr id="3" name="Footer Placeholder 2">
             <a:extLst>
               <a:ext uri="{FF2B5EF4-FFF2-40B4-BE49-F238E27FC236}">
-                <a16:creationId xmlns:a16="http://schemas.microsoft.com/office/drawing/2014/main" id="{07499FC4-AFB1-0E9F-7DBF-75C9B57B3B06}"/>
+                <a16:creationId xmlns:a16="http://schemas.microsoft.com/office/drawing/2014/main" id="{6F144042-AE03-F555-157A-346277823F34}"/>
               </a:ext>
             </a:extLst>
           </p:cNvPr>
@@ -2116,7 +2122,7 @@
           <p:cNvPr id="4" name="Slide Number Placeholder 3">
             <a:extLst>
               <a:ext uri="{FF2B5EF4-FFF2-40B4-BE49-F238E27FC236}">
-                <a16:creationId xmlns:a16="http://schemas.microsoft.com/office/drawing/2014/main" id="{BCD21224-F637-0829-ACF2-09D14D5EAA47}"/>
+                <a16:creationId xmlns:a16="http://schemas.microsoft.com/office/drawing/2014/main" id="{356A9081-8836-6E8A-6E2A-4D4158E6E426}"/>
               </a:ext>
             </a:extLst>
           </p:cNvPr>
@@ -2143,7 +2149,7 @@
     </p:spTree>
     <p:extLst>
       <p:ext uri="{BB962C8B-B14F-4D97-AF65-F5344CB8AC3E}">
-        <p14:creationId xmlns:p14="http://schemas.microsoft.com/office/powerpoint/2010/main" val="1871408773"/>
+        <p14:creationId xmlns:p14="http://schemas.microsoft.com/office/powerpoint/2010/main" val="169471609"/>
       </p:ext>
     </p:extLst>
   </p:cSld>
@@ -2175,7 +2181,7 @@
           <p:cNvPr id="2" name="Title 1">
             <a:extLst>
               <a:ext uri="{FF2B5EF4-FFF2-40B4-BE49-F238E27FC236}">
-                <a16:creationId xmlns:a16="http://schemas.microsoft.com/office/drawing/2014/main" id="{A88265C2-705B-7D4E-C923-D8A6492D79B2}"/>
+                <a16:creationId xmlns:a16="http://schemas.microsoft.com/office/drawing/2014/main" id="{044E3D53-2AC6-7CB2-2E43-4E1112D69C65}"/>
               </a:ext>
             </a:extLst>
           </p:cNvPr>
@@ -2212,7 +2218,7 @@
           <p:cNvPr id="3" name="Content Placeholder 2">
             <a:extLst>
               <a:ext uri="{FF2B5EF4-FFF2-40B4-BE49-F238E27FC236}">
-                <a16:creationId xmlns:a16="http://schemas.microsoft.com/office/drawing/2014/main" id="{00596EEA-1CA7-835F-044A-01B19C30D368}"/>
+                <a16:creationId xmlns:a16="http://schemas.microsoft.com/office/drawing/2014/main" id="{500041D2-38EE-5BB2-CA5D-E0C2B31C143D}"/>
               </a:ext>
             </a:extLst>
           </p:cNvPr>
@@ -2302,7 +2308,7 @@
           <p:cNvPr id="4" name="Text Placeholder 3">
             <a:extLst>
               <a:ext uri="{FF2B5EF4-FFF2-40B4-BE49-F238E27FC236}">
-                <a16:creationId xmlns:a16="http://schemas.microsoft.com/office/drawing/2014/main" id="{D61E92F3-EA5D-2C8B-9CE8-66FD699B4E3F}"/>
+                <a16:creationId xmlns:a16="http://schemas.microsoft.com/office/drawing/2014/main" id="{A67C268E-5163-58D6-A20C-2A495E31CCC6}"/>
               </a:ext>
             </a:extLst>
           </p:cNvPr>
@@ -2373,7 +2379,7 @@
           <p:cNvPr id="5" name="Date Placeholder 4">
             <a:extLst>
               <a:ext uri="{FF2B5EF4-FFF2-40B4-BE49-F238E27FC236}">
-                <a16:creationId xmlns:a16="http://schemas.microsoft.com/office/drawing/2014/main" id="{DE5EBDD3-8F1F-7584-EBA1-E00D965289F1}"/>
+                <a16:creationId xmlns:a16="http://schemas.microsoft.com/office/drawing/2014/main" id="{17BCAE5A-33A2-3E04-AE02-BCAE6F268978}"/>
               </a:ext>
             </a:extLst>
           </p:cNvPr>
@@ -2391,7 +2397,7 @@
           <a:p>
             <a:fld id="{11D5A04A-CF49-1842-BD70-375BE74049A1}" type="datetimeFigureOut">
               <a:rPr lang="en-GB" smtClean="0"/>
-              <a:t>14/12/2022</a:t>
+              <a:t>18/12/2022</a:t>
             </a:fld>
             <a:endParaRPr lang="en-GB"/>
           </a:p>
@@ -2402,7 +2408,7 @@
           <p:cNvPr id="6" name="Footer Placeholder 5">
             <a:extLst>
               <a:ext uri="{FF2B5EF4-FFF2-40B4-BE49-F238E27FC236}">
-                <a16:creationId xmlns:a16="http://schemas.microsoft.com/office/drawing/2014/main" id="{3524E40B-D584-7893-8EEB-6E7DA17B8A35}"/>
+                <a16:creationId xmlns:a16="http://schemas.microsoft.com/office/drawing/2014/main" id="{24BF848F-0C5F-22AF-E420-77E8E0EFBE86}"/>
               </a:ext>
             </a:extLst>
           </p:cNvPr>
@@ -2427,7 +2433,7 @@
           <p:cNvPr id="7" name="Slide Number Placeholder 6">
             <a:extLst>
               <a:ext uri="{FF2B5EF4-FFF2-40B4-BE49-F238E27FC236}">
-                <a16:creationId xmlns:a16="http://schemas.microsoft.com/office/drawing/2014/main" id="{B46DA0E4-28FA-0BD9-555E-9A2114A83223}"/>
+                <a16:creationId xmlns:a16="http://schemas.microsoft.com/office/drawing/2014/main" id="{FD9C5482-A1E1-3B23-D7C2-2395089699C9}"/>
               </a:ext>
             </a:extLst>
           </p:cNvPr>
@@ -2454,7 +2460,7 @@
     </p:spTree>
     <p:extLst>
       <p:ext uri="{BB962C8B-B14F-4D97-AF65-F5344CB8AC3E}">
-        <p14:creationId xmlns:p14="http://schemas.microsoft.com/office/powerpoint/2010/main" val="2124673107"/>
+        <p14:creationId xmlns:p14="http://schemas.microsoft.com/office/powerpoint/2010/main" val="689490491"/>
       </p:ext>
     </p:extLst>
   </p:cSld>
@@ -2486,7 +2492,7 @@
           <p:cNvPr id="2" name="Title 1">
             <a:extLst>
               <a:ext uri="{FF2B5EF4-FFF2-40B4-BE49-F238E27FC236}">
-                <a16:creationId xmlns:a16="http://schemas.microsoft.com/office/drawing/2014/main" id="{7BEBF2F7-8D59-8DD2-3C45-56AFDAACB6BB}"/>
+                <a16:creationId xmlns:a16="http://schemas.microsoft.com/office/drawing/2014/main" id="{0E63A63E-F382-648B-42E5-ED76B0ED1CA5}"/>
               </a:ext>
             </a:extLst>
           </p:cNvPr>
@@ -2523,7 +2529,7 @@
           <p:cNvPr id="3" name="Picture Placeholder 2">
             <a:extLst>
               <a:ext uri="{FF2B5EF4-FFF2-40B4-BE49-F238E27FC236}">
-                <a16:creationId xmlns:a16="http://schemas.microsoft.com/office/drawing/2014/main" id="{00A8AE14-0916-1B49-8BF7-EA166D270237}"/>
+                <a16:creationId xmlns:a16="http://schemas.microsoft.com/office/drawing/2014/main" id="{877C2185-E575-3D21-707C-B00D76D8F500}"/>
               </a:ext>
             </a:extLst>
           </p:cNvPr>
@@ -2581,7 +2587,10 @@
             </a:lvl9pPr>
           </a:lstStyle>
           <a:p>
-            <a:endParaRPr lang="en-GB"/>
+            <a:r>
+              <a:rPr lang="en-GB"/>
+              <a:t>Click icon to add picture</a:t>
+            </a:r>
           </a:p>
         </p:txBody>
       </p:sp>
@@ -2590,7 +2599,7 @@
           <p:cNvPr id="4" name="Text Placeholder 3">
             <a:extLst>
               <a:ext uri="{FF2B5EF4-FFF2-40B4-BE49-F238E27FC236}">
-                <a16:creationId xmlns:a16="http://schemas.microsoft.com/office/drawing/2014/main" id="{EA191327-F0B5-F890-AB61-6CF4D71BD527}"/>
+                <a16:creationId xmlns:a16="http://schemas.microsoft.com/office/drawing/2014/main" id="{BA60294D-A40C-9CED-2A2B-02A18EE0AE0C}"/>
               </a:ext>
             </a:extLst>
           </p:cNvPr>
@@ -2661,7 +2670,7 @@
           <p:cNvPr id="5" name="Date Placeholder 4">
             <a:extLst>
               <a:ext uri="{FF2B5EF4-FFF2-40B4-BE49-F238E27FC236}">
-                <a16:creationId xmlns:a16="http://schemas.microsoft.com/office/drawing/2014/main" id="{162DBC73-80CB-24D1-0C8F-B065B80721D9}"/>
+                <a16:creationId xmlns:a16="http://schemas.microsoft.com/office/drawing/2014/main" id="{9DA4BF46-2A54-C502-494F-BBF13C4E742B}"/>
               </a:ext>
             </a:extLst>
           </p:cNvPr>
@@ -2679,7 +2688,7 @@
           <a:p>
             <a:fld id="{11D5A04A-CF49-1842-BD70-375BE74049A1}" type="datetimeFigureOut">
               <a:rPr lang="en-GB" smtClean="0"/>
-              <a:t>14/12/2022</a:t>
+              <a:t>18/12/2022</a:t>
             </a:fld>
             <a:endParaRPr lang="en-GB"/>
           </a:p>
@@ -2690,7 +2699,7 @@
           <p:cNvPr id="6" name="Footer Placeholder 5">
             <a:extLst>
               <a:ext uri="{FF2B5EF4-FFF2-40B4-BE49-F238E27FC236}">
-                <a16:creationId xmlns:a16="http://schemas.microsoft.com/office/drawing/2014/main" id="{33CCFC23-B825-28A7-F59C-B42C738EDACD}"/>
+                <a16:creationId xmlns:a16="http://schemas.microsoft.com/office/drawing/2014/main" id="{D02620C0-90AC-BD5A-4E85-863B20A4A882}"/>
               </a:ext>
             </a:extLst>
           </p:cNvPr>
@@ -2715,7 +2724,7 @@
           <p:cNvPr id="7" name="Slide Number Placeholder 6">
             <a:extLst>
               <a:ext uri="{FF2B5EF4-FFF2-40B4-BE49-F238E27FC236}">
-                <a16:creationId xmlns:a16="http://schemas.microsoft.com/office/drawing/2014/main" id="{F4694B94-96AE-6D2C-1BE7-664C9F3C45EF}"/>
+                <a16:creationId xmlns:a16="http://schemas.microsoft.com/office/drawing/2014/main" id="{BFCC7874-13FE-D446-AA7D-3D25D4C26448}"/>
               </a:ext>
             </a:extLst>
           </p:cNvPr>
@@ -2742,7 +2751,7 @@
     </p:spTree>
     <p:extLst>
       <p:ext uri="{BB962C8B-B14F-4D97-AF65-F5344CB8AC3E}">
-        <p14:creationId xmlns:p14="http://schemas.microsoft.com/office/powerpoint/2010/main" val="3374957013"/>
+        <p14:creationId xmlns:p14="http://schemas.microsoft.com/office/powerpoint/2010/main" val="3333941811"/>
       </p:ext>
     </p:extLst>
   </p:cSld>
@@ -2756,8 +2765,8 @@
 <p:sldMaster xmlns:a="http://schemas.openxmlformats.org/drawingml/2006/main" xmlns:r="http://schemas.openxmlformats.org/officeDocument/2006/relationships" xmlns:p="http://schemas.openxmlformats.org/presentationml/2006/main">
   <p:cSld>
     <p:bg>
-      <p:bgRef idx="1001">
-        <a:schemeClr val="bg1"/>
+      <p:bgRef idx="1003">
+        <a:schemeClr val="bg2"/>
       </p:bgRef>
     </p:bg>
     <p:spTree>
@@ -2779,7 +2788,7 @@
           <p:cNvPr id="2" name="Title Placeholder 1">
             <a:extLst>
               <a:ext uri="{FF2B5EF4-FFF2-40B4-BE49-F238E27FC236}">
-                <a16:creationId xmlns:a16="http://schemas.microsoft.com/office/drawing/2014/main" id="{34CB4D9A-F69F-57B7-8FE4-E7D0316C97D1}"/>
+                <a16:creationId xmlns:a16="http://schemas.microsoft.com/office/drawing/2014/main" id="{016C0015-5176-0654-B69E-572224400049}"/>
               </a:ext>
             </a:extLst>
           </p:cNvPr>
@@ -2817,7 +2826,7 @@
           <p:cNvPr id="3" name="Text Placeholder 2">
             <a:extLst>
               <a:ext uri="{FF2B5EF4-FFF2-40B4-BE49-F238E27FC236}">
-                <a16:creationId xmlns:a16="http://schemas.microsoft.com/office/drawing/2014/main" id="{D59E4D96-76A2-8BC5-C03E-5923598C0902}"/>
+                <a16:creationId xmlns:a16="http://schemas.microsoft.com/office/drawing/2014/main" id="{75117580-95CD-B1A8-2806-0D9FACC7839B}"/>
               </a:ext>
             </a:extLst>
           </p:cNvPr>
@@ -2884,7 +2893,7 @@
           <p:cNvPr id="4" name="Date Placeholder 3">
             <a:extLst>
               <a:ext uri="{FF2B5EF4-FFF2-40B4-BE49-F238E27FC236}">
-                <a16:creationId xmlns:a16="http://schemas.microsoft.com/office/drawing/2014/main" id="{746FA875-5FF1-06F7-278D-BF9AB3872DDB}"/>
+                <a16:creationId xmlns:a16="http://schemas.microsoft.com/office/drawing/2014/main" id="{B4AC5241-C3BB-553C-762F-037293E1D8B7}"/>
               </a:ext>
             </a:extLst>
           </p:cNvPr>
@@ -2920,7 +2929,7 @@
           <a:p>
             <a:fld id="{11D5A04A-CF49-1842-BD70-375BE74049A1}" type="datetimeFigureOut">
               <a:rPr lang="en-GB" smtClean="0"/>
-              <a:t>14/12/2022</a:t>
+              <a:t>18/12/2022</a:t>
             </a:fld>
             <a:endParaRPr lang="en-GB"/>
           </a:p>
@@ -2931,7 +2940,7 @@
           <p:cNvPr id="5" name="Footer Placeholder 4">
             <a:extLst>
               <a:ext uri="{FF2B5EF4-FFF2-40B4-BE49-F238E27FC236}">
-                <a16:creationId xmlns:a16="http://schemas.microsoft.com/office/drawing/2014/main" id="{B6FE674F-3F81-66F2-1A4D-657C373FD516}"/>
+                <a16:creationId xmlns:a16="http://schemas.microsoft.com/office/drawing/2014/main" id="{2BA3D461-41AC-BFBC-AC8D-C25E45260CED}"/>
               </a:ext>
             </a:extLst>
           </p:cNvPr>
@@ -2974,7 +2983,7 @@
           <p:cNvPr id="6" name="Slide Number Placeholder 5">
             <a:extLst>
               <a:ext uri="{FF2B5EF4-FFF2-40B4-BE49-F238E27FC236}">
-                <a16:creationId xmlns:a16="http://schemas.microsoft.com/office/drawing/2014/main" id="{32058CE1-C654-BF4D-1E36-1237410F079E}"/>
+                <a16:creationId xmlns:a16="http://schemas.microsoft.com/office/drawing/2014/main" id="{F9B17F43-5424-B153-626B-59A8E7757B54}"/>
               </a:ext>
             </a:extLst>
           </p:cNvPr>
@@ -3019,23 +3028,23 @@
     </p:spTree>
     <p:extLst>
       <p:ext uri="{BB962C8B-B14F-4D97-AF65-F5344CB8AC3E}">
-        <p14:creationId xmlns:p14="http://schemas.microsoft.com/office/powerpoint/2010/main" val="738026650"/>
+        <p14:creationId xmlns:p14="http://schemas.microsoft.com/office/powerpoint/2010/main" val="2977439172"/>
       </p:ext>
     </p:extLst>
   </p:cSld>
-  <p:clrMap bg1="lt1" tx1="dk1" bg2="lt2" tx2="dk2" accent1="accent1" accent2="accent2" accent3="accent3" accent4="accent4" accent5="accent5" accent6="accent6" hlink="hlink" folHlink="folHlink"/>
+  <p:clrMap bg1="dk1" tx1="lt1" bg2="dk2" tx2="lt2" accent1="accent1" accent2="accent2" accent3="accent3" accent4="accent4" accent5="accent5" accent6="accent6" hlink="hlink" folHlink="folHlink"/>
   <p:sldLayoutIdLst>
-    <p:sldLayoutId id="2147483649" r:id="rId1"/>
-    <p:sldLayoutId id="2147483650" r:id="rId2"/>
-    <p:sldLayoutId id="2147483651" r:id="rId3"/>
-    <p:sldLayoutId id="2147483652" r:id="rId4"/>
-    <p:sldLayoutId id="2147483653" r:id="rId5"/>
-    <p:sldLayoutId id="2147483654" r:id="rId6"/>
-    <p:sldLayoutId id="2147483655" r:id="rId7"/>
-    <p:sldLayoutId id="2147483656" r:id="rId8"/>
-    <p:sldLayoutId id="2147483657" r:id="rId9"/>
-    <p:sldLayoutId id="2147483658" r:id="rId10"/>
-    <p:sldLayoutId id="2147483659" r:id="rId11"/>
+    <p:sldLayoutId id="2147483733" r:id="rId1"/>
+    <p:sldLayoutId id="2147483734" r:id="rId2"/>
+    <p:sldLayoutId id="2147483735" r:id="rId3"/>
+    <p:sldLayoutId id="2147483736" r:id="rId4"/>
+    <p:sldLayoutId id="2147483737" r:id="rId5"/>
+    <p:sldLayoutId id="2147483738" r:id="rId6"/>
+    <p:sldLayoutId id="2147483739" r:id="rId7"/>
+    <p:sldLayoutId id="2147483740" r:id="rId8"/>
+    <p:sldLayoutId id="2147483741" r:id="rId9"/>
+    <p:sldLayoutId id="2147483742" r:id="rId10"/>
+    <p:sldLayoutId id="2147483743" r:id="rId11"/>
   </p:sldLayoutIdLst>
   <p:txStyles>
     <p:titleStyle>
@@ -3049,13 +3058,69 @@
         <a:buNone/>
         <a:defRPr sz="4400" kern="1200">
           <a:solidFill>
-            <a:schemeClr val="tx1"/>
+            <a:schemeClr val="tx2"/>
           </a:solidFill>
           <a:latin typeface="+mj-lt"/>
           <a:ea typeface="+mj-ea"/>
           <a:cs typeface="+mj-cs"/>
         </a:defRPr>
       </a:lvl1pPr>
+      <a:lvl2pPr eaLnBrk="1" hangingPunct="1">
+        <a:defRPr>
+          <a:solidFill>
+            <a:schemeClr val="tx2"/>
+          </a:solidFill>
+        </a:defRPr>
+      </a:lvl2pPr>
+      <a:lvl3pPr eaLnBrk="1" hangingPunct="1">
+        <a:defRPr>
+          <a:solidFill>
+            <a:schemeClr val="tx2"/>
+          </a:solidFill>
+        </a:defRPr>
+      </a:lvl3pPr>
+      <a:lvl4pPr eaLnBrk="1" hangingPunct="1">
+        <a:defRPr>
+          <a:solidFill>
+            <a:schemeClr val="tx2"/>
+          </a:solidFill>
+        </a:defRPr>
+      </a:lvl4pPr>
+      <a:lvl5pPr eaLnBrk="1" hangingPunct="1">
+        <a:defRPr>
+          <a:solidFill>
+            <a:schemeClr val="tx2"/>
+          </a:solidFill>
+        </a:defRPr>
+      </a:lvl5pPr>
+      <a:lvl6pPr eaLnBrk="1" hangingPunct="1">
+        <a:defRPr>
+          <a:solidFill>
+            <a:schemeClr val="tx2"/>
+          </a:solidFill>
+        </a:defRPr>
+      </a:lvl6pPr>
+      <a:lvl7pPr eaLnBrk="1" hangingPunct="1">
+        <a:defRPr>
+          <a:solidFill>
+            <a:schemeClr val="tx2"/>
+          </a:solidFill>
+        </a:defRPr>
+      </a:lvl7pPr>
+      <a:lvl8pPr eaLnBrk="1" hangingPunct="1">
+        <a:defRPr>
+          <a:solidFill>
+            <a:schemeClr val="tx2"/>
+          </a:solidFill>
+        </a:defRPr>
+      </a:lvl8pPr>
+      <a:lvl9pPr eaLnBrk="1" hangingPunct="1">
+        <a:defRPr>
+          <a:solidFill>
+            <a:schemeClr val="tx2"/>
+          </a:solidFill>
+        </a:defRPr>
+      </a:lvl9pPr>
     </p:titleStyle>
     <p:bodyStyle>
       <a:lvl1pPr marL="228600" indent="-228600" algn="l" defTabSz="914400" rtl="0" eaLnBrk="1" latinLnBrk="0" hangingPunct="1">
@@ -3351,7 +3416,7 @@
         </p:nvSpPr>
         <p:spPr>
           <a:xfrm>
-            <a:off x="1062006" y="621416"/>
+            <a:off x="1545332" y="2681060"/>
             <a:ext cx="627945" cy="1020000"/>
           </a:xfrm>
           <a:custGeom>
@@ -3591,7 +3656,7 @@
         </p:nvSpPr>
         <p:spPr>
           <a:xfrm rot="18189218">
-            <a:off x="319624" y="954505"/>
+            <a:off x="802950" y="3014149"/>
             <a:ext cx="510790" cy="829699"/>
           </a:xfrm>
           <a:custGeom>
@@ -3817,12 +3882,1365 @@
           </a:p>
         </p:txBody>
       </p:sp>
+      <p:sp>
+        <p:nvSpPr>
+          <p:cNvPr id="21" name="Title 20">
+            <a:extLst>
+              <a:ext uri="{FF2B5EF4-FFF2-40B4-BE49-F238E27FC236}">
+                <a16:creationId xmlns:a16="http://schemas.microsoft.com/office/drawing/2014/main" id="{FE27D979-7400-6DDE-7940-1E59256B81B0}"/>
+              </a:ext>
+            </a:extLst>
+          </p:cNvPr>
+          <p:cNvSpPr>
+            <a:spLocks noGrp="1"/>
+          </p:cNvSpPr>
+          <p:nvPr>
+            <p:ph type="title"/>
+          </p:nvPr>
+        </p:nvSpPr>
+        <p:spPr/>
+        <p:txBody>
+          <a:bodyPr/>
+          <a:lstStyle/>
+          <a:p>
+            <a:r>
+              <a:rPr lang="en-GB" dirty="0"/>
+              <a:t>Default icon</a:t>
+            </a:r>
+          </a:p>
+        </p:txBody>
+      </p:sp>
+    </p:spTree>
+    <p:extLst>
+      <p:ext uri="{BB962C8B-B14F-4D97-AF65-F5344CB8AC3E}">
+        <p14:creationId xmlns:p14="http://schemas.microsoft.com/office/powerpoint/2010/main" val="2022966207"/>
+      </p:ext>
+    </p:extLst>
+  </p:cSld>
+  <p:clrMapOvr>
+    <a:masterClrMapping/>
+  </p:clrMapOvr>
+</p:sld>
+</file>
+
+<file path=ppt/slides/slide2.xml><?xml version="1.0" encoding="utf-8"?>
+<p:sld xmlns:a="http://schemas.openxmlformats.org/drawingml/2006/main" xmlns:r="http://schemas.openxmlformats.org/officeDocument/2006/relationships" xmlns:p="http://schemas.openxmlformats.org/presentationml/2006/main">
+  <p:cSld>
+    <p:spTree>
+      <p:nvGrpSpPr>
+        <p:cNvPr id="1" name=""/>
+        <p:cNvGrpSpPr/>
+        <p:nvPr/>
+      </p:nvGrpSpPr>
+      <p:grpSpPr>
+        <a:xfrm>
+          <a:off x="0" y="0"/>
+          <a:ext cx="0" cy="0"/>
+          <a:chOff x="0" y="0"/>
+          <a:chExt cx="0" cy="0"/>
+        </a:xfrm>
+      </p:grpSpPr>
+      <p:sp>
+        <p:nvSpPr>
+          <p:cNvPr id="2" name="Title 1">
+            <a:extLst>
+              <a:ext uri="{FF2B5EF4-FFF2-40B4-BE49-F238E27FC236}">
+                <a16:creationId xmlns:a16="http://schemas.microsoft.com/office/drawing/2014/main" id="{06B602C3-6D21-758D-3EF4-A9D328694EAF}"/>
+              </a:ext>
+            </a:extLst>
+          </p:cNvPr>
+          <p:cNvSpPr>
+            <a:spLocks noGrp="1"/>
+          </p:cNvSpPr>
+          <p:nvPr>
+            <p:ph type="title"/>
+          </p:nvPr>
+        </p:nvSpPr>
+        <p:spPr/>
+        <p:txBody>
+          <a:bodyPr/>
+          <a:lstStyle/>
+          <a:p>
+            <a:r>
+              <a:rPr lang="en-GB" dirty="0"/>
+              <a:t>Wind turbines and wind farms</a:t>
+            </a:r>
+          </a:p>
+        </p:txBody>
+      </p:sp>
+      <p:sp>
+        <p:nvSpPr>
+          <p:cNvPr id="3" name="Graphic 4" descr="Marker with solid fill">
+            <a:extLst>
+              <a:ext uri="{FF2B5EF4-FFF2-40B4-BE49-F238E27FC236}">
+                <a16:creationId xmlns:a16="http://schemas.microsoft.com/office/drawing/2014/main" id="{43FA6D3C-5385-7562-EA0E-1E5594A6B41A}"/>
+              </a:ext>
+            </a:extLst>
+          </p:cNvPr>
+          <p:cNvSpPr/>
+          <p:nvPr/>
+        </p:nvSpPr>
+        <p:spPr>
+          <a:xfrm>
+            <a:off x="838200" y="2569717"/>
+            <a:ext cx="627945" cy="1020000"/>
+          </a:xfrm>
+          <a:custGeom>
+            <a:avLst/>
+            <a:gdLst>
+              <a:gd name="connsiteX0" fmla="*/ 313973 w 627945"/>
+              <a:gd name="connsiteY0" fmla="*/ 450000 h 1020000"/>
+              <a:gd name="connsiteX1" fmla="*/ 178973 w 627945"/>
+              <a:gd name="connsiteY1" fmla="*/ 315000 h 1020000"/>
+              <a:gd name="connsiteX2" fmla="*/ 313973 w 627945"/>
+              <a:gd name="connsiteY2" fmla="*/ 180000 h 1020000"/>
+              <a:gd name="connsiteX3" fmla="*/ 448973 w 627945"/>
+              <a:gd name="connsiteY3" fmla="*/ 315000 h 1020000"/>
+              <a:gd name="connsiteX4" fmla="*/ 313973 w 627945"/>
+              <a:gd name="connsiteY4" fmla="*/ 450000 h 1020000"/>
+              <a:gd name="connsiteX5" fmla="*/ 313973 w 627945"/>
+              <a:gd name="connsiteY5" fmla="*/ 0 h 1020000"/>
+              <a:gd name="connsiteX6" fmla="*/ 54473 w 627945"/>
+              <a:gd name="connsiteY6" fmla="*/ 138000 h 1020000"/>
+              <a:gd name="connsiteX7" fmla="*/ 21473 w 627945"/>
+              <a:gd name="connsiteY7" fmla="*/ 430500 h 1020000"/>
+              <a:gd name="connsiteX8" fmla="*/ 163973 w 627945"/>
+              <a:gd name="connsiteY8" fmla="*/ 745500 h 1020000"/>
+              <a:gd name="connsiteX9" fmla="*/ 286973 w 627945"/>
+              <a:gd name="connsiteY9" fmla="*/ 1003500 h 1020000"/>
+              <a:gd name="connsiteX10" fmla="*/ 313973 w 627945"/>
+              <a:gd name="connsiteY10" fmla="*/ 1020000 h 1020000"/>
+              <a:gd name="connsiteX11" fmla="*/ 340973 w 627945"/>
+              <a:gd name="connsiteY11" fmla="*/ 1003500 h 1020000"/>
+              <a:gd name="connsiteX12" fmla="*/ 463973 w 627945"/>
+              <a:gd name="connsiteY12" fmla="*/ 745500 h 1020000"/>
+              <a:gd name="connsiteX13" fmla="*/ 606473 w 627945"/>
+              <a:gd name="connsiteY13" fmla="*/ 430500 h 1020000"/>
+              <a:gd name="connsiteX14" fmla="*/ 573473 w 627945"/>
+              <a:gd name="connsiteY14" fmla="*/ 138000 h 1020000"/>
+              <a:gd name="connsiteX15" fmla="*/ 313973 w 627945"/>
+              <a:gd name="connsiteY15" fmla="*/ 0 h 1020000"/>
+              <a:gd name="connsiteX0" fmla="*/ 313973 w 627945"/>
+              <a:gd name="connsiteY0" fmla="*/ 450000 h 1020000"/>
+              <a:gd name="connsiteX1" fmla="*/ 178973 w 627945"/>
+              <a:gd name="connsiteY1" fmla="*/ 315000 h 1020000"/>
+              <a:gd name="connsiteX2" fmla="*/ 313973 w 627945"/>
+              <a:gd name="connsiteY2" fmla="*/ 180000 h 1020000"/>
+              <a:gd name="connsiteX3" fmla="*/ 313973 w 627945"/>
+              <a:gd name="connsiteY3" fmla="*/ 450000 h 1020000"/>
+              <a:gd name="connsiteX4" fmla="*/ 313973 w 627945"/>
+              <a:gd name="connsiteY4" fmla="*/ 0 h 1020000"/>
+              <a:gd name="connsiteX5" fmla="*/ 54473 w 627945"/>
+              <a:gd name="connsiteY5" fmla="*/ 138000 h 1020000"/>
+              <a:gd name="connsiteX6" fmla="*/ 21473 w 627945"/>
+              <a:gd name="connsiteY6" fmla="*/ 430500 h 1020000"/>
+              <a:gd name="connsiteX7" fmla="*/ 163973 w 627945"/>
+              <a:gd name="connsiteY7" fmla="*/ 745500 h 1020000"/>
+              <a:gd name="connsiteX8" fmla="*/ 286973 w 627945"/>
+              <a:gd name="connsiteY8" fmla="*/ 1003500 h 1020000"/>
+              <a:gd name="connsiteX9" fmla="*/ 313973 w 627945"/>
+              <a:gd name="connsiteY9" fmla="*/ 1020000 h 1020000"/>
+              <a:gd name="connsiteX10" fmla="*/ 340973 w 627945"/>
+              <a:gd name="connsiteY10" fmla="*/ 1003500 h 1020000"/>
+              <a:gd name="connsiteX11" fmla="*/ 463973 w 627945"/>
+              <a:gd name="connsiteY11" fmla="*/ 745500 h 1020000"/>
+              <a:gd name="connsiteX12" fmla="*/ 606473 w 627945"/>
+              <a:gd name="connsiteY12" fmla="*/ 430500 h 1020000"/>
+              <a:gd name="connsiteX13" fmla="*/ 573473 w 627945"/>
+              <a:gd name="connsiteY13" fmla="*/ 138000 h 1020000"/>
+              <a:gd name="connsiteX14" fmla="*/ 313973 w 627945"/>
+              <a:gd name="connsiteY14" fmla="*/ 0 h 1020000"/>
+              <a:gd name="connsiteX0" fmla="*/ 313973 w 627945"/>
+              <a:gd name="connsiteY0" fmla="*/ 180000 h 1020000"/>
+              <a:gd name="connsiteX1" fmla="*/ 178973 w 627945"/>
+              <a:gd name="connsiteY1" fmla="*/ 315000 h 1020000"/>
+              <a:gd name="connsiteX2" fmla="*/ 313973 w 627945"/>
+              <a:gd name="connsiteY2" fmla="*/ 180000 h 1020000"/>
+              <a:gd name="connsiteX3" fmla="*/ 313973 w 627945"/>
+              <a:gd name="connsiteY3" fmla="*/ 0 h 1020000"/>
+              <a:gd name="connsiteX4" fmla="*/ 54473 w 627945"/>
+              <a:gd name="connsiteY4" fmla="*/ 138000 h 1020000"/>
+              <a:gd name="connsiteX5" fmla="*/ 21473 w 627945"/>
+              <a:gd name="connsiteY5" fmla="*/ 430500 h 1020000"/>
+              <a:gd name="connsiteX6" fmla="*/ 163973 w 627945"/>
+              <a:gd name="connsiteY6" fmla="*/ 745500 h 1020000"/>
+              <a:gd name="connsiteX7" fmla="*/ 286973 w 627945"/>
+              <a:gd name="connsiteY7" fmla="*/ 1003500 h 1020000"/>
+              <a:gd name="connsiteX8" fmla="*/ 313973 w 627945"/>
+              <a:gd name="connsiteY8" fmla="*/ 1020000 h 1020000"/>
+              <a:gd name="connsiteX9" fmla="*/ 340973 w 627945"/>
+              <a:gd name="connsiteY9" fmla="*/ 1003500 h 1020000"/>
+              <a:gd name="connsiteX10" fmla="*/ 463973 w 627945"/>
+              <a:gd name="connsiteY10" fmla="*/ 745500 h 1020000"/>
+              <a:gd name="connsiteX11" fmla="*/ 606473 w 627945"/>
+              <a:gd name="connsiteY11" fmla="*/ 430500 h 1020000"/>
+              <a:gd name="connsiteX12" fmla="*/ 573473 w 627945"/>
+              <a:gd name="connsiteY12" fmla="*/ 138000 h 1020000"/>
+              <a:gd name="connsiteX13" fmla="*/ 313973 w 627945"/>
+              <a:gd name="connsiteY13" fmla="*/ 0 h 1020000"/>
+              <a:gd name="connsiteX0" fmla="*/ 313973 w 627945"/>
+              <a:gd name="connsiteY0" fmla="*/ 0 h 1020000"/>
+              <a:gd name="connsiteX1" fmla="*/ 54473 w 627945"/>
+              <a:gd name="connsiteY1" fmla="*/ 138000 h 1020000"/>
+              <a:gd name="connsiteX2" fmla="*/ 21473 w 627945"/>
+              <a:gd name="connsiteY2" fmla="*/ 430500 h 1020000"/>
+              <a:gd name="connsiteX3" fmla="*/ 163973 w 627945"/>
+              <a:gd name="connsiteY3" fmla="*/ 745500 h 1020000"/>
+              <a:gd name="connsiteX4" fmla="*/ 286973 w 627945"/>
+              <a:gd name="connsiteY4" fmla="*/ 1003500 h 1020000"/>
+              <a:gd name="connsiteX5" fmla="*/ 313973 w 627945"/>
+              <a:gd name="connsiteY5" fmla="*/ 1020000 h 1020000"/>
+              <a:gd name="connsiteX6" fmla="*/ 340973 w 627945"/>
+              <a:gd name="connsiteY6" fmla="*/ 1003500 h 1020000"/>
+              <a:gd name="connsiteX7" fmla="*/ 463973 w 627945"/>
+              <a:gd name="connsiteY7" fmla="*/ 745500 h 1020000"/>
+              <a:gd name="connsiteX8" fmla="*/ 606473 w 627945"/>
+              <a:gd name="connsiteY8" fmla="*/ 430500 h 1020000"/>
+              <a:gd name="connsiteX9" fmla="*/ 573473 w 627945"/>
+              <a:gd name="connsiteY9" fmla="*/ 138000 h 1020000"/>
+              <a:gd name="connsiteX10" fmla="*/ 313973 w 627945"/>
+              <a:gd name="connsiteY10" fmla="*/ 0 h 1020000"/>
+            </a:gdLst>
+            <a:ahLst/>
+            <a:cxnLst>
+              <a:cxn ang="0">
+                <a:pos x="connsiteX0" y="connsiteY0"/>
+              </a:cxn>
+              <a:cxn ang="0">
+                <a:pos x="connsiteX1" y="connsiteY1"/>
+              </a:cxn>
+              <a:cxn ang="0">
+                <a:pos x="connsiteX2" y="connsiteY2"/>
+              </a:cxn>
+              <a:cxn ang="0">
+                <a:pos x="connsiteX3" y="connsiteY3"/>
+              </a:cxn>
+              <a:cxn ang="0">
+                <a:pos x="connsiteX4" y="connsiteY4"/>
+              </a:cxn>
+              <a:cxn ang="0">
+                <a:pos x="connsiteX5" y="connsiteY5"/>
+              </a:cxn>
+              <a:cxn ang="0">
+                <a:pos x="connsiteX6" y="connsiteY6"/>
+              </a:cxn>
+              <a:cxn ang="0">
+                <a:pos x="connsiteX7" y="connsiteY7"/>
+              </a:cxn>
+              <a:cxn ang="0">
+                <a:pos x="connsiteX8" y="connsiteY8"/>
+              </a:cxn>
+              <a:cxn ang="0">
+                <a:pos x="connsiteX9" y="connsiteY9"/>
+              </a:cxn>
+              <a:cxn ang="0">
+                <a:pos x="connsiteX10" y="connsiteY10"/>
+              </a:cxn>
+            </a:cxnLst>
+            <a:rect l="l" t="t" r="r" b="b"/>
+            <a:pathLst>
+              <a:path w="627945" h="1020000">
+                <a:moveTo>
+                  <a:pt x="313973" y="0"/>
+                </a:moveTo>
+                <a:cubicBezTo>
+                  <a:pt x="210473" y="0"/>
+                  <a:pt x="112973" y="51000"/>
+                  <a:pt x="54473" y="138000"/>
+                </a:cubicBezTo>
+                <a:cubicBezTo>
+                  <a:pt x="-4027" y="223500"/>
+                  <a:pt x="-16027" y="333000"/>
+                  <a:pt x="21473" y="430500"/>
+                </a:cubicBezTo>
+                <a:lnTo>
+                  <a:pt x="163973" y="745500"/>
+                </a:lnTo>
+                <a:lnTo>
+                  <a:pt x="286973" y="1003500"/>
+                </a:lnTo>
+                <a:cubicBezTo>
+                  <a:pt x="291473" y="1014000"/>
+                  <a:pt x="301973" y="1020000"/>
+                  <a:pt x="313973" y="1020000"/>
+                </a:cubicBezTo>
+                <a:cubicBezTo>
+                  <a:pt x="325973" y="1020000"/>
+                  <a:pt x="336473" y="1014000"/>
+                  <a:pt x="340973" y="1003500"/>
+                </a:cubicBezTo>
+                <a:lnTo>
+                  <a:pt x="463973" y="745500"/>
+                </a:lnTo>
+                <a:lnTo>
+                  <a:pt x="606473" y="430500"/>
+                </a:lnTo>
+                <a:cubicBezTo>
+                  <a:pt x="643973" y="333000"/>
+                  <a:pt x="631973" y="223500"/>
+                  <a:pt x="573473" y="138000"/>
+                </a:cubicBezTo>
+                <a:cubicBezTo>
+                  <a:pt x="514973" y="51000"/>
+                  <a:pt x="417473" y="0"/>
+                  <a:pt x="313973" y="0"/>
+                </a:cubicBezTo>
+                <a:close/>
+              </a:path>
+            </a:pathLst>
+          </a:custGeom>
+          <a:solidFill>
+            <a:srgbClr val="17A9AE"/>
+          </a:solidFill>
+          <a:ln w="14982" cap="flat">
+            <a:solidFill>
+              <a:schemeClr val="tx1"/>
+            </a:solidFill>
+            <a:prstDash val="solid"/>
+            <a:miter/>
+          </a:ln>
+        </p:spPr>
+        <p:txBody>
+          <a:bodyPr rtlCol="0" anchor="ctr"/>
+          <a:lstStyle/>
+          <a:p>
+            <a:endParaRPr lang="en-GB"/>
+          </a:p>
+        </p:txBody>
+      </p:sp>
+      <p:sp>
+        <p:nvSpPr>
+          <p:cNvPr id="4" name="TextBox 3">
+            <a:extLst>
+              <a:ext uri="{FF2B5EF4-FFF2-40B4-BE49-F238E27FC236}">
+                <a16:creationId xmlns:a16="http://schemas.microsoft.com/office/drawing/2014/main" id="{78053A5D-9263-8CB8-93CE-EB958BE0D497}"/>
+              </a:ext>
+            </a:extLst>
+          </p:cNvPr>
+          <p:cNvSpPr txBox="1"/>
+          <p:nvPr/>
+        </p:nvSpPr>
+        <p:spPr>
+          <a:xfrm>
+            <a:off x="1666119" y="2854540"/>
+            <a:ext cx="1154483" cy="307777"/>
+          </a:xfrm>
+          <a:prstGeom prst="rect">
+            <a:avLst/>
+          </a:prstGeom>
+          <a:noFill/>
+        </p:spPr>
+        <p:txBody>
+          <a:bodyPr wrap="none" rtlCol="0">
+            <a:spAutoFit/>
+          </a:bodyPr>
+          <a:lstStyle/>
+          <a:p>
+            <a:r>
+              <a:rPr lang="en-GB" sz="1400" dirty="0"/>
+              <a:t>Wind turbine</a:t>
+            </a:r>
+          </a:p>
+        </p:txBody>
+      </p:sp>
       <p:grpSp>
         <p:nvGrpSpPr>
-          <p:cNvPr id="20" name="Group 19">
-            <a:extLst>
-              <a:ext uri="{FF2B5EF4-FFF2-40B4-BE49-F238E27FC236}">
-                <a16:creationId xmlns:a16="http://schemas.microsoft.com/office/drawing/2014/main" id="{CB834C1B-5237-1871-D6E2-3061CE54106D}"/>
+          <p:cNvPr id="5" name="Group 4">
+            <a:extLst>
+              <a:ext uri="{FF2B5EF4-FFF2-40B4-BE49-F238E27FC236}">
+                <a16:creationId xmlns:a16="http://schemas.microsoft.com/office/drawing/2014/main" id="{FF4BA450-F0DB-1D0A-459C-A77447CF6D5C}"/>
+              </a:ext>
+            </a:extLst>
+          </p:cNvPr>
+          <p:cNvGrpSpPr>
+            <a:grpSpLocks noChangeAspect="1"/>
+          </p:cNvGrpSpPr>
+          <p:nvPr/>
+        </p:nvGrpSpPr>
+        <p:grpSpPr>
+          <a:xfrm>
+            <a:off x="972835" y="2649448"/>
+            <a:ext cx="396000" cy="698013"/>
+            <a:chOff x="2592518" y="3713719"/>
+            <a:chExt cx="307557" cy="542118"/>
+          </a:xfrm>
+        </p:grpSpPr>
+        <p:sp>
+          <p:nvSpPr>
+            <p:cNvPr id="6" name="Freeform 5">
+              <a:extLst>
+                <a:ext uri="{FF2B5EF4-FFF2-40B4-BE49-F238E27FC236}">
+                  <a16:creationId xmlns:a16="http://schemas.microsoft.com/office/drawing/2014/main" id="{EE99AA08-A216-6347-ECDD-B61EBE49462E}"/>
+                </a:ext>
+              </a:extLst>
+            </p:cNvPr>
+            <p:cNvSpPr/>
+            <p:nvPr/>
+          </p:nvSpPr>
+          <p:spPr>
+            <a:xfrm>
+              <a:off x="2669533" y="3939663"/>
+              <a:ext cx="123712" cy="316174"/>
+            </a:xfrm>
+            <a:custGeom>
+              <a:avLst/>
+              <a:gdLst>
+                <a:gd name="connsiteX0" fmla="*/ 69709 w 123712"/>
+                <a:gd name="connsiteY0" fmla="*/ 0 h 316174"/>
+                <a:gd name="connsiteX1" fmla="*/ 37997 w 123712"/>
+                <a:gd name="connsiteY1" fmla="*/ 22881 h 316174"/>
+                <a:gd name="connsiteX2" fmla="*/ 24725 w 123712"/>
+                <a:gd name="connsiteY2" fmla="*/ 292610 h 316174"/>
+                <a:gd name="connsiteX3" fmla="*/ 0 w 123712"/>
+                <a:gd name="connsiteY3" fmla="*/ 292610 h 316174"/>
+                <a:gd name="connsiteX4" fmla="*/ 0 w 123712"/>
+                <a:gd name="connsiteY4" fmla="*/ 316174 h 316174"/>
+                <a:gd name="connsiteX5" fmla="*/ 23564 w 123712"/>
+                <a:gd name="connsiteY5" fmla="*/ 316174 h 316174"/>
+                <a:gd name="connsiteX6" fmla="*/ 100148 w 123712"/>
+                <a:gd name="connsiteY6" fmla="*/ 316174 h 316174"/>
+                <a:gd name="connsiteX7" fmla="*/ 123713 w 123712"/>
+                <a:gd name="connsiteY7" fmla="*/ 316174 h 316174"/>
+                <a:gd name="connsiteX8" fmla="*/ 123713 w 123712"/>
+                <a:gd name="connsiteY8" fmla="*/ 292610 h 316174"/>
+                <a:gd name="connsiteX9" fmla="*/ 98605 w 123712"/>
+                <a:gd name="connsiteY9" fmla="*/ 292610 h 316174"/>
+                <a:gd name="connsiteX10" fmla="*/ 79547 w 123712"/>
+                <a:gd name="connsiteY10" fmla="*/ 2027 h 316174"/>
+                <a:gd name="connsiteX11" fmla="*/ 69709 w 123712"/>
+                <a:gd name="connsiteY11" fmla="*/ 0 h 316174"/>
+              </a:gdLst>
+              <a:ahLst/>
+              <a:cxnLst>
+                <a:cxn ang="0">
+                  <a:pos x="connsiteX0" y="connsiteY0"/>
+                </a:cxn>
+                <a:cxn ang="0">
+                  <a:pos x="connsiteX1" y="connsiteY1"/>
+                </a:cxn>
+                <a:cxn ang="0">
+                  <a:pos x="connsiteX2" y="connsiteY2"/>
+                </a:cxn>
+                <a:cxn ang="0">
+                  <a:pos x="connsiteX3" y="connsiteY3"/>
+                </a:cxn>
+                <a:cxn ang="0">
+                  <a:pos x="connsiteX4" y="connsiteY4"/>
+                </a:cxn>
+                <a:cxn ang="0">
+                  <a:pos x="connsiteX5" y="connsiteY5"/>
+                </a:cxn>
+                <a:cxn ang="0">
+                  <a:pos x="connsiteX6" y="connsiteY6"/>
+                </a:cxn>
+                <a:cxn ang="0">
+                  <a:pos x="connsiteX7" y="connsiteY7"/>
+                </a:cxn>
+                <a:cxn ang="0">
+                  <a:pos x="connsiteX8" y="connsiteY8"/>
+                </a:cxn>
+                <a:cxn ang="0">
+                  <a:pos x="connsiteX9" y="connsiteY9"/>
+                </a:cxn>
+                <a:cxn ang="0">
+                  <a:pos x="connsiteX10" y="connsiteY10"/>
+                </a:cxn>
+                <a:cxn ang="0">
+                  <a:pos x="connsiteX11" y="connsiteY11"/>
+                </a:cxn>
+              </a:cxnLst>
+              <a:rect l="l" t="t" r="r" b="b"/>
+              <a:pathLst>
+                <a:path w="123712" h="316174">
+                  <a:moveTo>
+                    <a:pt x="69709" y="0"/>
+                  </a:moveTo>
+                  <a:lnTo>
+                    <a:pt x="37997" y="22881"/>
+                  </a:lnTo>
+                  <a:lnTo>
+                    <a:pt x="24725" y="292610"/>
+                  </a:lnTo>
+                  <a:lnTo>
+                    <a:pt x="0" y="292610"/>
+                  </a:lnTo>
+                  <a:lnTo>
+                    <a:pt x="0" y="316174"/>
+                  </a:lnTo>
+                  <a:lnTo>
+                    <a:pt x="23564" y="316174"/>
+                  </a:lnTo>
+                  <a:lnTo>
+                    <a:pt x="100148" y="316174"/>
+                  </a:lnTo>
+                  <a:lnTo>
+                    <a:pt x="123713" y="316174"/>
+                  </a:lnTo>
+                  <a:lnTo>
+                    <a:pt x="123713" y="292610"/>
+                  </a:lnTo>
+                  <a:lnTo>
+                    <a:pt x="98605" y="292610"/>
+                  </a:lnTo>
+                  <a:lnTo>
+                    <a:pt x="79547" y="2027"/>
+                  </a:lnTo>
+                  <a:lnTo>
+                    <a:pt x="69709" y="0"/>
+                  </a:lnTo>
+                  <a:close/>
+                </a:path>
+              </a:pathLst>
+            </a:custGeom>
+            <a:solidFill>
+              <a:schemeClr val="bg1"/>
+            </a:solidFill>
+            <a:ln w="5854" cap="flat">
+              <a:noFill/>
+              <a:prstDash val="solid"/>
+              <a:miter/>
+            </a:ln>
+          </p:spPr>
+          <p:txBody>
+            <a:bodyPr rtlCol="0" anchor="ctr"/>
+            <a:lstStyle/>
+            <a:p>
+              <a:endParaRPr lang="en-GB"/>
+            </a:p>
+          </p:txBody>
+        </p:sp>
+        <p:sp>
+          <p:nvSpPr>
+            <p:cNvPr id="7" name="Freeform 6">
+              <a:extLst>
+                <a:ext uri="{FF2B5EF4-FFF2-40B4-BE49-F238E27FC236}">
+                  <a16:creationId xmlns:a16="http://schemas.microsoft.com/office/drawing/2014/main" id="{C971C102-9172-73B7-D819-3C591CB24027}"/>
+                </a:ext>
+              </a:extLst>
+            </p:cNvPr>
+            <p:cNvSpPr/>
+            <p:nvPr/>
+          </p:nvSpPr>
+          <p:spPr>
+            <a:xfrm>
+              <a:off x="2682632" y="3713719"/>
+              <a:ext cx="65075" cy="156611"/>
+            </a:xfrm>
+            <a:custGeom>
+              <a:avLst/>
+              <a:gdLst>
+                <a:gd name="connsiteX0" fmla="*/ 14277 w 65075"/>
+                <a:gd name="connsiteY0" fmla="*/ 152676 h 156611"/>
+                <a:gd name="connsiteX1" fmla="*/ 17028 w 65075"/>
+                <a:gd name="connsiteY1" fmla="*/ 156612 h 156611"/>
+                <a:gd name="connsiteX2" fmla="*/ 22796 w 65075"/>
+                <a:gd name="connsiteY2" fmla="*/ 149589 h 156611"/>
+                <a:gd name="connsiteX3" fmla="*/ 63898 w 65075"/>
+                <a:gd name="connsiteY3" fmla="*/ 146055 h 156611"/>
+                <a:gd name="connsiteX4" fmla="*/ 65076 w 65075"/>
+                <a:gd name="connsiteY4" fmla="*/ 140941 h 156611"/>
+                <a:gd name="connsiteX5" fmla="*/ 20722 w 65075"/>
+                <a:gd name="connsiteY5" fmla="*/ 7432 h 156611"/>
+                <a:gd name="connsiteX6" fmla="*/ 7429 w 65075"/>
+                <a:gd name="connsiteY6" fmla="*/ 489 h 156611"/>
+                <a:gd name="connsiteX7" fmla="*/ 74 w 65075"/>
+                <a:gd name="connsiteY7" fmla="*/ 11850 h 156611"/>
+              </a:gdLst>
+              <a:ahLst/>
+              <a:cxnLst>
+                <a:cxn ang="0">
+                  <a:pos x="connsiteX0" y="connsiteY0"/>
+                </a:cxn>
+                <a:cxn ang="0">
+                  <a:pos x="connsiteX1" y="connsiteY1"/>
+                </a:cxn>
+                <a:cxn ang="0">
+                  <a:pos x="connsiteX2" y="connsiteY2"/>
+                </a:cxn>
+                <a:cxn ang="0">
+                  <a:pos x="connsiteX3" y="connsiteY3"/>
+                </a:cxn>
+                <a:cxn ang="0">
+                  <a:pos x="connsiteX4" y="connsiteY4"/>
+                </a:cxn>
+                <a:cxn ang="0">
+                  <a:pos x="connsiteX5" y="connsiteY5"/>
+                </a:cxn>
+                <a:cxn ang="0">
+                  <a:pos x="connsiteX6" y="connsiteY6"/>
+                </a:cxn>
+                <a:cxn ang="0">
+                  <a:pos x="connsiteX7" y="connsiteY7"/>
+                </a:cxn>
+              </a:cxnLst>
+              <a:rect l="l" t="t" r="r" b="b"/>
+              <a:pathLst>
+                <a:path w="65075" h="156611">
+                  <a:moveTo>
+                    <a:pt x="14277" y="152676"/>
+                  </a:moveTo>
+                  <a:lnTo>
+                    <a:pt x="17028" y="156612"/>
+                  </a:lnTo>
+                  <a:cubicBezTo>
+                    <a:pt x="18623" y="154020"/>
+                    <a:pt x="20564" y="151658"/>
+                    <a:pt x="22796" y="149589"/>
+                  </a:cubicBezTo>
+                  <a:cubicBezTo>
+                    <a:pt x="34149" y="139317"/>
+                    <a:pt x="50957" y="137871"/>
+                    <a:pt x="63898" y="146055"/>
+                  </a:cubicBezTo>
+                  <a:lnTo>
+                    <a:pt x="65076" y="140941"/>
+                  </a:lnTo>
+                  <a:lnTo>
+                    <a:pt x="20722" y="7432"/>
+                  </a:lnTo>
+                  <a:cubicBezTo>
+                    <a:pt x="18968" y="1844"/>
+                    <a:pt x="13017" y="-1264"/>
+                    <a:pt x="7429" y="489"/>
+                  </a:cubicBezTo>
+                  <a:cubicBezTo>
+                    <a:pt x="2566" y="2016"/>
+                    <a:pt x="-524" y="6787"/>
+                    <a:pt x="74" y="11850"/>
+                  </a:cubicBezTo>
+                  <a:close/>
+                </a:path>
+              </a:pathLst>
+            </a:custGeom>
+            <a:solidFill>
+              <a:schemeClr val="bg1"/>
+            </a:solidFill>
+            <a:ln w="5854" cap="flat">
+              <a:noFill/>
+              <a:prstDash val="solid"/>
+              <a:miter/>
+            </a:ln>
+          </p:spPr>
+          <p:txBody>
+            <a:bodyPr rtlCol="0" anchor="ctr"/>
+            <a:lstStyle/>
+            <a:p>
+              <a:endParaRPr lang="en-GB"/>
+            </a:p>
+          </p:txBody>
+        </p:sp>
+        <p:sp>
+          <p:nvSpPr>
+            <p:cNvPr id="8" name="Freeform 7">
+              <a:extLst>
+                <a:ext uri="{FF2B5EF4-FFF2-40B4-BE49-F238E27FC236}">
+                  <a16:creationId xmlns:a16="http://schemas.microsoft.com/office/drawing/2014/main" id="{1D993ADF-EA03-9A1A-26D6-C04E11C24232}"/>
+                </a:ext>
+              </a:extLst>
+            </p:cNvPr>
+            <p:cNvSpPr/>
+            <p:nvPr/>
+          </p:nvSpPr>
+          <p:spPr>
+            <a:xfrm>
+              <a:off x="2744073" y="3874466"/>
+              <a:ext cx="156002" cy="77852"/>
+            </a:xfrm>
+            <a:custGeom>
+              <a:avLst/>
+              <a:gdLst>
+                <a:gd name="connsiteX0" fmla="*/ 149539 w 156002"/>
+                <a:gd name="connsiteY0" fmla="*/ 57485 h 77852"/>
+                <a:gd name="connsiteX1" fmla="*/ 21879 w 156002"/>
+                <a:gd name="connsiteY1" fmla="*/ 0 h 77852"/>
+                <a:gd name="connsiteX2" fmla="*/ 15558 w 156002"/>
+                <a:gd name="connsiteY2" fmla="*/ 701 h 77852"/>
+                <a:gd name="connsiteX3" fmla="*/ 0 w 156002"/>
+                <a:gd name="connsiteY3" fmla="*/ 44537 h 77852"/>
+                <a:gd name="connsiteX4" fmla="*/ 6074 w 156002"/>
+                <a:gd name="connsiteY4" fmla="*/ 49414 h 77852"/>
+                <a:gd name="connsiteX5" fmla="*/ 143041 w 156002"/>
+                <a:gd name="connsiteY5" fmla="*/ 77586 h 77852"/>
+                <a:gd name="connsiteX6" fmla="*/ 155736 w 156002"/>
+                <a:gd name="connsiteY6" fmla="*/ 69602 h 77852"/>
+                <a:gd name="connsiteX7" fmla="*/ 149539 w 156002"/>
+                <a:gd name="connsiteY7" fmla="*/ 57485 h 77852"/>
+              </a:gdLst>
+              <a:ahLst/>
+              <a:cxnLst>
+                <a:cxn ang="0">
+                  <a:pos x="connsiteX0" y="connsiteY0"/>
+                </a:cxn>
+                <a:cxn ang="0">
+                  <a:pos x="connsiteX1" y="connsiteY1"/>
+                </a:cxn>
+                <a:cxn ang="0">
+                  <a:pos x="connsiteX2" y="connsiteY2"/>
+                </a:cxn>
+                <a:cxn ang="0">
+                  <a:pos x="connsiteX3" y="connsiteY3"/>
+                </a:cxn>
+                <a:cxn ang="0">
+                  <a:pos x="connsiteX4" y="connsiteY4"/>
+                </a:cxn>
+                <a:cxn ang="0">
+                  <a:pos x="connsiteX5" y="connsiteY5"/>
+                </a:cxn>
+                <a:cxn ang="0">
+                  <a:pos x="connsiteX6" y="connsiteY6"/>
+                </a:cxn>
+                <a:cxn ang="0">
+                  <a:pos x="connsiteX7" y="connsiteY7"/>
+                </a:cxn>
+              </a:cxnLst>
+              <a:rect l="l" t="t" r="r" b="b"/>
+              <a:pathLst>
+                <a:path w="156002" h="77852">
+                  <a:moveTo>
+                    <a:pt x="149539" y="57485"/>
+                  </a:moveTo>
+                  <a:lnTo>
+                    <a:pt x="21879" y="0"/>
+                  </a:lnTo>
+                  <a:lnTo>
+                    <a:pt x="15558" y="701"/>
+                  </a:lnTo>
+                  <a:cubicBezTo>
+                    <a:pt x="23043" y="17118"/>
+                    <a:pt x="16160" y="36512"/>
+                    <a:pt x="0" y="44537"/>
+                  </a:cubicBezTo>
+                  <a:lnTo>
+                    <a:pt x="6074" y="49414"/>
+                  </a:lnTo>
+                  <a:lnTo>
+                    <a:pt x="143041" y="77586"/>
+                  </a:lnTo>
+                  <a:cubicBezTo>
+                    <a:pt x="148752" y="78886"/>
+                    <a:pt x="154435" y="75312"/>
+                    <a:pt x="155736" y="69602"/>
+                  </a:cubicBezTo>
+                  <a:cubicBezTo>
+                    <a:pt x="156877" y="64595"/>
+                    <a:pt x="154266" y="59491"/>
+                    <a:pt x="149539" y="57485"/>
+                  </a:cubicBezTo>
+                  <a:close/>
+                </a:path>
+              </a:pathLst>
+            </a:custGeom>
+            <a:solidFill>
+              <a:schemeClr val="bg1"/>
+            </a:solidFill>
+            <a:ln w="5854" cap="flat">
+              <a:noFill/>
+              <a:prstDash val="solid"/>
+              <a:miter/>
+            </a:ln>
+          </p:spPr>
+          <p:txBody>
+            <a:bodyPr rtlCol="0" anchor="ctr"/>
+            <a:lstStyle/>
+            <a:p>
+              <a:endParaRPr lang="en-GB"/>
+            </a:p>
+          </p:txBody>
+        </p:sp>
+        <p:sp>
+          <p:nvSpPr>
+            <p:cNvPr id="9" name="Freeform 8">
+              <a:extLst>
+                <a:ext uri="{FF2B5EF4-FFF2-40B4-BE49-F238E27FC236}">
+                  <a16:creationId xmlns:a16="http://schemas.microsoft.com/office/drawing/2014/main" id="{287DC8BD-7452-417D-3D0F-E6DC7991E9FD}"/>
+                </a:ext>
+              </a:extLst>
+            </p:cNvPr>
+            <p:cNvSpPr/>
+            <p:nvPr/>
+          </p:nvSpPr>
+          <p:spPr>
+            <a:xfrm>
+              <a:off x="2592518" y="3889341"/>
+              <a:ext cx="133733" cy="124142"/>
+            </a:xfrm>
+            <a:custGeom>
+              <a:avLst/>
+              <a:gdLst>
+                <a:gd name="connsiteX0" fmla="*/ 133734 w 133733"/>
+                <a:gd name="connsiteY0" fmla="*/ 33503 h 124142"/>
+                <a:gd name="connsiteX1" fmla="*/ 101775 w 133733"/>
+                <a:gd name="connsiteY1" fmla="*/ 0 h 124142"/>
+                <a:gd name="connsiteX2" fmla="*/ 95295 w 133733"/>
+                <a:gd name="connsiteY2" fmla="*/ 2221 h 124142"/>
+                <a:gd name="connsiteX3" fmla="*/ 2763 w 133733"/>
+                <a:gd name="connsiteY3" fmla="*/ 106399 h 124142"/>
+                <a:gd name="connsiteX4" fmla="*/ 3465 w 133733"/>
+                <a:gd name="connsiteY4" fmla="*/ 121379 h 124142"/>
+                <a:gd name="connsiteX5" fmla="*/ 16902 w 133733"/>
+                <a:gd name="connsiteY5" fmla="*/ 122069 h 124142"/>
+                <a:gd name="connsiteX6" fmla="*/ 130953 w 133733"/>
+                <a:gd name="connsiteY6" fmla="*/ 39936 h 124142"/>
+              </a:gdLst>
+              <a:ahLst/>
+              <a:cxnLst>
+                <a:cxn ang="0">
+                  <a:pos x="connsiteX0" y="connsiteY0"/>
+                </a:cxn>
+                <a:cxn ang="0">
+                  <a:pos x="connsiteX1" y="connsiteY1"/>
+                </a:cxn>
+                <a:cxn ang="0">
+                  <a:pos x="connsiteX2" y="connsiteY2"/>
+                </a:cxn>
+                <a:cxn ang="0">
+                  <a:pos x="connsiteX3" y="connsiteY3"/>
+                </a:cxn>
+                <a:cxn ang="0">
+                  <a:pos x="connsiteX4" y="connsiteY4"/>
+                </a:cxn>
+                <a:cxn ang="0">
+                  <a:pos x="connsiteX5" y="connsiteY5"/>
+                </a:cxn>
+                <a:cxn ang="0">
+                  <a:pos x="connsiteX6" y="connsiteY6"/>
+                </a:cxn>
+              </a:cxnLst>
+              <a:rect l="l" t="t" r="r" b="b"/>
+              <a:pathLst>
+                <a:path w="133733" h="124142">
+                  <a:moveTo>
+                    <a:pt x="133734" y="33503"/>
+                  </a:moveTo>
+                  <a:cubicBezTo>
+                    <a:pt x="115913" y="32509"/>
+                    <a:pt x="101927" y="17848"/>
+                    <a:pt x="101775" y="0"/>
+                  </a:cubicBezTo>
+                  <a:lnTo>
+                    <a:pt x="95295" y="2221"/>
+                  </a:lnTo>
+                  <a:lnTo>
+                    <a:pt x="2763" y="106399"/>
+                  </a:lnTo>
+                  <a:cubicBezTo>
+                    <a:pt x="-1179" y="110729"/>
+                    <a:pt x="-865" y="117436"/>
+                    <a:pt x="3465" y="121379"/>
+                  </a:cubicBezTo>
+                  <a:cubicBezTo>
+                    <a:pt x="7206" y="124785"/>
+                    <a:pt x="12832" y="125074"/>
+                    <a:pt x="16902" y="122069"/>
+                  </a:cubicBezTo>
+                  <a:lnTo>
+                    <a:pt x="130953" y="39936"/>
+                  </a:lnTo>
+                  <a:close/>
+                </a:path>
+              </a:pathLst>
+            </a:custGeom>
+            <a:solidFill>
+              <a:schemeClr val="bg1"/>
+            </a:solidFill>
+            <a:ln w="5854" cap="flat">
+              <a:noFill/>
+              <a:prstDash val="solid"/>
+              <a:miter/>
+            </a:ln>
+          </p:spPr>
+          <p:txBody>
+            <a:bodyPr rtlCol="0" anchor="ctr"/>
+            <a:lstStyle/>
+            <a:p>
+              <a:endParaRPr lang="en-GB"/>
+            </a:p>
+          </p:txBody>
+        </p:sp>
+        <p:sp>
+          <p:nvSpPr>
+            <p:cNvPr id="10" name="Freeform 9">
+              <a:extLst>
+                <a:ext uri="{FF2B5EF4-FFF2-40B4-BE49-F238E27FC236}">
+                  <a16:creationId xmlns:a16="http://schemas.microsoft.com/office/drawing/2014/main" id="{4FA44900-9F59-0C88-D7AB-FBD44AF2D806}"/>
+                </a:ext>
+              </a:extLst>
+            </p:cNvPr>
+            <p:cNvSpPr/>
+            <p:nvPr/>
+          </p:nvSpPr>
+          <p:spPr>
+            <a:xfrm>
+              <a:off x="2711816" y="3872150"/>
+              <a:ext cx="33119" cy="33120"/>
+            </a:xfrm>
+            <a:custGeom>
+              <a:avLst/>
+              <a:gdLst>
+                <a:gd name="connsiteX0" fmla="*/ 5452 w 33119"/>
+                <a:gd name="connsiteY0" fmla="*/ 4278 h 33120"/>
+                <a:gd name="connsiteX1" fmla="*/ 4278 w 33119"/>
+                <a:gd name="connsiteY1" fmla="*/ 27668 h 33120"/>
+                <a:gd name="connsiteX2" fmla="*/ 27668 w 33119"/>
+                <a:gd name="connsiteY2" fmla="*/ 28842 h 33120"/>
+                <a:gd name="connsiteX3" fmla="*/ 28846 w 33119"/>
+                <a:gd name="connsiteY3" fmla="*/ 5456 h 33120"/>
+                <a:gd name="connsiteX4" fmla="*/ 5456 w 33119"/>
+                <a:gd name="connsiteY4" fmla="*/ 4275 h 33120"/>
+                <a:gd name="connsiteX5" fmla="*/ 5452 w 33119"/>
+                <a:gd name="connsiteY5" fmla="*/ 4278 h 33120"/>
+              </a:gdLst>
+              <a:ahLst/>
+              <a:cxnLst>
+                <a:cxn ang="0">
+                  <a:pos x="connsiteX0" y="connsiteY0"/>
+                </a:cxn>
+                <a:cxn ang="0">
+                  <a:pos x="connsiteX1" y="connsiteY1"/>
+                </a:cxn>
+                <a:cxn ang="0">
+                  <a:pos x="connsiteX2" y="connsiteY2"/>
+                </a:cxn>
+                <a:cxn ang="0">
+                  <a:pos x="connsiteX3" y="connsiteY3"/>
+                </a:cxn>
+                <a:cxn ang="0">
+                  <a:pos x="connsiteX4" y="connsiteY4"/>
+                </a:cxn>
+                <a:cxn ang="0">
+                  <a:pos x="connsiteX5" y="connsiteY5"/>
+                </a:cxn>
+              </a:cxnLst>
+              <a:rect l="l" t="t" r="r" b="b"/>
+              <a:pathLst>
+                <a:path w="33119" h="33120">
+                  <a:moveTo>
+                    <a:pt x="5452" y="4278"/>
+                  </a:moveTo>
+                  <a:cubicBezTo>
+                    <a:pt x="-1331" y="10413"/>
+                    <a:pt x="-1856" y="20885"/>
+                    <a:pt x="4278" y="27668"/>
+                  </a:cubicBezTo>
+                  <a:cubicBezTo>
+                    <a:pt x="10413" y="34451"/>
+                    <a:pt x="20885" y="34977"/>
+                    <a:pt x="27668" y="28842"/>
+                  </a:cubicBezTo>
+                  <a:cubicBezTo>
+                    <a:pt x="34449" y="22708"/>
+                    <a:pt x="34976" y="12240"/>
+                    <a:pt x="28846" y="5456"/>
+                  </a:cubicBezTo>
+                  <a:cubicBezTo>
+                    <a:pt x="22713" y="-1329"/>
+                    <a:pt x="12241" y="-1858"/>
+                    <a:pt x="5456" y="4275"/>
+                  </a:cubicBezTo>
+                  <a:cubicBezTo>
+                    <a:pt x="5455" y="4276"/>
+                    <a:pt x="5453" y="4277"/>
+                    <a:pt x="5452" y="4278"/>
+                  </a:cubicBezTo>
+                  <a:close/>
+                </a:path>
+              </a:pathLst>
+            </a:custGeom>
+            <a:solidFill>
+              <a:schemeClr val="bg1"/>
+            </a:solidFill>
+            <a:ln w="5854" cap="flat">
+              <a:noFill/>
+              <a:prstDash val="solid"/>
+              <a:miter/>
+            </a:ln>
+          </p:spPr>
+          <p:txBody>
+            <a:bodyPr rtlCol="0" anchor="ctr"/>
+            <a:lstStyle/>
+            <a:p>
+              <a:endParaRPr lang="en-GB"/>
+            </a:p>
+          </p:txBody>
+        </p:sp>
+      </p:grpSp>
+      <p:sp>
+        <p:nvSpPr>
+          <p:cNvPr id="11" name="Graphic 4" descr="Marker with solid fill">
+            <a:extLst>
+              <a:ext uri="{FF2B5EF4-FFF2-40B4-BE49-F238E27FC236}">
+                <a16:creationId xmlns:a16="http://schemas.microsoft.com/office/drawing/2014/main" id="{14E104A2-9C52-6FBD-D798-7FDFC33039A0}"/>
+              </a:ext>
+            </a:extLst>
+          </p:cNvPr>
+          <p:cNvSpPr/>
+          <p:nvPr/>
+        </p:nvSpPr>
+        <p:spPr>
+          <a:xfrm>
+            <a:off x="838200" y="3814732"/>
+            <a:ext cx="627945" cy="1020000"/>
+          </a:xfrm>
+          <a:custGeom>
+            <a:avLst/>
+            <a:gdLst>
+              <a:gd name="connsiteX0" fmla="*/ 313973 w 627945"/>
+              <a:gd name="connsiteY0" fmla="*/ 450000 h 1020000"/>
+              <a:gd name="connsiteX1" fmla="*/ 178973 w 627945"/>
+              <a:gd name="connsiteY1" fmla="*/ 315000 h 1020000"/>
+              <a:gd name="connsiteX2" fmla="*/ 313973 w 627945"/>
+              <a:gd name="connsiteY2" fmla="*/ 180000 h 1020000"/>
+              <a:gd name="connsiteX3" fmla="*/ 448973 w 627945"/>
+              <a:gd name="connsiteY3" fmla="*/ 315000 h 1020000"/>
+              <a:gd name="connsiteX4" fmla="*/ 313973 w 627945"/>
+              <a:gd name="connsiteY4" fmla="*/ 450000 h 1020000"/>
+              <a:gd name="connsiteX5" fmla="*/ 313973 w 627945"/>
+              <a:gd name="connsiteY5" fmla="*/ 0 h 1020000"/>
+              <a:gd name="connsiteX6" fmla="*/ 54473 w 627945"/>
+              <a:gd name="connsiteY6" fmla="*/ 138000 h 1020000"/>
+              <a:gd name="connsiteX7" fmla="*/ 21473 w 627945"/>
+              <a:gd name="connsiteY7" fmla="*/ 430500 h 1020000"/>
+              <a:gd name="connsiteX8" fmla="*/ 163973 w 627945"/>
+              <a:gd name="connsiteY8" fmla="*/ 745500 h 1020000"/>
+              <a:gd name="connsiteX9" fmla="*/ 286973 w 627945"/>
+              <a:gd name="connsiteY9" fmla="*/ 1003500 h 1020000"/>
+              <a:gd name="connsiteX10" fmla="*/ 313973 w 627945"/>
+              <a:gd name="connsiteY10" fmla="*/ 1020000 h 1020000"/>
+              <a:gd name="connsiteX11" fmla="*/ 340973 w 627945"/>
+              <a:gd name="connsiteY11" fmla="*/ 1003500 h 1020000"/>
+              <a:gd name="connsiteX12" fmla="*/ 463973 w 627945"/>
+              <a:gd name="connsiteY12" fmla="*/ 745500 h 1020000"/>
+              <a:gd name="connsiteX13" fmla="*/ 606473 w 627945"/>
+              <a:gd name="connsiteY13" fmla="*/ 430500 h 1020000"/>
+              <a:gd name="connsiteX14" fmla="*/ 573473 w 627945"/>
+              <a:gd name="connsiteY14" fmla="*/ 138000 h 1020000"/>
+              <a:gd name="connsiteX15" fmla="*/ 313973 w 627945"/>
+              <a:gd name="connsiteY15" fmla="*/ 0 h 1020000"/>
+              <a:gd name="connsiteX0" fmla="*/ 313973 w 627945"/>
+              <a:gd name="connsiteY0" fmla="*/ 450000 h 1020000"/>
+              <a:gd name="connsiteX1" fmla="*/ 178973 w 627945"/>
+              <a:gd name="connsiteY1" fmla="*/ 315000 h 1020000"/>
+              <a:gd name="connsiteX2" fmla="*/ 313973 w 627945"/>
+              <a:gd name="connsiteY2" fmla="*/ 180000 h 1020000"/>
+              <a:gd name="connsiteX3" fmla="*/ 313973 w 627945"/>
+              <a:gd name="connsiteY3" fmla="*/ 450000 h 1020000"/>
+              <a:gd name="connsiteX4" fmla="*/ 313973 w 627945"/>
+              <a:gd name="connsiteY4" fmla="*/ 0 h 1020000"/>
+              <a:gd name="connsiteX5" fmla="*/ 54473 w 627945"/>
+              <a:gd name="connsiteY5" fmla="*/ 138000 h 1020000"/>
+              <a:gd name="connsiteX6" fmla="*/ 21473 w 627945"/>
+              <a:gd name="connsiteY6" fmla="*/ 430500 h 1020000"/>
+              <a:gd name="connsiteX7" fmla="*/ 163973 w 627945"/>
+              <a:gd name="connsiteY7" fmla="*/ 745500 h 1020000"/>
+              <a:gd name="connsiteX8" fmla="*/ 286973 w 627945"/>
+              <a:gd name="connsiteY8" fmla="*/ 1003500 h 1020000"/>
+              <a:gd name="connsiteX9" fmla="*/ 313973 w 627945"/>
+              <a:gd name="connsiteY9" fmla="*/ 1020000 h 1020000"/>
+              <a:gd name="connsiteX10" fmla="*/ 340973 w 627945"/>
+              <a:gd name="connsiteY10" fmla="*/ 1003500 h 1020000"/>
+              <a:gd name="connsiteX11" fmla="*/ 463973 w 627945"/>
+              <a:gd name="connsiteY11" fmla="*/ 745500 h 1020000"/>
+              <a:gd name="connsiteX12" fmla="*/ 606473 w 627945"/>
+              <a:gd name="connsiteY12" fmla="*/ 430500 h 1020000"/>
+              <a:gd name="connsiteX13" fmla="*/ 573473 w 627945"/>
+              <a:gd name="connsiteY13" fmla="*/ 138000 h 1020000"/>
+              <a:gd name="connsiteX14" fmla="*/ 313973 w 627945"/>
+              <a:gd name="connsiteY14" fmla="*/ 0 h 1020000"/>
+              <a:gd name="connsiteX0" fmla="*/ 313973 w 627945"/>
+              <a:gd name="connsiteY0" fmla="*/ 180000 h 1020000"/>
+              <a:gd name="connsiteX1" fmla="*/ 178973 w 627945"/>
+              <a:gd name="connsiteY1" fmla="*/ 315000 h 1020000"/>
+              <a:gd name="connsiteX2" fmla="*/ 313973 w 627945"/>
+              <a:gd name="connsiteY2" fmla="*/ 180000 h 1020000"/>
+              <a:gd name="connsiteX3" fmla="*/ 313973 w 627945"/>
+              <a:gd name="connsiteY3" fmla="*/ 0 h 1020000"/>
+              <a:gd name="connsiteX4" fmla="*/ 54473 w 627945"/>
+              <a:gd name="connsiteY4" fmla="*/ 138000 h 1020000"/>
+              <a:gd name="connsiteX5" fmla="*/ 21473 w 627945"/>
+              <a:gd name="connsiteY5" fmla="*/ 430500 h 1020000"/>
+              <a:gd name="connsiteX6" fmla="*/ 163973 w 627945"/>
+              <a:gd name="connsiteY6" fmla="*/ 745500 h 1020000"/>
+              <a:gd name="connsiteX7" fmla="*/ 286973 w 627945"/>
+              <a:gd name="connsiteY7" fmla="*/ 1003500 h 1020000"/>
+              <a:gd name="connsiteX8" fmla="*/ 313973 w 627945"/>
+              <a:gd name="connsiteY8" fmla="*/ 1020000 h 1020000"/>
+              <a:gd name="connsiteX9" fmla="*/ 340973 w 627945"/>
+              <a:gd name="connsiteY9" fmla="*/ 1003500 h 1020000"/>
+              <a:gd name="connsiteX10" fmla="*/ 463973 w 627945"/>
+              <a:gd name="connsiteY10" fmla="*/ 745500 h 1020000"/>
+              <a:gd name="connsiteX11" fmla="*/ 606473 w 627945"/>
+              <a:gd name="connsiteY11" fmla="*/ 430500 h 1020000"/>
+              <a:gd name="connsiteX12" fmla="*/ 573473 w 627945"/>
+              <a:gd name="connsiteY12" fmla="*/ 138000 h 1020000"/>
+              <a:gd name="connsiteX13" fmla="*/ 313973 w 627945"/>
+              <a:gd name="connsiteY13" fmla="*/ 0 h 1020000"/>
+              <a:gd name="connsiteX0" fmla="*/ 313973 w 627945"/>
+              <a:gd name="connsiteY0" fmla="*/ 0 h 1020000"/>
+              <a:gd name="connsiteX1" fmla="*/ 54473 w 627945"/>
+              <a:gd name="connsiteY1" fmla="*/ 138000 h 1020000"/>
+              <a:gd name="connsiteX2" fmla="*/ 21473 w 627945"/>
+              <a:gd name="connsiteY2" fmla="*/ 430500 h 1020000"/>
+              <a:gd name="connsiteX3" fmla="*/ 163973 w 627945"/>
+              <a:gd name="connsiteY3" fmla="*/ 745500 h 1020000"/>
+              <a:gd name="connsiteX4" fmla="*/ 286973 w 627945"/>
+              <a:gd name="connsiteY4" fmla="*/ 1003500 h 1020000"/>
+              <a:gd name="connsiteX5" fmla="*/ 313973 w 627945"/>
+              <a:gd name="connsiteY5" fmla="*/ 1020000 h 1020000"/>
+              <a:gd name="connsiteX6" fmla="*/ 340973 w 627945"/>
+              <a:gd name="connsiteY6" fmla="*/ 1003500 h 1020000"/>
+              <a:gd name="connsiteX7" fmla="*/ 463973 w 627945"/>
+              <a:gd name="connsiteY7" fmla="*/ 745500 h 1020000"/>
+              <a:gd name="connsiteX8" fmla="*/ 606473 w 627945"/>
+              <a:gd name="connsiteY8" fmla="*/ 430500 h 1020000"/>
+              <a:gd name="connsiteX9" fmla="*/ 573473 w 627945"/>
+              <a:gd name="connsiteY9" fmla="*/ 138000 h 1020000"/>
+              <a:gd name="connsiteX10" fmla="*/ 313973 w 627945"/>
+              <a:gd name="connsiteY10" fmla="*/ 0 h 1020000"/>
+            </a:gdLst>
+            <a:ahLst/>
+            <a:cxnLst>
+              <a:cxn ang="0">
+                <a:pos x="connsiteX0" y="connsiteY0"/>
+              </a:cxn>
+              <a:cxn ang="0">
+                <a:pos x="connsiteX1" y="connsiteY1"/>
+              </a:cxn>
+              <a:cxn ang="0">
+                <a:pos x="connsiteX2" y="connsiteY2"/>
+              </a:cxn>
+              <a:cxn ang="0">
+                <a:pos x="connsiteX3" y="connsiteY3"/>
+              </a:cxn>
+              <a:cxn ang="0">
+                <a:pos x="connsiteX4" y="connsiteY4"/>
+              </a:cxn>
+              <a:cxn ang="0">
+                <a:pos x="connsiteX5" y="connsiteY5"/>
+              </a:cxn>
+              <a:cxn ang="0">
+                <a:pos x="connsiteX6" y="connsiteY6"/>
+              </a:cxn>
+              <a:cxn ang="0">
+                <a:pos x="connsiteX7" y="connsiteY7"/>
+              </a:cxn>
+              <a:cxn ang="0">
+                <a:pos x="connsiteX8" y="connsiteY8"/>
+              </a:cxn>
+              <a:cxn ang="0">
+                <a:pos x="connsiteX9" y="connsiteY9"/>
+              </a:cxn>
+              <a:cxn ang="0">
+                <a:pos x="connsiteX10" y="connsiteY10"/>
+              </a:cxn>
+            </a:cxnLst>
+            <a:rect l="l" t="t" r="r" b="b"/>
+            <a:pathLst>
+              <a:path w="627945" h="1020000">
+                <a:moveTo>
+                  <a:pt x="313973" y="0"/>
+                </a:moveTo>
+                <a:cubicBezTo>
+                  <a:pt x="210473" y="0"/>
+                  <a:pt x="112973" y="51000"/>
+                  <a:pt x="54473" y="138000"/>
+                </a:cubicBezTo>
+                <a:cubicBezTo>
+                  <a:pt x="-4027" y="223500"/>
+                  <a:pt x="-16027" y="333000"/>
+                  <a:pt x="21473" y="430500"/>
+                </a:cubicBezTo>
+                <a:lnTo>
+                  <a:pt x="163973" y="745500"/>
+                </a:lnTo>
+                <a:lnTo>
+                  <a:pt x="286973" y="1003500"/>
+                </a:lnTo>
+                <a:cubicBezTo>
+                  <a:pt x="291473" y="1014000"/>
+                  <a:pt x="301973" y="1020000"/>
+                  <a:pt x="313973" y="1020000"/>
+                </a:cubicBezTo>
+                <a:cubicBezTo>
+                  <a:pt x="325973" y="1020000"/>
+                  <a:pt x="336473" y="1014000"/>
+                  <a:pt x="340973" y="1003500"/>
+                </a:cubicBezTo>
+                <a:lnTo>
+                  <a:pt x="463973" y="745500"/>
+                </a:lnTo>
+                <a:lnTo>
+                  <a:pt x="606473" y="430500"/>
+                </a:lnTo>
+                <a:cubicBezTo>
+                  <a:pt x="643973" y="333000"/>
+                  <a:pt x="631973" y="223500"/>
+                  <a:pt x="573473" y="138000"/>
+                </a:cubicBezTo>
+                <a:cubicBezTo>
+                  <a:pt x="514973" y="51000"/>
+                  <a:pt x="417473" y="0"/>
+                  <a:pt x="313973" y="0"/>
+                </a:cubicBezTo>
+                <a:close/>
+              </a:path>
+            </a:pathLst>
+          </a:custGeom>
+          <a:solidFill>
+            <a:schemeClr val="accent3">
+              <a:lumMod val="50000"/>
+            </a:schemeClr>
+          </a:solidFill>
+          <a:ln w="14982" cap="flat">
+            <a:solidFill>
+              <a:schemeClr val="tx1"/>
+            </a:solidFill>
+            <a:prstDash val="solid"/>
+            <a:miter/>
+          </a:ln>
+        </p:spPr>
+        <p:txBody>
+          <a:bodyPr rtlCol="0" anchor="ctr"/>
+          <a:lstStyle/>
+          <a:p>
+            <a:endParaRPr lang="en-GB"/>
+          </a:p>
+        </p:txBody>
+      </p:sp>
+      <p:sp>
+        <p:nvSpPr>
+          <p:cNvPr id="12" name="TextBox 11">
+            <a:extLst>
+              <a:ext uri="{FF2B5EF4-FFF2-40B4-BE49-F238E27FC236}">
+                <a16:creationId xmlns:a16="http://schemas.microsoft.com/office/drawing/2014/main" id="{219A84FD-51A1-8BEC-F710-B93288C612AB}"/>
+              </a:ext>
+            </a:extLst>
+          </p:cNvPr>
+          <p:cNvSpPr txBox="1"/>
+          <p:nvPr/>
+        </p:nvSpPr>
+        <p:spPr>
+          <a:xfrm>
+            <a:off x="1666119" y="4099555"/>
+            <a:ext cx="958596" cy="307777"/>
+          </a:xfrm>
+          <a:prstGeom prst="rect">
+            <a:avLst/>
+          </a:prstGeom>
+          <a:noFill/>
+        </p:spPr>
+        <p:txBody>
+          <a:bodyPr wrap="none" rtlCol="0">
+            <a:spAutoFit/>
+          </a:bodyPr>
+          <a:lstStyle/>
+          <a:p>
+            <a:r>
+              <a:rPr lang="en-GB" sz="1400" dirty="0"/>
+              <a:t>Wind farm</a:t>
+            </a:r>
+          </a:p>
+        </p:txBody>
+      </p:sp>
+      <p:pic>
+        <p:nvPicPr>
+          <p:cNvPr id="13" name="Graphic 12" descr="Wind Turbines with solid fill">
+            <a:extLst>
+              <a:ext uri="{FF2B5EF4-FFF2-40B4-BE49-F238E27FC236}">
+                <a16:creationId xmlns:a16="http://schemas.microsoft.com/office/drawing/2014/main" id="{D6349833-5DC7-854D-AB41-BBAED95C5C6F}"/>
+              </a:ext>
+            </a:extLst>
+          </p:cNvPr>
+          <p:cNvPicPr>
+            <a:picLocks noChangeAspect="1"/>
+          </p:cNvPicPr>
+          <p:nvPr/>
+        </p:nvPicPr>
+        <p:blipFill>
+          <a:blip r:embed="rId2">
+            <a:extLst>
+              <a:ext uri="{96DAC541-7B7A-43D3-8B79-37D633B846F1}">
+                <asvg:svgBlip xmlns:asvg="http://schemas.microsoft.com/office/drawing/2016/SVG/main" r:embed="rId3"/>
+              </a:ext>
+            </a:extLst>
+          </a:blip>
+          <a:stretch>
+            <a:fillRect/>
+          </a:stretch>
+        </p:blipFill>
+        <p:spPr>
+          <a:xfrm>
+            <a:off x="863829" y="3903343"/>
+            <a:ext cx="565544" cy="565544"/>
+          </a:xfrm>
+          <a:prstGeom prst="rect">
+            <a:avLst/>
+          </a:prstGeom>
+        </p:spPr>
+      </p:pic>
+    </p:spTree>
+    <p:extLst>
+      <p:ext uri="{BB962C8B-B14F-4D97-AF65-F5344CB8AC3E}">
+        <p14:creationId xmlns:p14="http://schemas.microsoft.com/office/powerpoint/2010/main" val="735138011"/>
+      </p:ext>
+    </p:extLst>
+  </p:cSld>
+  <p:clrMapOvr>
+    <a:masterClrMapping/>
+  </p:clrMapOvr>
+</p:sld>
+</file>
+
+<file path=ppt/slides/slide3.xml><?xml version="1.0" encoding="utf-8"?>
+<p:sld xmlns:a="http://schemas.openxmlformats.org/drawingml/2006/main" xmlns:r="http://schemas.openxmlformats.org/officeDocument/2006/relationships" xmlns:p="http://schemas.openxmlformats.org/presentationml/2006/main">
+  <p:cSld>
+    <p:spTree>
+      <p:nvGrpSpPr>
+        <p:cNvPr id="1" name=""/>
+        <p:cNvGrpSpPr/>
+        <p:nvPr/>
+      </p:nvGrpSpPr>
+      <p:grpSpPr>
+        <a:xfrm>
+          <a:off x="0" y="0"/>
+          <a:ext cx="0" cy="0"/>
+          <a:chOff x="0" y="0"/>
+          <a:chExt cx="0" cy="0"/>
+        </a:xfrm>
+      </p:grpSpPr>
+      <p:sp>
+        <p:nvSpPr>
+          <p:cNvPr id="2" name="Title 1">
+            <a:extLst>
+              <a:ext uri="{FF2B5EF4-FFF2-40B4-BE49-F238E27FC236}">
+                <a16:creationId xmlns:a16="http://schemas.microsoft.com/office/drawing/2014/main" id="{15AE9824-C74E-5C48-0CF2-B23B53055375}"/>
+              </a:ext>
+            </a:extLst>
+          </p:cNvPr>
+          <p:cNvSpPr>
+            <a:spLocks noGrp="1"/>
+          </p:cNvSpPr>
+          <p:nvPr>
+            <p:ph type="title"/>
+          </p:nvPr>
+        </p:nvSpPr>
+        <p:spPr/>
+        <p:txBody>
+          <a:bodyPr/>
+          <a:lstStyle/>
+          <a:p>
+            <a:r>
+              <a:rPr lang="en-GB" dirty="0"/>
+              <a:t>Atmospheric measurements and data</a:t>
+            </a:r>
+          </a:p>
+        </p:txBody>
+      </p:sp>
+      <p:grpSp>
+        <p:nvGrpSpPr>
+          <p:cNvPr id="3" name="Group 2">
+            <a:extLst>
+              <a:ext uri="{FF2B5EF4-FFF2-40B4-BE49-F238E27FC236}">
+                <a16:creationId xmlns:a16="http://schemas.microsoft.com/office/drawing/2014/main" id="{26A73263-B39E-C4E7-69C8-C69A461AAD9B}"/>
               </a:ext>
             </a:extLst>
           </p:cNvPr>
@@ -3831,7 +5249,7 @@
         </p:nvGrpSpPr>
         <p:grpSpPr>
           <a:xfrm>
-            <a:off x="2389190" y="621416"/>
+            <a:off x="838200" y="2058330"/>
             <a:ext cx="627945" cy="1020000"/>
             <a:chOff x="2389190" y="621416"/>
             <a:chExt cx="627945" cy="1020000"/>
@@ -3839,10 +5257,10 @@
         </p:grpSpPr>
         <p:sp>
           <p:nvSpPr>
-            <p:cNvPr id="8" name="Graphic 4" descr="Marker with solid fill">
+            <p:cNvPr id="4" name="Graphic 4" descr="Marker with solid fill">
               <a:extLst>
                 <a:ext uri="{FF2B5EF4-FFF2-40B4-BE49-F238E27FC236}">
-                  <a16:creationId xmlns:a16="http://schemas.microsoft.com/office/drawing/2014/main" id="{4F201E76-BB7E-81CB-FC74-7B5FC5B16A02}"/>
+                  <a16:creationId xmlns:a16="http://schemas.microsoft.com/office/drawing/2014/main" id="{7B4703AC-DBCC-C29B-59FC-62286B4447F3}"/>
                 </a:ext>
               </a:extLst>
             </p:cNvPr>
@@ -4079,10 +5497,10 @@
         </p:sp>
         <p:sp>
           <p:nvSpPr>
-            <p:cNvPr id="9" name="Rounded Rectangle 8">
+            <p:cNvPr id="5" name="Rounded Rectangle 4">
               <a:extLst>
                 <a:ext uri="{FF2B5EF4-FFF2-40B4-BE49-F238E27FC236}">
-                  <a16:creationId xmlns:a16="http://schemas.microsoft.com/office/drawing/2014/main" id="{B1ECFE75-56B6-348F-3D16-10188B6A8A2B}"/>
+                  <a16:creationId xmlns:a16="http://schemas.microsoft.com/office/drawing/2014/main" id="{EFCC17B1-7AEB-6A57-55CC-052D1C523B87}"/>
                 </a:ext>
               </a:extLst>
             </p:cNvPr>
@@ -4133,10 +5551,10 @@
         </p:sp>
         <p:sp>
           <p:nvSpPr>
-            <p:cNvPr id="10" name="Rounded Rectangle 9">
+            <p:cNvPr id="6" name="Rounded Rectangle 5">
               <a:extLst>
                 <a:ext uri="{FF2B5EF4-FFF2-40B4-BE49-F238E27FC236}">
-                  <a16:creationId xmlns:a16="http://schemas.microsoft.com/office/drawing/2014/main" id="{5B7DA501-A25D-37CF-EBA9-E15909B9C8EF}"/>
+                  <a16:creationId xmlns:a16="http://schemas.microsoft.com/office/drawing/2014/main" id="{2DEE043B-FF10-6C1B-D7D4-A67B664D9AFF}"/>
                 </a:ext>
               </a:extLst>
             </p:cNvPr>
@@ -4187,10 +5605,10 @@
         </p:sp>
         <p:sp>
           <p:nvSpPr>
-            <p:cNvPr id="11" name="Rounded Rectangle 10">
+            <p:cNvPr id="7" name="Rounded Rectangle 6">
               <a:extLst>
                 <a:ext uri="{FF2B5EF4-FFF2-40B4-BE49-F238E27FC236}">
-                  <a16:creationId xmlns:a16="http://schemas.microsoft.com/office/drawing/2014/main" id="{2017EB46-29E2-CC17-05FA-A7CC8B4BC429}"/>
+                  <a16:creationId xmlns:a16="http://schemas.microsoft.com/office/drawing/2014/main" id="{417737E0-DC63-CAB7-981C-019967169BD3}"/>
                 </a:ext>
               </a:extLst>
             </p:cNvPr>
@@ -4241,10 +5659,10 @@
         </p:sp>
         <p:sp>
           <p:nvSpPr>
-            <p:cNvPr id="12" name="Rounded Rectangle 11">
+            <p:cNvPr id="8" name="Rounded Rectangle 7">
               <a:extLst>
                 <a:ext uri="{FF2B5EF4-FFF2-40B4-BE49-F238E27FC236}">
-                  <a16:creationId xmlns:a16="http://schemas.microsoft.com/office/drawing/2014/main" id="{30F81B1F-87F7-77A3-FF61-729FF5ABAB7F}"/>
+                  <a16:creationId xmlns:a16="http://schemas.microsoft.com/office/drawing/2014/main" id="{0E47A9B5-1E84-D879-729E-95179D800003}"/>
                 </a:ext>
               </a:extLst>
             </p:cNvPr>
@@ -4295,10 +5713,10 @@
         </p:sp>
         <p:sp>
           <p:nvSpPr>
-            <p:cNvPr id="13" name="Rounded Rectangle 12">
+            <p:cNvPr id="9" name="Rounded Rectangle 8">
               <a:extLst>
                 <a:ext uri="{FF2B5EF4-FFF2-40B4-BE49-F238E27FC236}">
-                  <a16:creationId xmlns:a16="http://schemas.microsoft.com/office/drawing/2014/main" id="{49ACA75C-3988-C17C-153A-42C8A6001B68}"/>
+                  <a16:creationId xmlns:a16="http://schemas.microsoft.com/office/drawing/2014/main" id="{39049C7B-5C49-5F73-2401-E638E2A0EAC1}"/>
                 </a:ext>
               </a:extLst>
             </p:cNvPr>
@@ -4350,10 +5768,10 @@
       </p:grpSp>
       <p:sp>
         <p:nvSpPr>
-          <p:cNvPr id="15" name="TextBox 14">
-            <a:extLst>
-              <a:ext uri="{FF2B5EF4-FFF2-40B4-BE49-F238E27FC236}">
-                <a16:creationId xmlns:a16="http://schemas.microsoft.com/office/drawing/2014/main" id="{285AFC6A-6C3A-F131-09CD-1C4DC8C30F94}"/>
+          <p:cNvPr id="10" name="TextBox 9">
+            <a:extLst>
+              <a:ext uri="{FF2B5EF4-FFF2-40B4-BE49-F238E27FC236}">
+                <a16:creationId xmlns:a16="http://schemas.microsoft.com/office/drawing/2014/main" id="{CA01327B-2B40-CA0D-04F2-803DAAB3A1C2}"/>
               </a:ext>
             </a:extLst>
           </p:cNvPr>
@@ -4362,7 +5780,7 @@
         </p:nvSpPr>
         <p:spPr>
           <a:xfrm>
-            <a:off x="3239154" y="906239"/>
+            <a:off x="1688164" y="2343153"/>
             <a:ext cx="1750351" cy="307777"/>
           </a:xfrm>
           <a:prstGeom prst="rect">
@@ -4385,10 +5803,10 @@
       </p:sp>
       <p:sp>
         <p:nvSpPr>
-          <p:cNvPr id="18" name="Graphic 4" descr="Marker with solid fill">
-            <a:extLst>
-              <a:ext uri="{FF2B5EF4-FFF2-40B4-BE49-F238E27FC236}">
-                <a16:creationId xmlns:a16="http://schemas.microsoft.com/office/drawing/2014/main" id="{F2A653FF-F123-AD1A-7541-EA9766C593BE}"/>
+          <p:cNvPr id="11" name="Graphic 4" descr="Marker with solid fill">
+            <a:extLst>
+              <a:ext uri="{FF2B5EF4-FFF2-40B4-BE49-F238E27FC236}">
+                <a16:creationId xmlns:a16="http://schemas.microsoft.com/office/drawing/2014/main" id="{A3385E40-9757-078F-ED7C-F1109E7051C3}"/>
               </a:ext>
             </a:extLst>
           </p:cNvPr>
@@ -4397,7 +5815,7 @@
         </p:nvSpPr>
         <p:spPr>
           <a:xfrm>
-            <a:off x="2389190" y="2111549"/>
+            <a:off x="838200" y="3548463"/>
             <a:ext cx="627945" cy="1020000"/>
           </a:xfrm>
           <a:custGeom>
@@ -4625,10 +6043,10 @@
       </p:sp>
       <p:sp>
         <p:nvSpPr>
-          <p:cNvPr id="24" name="TextBox 23">
-            <a:extLst>
-              <a:ext uri="{FF2B5EF4-FFF2-40B4-BE49-F238E27FC236}">
-                <a16:creationId xmlns:a16="http://schemas.microsoft.com/office/drawing/2014/main" id="{8ADD7502-748E-1694-BCB9-7C26CC5807ED}"/>
+          <p:cNvPr id="12" name="TextBox 11">
+            <a:extLst>
+              <a:ext uri="{FF2B5EF4-FFF2-40B4-BE49-F238E27FC236}">
+                <a16:creationId xmlns:a16="http://schemas.microsoft.com/office/drawing/2014/main" id="{5C54A1BA-5484-4F74-40A2-575445375281}"/>
               </a:ext>
             </a:extLst>
           </p:cNvPr>
@@ -4637,7 +6055,7 @@
         </p:nvSpPr>
         <p:spPr>
           <a:xfrm>
-            <a:off x="3239154" y="2396372"/>
+            <a:off x="1688164" y="3833286"/>
             <a:ext cx="887038" cy="307777"/>
           </a:xfrm>
           <a:prstGeom prst="rect">
@@ -4660,10 +6078,10 @@
       </p:sp>
       <p:sp>
         <p:nvSpPr>
-          <p:cNvPr id="26" name="Rectangle 25">
-            <a:extLst>
-              <a:ext uri="{FF2B5EF4-FFF2-40B4-BE49-F238E27FC236}">
-                <a16:creationId xmlns:a16="http://schemas.microsoft.com/office/drawing/2014/main" id="{0960E3B0-DB4B-8FC8-B28B-91D02F70A313}"/>
+          <p:cNvPr id="13" name="Rectangle 12">
+            <a:extLst>
+              <a:ext uri="{FF2B5EF4-FFF2-40B4-BE49-F238E27FC236}">
+                <a16:creationId xmlns:a16="http://schemas.microsoft.com/office/drawing/2014/main" id="{E893D6F9-B61D-F077-E262-C58EB1445DB3}"/>
               </a:ext>
             </a:extLst>
           </p:cNvPr>
@@ -4672,7 +6090,7 @@
         </p:nvSpPr>
         <p:spPr>
           <a:xfrm>
-            <a:off x="2689208" y="2347754"/>
+            <a:off x="1138218" y="3784668"/>
             <a:ext cx="36000" cy="720000"/>
           </a:xfrm>
           <a:prstGeom prst="rect">
@@ -4714,10 +6132,10 @@
       </p:sp>
       <p:sp>
         <p:nvSpPr>
-          <p:cNvPr id="19" name="Rectangle 18">
-            <a:extLst>
-              <a:ext uri="{FF2B5EF4-FFF2-40B4-BE49-F238E27FC236}">
-                <a16:creationId xmlns:a16="http://schemas.microsoft.com/office/drawing/2014/main" id="{AD88914F-096C-4D46-ABF8-B226F9D95088}"/>
+          <p:cNvPr id="14" name="Rectangle 13">
+            <a:extLst>
+              <a:ext uri="{FF2B5EF4-FFF2-40B4-BE49-F238E27FC236}">
+                <a16:creationId xmlns:a16="http://schemas.microsoft.com/office/drawing/2014/main" id="{62CB6CF4-F7E4-6BF8-8B49-BB5BB7128490}"/>
               </a:ext>
             </a:extLst>
           </p:cNvPr>
@@ -4726,7 +6144,7 @@
         </p:nvSpPr>
         <p:spPr>
           <a:xfrm>
-            <a:off x="2541725" y="2484586"/>
+            <a:off x="990735" y="3921500"/>
             <a:ext cx="324000" cy="36000"/>
           </a:xfrm>
           <a:prstGeom prst="rect">
@@ -4768,10 +6186,10 @@
       </p:sp>
       <p:grpSp>
         <p:nvGrpSpPr>
-          <p:cNvPr id="29" name="Group 28">
-            <a:extLst>
-              <a:ext uri="{FF2B5EF4-FFF2-40B4-BE49-F238E27FC236}">
-                <a16:creationId xmlns:a16="http://schemas.microsoft.com/office/drawing/2014/main" id="{EB5F44E6-25D5-7875-4C06-2DF866B1E807}"/>
+          <p:cNvPr id="15" name="Group 14">
+            <a:extLst>
+              <a:ext uri="{FF2B5EF4-FFF2-40B4-BE49-F238E27FC236}">
+                <a16:creationId xmlns:a16="http://schemas.microsoft.com/office/drawing/2014/main" id="{31D733A5-AEBF-8B67-569A-CBD49867DA64}"/>
               </a:ext>
             </a:extLst>
           </p:cNvPr>
@@ -4782,7 +6200,7 @@
         </p:nvGrpSpPr>
         <p:grpSpPr>
           <a:xfrm>
-            <a:off x="2446690" y="2342372"/>
+            <a:off x="895700" y="3779286"/>
             <a:ext cx="192266" cy="108000"/>
             <a:chOff x="5643864" y="3429000"/>
             <a:chExt cx="64888" cy="36449"/>
@@ -4790,10 +6208,10 @@
         </p:grpSpPr>
         <p:sp>
           <p:nvSpPr>
-            <p:cNvPr id="27" name="Oval 26">
+            <p:cNvPr id="16" name="Oval 15">
               <a:extLst>
                 <a:ext uri="{FF2B5EF4-FFF2-40B4-BE49-F238E27FC236}">
-                  <a16:creationId xmlns:a16="http://schemas.microsoft.com/office/drawing/2014/main" id="{64CF27FE-8D47-272D-5781-10ED81CE3887}"/>
+                  <a16:creationId xmlns:a16="http://schemas.microsoft.com/office/drawing/2014/main" id="{868FF501-522C-EAD4-AD33-8D39006AD803}"/>
                 </a:ext>
               </a:extLst>
             </p:cNvPr>
@@ -4842,10 +6260,10 @@
         </p:sp>
         <p:sp>
           <p:nvSpPr>
-            <p:cNvPr id="28" name="Oval 27">
+            <p:cNvPr id="17" name="Oval 16">
               <a:extLst>
                 <a:ext uri="{FF2B5EF4-FFF2-40B4-BE49-F238E27FC236}">
-                  <a16:creationId xmlns:a16="http://schemas.microsoft.com/office/drawing/2014/main" id="{4650F0EA-4F98-9549-E5B6-8953D99DA640}"/>
+                  <a16:creationId xmlns:a16="http://schemas.microsoft.com/office/drawing/2014/main" id="{FF78BC74-F99C-121D-A9AC-A7449E6DE376}"/>
                 </a:ext>
               </a:extLst>
             </p:cNvPr>
@@ -4895,10 +6313,10 @@
       </p:grpSp>
       <p:sp>
         <p:nvSpPr>
-          <p:cNvPr id="30" name="Triangle 29">
-            <a:extLst>
-              <a:ext uri="{FF2B5EF4-FFF2-40B4-BE49-F238E27FC236}">
-                <a16:creationId xmlns:a16="http://schemas.microsoft.com/office/drawing/2014/main" id="{3DB5F499-8766-31D9-08A3-CD0E7EC2878A}"/>
+          <p:cNvPr id="18" name="Triangle 17">
+            <a:extLst>
+              <a:ext uri="{FF2B5EF4-FFF2-40B4-BE49-F238E27FC236}">
+                <a16:creationId xmlns:a16="http://schemas.microsoft.com/office/drawing/2014/main" id="{58278BE5-53C6-7EED-35C2-7D437AAA2302}"/>
               </a:ext>
             </a:extLst>
           </p:cNvPr>
@@ -4909,7 +6327,7 @@
         </p:nvSpPr>
         <p:spPr>
           <a:xfrm rot="5400000">
-            <a:off x="2811162" y="2342372"/>
+            <a:off x="1260172" y="3779286"/>
             <a:ext cx="108000" cy="108000"/>
           </a:xfrm>
           <a:prstGeom prst="triangle">
@@ -4949,10 +6367,10 @@
       </p:sp>
       <p:sp>
         <p:nvSpPr>
-          <p:cNvPr id="64" name="Rectangle 63">
-            <a:extLst>
-              <a:ext uri="{FF2B5EF4-FFF2-40B4-BE49-F238E27FC236}">
-                <a16:creationId xmlns:a16="http://schemas.microsoft.com/office/drawing/2014/main" id="{FE6B0DC6-0634-B095-CD52-2F4391E8835D}"/>
+          <p:cNvPr id="19" name="Rectangle 18">
+            <a:extLst>
+              <a:ext uri="{FF2B5EF4-FFF2-40B4-BE49-F238E27FC236}">
+                <a16:creationId xmlns:a16="http://schemas.microsoft.com/office/drawing/2014/main" id="{87F7B5C4-CBC5-0C4B-B2DF-7811E18FF36B}"/>
               </a:ext>
             </a:extLst>
           </p:cNvPr>
@@ -4961,7 +6379,7 @@
         </p:nvSpPr>
         <p:spPr>
           <a:xfrm>
-            <a:off x="2544070" y="2662097"/>
+            <a:off x="993080" y="4099011"/>
             <a:ext cx="324000" cy="36000"/>
           </a:xfrm>
           <a:prstGeom prst="rect">
@@ -5003,23 +6421,23 @@
       </p:sp>
       <p:cxnSp>
         <p:nvCxnSpPr>
-          <p:cNvPr id="66" name="Straight Connector 65">
-            <a:extLst>
-              <a:ext uri="{FF2B5EF4-FFF2-40B4-BE49-F238E27FC236}">
-                <a16:creationId xmlns:a16="http://schemas.microsoft.com/office/drawing/2014/main" id="{6BD43528-B02E-7D9F-174A-9F69FAB8BEBD}"/>
+          <p:cNvPr id="20" name="Straight Connector 19">
+            <a:extLst>
+              <a:ext uri="{FF2B5EF4-FFF2-40B4-BE49-F238E27FC236}">
+                <a16:creationId xmlns:a16="http://schemas.microsoft.com/office/drawing/2014/main" id="{42C05EC3-8F4D-64FF-B9D6-58B0F409A588}"/>
               </a:ext>
             </a:extLst>
           </p:cNvPr>
           <p:cNvCxnSpPr>
             <a:cxnSpLocks/>
-            <a:stCxn id="30" idx="5"/>
-            <a:endCxn id="19" idx="3"/>
+            <a:stCxn id="18" idx="5"/>
+            <a:endCxn id="14" idx="3"/>
           </p:cNvCxnSpPr>
           <p:nvPr/>
         </p:nvCxnSpPr>
         <p:spPr>
           <a:xfrm>
-            <a:off x="2865162" y="2423372"/>
+            <a:off x="1314172" y="3860286"/>
             <a:ext cx="563" cy="79214"/>
           </a:xfrm>
           <a:prstGeom prst="line">
@@ -5048,10 +6466,10 @@
       </p:cxnSp>
       <p:cxnSp>
         <p:nvCxnSpPr>
-          <p:cNvPr id="69" name="Straight Connector 68">
-            <a:extLst>
-              <a:ext uri="{FF2B5EF4-FFF2-40B4-BE49-F238E27FC236}">
-                <a16:creationId xmlns:a16="http://schemas.microsoft.com/office/drawing/2014/main" id="{3A327B1A-20ED-3FE2-C647-DDC742F48A5D}"/>
+          <p:cNvPr id="21" name="Straight Connector 20">
+            <a:extLst>
+              <a:ext uri="{FF2B5EF4-FFF2-40B4-BE49-F238E27FC236}">
+                <a16:creationId xmlns:a16="http://schemas.microsoft.com/office/drawing/2014/main" id="{65C8D2AC-6CB3-C41F-5DF3-4A6F0DDEBCBB}"/>
               </a:ext>
             </a:extLst>
           </p:cNvPr>
@@ -5062,7 +6480,7 @@
         </p:nvCxnSpPr>
         <p:spPr>
           <a:xfrm>
-            <a:off x="2560365" y="2407947"/>
+            <a:off x="1009375" y="3844861"/>
             <a:ext cx="563" cy="79214"/>
           </a:xfrm>
           <a:prstGeom prst="line">
@@ -5091,10 +6509,10 @@
       </p:cxnSp>
       <p:sp>
         <p:nvSpPr>
-          <p:cNvPr id="70" name="Graphic 4" descr="Marker with solid fill">
-            <a:extLst>
-              <a:ext uri="{FF2B5EF4-FFF2-40B4-BE49-F238E27FC236}">
-                <a16:creationId xmlns:a16="http://schemas.microsoft.com/office/drawing/2014/main" id="{C82A5754-4B75-655F-F33F-BA5E6EA86545}"/>
+          <p:cNvPr id="22" name="Graphic 4" descr="Marker with solid fill">
+            <a:extLst>
+              <a:ext uri="{FF2B5EF4-FFF2-40B4-BE49-F238E27FC236}">
+                <a16:creationId xmlns:a16="http://schemas.microsoft.com/office/drawing/2014/main" id="{587BEC37-C0EE-B144-D801-E81A2F6C26F1}"/>
               </a:ext>
             </a:extLst>
           </p:cNvPr>
@@ -5103,7 +6521,7 @@
         </p:nvSpPr>
         <p:spPr>
           <a:xfrm>
-            <a:off x="2411235" y="3601682"/>
+            <a:off x="7135167" y="3549181"/>
             <a:ext cx="627945" cy="1020000"/>
           </a:xfrm>
           <a:custGeom>
@@ -5329,12 +6747,253 @@
           </a:p>
         </p:txBody>
       </p:sp>
+      <p:cxnSp>
+        <p:nvCxnSpPr>
+          <p:cNvPr id="23" name="Straight Connector 22">
+            <a:extLst>
+              <a:ext uri="{FF2B5EF4-FFF2-40B4-BE49-F238E27FC236}">
+                <a16:creationId xmlns:a16="http://schemas.microsoft.com/office/drawing/2014/main" id="{4FE9BE5E-3F18-CD32-1908-B2E282D14F12}"/>
+              </a:ext>
+            </a:extLst>
+          </p:cNvPr>
+          <p:cNvCxnSpPr>
+            <a:cxnSpLocks/>
+          </p:cNvCxnSpPr>
+          <p:nvPr/>
+        </p:nvCxnSpPr>
+        <p:spPr>
+          <a:xfrm>
+            <a:off x="7266296" y="4158283"/>
+            <a:ext cx="343021" cy="0"/>
+          </a:xfrm>
+          <a:prstGeom prst="line">
+            <a:avLst/>
+          </a:prstGeom>
+          <a:ln w="38100">
+            <a:solidFill>
+              <a:schemeClr val="bg1">
+                <a:lumMod val="95000"/>
+              </a:schemeClr>
+            </a:solidFill>
+          </a:ln>
+        </p:spPr>
+        <p:style>
+          <a:lnRef idx="1">
+            <a:schemeClr val="accent1"/>
+          </a:lnRef>
+          <a:fillRef idx="0">
+            <a:schemeClr val="accent1"/>
+          </a:fillRef>
+          <a:effectRef idx="0">
+            <a:schemeClr val="accent1"/>
+          </a:effectRef>
+          <a:fontRef idx="minor">
+            <a:schemeClr val="tx1"/>
+          </a:fontRef>
+        </p:style>
+      </p:cxnSp>
+      <p:pic>
+        <p:nvPicPr>
+          <p:cNvPr id="24" name="Graphic 23" descr="Partial sun with solid fill">
+            <a:extLst>
+              <a:ext uri="{FF2B5EF4-FFF2-40B4-BE49-F238E27FC236}">
+                <a16:creationId xmlns:a16="http://schemas.microsoft.com/office/drawing/2014/main" id="{6E2A7A75-A6B5-817B-F860-2EA99D636FAC}"/>
+              </a:ext>
+            </a:extLst>
+          </p:cNvPr>
+          <p:cNvPicPr>
+            <a:picLocks noChangeAspect="1"/>
+          </p:cNvPicPr>
+          <p:nvPr/>
+        </p:nvPicPr>
+        <p:blipFill>
+          <a:blip r:embed="rId2">
+            <a:extLst>
+              <a:ext uri="{96DAC541-7B7A-43D3-8B79-37D633B846F1}">
+                <asvg:svgBlip xmlns:asvg="http://schemas.microsoft.com/office/drawing/2016/SVG/main" r:embed="rId3"/>
+              </a:ext>
+            </a:extLst>
+          </a:blip>
+          <a:stretch>
+            <a:fillRect/>
+          </a:stretch>
+        </p:blipFill>
+        <p:spPr>
+          <a:xfrm>
+            <a:off x="7183765" y="3524270"/>
+            <a:ext cx="416112" cy="416112"/>
+          </a:xfrm>
+          <a:prstGeom prst="rect">
+            <a:avLst/>
+          </a:prstGeom>
+        </p:spPr>
+      </p:pic>
+      <p:pic>
+        <p:nvPicPr>
+          <p:cNvPr id="25" name="Graphic 24" descr="Water with solid fill">
+            <a:extLst>
+              <a:ext uri="{FF2B5EF4-FFF2-40B4-BE49-F238E27FC236}">
+                <a16:creationId xmlns:a16="http://schemas.microsoft.com/office/drawing/2014/main" id="{95CF3A80-8C70-3F4A-4EDE-7F2B88090788}"/>
+              </a:ext>
+            </a:extLst>
+          </p:cNvPr>
+          <p:cNvPicPr>
+            <a:picLocks noChangeAspect="1"/>
+          </p:cNvPicPr>
+          <p:nvPr/>
+        </p:nvPicPr>
+        <p:blipFill>
+          <a:blip r:embed="rId4">
+            <a:extLst>
+              <a:ext uri="{96DAC541-7B7A-43D3-8B79-37D633B846F1}">
+                <asvg:svgBlip xmlns:asvg="http://schemas.microsoft.com/office/drawing/2016/SVG/main" r:embed="rId5"/>
+              </a:ext>
+            </a:extLst>
+          </a:blip>
+          <a:stretch>
+            <a:fillRect/>
+          </a:stretch>
+        </p:blipFill>
+        <p:spPr>
+          <a:xfrm>
+            <a:off x="7228235" y="3898826"/>
+            <a:ext cx="144000" cy="144000"/>
+          </a:xfrm>
+          <a:prstGeom prst="rect">
+            <a:avLst/>
+          </a:prstGeom>
+        </p:spPr>
+      </p:pic>
+      <p:pic>
+        <p:nvPicPr>
+          <p:cNvPr id="26" name="Graphic 25" descr="Water with solid fill">
+            <a:extLst>
+              <a:ext uri="{FF2B5EF4-FFF2-40B4-BE49-F238E27FC236}">
+                <a16:creationId xmlns:a16="http://schemas.microsoft.com/office/drawing/2014/main" id="{217D84E1-95B6-A20A-80A4-63067E0F1742}"/>
+              </a:ext>
+            </a:extLst>
+          </p:cNvPr>
+          <p:cNvPicPr>
+            <a:picLocks noChangeAspect="1"/>
+          </p:cNvPicPr>
+          <p:nvPr/>
+        </p:nvPicPr>
+        <p:blipFill>
+          <a:blip r:embed="rId4">
+            <a:extLst>
+              <a:ext uri="{96DAC541-7B7A-43D3-8B79-37D633B846F1}">
+                <asvg:svgBlip xmlns:asvg="http://schemas.microsoft.com/office/drawing/2016/SVG/main" r:embed="rId5"/>
+              </a:ext>
+            </a:extLst>
+          </a:blip>
+          <a:stretch>
+            <a:fillRect/>
+          </a:stretch>
+        </p:blipFill>
+        <p:spPr>
+          <a:xfrm>
+            <a:off x="7314019" y="3984388"/>
+            <a:ext cx="157258" cy="157258"/>
+          </a:xfrm>
+          <a:prstGeom prst="rect">
+            <a:avLst/>
+          </a:prstGeom>
+        </p:spPr>
+      </p:pic>
+      <p:cxnSp>
+        <p:nvCxnSpPr>
+          <p:cNvPr id="27" name="Straight Arrow Connector 26">
+            <a:extLst>
+              <a:ext uri="{FF2B5EF4-FFF2-40B4-BE49-F238E27FC236}">
+                <a16:creationId xmlns:a16="http://schemas.microsoft.com/office/drawing/2014/main" id="{8090A055-5C32-9A41-CB89-DC39777EAA07}"/>
+              </a:ext>
+            </a:extLst>
+          </p:cNvPr>
+          <p:cNvCxnSpPr/>
+          <p:nvPr/>
+        </p:nvCxnSpPr>
+        <p:spPr>
+          <a:xfrm>
+            <a:off x="7444412" y="4158283"/>
+            <a:ext cx="0" cy="266866"/>
+          </a:xfrm>
+          <a:prstGeom prst="straightConnector1">
+            <a:avLst/>
+          </a:prstGeom>
+          <a:ln w="12700">
+            <a:solidFill>
+              <a:schemeClr val="bg1"/>
+            </a:solidFill>
+            <a:headEnd type="triangle"/>
+            <a:tailEnd type="triangle"/>
+          </a:ln>
+        </p:spPr>
+        <p:style>
+          <a:lnRef idx="1">
+            <a:schemeClr val="accent1"/>
+          </a:lnRef>
+          <a:fillRef idx="0">
+            <a:schemeClr val="accent1"/>
+          </a:fillRef>
+          <a:effectRef idx="0">
+            <a:schemeClr val="accent1"/>
+          </a:effectRef>
+          <a:fontRef idx="minor">
+            <a:schemeClr val="tx1"/>
+          </a:fontRef>
+        </p:style>
+      </p:cxnSp>
+      <p:cxnSp>
+        <p:nvCxnSpPr>
+          <p:cNvPr id="28" name="Straight Arrow Connector 27">
+            <a:extLst>
+              <a:ext uri="{FF2B5EF4-FFF2-40B4-BE49-F238E27FC236}">
+                <a16:creationId xmlns:a16="http://schemas.microsoft.com/office/drawing/2014/main" id="{585698E5-2EF0-9F5E-0E41-4ED03456AC99}"/>
+              </a:ext>
+            </a:extLst>
+          </p:cNvPr>
+          <p:cNvCxnSpPr>
+            <a:cxnSpLocks/>
+          </p:cNvCxnSpPr>
+          <p:nvPr/>
+        </p:nvCxnSpPr>
+        <p:spPr>
+          <a:xfrm>
+            <a:off x="7572908" y="3844522"/>
+            <a:ext cx="0" cy="313761"/>
+          </a:xfrm>
+          <a:prstGeom prst="straightConnector1">
+            <a:avLst/>
+          </a:prstGeom>
+          <a:ln w="12700">
+            <a:solidFill>
+              <a:schemeClr val="bg1"/>
+            </a:solidFill>
+            <a:headEnd type="triangle"/>
+            <a:tailEnd type="triangle"/>
+          </a:ln>
+        </p:spPr>
+        <p:style>
+          <a:lnRef idx="1">
+            <a:schemeClr val="accent1"/>
+          </a:lnRef>
+          <a:fillRef idx="0">
+            <a:schemeClr val="accent1"/>
+          </a:fillRef>
+          <a:effectRef idx="0">
+            <a:schemeClr val="accent1"/>
+          </a:effectRef>
+          <a:fontRef idx="minor">
+            <a:schemeClr val="tx1"/>
+          </a:fontRef>
+        </p:style>
+      </p:cxnSp>
       <p:sp>
         <p:nvSpPr>
-          <p:cNvPr id="71" name="TextBox 70">
-            <a:extLst>
-              <a:ext uri="{FF2B5EF4-FFF2-40B4-BE49-F238E27FC236}">
-                <a16:creationId xmlns:a16="http://schemas.microsoft.com/office/drawing/2014/main" id="{D8B1F2B7-2970-2C0A-C77F-B69AEBD337C4}"/>
+          <p:cNvPr id="29" name="TextBox 28">
+            <a:extLst>
+              <a:ext uri="{FF2B5EF4-FFF2-40B4-BE49-F238E27FC236}">
+                <a16:creationId xmlns:a16="http://schemas.microsoft.com/office/drawing/2014/main" id="{C7F89C53-9210-18D0-9BE7-F1CB737B4200}"/>
               </a:ext>
             </a:extLst>
           </p:cNvPr>
@@ -5343,8 +7002,8 @@
         </p:nvSpPr>
         <p:spPr>
           <a:xfrm>
-            <a:off x="3239154" y="3886505"/>
-            <a:ext cx="1154483" cy="307777"/>
+            <a:off x="7987531" y="3830499"/>
+            <a:ext cx="1876283" cy="307777"/>
           </a:xfrm>
           <a:prstGeom prst="rect">
             <a:avLst/>
@@ -5359,638 +7018,80 @@
           <a:p>
             <a:r>
               <a:rPr lang="en-GB" sz="1400" dirty="0"/>
-              <a:t>Wind turbine</a:t>
+              <a:t>Surface energy balance</a:t>
             </a:r>
           </a:p>
         </p:txBody>
       </p:sp>
-      <p:grpSp>
-        <p:nvGrpSpPr>
-          <p:cNvPr id="88" name="Group 87">
-            <a:extLst>
-              <a:ext uri="{FF2B5EF4-FFF2-40B4-BE49-F238E27FC236}">
-                <a16:creationId xmlns:a16="http://schemas.microsoft.com/office/drawing/2014/main" id="{601DCFDD-740F-635E-187D-0F4C07FF9F8C}"/>
-              </a:ext>
-            </a:extLst>
-          </p:cNvPr>
-          <p:cNvGrpSpPr>
-            <a:grpSpLocks noChangeAspect="1"/>
-          </p:cNvGrpSpPr>
-          <p:nvPr/>
-        </p:nvGrpSpPr>
-        <p:grpSpPr>
-          <a:xfrm>
-            <a:off x="2545870" y="3681413"/>
-            <a:ext cx="396000" cy="698013"/>
-            <a:chOff x="2592518" y="3713719"/>
-            <a:chExt cx="307557" cy="542118"/>
-          </a:xfrm>
-        </p:grpSpPr>
-        <p:sp>
-          <p:nvSpPr>
-            <p:cNvPr id="78" name="Freeform 77">
-              <a:extLst>
-                <a:ext uri="{FF2B5EF4-FFF2-40B4-BE49-F238E27FC236}">
-                  <a16:creationId xmlns:a16="http://schemas.microsoft.com/office/drawing/2014/main" id="{EA120CB4-50EF-4AD0-73BE-14B9407265B8}"/>
-                </a:ext>
-              </a:extLst>
-            </p:cNvPr>
-            <p:cNvSpPr/>
-            <p:nvPr/>
-          </p:nvSpPr>
-          <p:spPr>
-            <a:xfrm>
-              <a:off x="2669533" y="3939663"/>
-              <a:ext cx="123712" cy="316174"/>
-            </a:xfrm>
-            <a:custGeom>
-              <a:avLst/>
-              <a:gdLst>
-                <a:gd name="connsiteX0" fmla="*/ 69709 w 123712"/>
-                <a:gd name="connsiteY0" fmla="*/ 0 h 316174"/>
-                <a:gd name="connsiteX1" fmla="*/ 37997 w 123712"/>
-                <a:gd name="connsiteY1" fmla="*/ 22881 h 316174"/>
-                <a:gd name="connsiteX2" fmla="*/ 24725 w 123712"/>
-                <a:gd name="connsiteY2" fmla="*/ 292610 h 316174"/>
-                <a:gd name="connsiteX3" fmla="*/ 0 w 123712"/>
-                <a:gd name="connsiteY3" fmla="*/ 292610 h 316174"/>
-                <a:gd name="connsiteX4" fmla="*/ 0 w 123712"/>
-                <a:gd name="connsiteY4" fmla="*/ 316174 h 316174"/>
-                <a:gd name="connsiteX5" fmla="*/ 23564 w 123712"/>
-                <a:gd name="connsiteY5" fmla="*/ 316174 h 316174"/>
-                <a:gd name="connsiteX6" fmla="*/ 100148 w 123712"/>
-                <a:gd name="connsiteY6" fmla="*/ 316174 h 316174"/>
-                <a:gd name="connsiteX7" fmla="*/ 123713 w 123712"/>
-                <a:gd name="connsiteY7" fmla="*/ 316174 h 316174"/>
-                <a:gd name="connsiteX8" fmla="*/ 123713 w 123712"/>
-                <a:gd name="connsiteY8" fmla="*/ 292610 h 316174"/>
-                <a:gd name="connsiteX9" fmla="*/ 98605 w 123712"/>
-                <a:gd name="connsiteY9" fmla="*/ 292610 h 316174"/>
-                <a:gd name="connsiteX10" fmla="*/ 79547 w 123712"/>
-                <a:gd name="connsiteY10" fmla="*/ 2027 h 316174"/>
-                <a:gd name="connsiteX11" fmla="*/ 69709 w 123712"/>
-                <a:gd name="connsiteY11" fmla="*/ 0 h 316174"/>
-              </a:gdLst>
-              <a:ahLst/>
-              <a:cxnLst>
-                <a:cxn ang="0">
-                  <a:pos x="connsiteX0" y="connsiteY0"/>
-                </a:cxn>
-                <a:cxn ang="0">
-                  <a:pos x="connsiteX1" y="connsiteY1"/>
-                </a:cxn>
-                <a:cxn ang="0">
-                  <a:pos x="connsiteX2" y="connsiteY2"/>
-                </a:cxn>
-                <a:cxn ang="0">
-                  <a:pos x="connsiteX3" y="connsiteY3"/>
-                </a:cxn>
-                <a:cxn ang="0">
-                  <a:pos x="connsiteX4" y="connsiteY4"/>
-                </a:cxn>
-                <a:cxn ang="0">
-                  <a:pos x="connsiteX5" y="connsiteY5"/>
-                </a:cxn>
-                <a:cxn ang="0">
-                  <a:pos x="connsiteX6" y="connsiteY6"/>
-                </a:cxn>
-                <a:cxn ang="0">
-                  <a:pos x="connsiteX7" y="connsiteY7"/>
-                </a:cxn>
-                <a:cxn ang="0">
-                  <a:pos x="connsiteX8" y="connsiteY8"/>
-                </a:cxn>
-                <a:cxn ang="0">
-                  <a:pos x="connsiteX9" y="connsiteY9"/>
-                </a:cxn>
-                <a:cxn ang="0">
-                  <a:pos x="connsiteX10" y="connsiteY10"/>
-                </a:cxn>
-                <a:cxn ang="0">
-                  <a:pos x="connsiteX11" y="connsiteY11"/>
-                </a:cxn>
-              </a:cxnLst>
-              <a:rect l="l" t="t" r="r" b="b"/>
-              <a:pathLst>
-                <a:path w="123712" h="316174">
-                  <a:moveTo>
-                    <a:pt x="69709" y="0"/>
-                  </a:moveTo>
-                  <a:lnTo>
-                    <a:pt x="37997" y="22881"/>
-                  </a:lnTo>
-                  <a:lnTo>
-                    <a:pt x="24725" y="292610"/>
-                  </a:lnTo>
-                  <a:lnTo>
-                    <a:pt x="0" y="292610"/>
-                  </a:lnTo>
-                  <a:lnTo>
-                    <a:pt x="0" y="316174"/>
-                  </a:lnTo>
-                  <a:lnTo>
-                    <a:pt x="23564" y="316174"/>
-                  </a:lnTo>
-                  <a:lnTo>
-                    <a:pt x="100148" y="316174"/>
-                  </a:lnTo>
-                  <a:lnTo>
-                    <a:pt x="123713" y="316174"/>
-                  </a:lnTo>
-                  <a:lnTo>
-                    <a:pt x="123713" y="292610"/>
-                  </a:lnTo>
-                  <a:lnTo>
-                    <a:pt x="98605" y="292610"/>
-                  </a:lnTo>
-                  <a:lnTo>
-                    <a:pt x="79547" y="2027"/>
-                  </a:lnTo>
-                  <a:lnTo>
-                    <a:pt x="69709" y="0"/>
-                  </a:lnTo>
-                  <a:close/>
-                </a:path>
-              </a:pathLst>
-            </a:custGeom>
-            <a:solidFill>
-              <a:schemeClr val="bg1"/>
-            </a:solidFill>
-            <a:ln w="5854" cap="flat">
-              <a:noFill/>
-              <a:prstDash val="solid"/>
-              <a:miter/>
-            </a:ln>
-          </p:spPr>
-          <p:txBody>
-            <a:bodyPr rtlCol="0" anchor="ctr"/>
-            <a:lstStyle/>
-            <a:p>
-              <a:endParaRPr lang="en-GB"/>
-            </a:p>
-          </p:txBody>
-        </p:sp>
-        <p:sp>
-          <p:nvSpPr>
-            <p:cNvPr id="79" name="Freeform 78">
-              <a:extLst>
-                <a:ext uri="{FF2B5EF4-FFF2-40B4-BE49-F238E27FC236}">
-                  <a16:creationId xmlns:a16="http://schemas.microsoft.com/office/drawing/2014/main" id="{FB30E89C-1C4F-7A19-9D2F-EC027775A1A1}"/>
-                </a:ext>
-              </a:extLst>
-            </p:cNvPr>
-            <p:cNvSpPr/>
-            <p:nvPr/>
-          </p:nvSpPr>
-          <p:spPr>
-            <a:xfrm>
-              <a:off x="2682632" y="3713719"/>
-              <a:ext cx="65075" cy="156611"/>
-            </a:xfrm>
-            <a:custGeom>
-              <a:avLst/>
-              <a:gdLst>
-                <a:gd name="connsiteX0" fmla="*/ 14277 w 65075"/>
-                <a:gd name="connsiteY0" fmla="*/ 152676 h 156611"/>
-                <a:gd name="connsiteX1" fmla="*/ 17028 w 65075"/>
-                <a:gd name="connsiteY1" fmla="*/ 156612 h 156611"/>
-                <a:gd name="connsiteX2" fmla="*/ 22796 w 65075"/>
-                <a:gd name="connsiteY2" fmla="*/ 149589 h 156611"/>
-                <a:gd name="connsiteX3" fmla="*/ 63898 w 65075"/>
-                <a:gd name="connsiteY3" fmla="*/ 146055 h 156611"/>
-                <a:gd name="connsiteX4" fmla="*/ 65076 w 65075"/>
-                <a:gd name="connsiteY4" fmla="*/ 140941 h 156611"/>
-                <a:gd name="connsiteX5" fmla="*/ 20722 w 65075"/>
-                <a:gd name="connsiteY5" fmla="*/ 7432 h 156611"/>
-                <a:gd name="connsiteX6" fmla="*/ 7429 w 65075"/>
-                <a:gd name="connsiteY6" fmla="*/ 489 h 156611"/>
-                <a:gd name="connsiteX7" fmla="*/ 74 w 65075"/>
-                <a:gd name="connsiteY7" fmla="*/ 11850 h 156611"/>
-              </a:gdLst>
-              <a:ahLst/>
-              <a:cxnLst>
-                <a:cxn ang="0">
-                  <a:pos x="connsiteX0" y="connsiteY0"/>
-                </a:cxn>
-                <a:cxn ang="0">
-                  <a:pos x="connsiteX1" y="connsiteY1"/>
-                </a:cxn>
-                <a:cxn ang="0">
-                  <a:pos x="connsiteX2" y="connsiteY2"/>
-                </a:cxn>
-                <a:cxn ang="0">
-                  <a:pos x="connsiteX3" y="connsiteY3"/>
-                </a:cxn>
-                <a:cxn ang="0">
-                  <a:pos x="connsiteX4" y="connsiteY4"/>
-                </a:cxn>
-                <a:cxn ang="0">
-                  <a:pos x="connsiteX5" y="connsiteY5"/>
-                </a:cxn>
-                <a:cxn ang="0">
-                  <a:pos x="connsiteX6" y="connsiteY6"/>
-                </a:cxn>
-                <a:cxn ang="0">
-                  <a:pos x="connsiteX7" y="connsiteY7"/>
-                </a:cxn>
-              </a:cxnLst>
-              <a:rect l="l" t="t" r="r" b="b"/>
-              <a:pathLst>
-                <a:path w="65075" h="156611">
-                  <a:moveTo>
-                    <a:pt x="14277" y="152676"/>
-                  </a:moveTo>
-                  <a:lnTo>
-                    <a:pt x="17028" y="156612"/>
-                  </a:lnTo>
-                  <a:cubicBezTo>
-                    <a:pt x="18623" y="154020"/>
-                    <a:pt x="20564" y="151658"/>
-                    <a:pt x="22796" y="149589"/>
-                  </a:cubicBezTo>
-                  <a:cubicBezTo>
-                    <a:pt x="34149" y="139317"/>
-                    <a:pt x="50957" y="137871"/>
-                    <a:pt x="63898" y="146055"/>
-                  </a:cubicBezTo>
-                  <a:lnTo>
-                    <a:pt x="65076" y="140941"/>
-                  </a:lnTo>
-                  <a:lnTo>
-                    <a:pt x="20722" y="7432"/>
-                  </a:lnTo>
-                  <a:cubicBezTo>
-                    <a:pt x="18968" y="1844"/>
-                    <a:pt x="13017" y="-1264"/>
-                    <a:pt x="7429" y="489"/>
-                  </a:cubicBezTo>
-                  <a:cubicBezTo>
-                    <a:pt x="2566" y="2016"/>
-                    <a:pt x="-524" y="6787"/>
-                    <a:pt x="74" y="11850"/>
-                  </a:cubicBezTo>
-                  <a:close/>
-                </a:path>
-              </a:pathLst>
-            </a:custGeom>
-            <a:solidFill>
-              <a:schemeClr val="bg1"/>
-            </a:solidFill>
-            <a:ln w="5854" cap="flat">
-              <a:noFill/>
-              <a:prstDash val="solid"/>
-              <a:miter/>
-            </a:ln>
-          </p:spPr>
-          <p:txBody>
-            <a:bodyPr rtlCol="0" anchor="ctr"/>
-            <a:lstStyle/>
-            <a:p>
-              <a:endParaRPr lang="en-GB"/>
-            </a:p>
-          </p:txBody>
-        </p:sp>
-        <p:sp>
-          <p:nvSpPr>
-            <p:cNvPr id="80" name="Freeform 79">
-              <a:extLst>
-                <a:ext uri="{FF2B5EF4-FFF2-40B4-BE49-F238E27FC236}">
-                  <a16:creationId xmlns:a16="http://schemas.microsoft.com/office/drawing/2014/main" id="{A05EA59F-3F99-F3BA-BCC2-C331F349DF3F}"/>
-                </a:ext>
-              </a:extLst>
-            </p:cNvPr>
-            <p:cNvSpPr/>
-            <p:nvPr/>
-          </p:nvSpPr>
-          <p:spPr>
-            <a:xfrm>
-              <a:off x="2744073" y="3874466"/>
-              <a:ext cx="156002" cy="77852"/>
-            </a:xfrm>
-            <a:custGeom>
-              <a:avLst/>
-              <a:gdLst>
-                <a:gd name="connsiteX0" fmla="*/ 149539 w 156002"/>
-                <a:gd name="connsiteY0" fmla="*/ 57485 h 77852"/>
-                <a:gd name="connsiteX1" fmla="*/ 21879 w 156002"/>
-                <a:gd name="connsiteY1" fmla="*/ 0 h 77852"/>
-                <a:gd name="connsiteX2" fmla="*/ 15558 w 156002"/>
-                <a:gd name="connsiteY2" fmla="*/ 701 h 77852"/>
-                <a:gd name="connsiteX3" fmla="*/ 0 w 156002"/>
-                <a:gd name="connsiteY3" fmla="*/ 44537 h 77852"/>
-                <a:gd name="connsiteX4" fmla="*/ 6074 w 156002"/>
-                <a:gd name="connsiteY4" fmla="*/ 49414 h 77852"/>
-                <a:gd name="connsiteX5" fmla="*/ 143041 w 156002"/>
-                <a:gd name="connsiteY5" fmla="*/ 77586 h 77852"/>
-                <a:gd name="connsiteX6" fmla="*/ 155736 w 156002"/>
-                <a:gd name="connsiteY6" fmla="*/ 69602 h 77852"/>
-                <a:gd name="connsiteX7" fmla="*/ 149539 w 156002"/>
-                <a:gd name="connsiteY7" fmla="*/ 57485 h 77852"/>
-              </a:gdLst>
-              <a:ahLst/>
-              <a:cxnLst>
-                <a:cxn ang="0">
-                  <a:pos x="connsiteX0" y="connsiteY0"/>
-                </a:cxn>
-                <a:cxn ang="0">
-                  <a:pos x="connsiteX1" y="connsiteY1"/>
-                </a:cxn>
-                <a:cxn ang="0">
-                  <a:pos x="connsiteX2" y="connsiteY2"/>
-                </a:cxn>
-                <a:cxn ang="0">
-                  <a:pos x="connsiteX3" y="connsiteY3"/>
-                </a:cxn>
-                <a:cxn ang="0">
-                  <a:pos x="connsiteX4" y="connsiteY4"/>
-                </a:cxn>
-                <a:cxn ang="0">
-                  <a:pos x="connsiteX5" y="connsiteY5"/>
-                </a:cxn>
-                <a:cxn ang="0">
-                  <a:pos x="connsiteX6" y="connsiteY6"/>
-                </a:cxn>
-                <a:cxn ang="0">
-                  <a:pos x="connsiteX7" y="connsiteY7"/>
-                </a:cxn>
-              </a:cxnLst>
-              <a:rect l="l" t="t" r="r" b="b"/>
-              <a:pathLst>
-                <a:path w="156002" h="77852">
-                  <a:moveTo>
-                    <a:pt x="149539" y="57485"/>
-                  </a:moveTo>
-                  <a:lnTo>
-                    <a:pt x="21879" y="0"/>
-                  </a:lnTo>
-                  <a:lnTo>
-                    <a:pt x="15558" y="701"/>
-                  </a:lnTo>
-                  <a:cubicBezTo>
-                    <a:pt x="23043" y="17118"/>
-                    <a:pt x="16160" y="36512"/>
-                    <a:pt x="0" y="44537"/>
-                  </a:cubicBezTo>
-                  <a:lnTo>
-                    <a:pt x="6074" y="49414"/>
-                  </a:lnTo>
-                  <a:lnTo>
-                    <a:pt x="143041" y="77586"/>
-                  </a:lnTo>
-                  <a:cubicBezTo>
-                    <a:pt x="148752" y="78886"/>
-                    <a:pt x="154435" y="75312"/>
-                    <a:pt x="155736" y="69602"/>
-                  </a:cubicBezTo>
-                  <a:cubicBezTo>
-                    <a:pt x="156877" y="64595"/>
-                    <a:pt x="154266" y="59491"/>
-                    <a:pt x="149539" y="57485"/>
-                  </a:cubicBezTo>
-                  <a:close/>
-                </a:path>
-              </a:pathLst>
-            </a:custGeom>
-            <a:solidFill>
-              <a:schemeClr val="bg1"/>
-            </a:solidFill>
-            <a:ln w="5854" cap="flat">
-              <a:noFill/>
-              <a:prstDash val="solid"/>
-              <a:miter/>
-            </a:ln>
-          </p:spPr>
-          <p:txBody>
-            <a:bodyPr rtlCol="0" anchor="ctr"/>
-            <a:lstStyle/>
-            <a:p>
-              <a:endParaRPr lang="en-GB"/>
-            </a:p>
-          </p:txBody>
-        </p:sp>
-        <p:sp>
-          <p:nvSpPr>
-            <p:cNvPr id="81" name="Freeform 80">
-              <a:extLst>
-                <a:ext uri="{FF2B5EF4-FFF2-40B4-BE49-F238E27FC236}">
-                  <a16:creationId xmlns:a16="http://schemas.microsoft.com/office/drawing/2014/main" id="{AB4C406F-AC9E-C4B6-4D11-09E4B40F2151}"/>
-                </a:ext>
-              </a:extLst>
-            </p:cNvPr>
-            <p:cNvSpPr/>
-            <p:nvPr/>
-          </p:nvSpPr>
-          <p:spPr>
-            <a:xfrm>
-              <a:off x="2592518" y="3889341"/>
-              <a:ext cx="133733" cy="124142"/>
-            </a:xfrm>
-            <a:custGeom>
-              <a:avLst/>
-              <a:gdLst>
-                <a:gd name="connsiteX0" fmla="*/ 133734 w 133733"/>
-                <a:gd name="connsiteY0" fmla="*/ 33503 h 124142"/>
-                <a:gd name="connsiteX1" fmla="*/ 101775 w 133733"/>
-                <a:gd name="connsiteY1" fmla="*/ 0 h 124142"/>
-                <a:gd name="connsiteX2" fmla="*/ 95295 w 133733"/>
-                <a:gd name="connsiteY2" fmla="*/ 2221 h 124142"/>
-                <a:gd name="connsiteX3" fmla="*/ 2763 w 133733"/>
-                <a:gd name="connsiteY3" fmla="*/ 106399 h 124142"/>
-                <a:gd name="connsiteX4" fmla="*/ 3465 w 133733"/>
-                <a:gd name="connsiteY4" fmla="*/ 121379 h 124142"/>
-                <a:gd name="connsiteX5" fmla="*/ 16902 w 133733"/>
-                <a:gd name="connsiteY5" fmla="*/ 122069 h 124142"/>
-                <a:gd name="connsiteX6" fmla="*/ 130953 w 133733"/>
-                <a:gd name="connsiteY6" fmla="*/ 39936 h 124142"/>
-              </a:gdLst>
-              <a:ahLst/>
-              <a:cxnLst>
-                <a:cxn ang="0">
-                  <a:pos x="connsiteX0" y="connsiteY0"/>
-                </a:cxn>
-                <a:cxn ang="0">
-                  <a:pos x="connsiteX1" y="connsiteY1"/>
-                </a:cxn>
-                <a:cxn ang="0">
-                  <a:pos x="connsiteX2" y="connsiteY2"/>
-                </a:cxn>
-                <a:cxn ang="0">
-                  <a:pos x="connsiteX3" y="connsiteY3"/>
-                </a:cxn>
-                <a:cxn ang="0">
-                  <a:pos x="connsiteX4" y="connsiteY4"/>
-                </a:cxn>
-                <a:cxn ang="0">
-                  <a:pos x="connsiteX5" y="connsiteY5"/>
-                </a:cxn>
-                <a:cxn ang="0">
-                  <a:pos x="connsiteX6" y="connsiteY6"/>
-                </a:cxn>
-              </a:cxnLst>
-              <a:rect l="l" t="t" r="r" b="b"/>
-              <a:pathLst>
-                <a:path w="133733" h="124142">
-                  <a:moveTo>
-                    <a:pt x="133734" y="33503"/>
-                  </a:moveTo>
-                  <a:cubicBezTo>
-                    <a:pt x="115913" y="32509"/>
-                    <a:pt x="101927" y="17848"/>
-                    <a:pt x="101775" y="0"/>
-                  </a:cubicBezTo>
-                  <a:lnTo>
-                    <a:pt x="95295" y="2221"/>
-                  </a:lnTo>
-                  <a:lnTo>
-                    <a:pt x="2763" y="106399"/>
-                  </a:lnTo>
-                  <a:cubicBezTo>
-                    <a:pt x="-1179" y="110729"/>
-                    <a:pt x="-865" y="117436"/>
-                    <a:pt x="3465" y="121379"/>
-                  </a:cubicBezTo>
-                  <a:cubicBezTo>
-                    <a:pt x="7206" y="124785"/>
-                    <a:pt x="12832" y="125074"/>
-                    <a:pt x="16902" y="122069"/>
-                  </a:cubicBezTo>
-                  <a:lnTo>
-                    <a:pt x="130953" y="39936"/>
-                  </a:lnTo>
-                  <a:close/>
-                </a:path>
-              </a:pathLst>
-            </a:custGeom>
-            <a:solidFill>
-              <a:schemeClr val="bg1"/>
-            </a:solidFill>
-            <a:ln w="5854" cap="flat">
-              <a:noFill/>
-              <a:prstDash val="solid"/>
-              <a:miter/>
-            </a:ln>
-          </p:spPr>
-          <p:txBody>
-            <a:bodyPr rtlCol="0" anchor="ctr"/>
-            <a:lstStyle/>
-            <a:p>
-              <a:endParaRPr lang="en-GB"/>
-            </a:p>
-          </p:txBody>
-        </p:sp>
-        <p:sp>
-          <p:nvSpPr>
-            <p:cNvPr id="82" name="Freeform 81">
-              <a:extLst>
-                <a:ext uri="{FF2B5EF4-FFF2-40B4-BE49-F238E27FC236}">
-                  <a16:creationId xmlns:a16="http://schemas.microsoft.com/office/drawing/2014/main" id="{BBF9809D-214C-D506-3CD1-5FE2F95ECE8C}"/>
-                </a:ext>
-              </a:extLst>
-            </p:cNvPr>
-            <p:cNvSpPr/>
-            <p:nvPr/>
-          </p:nvSpPr>
-          <p:spPr>
-            <a:xfrm>
-              <a:off x="2711816" y="3872150"/>
-              <a:ext cx="33119" cy="33120"/>
-            </a:xfrm>
-            <a:custGeom>
-              <a:avLst/>
-              <a:gdLst>
-                <a:gd name="connsiteX0" fmla="*/ 5452 w 33119"/>
-                <a:gd name="connsiteY0" fmla="*/ 4278 h 33120"/>
-                <a:gd name="connsiteX1" fmla="*/ 4278 w 33119"/>
-                <a:gd name="connsiteY1" fmla="*/ 27668 h 33120"/>
-                <a:gd name="connsiteX2" fmla="*/ 27668 w 33119"/>
-                <a:gd name="connsiteY2" fmla="*/ 28842 h 33120"/>
-                <a:gd name="connsiteX3" fmla="*/ 28846 w 33119"/>
-                <a:gd name="connsiteY3" fmla="*/ 5456 h 33120"/>
-                <a:gd name="connsiteX4" fmla="*/ 5456 w 33119"/>
-                <a:gd name="connsiteY4" fmla="*/ 4275 h 33120"/>
-                <a:gd name="connsiteX5" fmla="*/ 5452 w 33119"/>
-                <a:gd name="connsiteY5" fmla="*/ 4278 h 33120"/>
-              </a:gdLst>
-              <a:ahLst/>
-              <a:cxnLst>
-                <a:cxn ang="0">
-                  <a:pos x="connsiteX0" y="connsiteY0"/>
-                </a:cxn>
-                <a:cxn ang="0">
-                  <a:pos x="connsiteX1" y="connsiteY1"/>
-                </a:cxn>
-                <a:cxn ang="0">
-                  <a:pos x="connsiteX2" y="connsiteY2"/>
-                </a:cxn>
-                <a:cxn ang="0">
-                  <a:pos x="connsiteX3" y="connsiteY3"/>
-                </a:cxn>
-                <a:cxn ang="0">
-                  <a:pos x="connsiteX4" y="connsiteY4"/>
-                </a:cxn>
-                <a:cxn ang="0">
-                  <a:pos x="connsiteX5" y="connsiteY5"/>
-                </a:cxn>
-              </a:cxnLst>
-              <a:rect l="l" t="t" r="r" b="b"/>
-              <a:pathLst>
-                <a:path w="33119" h="33120">
-                  <a:moveTo>
-                    <a:pt x="5452" y="4278"/>
-                  </a:moveTo>
-                  <a:cubicBezTo>
-                    <a:pt x="-1331" y="10413"/>
-                    <a:pt x="-1856" y="20885"/>
-                    <a:pt x="4278" y="27668"/>
-                  </a:cubicBezTo>
-                  <a:cubicBezTo>
-                    <a:pt x="10413" y="34451"/>
-                    <a:pt x="20885" y="34977"/>
-                    <a:pt x="27668" y="28842"/>
-                  </a:cubicBezTo>
-                  <a:cubicBezTo>
-                    <a:pt x="34449" y="22708"/>
-                    <a:pt x="34976" y="12240"/>
-                    <a:pt x="28846" y="5456"/>
-                  </a:cubicBezTo>
-                  <a:cubicBezTo>
-                    <a:pt x="22713" y="-1329"/>
-                    <a:pt x="12241" y="-1858"/>
-                    <a:pt x="5456" y="4275"/>
-                  </a:cubicBezTo>
-                  <a:cubicBezTo>
-                    <a:pt x="5455" y="4276"/>
-                    <a:pt x="5453" y="4277"/>
-                    <a:pt x="5452" y="4278"/>
-                  </a:cubicBezTo>
-                  <a:close/>
-                </a:path>
-              </a:pathLst>
-            </a:custGeom>
-            <a:solidFill>
-              <a:schemeClr val="bg1"/>
-            </a:solidFill>
-            <a:ln w="5854" cap="flat">
-              <a:noFill/>
-              <a:prstDash val="solid"/>
-              <a:miter/>
-            </a:ln>
-          </p:spPr>
-          <p:txBody>
-            <a:bodyPr rtlCol="0" anchor="ctr"/>
-            <a:lstStyle/>
-            <a:p>
-              <a:endParaRPr lang="en-GB"/>
-            </a:p>
-          </p:txBody>
-        </p:sp>
-      </p:grpSp>
+    </p:spTree>
+    <p:extLst>
+      <p:ext uri="{BB962C8B-B14F-4D97-AF65-F5344CB8AC3E}">
+        <p14:creationId xmlns:p14="http://schemas.microsoft.com/office/powerpoint/2010/main" val="1227976250"/>
+      </p:ext>
+    </p:extLst>
+  </p:cSld>
+  <p:clrMapOvr>
+    <a:masterClrMapping/>
+  </p:clrMapOvr>
+</p:sld>
+</file>
+
+<file path=ppt/slides/slide4.xml><?xml version="1.0" encoding="utf-8"?>
+<p:sld xmlns:a="http://schemas.openxmlformats.org/drawingml/2006/main" xmlns:r="http://schemas.openxmlformats.org/officeDocument/2006/relationships" xmlns:p="http://schemas.openxmlformats.org/presentationml/2006/main">
+  <p:cSld>
+    <p:spTree>
+      <p:nvGrpSpPr>
+        <p:cNvPr id="1" name=""/>
+        <p:cNvGrpSpPr/>
+        <p:nvPr/>
+      </p:nvGrpSpPr>
+      <p:grpSpPr>
+        <a:xfrm>
+          <a:off x="0" y="0"/>
+          <a:ext cx="0" cy="0"/>
+          <a:chOff x="0" y="0"/>
+          <a:chExt cx="0" cy="0"/>
+        </a:xfrm>
+      </p:grpSpPr>
       <p:sp>
         <p:nvSpPr>
-          <p:cNvPr id="74" name="Graphic 4" descr="Marker with solid fill">
-            <a:extLst>
-              <a:ext uri="{FF2B5EF4-FFF2-40B4-BE49-F238E27FC236}">
-                <a16:creationId xmlns:a16="http://schemas.microsoft.com/office/drawing/2014/main" id="{986583E4-03AB-6B89-C11F-79D7C69DD628}"/>
+          <p:cNvPr id="2" name="Title 1">
+            <a:extLst>
+              <a:ext uri="{FF2B5EF4-FFF2-40B4-BE49-F238E27FC236}">
+                <a16:creationId xmlns:a16="http://schemas.microsoft.com/office/drawing/2014/main" id="{07AF5F25-8BC4-6157-A6F3-676DEF0119C1}"/>
+              </a:ext>
+            </a:extLst>
+          </p:cNvPr>
+          <p:cNvSpPr>
+            <a:spLocks noGrp="1"/>
+          </p:cNvSpPr>
+          <p:nvPr>
+            <p:ph type="title"/>
+          </p:nvPr>
+        </p:nvSpPr>
+        <p:spPr/>
+        <p:txBody>
+          <a:bodyPr/>
+          <a:lstStyle/>
+          <a:p>
+            <a:r>
+              <a:rPr lang="en-GB" dirty="0"/>
+              <a:t>Research </a:t>
+            </a:r>
+            <a:r>
+              <a:rPr lang="en-GB" dirty="0" err="1"/>
+              <a:t>centers</a:t>
+            </a:r>
+            <a:endParaRPr lang="en-GB" dirty="0"/>
+          </a:p>
+        </p:txBody>
+      </p:sp>
+      <p:sp>
+        <p:nvSpPr>
+          <p:cNvPr id="3" name="Graphic 4" descr="Marker with solid fill">
+            <a:extLst>
+              <a:ext uri="{FF2B5EF4-FFF2-40B4-BE49-F238E27FC236}">
+                <a16:creationId xmlns:a16="http://schemas.microsoft.com/office/drawing/2014/main" id="{619916F7-B5DE-5974-DCAE-291085F4F275}"/>
               </a:ext>
             </a:extLst>
           </p:cNvPr>
@@ -5999,7 +7100,7 @@
         </p:nvSpPr>
         <p:spPr>
           <a:xfrm>
-            <a:off x="2411235" y="4846697"/>
+            <a:off x="935485" y="3735420"/>
             <a:ext cx="627945" cy="1020000"/>
           </a:xfrm>
           <a:custGeom>
@@ -6227,10 +7328,10 @@
       </p:sp>
       <p:sp>
         <p:nvSpPr>
-          <p:cNvPr id="75" name="TextBox 74">
-            <a:extLst>
-              <a:ext uri="{FF2B5EF4-FFF2-40B4-BE49-F238E27FC236}">
-                <a16:creationId xmlns:a16="http://schemas.microsoft.com/office/drawing/2014/main" id="{53D2FA4C-28A3-26AA-8E1B-3A938B75D104}"/>
+          <p:cNvPr id="4" name="TextBox 3">
+            <a:extLst>
+              <a:ext uri="{FF2B5EF4-FFF2-40B4-BE49-F238E27FC236}">
+                <a16:creationId xmlns:a16="http://schemas.microsoft.com/office/drawing/2014/main" id="{7CF69022-3F1B-F50D-55D9-13AEE9CCDD14}"/>
               </a:ext>
             </a:extLst>
           </p:cNvPr>
@@ -6239,8 +7340,8 @@
         </p:nvSpPr>
         <p:spPr>
           <a:xfrm>
-            <a:off x="3239154" y="5131520"/>
-            <a:ext cx="958596" cy="307777"/>
+            <a:off x="1787849" y="4020243"/>
+            <a:ext cx="2440796" cy="307777"/>
           </a:xfrm>
           <a:prstGeom prst="rect">
             <a:avLst/>
@@ -6255,17 +7356,22 @@
           <a:p>
             <a:r>
               <a:rPr lang="en-GB" sz="1400" dirty="0"/>
-              <a:t>Wind farm</a:t>
+              <a:t>Power systems research </a:t>
             </a:r>
+            <a:r>
+              <a:rPr lang="en-GB" sz="1400" dirty="0" err="1"/>
+              <a:t>center</a:t>
+            </a:r>
+            <a:endParaRPr lang="en-GB" sz="1400" dirty="0"/>
           </a:p>
         </p:txBody>
       </p:sp>
       <p:pic>
         <p:nvPicPr>
-          <p:cNvPr id="76" name="Graphic 75" descr="Wind Turbines with solid fill">
-            <a:extLst>
-              <a:ext uri="{FF2B5EF4-FFF2-40B4-BE49-F238E27FC236}">
-                <a16:creationId xmlns:a16="http://schemas.microsoft.com/office/drawing/2014/main" id="{8A2424E1-5845-BD03-BCB1-3131C6E6B615}"/>
+          <p:cNvPr id="5" name="Graphic 4" descr="Research with solid fill">
+            <a:extLst>
+              <a:ext uri="{FF2B5EF4-FFF2-40B4-BE49-F238E27FC236}">
+                <a16:creationId xmlns:a16="http://schemas.microsoft.com/office/drawing/2014/main" id="{F59BD863-DBA1-A1DD-9CF8-416B46FB958F}"/>
               </a:ext>
             </a:extLst>
           </p:cNvPr>
@@ -6288,8 +7394,8 @@
         </p:blipFill>
         <p:spPr>
           <a:xfrm>
-            <a:off x="2436864" y="4935308"/>
-            <a:ext cx="565544" cy="565544"/>
+            <a:off x="991519" y="3853954"/>
+            <a:ext cx="495281" cy="495281"/>
           </a:xfrm>
           <a:prstGeom prst="rect">
             <a:avLst/>
@@ -6298,10 +7404,671 @@
       </p:pic>
       <p:sp>
         <p:nvSpPr>
-          <p:cNvPr id="89" name="Graphic 4" descr="Marker with solid fill">
-            <a:extLst>
-              <a:ext uri="{FF2B5EF4-FFF2-40B4-BE49-F238E27FC236}">
-                <a16:creationId xmlns:a16="http://schemas.microsoft.com/office/drawing/2014/main" id="{C9CC3FFA-EEBA-9843-EF72-49FB80A6FE39}"/>
+          <p:cNvPr id="9" name="TextBox 8">
+            <a:extLst>
+              <a:ext uri="{FF2B5EF4-FFF2-40B4-BE49-F238E27FC236}">
+                <a16:creationId xmlns:a16="http://schemas.microsoft.com/office/drawing/2014/main" id="{A344275B-651C-BB47-006E-9F427BC762F7}"/>
+              </a:ext>
+            </a:extLst>
+          </p:cNvPr>
+          <p:cNvSpPr txBox="1"/>
+          <p:nvPr/>
+        </p:nvSpPr>
+        <p:spPr>
+          <a:xfrm>
+            <a:off x="1763344" y="2694637"/>
+            <a:ext cx="2292807" cy="307777"/>
+          </a:xfrm>
+          <a:prstGeom prst="rect">
+            <a:avLst/>
+          </a:prstGeom>
+          <a:noFill/>
+        </p:spPr>
+        <p:txBody>
+          <a:bodyPr wrap="none" rtlCol="0">
+            <a:spAutoFit/>
+          </a:bodyPr>
+          <a:lstStyle/>
+          <a:p>
+            <a:r>
+              <a:rPr lang="en-GB" sz="1400" dirty="0"/>
+              <a:t>Wind energy research </a:t>
+            </a:r>
+            <a:r>
+              <a:rPr lang="en-GB" sz="1400" dirty="0" err="1"/>
+              <a:t>center</a:t>
+            </a:r>
+            <a:endParaRPr lang="en-GB" sz="1400" dirty="0"/>
+          </a:p>
+        </p:txBody>
+      </p:sp>
+      <p:grpSp>
+        <p:nvGrpSpPr>
+          <p:cNvPr id="10" name="Group 9">
+            <a:extLst>
+              <a:ext uri="{FF2B5EF4-FFF2-40B4-BE49-F238E27FC236}">
+                <a16:creationId xmlns:a16="http://schemas.microsoft.com/office/drawing/2014/main" id="{BFDD11C0-4252-B0AA-96B2-44B2D18AA167}"/>
+              </a:ext>
+            </a:extLst>
+          </p:cNvPr>
+          <p:cNvGrpSpPr>
+            <a:grpSpLocks noChangeAspect="1"/>
+          </p:cNvGrpSpPr>
+          <p:nvPr/>
+        </p:nvGrpSpPr>
+        <p:grpSpPr>
+          <a:xfrm>
+            <a:off x="1090770" y="2491658"/>
+            <a:ext cx="318596" cy="561576"/>
+            <a:chOff x="2592518" y="3713719"/>
+            <a:chExt cx="307557" cy="542118"/>
+          </a:xfrm>
+        </p:grpSpPr>
+        <p:sp>
+          <p:nvSpPr>
+            <p:cNvPr id="11" name="Freeform 10">
+              <a:extLst>
+                <a:ext uri="{FF2B5EF4-FFF2-40B4-BE49-F238E27FC236}">
+                  <a16:creationId xmlns:a16="http://schemas.microsoft.com/office/drawing/2014/main" id="{A50117B3-8F2D-9307-EBFD-E00580070289}"/>
+                </a:ext>
+              </a:extLst>
+            </p:cNvPr>
+            <p:cNvSpPr/>
+            <p:nvPr/>
+          </p:nvSpPr>
+          <p:spPr>
+            <a:xfrm>
+              <a:off x="2669533" y="3939663"/>
+              <a:ext cx="123712" cy="316174"/>
+            </a:xfrm>
+            <a:custGeom>
+              <a:avLst/>
+              <a:gdLst>
+                <a:gd name="connsiteX0" fmla="*/ 69709 w 123712"/>
+                <a:gd name="connsiteY0" fmla="*/ 0 h 316174"/>
+                <a:gd name="connsiteX1" fmla="*/ 37997 w 123712"/>
+                <a:gd name="connsiteY1" fmla="*/ 22881 h 316174"/>
+                <a:gd name="connsiteX2" fmla="*/ 24725 w 123712"/>
+                <a:gd name="connsiteY2" fmla="*/ 292610 h 316174"/>
+                <a:gd name="connsiteX3" fmla="*/ 0 w 123712"/>
+                <a:gd name="connsiteY3" fmla="*/ 292610 h 316174"/>
+                <a:gd name="connsiteX4" fmla="*/ 0 w 123712"/>
+                <a:gd name="connsiteY4" fmla="*/ 316174 h 316174"/>
+                <a:gd name="connsiteX5" fmla="*/ 23564 w 123712"/>
+                <a:gd name="connsiteY5" fmla="*/ 316174 h 316174"/>
+                <a:gd name="connsiteX6" fmla="*/ 100148 w 123712"/>
+                <a:gd name="connsiteY6" fmla="*/ 316174 h 316174"/>
+                <a:gd name="connsiteX7" fmla="*/ 123713 w 123712"/>
+                <a:gd name="connsiteY7" fmla="*/ 316174 h 316174"/>
+                <a:gd name="connsiteX8" fmla="*/ 123713 w 123712"/>
+                <a:gd name="connsiteY8" fmla="*/ 292610 h 316174"/>
+                <a:gd name="connsiteX9" fmla="*/ 98605 w 123712"/>
+                <a:gd name="connsiteY9" fmla="*/ 292610 h 316174"/>
+                <a:gd name="connsiteX10" fmla="*/ 79547 w 123712"/>
+                <a:gd name="connsiteY10" fmla="*/ 2027 h 316174"/>
+                <a:gd name="connsiteX11" fmla="*/ 69709 w 123712"/>
+                <a:gd name="connsiteY11" fmla="*/ 0 h 316174"/>
+              </a:gdLst>
+              <a:ahLst/>
+              <a:cxnLst>
+                <a:cxn ang="0">
+                  <a:pos x="connsiteX0" y="connsiteY0"/>
+                </a:cxn>
+                <a:cxn ang="0">
+                  <a:pos x="connsiteX1" y="connsiteY1"/>
+                </a:cxn>
+                <a:cxn ang="0">
+                  <a:pos x="connsiteX2" y="connsiteY2"/>
+                </a:cxn>
+                <a:cxn ang="0">
+                  <a:pos x="connsiteX3" y="connsiteY3"/>
+                </a:cxn>
+                <a:cxn ang="0">
+                  <a:pos x="connsiteX4" y="connsiteY4"/>
+                </a:cxn>
+                <a:cxn ang="0">
+                  <a:pos x="connsiteX5" y="connsiteY5"/>
+                </a:cxn>
+                <a:cxn ang="0">
+                  <a:pos x="connsiteX6" y="connsiteY6"/>
+                </a:cxn>
+                <a:cxn ang="0">
+                  <a:pos x="connsiteX7" y="connsiteY7"/>
+                </a:cxn>
+                <a:cxn ang="0">
+                  <a:pos x="connsiteX8" y="connsiteY8"/>
+                </a:cxn>
+                <a:cxn ang="0">
+                  <a:pos x="connsiteX9" y="connsiteY9"/>
+                </a:cxn>
+                <a:cxn ang="0">
+                  <a:pos x="connsiteX10" y="connsiteY10"/>
+                </a:cxn>
+                <a:cxn ang="0">
+                  <a:pos x="connsiteX11" y="connsiteY11"/>
+                </a:cxn>
+              </a:cxnLst>
+              <a:rect l="l" t="t" r="r" b="b"/>
+              <a:pathLst>
+                <a:path w="123712" h="316174">
+                  <a:moveTo>
+                    <a:pt x="69709" y="0"/>
+                  </a:moveTo>
+                  <a:lnTo>
+                    <a:pt x="37997" y="22881"/>
+                  </a:lnTo>
+                  <a:lnTo>
+                    <a:pt x="24725" y="292610"/>
+                  </a:lnTo>
+                  <a:lnTo>
+                    <a:pt x="0" y="292610"/>
+                  </a:lnTo>
+                  <a:lnTo>
+                    <a:pt x="0" y="316174"/>
+                  </a:lnTo>
+                  <a:lnTo>
+                    <a:pt x="23564" y="316174"/>
+                  </a:lnTo>
+                  <a:lnTo>
+                    <a:pt x="100148" y="316174"/>
+                  </a:lnTo>
+                  <a:lnTo>
+                    <a:pt x="123713" y="316174"/>
+                  </a:lnTo>
+                  <a:lnTo>
+                    <a:pt x="123713" y="292610"/>
+                  </a:lnTo>
+                  <a:lnTo>
+                    <a:pt x="98605" y="292610"/>
+                  </a:lnTo>
+                  <a:lnTo>
+                    <a:pt x="79547" y="2027"/>
+                  </a:lnTo>
+                  <a:lnTo>
+                    <a:pt x="69709" y="0"/>
+                  </a:lnTo>
+                  <a:close/>
+                </a:path>
+              </a:pathLst>
+            </a:custGeom>
+            <a:solidFill>
+              <a:schemeClr val="bg1"/>
+            </a:solidFill>
+            <a:ln w="5854" cap="flat">
+              <a:noFill/>
+              <a:prstDash val="solid"/>
+              <a:miter/>
+            </a:ln>
+          </p:spPr>
+          <p:txBody>
+            <a:bodyPr rtlCol="0" anchor="ctr"/>
+            <a:lstStyle/>
+            <a:p>
+              <a:endParaRPr lang="en-GB"/>
+            </a:p>
+          </p:txBody>
+        </p:sp>
+        <p:sp>
+          <p:nvSpPr>
+            <p:cNvPr id="12" name="Freeform 11">
+              <a:extLst>
+                <a:ext uri="{FF2B5EF4-FFF2-40B4-BE49-F238E27FC236}">
+                  <a16:creationId xmlns:a16="http://schemas.microsoft.com/office/drawing/2014/main" id="{AC54FF85-3393-3580-5669-142E6D68B9B5}"/>
+                </a:ext>
+              </a:extLst>
+            </p:cNvPr>
+            <p:cNvSpPr/>
+            <p:nvPr/>
+          </p:nvSpPr>
+          <p:spPr>
+            <a:xfrm>
+              <a:off x="2682632" y="3713719"/>
+              <a:ext cx="65075" cy="156611"/>
+            </a:xfrm>
+            <a:custGeom>
+              <a:avLst/>
+              <a:gdLst>
+                <a:gd name="connsiteX0" fmla="*/ 14277 w 65075"/>
+                <a:gd name="connsiteY0" fmla="*/ 152676 h 156611"/>
+                <a:gd name="connsiteX1" fmla="*/ 17028 w 65075"/>
+                <a:gd name="connsiteY1" fmla="*/ 156612 h 156611"/>
+                <a:gd name="connsiteX2" fmla="*/ 22796 w 65075"/>
+                <a:gd name="connsiteY2" fmla="*/ 149589 h 156611"/>
+                <a:gd name="connsiteX3" fmla="*/ 63898 w 65075"/>
+                <a:gd name="connsiteY3" fmla="*/ 146055 h 156611"/>
+                <a:gd name="connsiteX4" fmla="*/ 65076 w 65075"/>
+                <a:gd name="connsiteY4" fmla="*/ 140941 h 156611"/>
+                <a:gd name="connsiteX5" fmla="*/ 20722 w 65075"/>
+                <a:gd name="connsiteY5" fmla="*/ 7432 h 156611"/>
+                <a:gd name="connsiteX6" fmla="*/ 7429 w 65075"/>
+                <a:gd name="connsiteY6" fmla="*/ 489 h 156611"/>
+                <a:gd name="connsiteX7" fmla="*/ 74 w 65075"/>
+                <a:gd name="connsiteY7" fmla="*/ 11850 h 156611"/>
+              </a:gdLst>
+              <a:ahLst/>
+              <a:cxnLst>
+                <a:cxn ang="0">
+                  <a:pos x="connsiteX0" y="connsiteY0"/>
+                </a:cxn>
+                <a:cxn ang="0">
+                  <a:pos x="connsiteX1" y="connsiteY1"/>
+                </a:cxn>
+                <a:cxn ang="0">
+                  <a:pos x="connsiteX2" y="connsiteY2"/>
+                </a:cxn>
+                <a:cxn ang="0">
+                  <a:pos x="connsiteX3" y="connsiteY3"/>
+                </a:cxn>
+                <a:cxn ang="0">
+                  <a:pos x="connsiteX4" y="connsiteY4"/>
+                </a:cxn>
+                <a:cxn ang="0">
+                  <a:pos x="connsiteX5" y="connsiteY5"/>
+                </a:cxn>
+                <a:cxn ang="0">
+                  <a:pos x="connsiteX6" y="connsiteY6"/>
+                </a:cxn>
+                <a:cxn ang="0">
+                  <a:pos x="connsiteX7" y="connsiteY7"/>
+                </a:cxn>
+              </a:cxnLst>
+              <a:rect l="l" t="t" r="r" b="b"/>
+              <a:pathLst>
+                <a:path w="65075" h="156611">
+                  <a:moveTo>
+                    <a:pt x="14277" y="152676"/>
+                  </a:moveTo>
+                  <a:lnTo>
+                    <a:pt x="17028" y="156612"/>
+                  </a:lnTo>
+                  <a:cubicBezTo>
+                    <a:pt x="18623" y="154020"/>
+                    <a:pt x="20564" y="151658"/>
+                    <a:pt x="22796" y="149589"/>
+                  </a:cubicBezTo>
+                  <a:cubicBezTo>
+                    <a:pt x="34149" y="139317"/>
+                    <a:pt x="50957" y="137871"/>
+                    <a:pt x="63898" y="146055"/>
+                  </a:cubicBezTo>
+                  <a:lnTo>
+                    <a:pt x="65076" y="140941"/>
+                  </a:lnTo>
+                  <a:lnTo>
+                    <a:pt x="20722" y="7432"/>
+                  </a:lnTo>
+                  <a:cubicBezTo>
+                    <a:pt x="18968" y="1844"/>
+                    <a:pt x="13017" y="-1264"/>
+                    <a:pt x="7429" y="489"/>
+                  </a:cubicBezTo>
+                  <a:cubicBezTo>
+                    <a:pt x="2566" y="2016"/>
+                    <a:pt x="-524" y="6787"/>
+                    <a:pt x="74" y="11850"/>
+                  </a:cubicBezTo>
+                  <a:close/>
+                </a:path>
+              </a:pathLst>
+            </a:custGeom>
+            <a:solidFill>
+              <a:schemeClr val="bg1"/>
+            </a:solidFill>
+            <a:ln w="5854" cap="flat">
+              <a:noFill/>
+              <a:prstDash val="solid"/>
+              <a:miter/>
+            </a:ln>
+          </p:spPr>
+          <p:txBody>
+            <a:bodyPr rtlCol="0" anchor="ctr"/>
+            <a:lstStyle/>
+            <a:p>
+              <a:endParaRPr lang="en-GB"/>
+            </a:p>
+          </p:txBody>
+        </p:sp>
+        <p:sp>
+          <p:nvSpPr>
+            <p:cNvPr id="13" name="Freeform 12">
+              <a:extLst>
+                <a:ext uri="{FF2B5EF4-FFF2-40B4-BE49-F238E27FC236}">
+                  <a16:creationId xmlns:a16="http://schemas.microsoft.com/office/drawing/2014/main" id="{5F1679DA-0678-B832-1389-5302FEA697EF}"/>
+                </a:ext>
+              </a:extLst>
+            </p:cNvPr>
+            <p:cNvSpPr/>
+            <p:nvPr/>
+          </p:nvSpPr>
+          <p:spPr>
+            <a:xfrm>
+              <a:off x="2744073" y="3874466"/>
+              <a:ext cx="156002" cy="77852"/>
+            </a:xfrm>
+            <a:custGeom>
+              <a:avLst/>
+              <a:gdLst>
+                <a:gd name="connsiteX0" fmla="*/ 149539 w 156002"/>
+                <a:gd name="connsiteY0" fmla="*/ 57485 h 77852"/>
+                <a:gd name="connsiteX1" fmla="*/ 21879 w 156002"/>
+                <a:gd name="connsiteY1" fmla="*/ 0 h 77852"/>
+                <a:gd name="connsiteX2" fmla="*/ 15558 w 156002"/>
+                <a:gd name="connsiteY2" fmla="*/ 701 h 77852"/>
+                <a:gd name="connsiteX3" fmla="*/ 0 w 156002"/>
+                <a:gd name="connsiteY3" fmla="*/ 44537 h 77852"/>
+                <a:gd name="connsiteX4" fmla="*/ 6074 w 156002"/>
+                <a:gd name="connsiteY4" fmla="*/ 49414 h 77852"/>
+                <a:gd name="connsiteX5" fmla="*/ 143041 w 156002"/>
+                <a:gd name="connsiteY5" fmla="*/ 77586 h 77852"/>
+                <a:gd name="connsiteX6" fmla="*/ 155736 w 156002"/>
+                <a:gd name="connsiteY6" fmla="*/ 69602 h 77852"/>
+                <a:gd name="connsiteX7" fmla="*/ 149539 w 156002"/>
+                <a:gd name="connsiteY7" fmla="*/ 57485 h 77852"/>
+              </a:gdLst>
+              <a:ahLst/>
+              <a:cxnLst>
+                <a:cxn ang="0">
+                  <a:pos x="connsiteX0" y="connsiteY0"/>
+                </a:cxn>
+                <a:cxn ang="0">
+                  <a:pos x="connsiteX1" y="connsiteY1"/>
+                </a:cxn>
+                <a:cxn ang="0">
+                  <a:pos x="connsiteX2" y="connsiteY2"/>
+                </a:cxn>
+                <a:cxn ang="0">
+                  <a:pos x="connsiteX3" y="connsiteY3"/>
+                </a:cxn>
+                <a:cxn ang="0">
+                  <a:pos x="connsiteX4" y="connsiteY4"/>
+                </a:cxn>
+                <a:cxn ang="0">
+                  <a:pos x="connsiteX5" y="connsiteY5"/>
+                </a:cxn>
+                <a:cxn ang="0">
+                  <a:pos x="connsiteX6" y="connsiteY6"/>
+                </a:cxn>
+                <a:cxn ang="0">
+                  <a:pos x="connsiteX7" y="connsiteY7"/>
+                </a:cxn>
+              </a:cxnLst>
+              <a:rect l="l" t="t" r="r" b="b"/>
+              <a:pathLst>
+                <a:path w="156002" h="77852">
+                  <a:moveTo>
+                    <a:pt x="149539" y="57485"/>
+                  </a:moveTo>
+                  <a:lnTo>
+                    <a:pt x="21879" y="0"/>
+                  </a:lnTo>
+                  <a:lnTo>
+                    <a:pt x="15558" y="701"/>
+                  </a:lnTo>
+                  <a:cubicBezTo>
+                    <a:pt x="23043" y="17118"/>
+                    <a:pt x="16160" y="36512"/>
+                    <a:pt x="0" y="44537"/>
+                  </a:cubicBezTo>
+                  <a:lnTo>
+                    <a:pt x="6074" y="49414"/>
+                  </a:lnTo>
+                  <a:lnTo>
+                    <a:pt x="143041" y="77586"/>
+                  </a:lnTo>
+                  <a:cubicBezTo>
+                    <a:pt x="148752" y="78886"/>
+                    <a:pt x="154435" y="75312"/>
+                    <a:pt x="155736" y="69602"/>
+                  </a:cubicBezTo>
+                  <a:cubicBezTo>
+                    <a:pt x="156877" y="64595"/>
+                    <a:pt x="154266" y="59491"/>
+                    <a:pt x="149539" y="57485"/>
+                  </a:cubicBezTo>
+                  <a:close/>
+                </a:path>
+              </a:pathLst>
+            </a:custGeom>
+            <a:solidFill>
+              <a:schemeClr val="bg1"/>
+            </a:solidFill>
+            <a:ln w="5854" cap="flat">
+              <a:noFill/>
+              <a:prstDash val="solid"/>
+              <a:miter/>
+            </a:ln>
+          </p:spPr>
+          <p:txBody>
+            <a:bodyPr rtlCol="0" anchor="ctr"/>
+            <a:lstStyle/>
+            <a:p>
+              <a:endParaRPr lang="en-GB"/>
+            </a:p>
+          </p:txBody>
+        </p:sp>
+        <p:sp>
+          <p:nvSpPr>
+            <p:cNvPr id="14" name="Freeform 13">
+              <a:extLst>
+                <a:ext uri="{FF2B5EF4-FFF2-40B4-BE49-F238E27FC236}">
+                  <a16:creationId xmlns:a16="http://schemas.microsoft.com/office/drawing/2014/main" id="{3B9FD01B-6FAE-F527-327D-62E1E2EE48BF}"/>
+                </a:ext>
+              </a:extLst>
+            </p:cNvPr>
+            <p:cNvSpPr/>
+            <p:nvPr/>
+          </p:nvSpPr>
+          <p:spPr>
+            <a:xfrm>
+              <a:off x="2592518" y="3889341"/>
+              <a:ext cx="133733" cy="124142"/>
+            </a:xfrm>
+            <a:custGeom>
+              <a:avLst/>
+              <a:gdLst>
+                <a:gd name="connsiteX0" fmla="*/ 133734 w 133733"/>
+                <a:gd name="connsiteY0" fmla="*/ 33503 h 124142"/>
+                <a:gd name="connsiteX1" fmla="*/ 101775 w 133733"/>
+                <a:gd name="connsiteY1" fmla="*/ 0 h 124142"/>
+                <a:gd name="connsiteX2" fmla="*/ 95295 w 133733"/>
+                <a:gd name="connsiteY2" fmla="*/ 2221 h 124142"/>
+                <a:gd name="connsiteX3" fmla="*/ 2763 w 133733"/>
+                <a:gd name="connsiteY3" fmla="*/ 106399 h 124142"/>
+                <a:gd name="connsiteX4" fmla="*/ 3465 w 133733"/>
+                <a:gd name="connsiteY4" fmla="*/ 121379 h 124142"/>
+                <a:gd name="connsiteX5" fmla="*/ 16902 w 133733"/>
+                <a:gd name="connsiteY5" fmla="*/ 122069 h 124142"/>
+                <a:gd name="connsiteX6" fmla="*/ 130953 w 133733"/>
+                <a:gd name="connsiteY6" fmla="*/ 39936 h 124142"/>
+              </a:gdLst>
+              <a:ahLst/>
+              <a:cxnLst>
+                <a:cxn ang="0">
+                  <a:pos x="connsiteX0" y="connsiteY0"/>
+                </a:cxn>
+                <a:cxn ang="0">
+                  <a:pos x="connsiteX1" y="connsiteY1"/>
+                </a:cxn>
+                <a:cxn ang="0">
+                  <a:pos x="connsiteX2" y="connsiteY2"/>
+                </a:cxn>
+                <a:cxn ang="0">
+                  <a:pos x="connsiteX3" y="connsiteY3"/>
+                </a:cxn>
+                <a:cxn ang="0">
+                  <a:pos x="connsiteX4" y="connsiteY4"/>
+                </a:cxn>
+                <a:cxn ang="0">
+                  <a:pos x="connsiteX5" y="connsiteY5"/>
+                </a:cxn>
+                <a:cxn ang="0">
+                  <a:pos x="connsiteX6" y="connsiteY6"/>
+                </a:cxn>
+              </a:cxnLst>
+              <a:rect l="l" t="t" r="r" b="b"/>
+              <a:pathLst>
+                <a:path w="133733" h="124142">
+                  <a:moveTo>
+                    <a:pt x="133734" y="33503"/>
+                  </a:moveTo>
+                  <a:cubicBezTo>
+                    <a:pt x="115913" y="32509"/>
+                    <a:pt x="101927" y="17848"/>
+                    <a:pt x="101775" y="0"/>
+                  </a:cubicBezTo>
+                  <a:lnTo>
+                    <a:pt x="95295" y="2221"/>
+                  </a:lnTo>
+                  <a:lnTo>
+                    <a:pt x="2763" y="106399"/>
+                  </a:lnTo>
+                  <a:cubicBezTo>
+                    <a:pt x="-1179" y="110729"/>
+                    <a:pt x="-865" y="117436"/>
+                    <a:pt x="3465" y="121379"/>
+                  </a:cubicBezTo>
+                  <a:cubicBezTo>
+                    <a:pt x="7206" y="124785"/>
+                    <a:pt x="12832" y="125074"/>
+                    <a:pt x="16902" y="122069"/>
+                  </a:cubicBezTo>
+                  <a:lnTo>
+                    <a:pt x="130953" y="39936"/>
+                  </a:lnTo>
+                  <a:close/>
+                </a:path>
+              </a:pathLst>
+            </a:custGeom>
+            <a:solidFill>
+              <a:schemeClr val="bg1"/>
+            </a:solidFill>
+            <a:ln w="5854" cap="flat">
+              <a:noFill/>
+              <a:prstDash val="solid"/>
+              <a:miter/>
+            </a:ln>
+          </p:spPr>
+          <p:txBody>
+            <a:bodyPr rtlCol="0" anchor="ctr"/>
+            <a:lstStyle/>
+            <a:p>
+              <a:endParaRPr lang="en-GB"/>
+            </a:p>
+          </p:txBody>
+        </p:sp>
+        <p:sp>
+          <p:nvSpPr>
+            <p:cNvPr id="15" name="Freeform 14">
+              <a:extLst>
+                <a:ext uri="{FF2B5EF4-FFF2-40B4-BE49-F238E27FC236}">
+                  <a16:creationId xmlns:a16="http://schemas.microsoft.com/office/drawing/2014/main" id="{4FB1EBE3-1AFE-AF77-699E-894F02742633}"/>
+                </a:ext>
+              </a:extLst>
+            </p:cNvPr>
+            <p:cNvSpPr/>
+            <p:nvPr/>
+          </p:nvSpPr>
+          <p:spPr>
+            <a:xfrm>
+              <a:off x="2711816" y="3872150"/>
+              <a:ext cx="33119" cy="33120"/>
+            </a:xfrm>
+            <a:custGeom>
+              <a:avLst/>
+              <a:gdLst>
+                <a:gd name="connsiteX0" fmla="*/ 5452 w 33119"/>
+                <a:gd name="connsiteY0" fmla="*/ 4278 h 33120"/>
+                <a:gd name="connsiteX1" fmla="*/ 4278 w 33119"/>
+                <a:gd name="connsiteY1" fmla="*/ 27668 h 33120"/>
+                <a:gd name="connsiteX2" fmla="*/ 27668 w 33119"/>
+                <a:gd name="connsiteY2" fmla="*/ 28842 h 33120"/>
+                <a:gd name="connsiteX3" fmla="*/ 28846 w 33119"/>
+                <a:gd name="connsiteY3" fmla="*/ 5456 h 33120"/>
+                <a:gd name="connsiteX4" fmla="*/ 5456 w 33119"/>
+                <a:gd name="connsiteY4" fmla="*/ 4275 h 33120"/>
+                <a:gd name="connsiteX5" fmla="*/ 5452 w 33119"/>
+                <a:gd name="connsiteY5" fmla="*/ 4278 h 33120"/>
+              </a:gdLst>
+              <a:ahLst/>
+              <a:cxnLst>
+                <a:cxn ang="0">
+                  <a:pos x="connsiteX0" y="connsiteY0"/>
+                </a:cxn>
+                <a:cxn ang="0">
+                  <a:pos x="connsiteX1" y="connsiteY1"/>
+                </a:cxn>
+                <a:cxn ang="0">
+                  <a:pos x="connsiteX2" y="connsiteY2"/>
+                </a:cxn>
+                <a:cxn ang="0">
+                  <a:pos x="connsiteX3" y="connsiteY3"/>
+                </a:cxn>
+                <a:cxn ang="0">
+                  <a:pos x="connsiteX4" y="connsiteY4"/>
+                </a:cxn>
+                <a:cxn ang="0">
+                  <a:pos x="connsiteX5" y="connsiteY5"/>
+                </a:cxn>
+              </a:cxnLst>
+              <a:rect l="l" t="t" r="r" b="b"/>
+              <a:pathLst>
+                <a:path w="33119" h="33120">
+                  <a:moveTo>
+                    <a:pt x="5452" y="4278"/>
+                  </a:moveTo>
+                  <a:cubicBezTo>
+                    <a:pt x="-1331" y="10413"/>
+                    <a:pt x="-1856" y="20885"/>
+                    <a:pt x="4278" y="27668"/>
+                  </a:cubicBezTo>
+                  <a:cubicBezTo>
+                    <a:pt x="10413" y="34451"/>
+                    <a:pt x="20885" y="34977"/>
+                    <a:pt x="27668" y="28842"/>
+                  </a:cubicBezTo>
+                  <a:cubicBezTo>
+                    <a:pt x="34449" y="22708"/>
+                    <a:pt x="34976" y="12240"/>
+                    <a:pt x="28846" y="5456"/>
+                  </a:cubicBezTo>
+                  <a:cubicBezTo>
+                    <a:pt x="22713" y="-1329"/>
+                    <a:pt x="12241" y="-1858"/>
+                    <a:pt x="5456" y="4275"/>
+                  </a:cubicBezTo>
+                  <a:cubicBezTo>
+                    <a:pt x="5455" y="4276"/>
+                    <a:pt x="5453" y="4277"/>
+                    <a:pt x="5452" y="4278"/>
+                  </a:cubicBezTo>
+                  <a:close/>
+                </a:path>
+              </a:pathLst>
+            </a:custGeom>
+            <a:solidFill>
+              <a:schemeClr val="bg1"/>
+            </a:solidFill>
+            <a:ln w="5854" cap="flat">
+              <a:noFill/>
+              <a:prstDash val="solid"/>
+              <a:miter/>
+            </a:ln>
+          </p:spPr>
+          <p:txBody>
+            <a:bodyPr rtlCol="0" anchor="ctr"/>
+            <a:lstStyle/>
+            <a:p>
+              <a:endParaRPr lang="en-GB"/>
+            </a:p>
+          </p:txBody>
+        </p:sp>
+      </p:grpSp>
+      <p:sp>
+        <p:nvSpPr>
+          <p:cNvPr id="16" name="Graphic 4" descr="Marker with solid fill">
+            <a:extLst>
+              <a:ext uri="{FF2B5EF4-FFF2-40B4-BE49-F238E27FC236}">
+                <a16:creationId xmlns:a16="http://schemas.microsoft.com/office/drawing/2014/main" id="{F72D4E21-A027-25AF-67CE-92725451952F}"/>
               </a:ext>
             </a:extLst>
           </p:cNvPr>
@@ -6310,7 +8077,7 @@
         </p:nvSpPr>
         <p:spPr>
           <a:xfrm>
-            <a:off x="5299327" y="4851905"/>
+            <a:off x="933792" y="2409001"/>
             <a:ext cx="627945" cy="1020000"/>
           </a:xfrm>
           <a:custGeom>
@@ -6532,56 +8299,16 @@
           <a:bodyPr rtlCol="0" anchor="ctr"/>
           <a:lstStyle/>
           <a:p>
-            <a:endParaRPr lang="en-GB"/>
-          </a:p>
-        </p:txBody>
-      </p:sp>
-      <p:sp>
-        <p:nvSpPr>
-          <p:cNvPr id="90" name="TextBox 89">
-            <a:extLst>
-              <a:ext uri="{FF2B5EF4-FFF2-40B4-BE49-F238E27FC236}">
-                <a16:creationId xmlns:a16="http://schemas.microsoft.com/office/drawing/2014/main" id="{4BC46C1F-8067-92E7-4517-0478BD180992}"/>
-              </a:ext>
-            </a:extLst>
-          </p:cNvPr>
-          <p:cNvSpPr txBox="1"/>
-          <p:nvPr/>
-        </p:nvSpPr>
-        <p:spPr>
-          <a:xfrm>
-            <a:off x="6151691" y="5136728"/>
-            <a:ext cx="2440796" cy="307777"/>
-          </a:xfrm>
-          <a:prstGeom prst="rect">
-            <a:avLst/>
-          </a:prstGeom>
-          <a:noFill/>
-        </p:spPr>
-        <p:txBody>
-          <a:bodyPr wrap="none" rtlCol="0">
-            <a:spAutoFit/>
-          </a:bodyPr>
-          <a:lstStyle/>
-          <a:p>
-            <a:r>
-              <a:rPr lang="en-GB" sz="1400" dirty="0"/>
-              <a:t>Power systems research </a:t>
-            </a:r>
-            <a:r>
-              <a:rPr lang="en-GB" sz="1400" dirty="0" err="1"/>
-              <a:t>center</a:t>
-            </a:r>
-            <a:endParaRPr lang="en-GB" sz="1400" dirty="0"/>
+            <a:endParaRPr lang="en-GB" dirty="0"/>
           </a:p>
         </p:txBody>
       </p:sp>
       <p:pic>
         <p:nvPicPr>
-          <p:cNvPr id="93" name="Graphic 92" descr="Research with solid fill">
-            <a:extLst>
-              <a:ext uri="{FF2B5EF4-FFF2-40B4-BE49-F238E27FC236}">
-                <a16:creationId xmlns:a16="http://schemas.microsoft.com/office/drawing/2014/main" id="{2B489393-8D07-0C38-3D93-C902FECF7D5F}"/>
+          <p:cNvPr id="17" name="Graphic 16" descr="Magnifying glass with solid fill">
+            <a:extLst>
+              <a:ext uri="{FF2B5EF4-FFF2-40B4-BE49-F238E27FC236}">
+                <a16:creationId xmlns:a16="http://schemas.microsoft.com/office/drawing/2014/main" id="{C2BF1C1A-B6B4-26A0-D897-2190906C1994}"/>
               </a:ext>
             </a:extLst>
           </p:cNvPr>
@@ -6603,21 +8330,1119 @@
           </a:stretch>
         </p:blipFill>
         <p:spPr>
-          <a:xfrm>
-            <a:off x="5355361" y="4970439"/>
-            <a:ext cx="495281" cy="495281"/>
+          <a:xfrm rot="1606036">
+            <a:off x="871844" y="2422619"/>
+            <a:ext cx="743375" cy="743375"/>
           </a:xfrm>
           <a:prstGeom prst="rect">
             <a:avLst/>
           </a:prstGeom>
         </p:spPr>
       </p:pic>
+      <p:grpSp>
+        <p:nvGrpSpPr>
+          <p:cNvPr id="18" name="Group 17">
+            <a:extLst>
+              <a:ext uri="{FF2B5EF4-FFF2-40B4-BE49-F238E27FC236}">
+                <a16:creationId xmlns:a16="http://schemas.microsoft.com/office/drawing/2014/main" id="{5F2579F3-D99E-2011-C601-12727921A379}"/>
+              </a:ext>
+            </a:extLst>
+          </p:cNvPr>
+          <p:cNvGrpSpPr>
+            <a:grpSpLocks noChangeAspect="1"/>
+          </p:cNvGrpSpPr>
+          <p:nvPr/>
+        </p:nvGrpSpPr>
+        <p:grpSpPr>
+          <a:xfrm rot="19736769">
+            <a:off x="1090065" y="2547031"/>
+            <a:ext cx="258554" cy="252000"/>
+            <a:chOff x="2592518" y="3713719"/>
+            <a:chExt cx="307557" cy="299764"/>
+          </a:xfrm>
+        </p:grpSpPr>
+        <p:sp>
+          <p:nvSpPr>
+            <p:cNvPr id="19" name="Freeform 18">
+              <a:extLst>
+                <a:ext uri="{FF2B5EF4-FFF2-40B4-BE49-F238E27FC236}">
+                  <a16:creationId xmlns:a16="http://schemas.microsoft.com/office/drawing/2014/main" id="{A147206E-30EE-CAED-4F9A-EE2D8CEB74AE}"/>
+                </a:ext>
+              </a:extLst>
+            </p:cNvPr>
+            <p:cNvSpPr/>
+            <p:nvPr/>
+          </p:nvSpPr>
+          <p:spPr>
+            <a:xfrm>
+              <a:off x="2682632" y="3713719"/>
+              <a:ext cx="65075" cy="156611"/>
+            </a:xfrm>
+            <a:custGeom>
+              <a:avLst/>
+              <a:gdLst>
+                <a:gd name="connsiteX0" fmla="*/ 14277 w 65075"/>
+                <a:gd name="connsiteY0" fmla="*/ 152676 h 156611"/>
+                <a:gd name="connsiteX1" fmla="*/ 17028 w 65075"/>
+                <a:gd name="connsiteY1" fmla="*/ 156612 h 156611"/>
+                <a:gd name="connsiteX2" fmla="*/ 22796 w 65075"/>
+                <a:gd name="connsiteY2" fmla="*/ 149589 h 156611"/>
+                <a:gd name="connsiteX3" fmla="*/ 63898 w 65075"/>
+                <a:gd name="connsiteY3" fmla="*/ 146055 h 156611"/>
+                <a:gd name="connsiteX4" fmla="*/ 65076 w 65075"/>
+                <a:gd name="connsiteY4" fmla="*/ 140941 h 156611"/>
+                <a:gd name="connsiteX5" fmla="*/ 20722 w 65075"/>
+                <a:gd name="connsiteY5" fmla="*/ 7432 h 156611"/>
+                <a:gd name="connsiteX6" fmla="*/ 7429 w 65075"/>
+                <a:gd name="connsiteY6" fmla="*/ 489 h 156611"/>
+                <a:gd name="connsiteX7" fmla="*/ 74 w 65075"/>
+                <a:gd name="connsiteY7" fmla="*/ 11850 h 156611"/>
+              </a:gdLst>
+              <a:ahLst/>
+              <a:cxnLst>
+                <a:cxn ang="0">
+                  <a:pos x="connsiteX0" y="connsiteY0"/>
+                </a:cxn>
+                <a:cxn ang="0">
+                  <a:pos x="connsiteX1" y="connsiteY1"/>
+                </a:cxn>
+                <a:cxn ang="0">
+                  <a:pos x="connsiteX2" y="connsiteY2"/>
+                </a:cxn>
+                <a:cxn ang="0">
+                  <a:pos x="connsiteX3" y="connsiteY3"/>
+                </a:cxn>
+                <a:cxn ang="0">
+                  <a:pos x="connsiteX4" y="connsiteY4"/>
+                </a:cxn>
+                <a:cxn ang="0">
+                  <a:pos x="connsiteX5" y="connsiteY5"/>
+                </a:cxn>
+                <a:cxn ang="0">
+                  <a:pos x="connsiteX6" y="connsiteY6"/>
+                </a:cxn>
+                <a:cxn ang="0">
+                  <a:pos x="connsiteX7" y="connsiteY7"/>
+                </a:cxn>
+              </a:cxnLst>
+              <a:rect l="l" t="t" r="r" b="b"/>
+              <a:pathLst>
+                <a:path w="65075" h="156611">
+                  <a:moveTo>
+                    <a:pt x="14277" y="152676"/>
+                  </a:moveTo>
+                  <a:lnTo>
+                    <a:pt x="17028" y="156612"/>
+                  </a:lnTo>
+                  <a:cubicBezTo>
+                    <a:pt x="18623" y="154020"/>
+                    <a:pt x="20564" y="151658"/>
+                    <a:pt x="22796" y="149589"/>
+                  </a:cubicBezTo>
+                  <a:cubicBezTo>
+                    <a:pt x="34149" y="139317"/>
+                    <a:pt x="50957" y="137871"/>
+                    <a:pt x="63898" y="146055"/>
+                  </a:cubicBezTo>
+                  <a:lnTo>
+                    <a:pt x="65076" y="140941"/>
+                  </a:lnTo>
+                  <a:lnTo>
+                    <a:pt x="20722" y="7432"/>
+                  </a:lnTo>
+                  <a:cubicBezTo>
+                    <a:pt x="18968" y="1844"/>
+                    <a:pt x="13017" y="-1264"/>
+                    <a:pt x="7429" y="489"/>
+                  </a:cubicBezTo>
+                  <a:cubicBezTo>
+                    <a:pt x="2566" y="2016"/>
+                    <a:pt x="-524" y="6787"/>
+                    <a:pt x="74" y="11850"/>
+                  </a:cubicBezTo>
+                  <a:close/>
+                </a:path>
+              </a:pathLst>
+            </a:custGeom>
+            <a:solidFill>
+              <a:schemeClr val="bg1"/>
+            </a:solidFill>
+            <a:ln w="3175" cap="flat">
+              <a:noFill/>
+              <a:prstDash val="solid"/>
+              <a:miter/>
+            </a:ln>
+          </p:spPr>
+          <p:txBody>
+            <a:bodyPr rtlCol="0" anchor="ctr"/>
+            <a:lstStyle/>
+            <a:p>
+              <a:endParaRPr lang="en-GB"/>
+            </a:p>
+          </p:txBody>
+        </p:sp>
+        <p:sp>
+          <p:nvSpPr>
+            <p:cNvPr id="20" name="Freeform 19">
+              <a:extLst>
+                <a:ext uri="{FF2B5EF4-FFF2-40B4-BE49-F238E27FC236}">
+                  <a16:creationId xmlns:a16="http://schemas.microsoft.com/office/drawing/2014/main" id="{02C95786-A9B5-C4B8-E051-447E5D9C4681}"/>
+                </a:ext>
+              </a:extLst>
+            </p:cNvPr>
+            <p:cNvSpPr/>
+            <p:nvPr/>
+          </p:nvSpPr>
+          <p:spPr>
+            <a:xfrm>
+              <a:off x="2744073" y="3874466"/>
+              <a:ext cx="156002" cy="77852"/>
+            </a:xfrm>
+            <a:custGeom>
+              <a:avLst/>
+              <a:gdLst>
+                <a:gd name="connsiteX0" fmla="*/ 149539 w 156002"/>
+                <a:gd name="connsiteY0" fmla="*/ 57485 h 77852"/>
+                <a:gd name="connsiteX1" fmla="*/ 21879 w 156002"/>
+                <a:gd name="connsiteY1" fmla="*/ 0 h 77852"/>
+                <a:gd name="connsiteX2" fmla="*/ 15558 w 156002"/>
+                <a:gd name="connsiteY2" fmla="*/ 701 h 77852"/>
+                <a:gd name="connsiteX3" fmla="*/ 0 w 156002"/>
+                <a:gd name="connsiteY3" fmla="*/ 44537 h 77852"/>
+                <a:gd name="connsiteX4" fmla="*/ 6074 w 156002"/>
+                <a:gd name="connsiteY4" fmla="*/ 49414 h 77852"/>
+                <a:gd name="connsiteX5" fmla="*/ 143041 w 156002"/>
+                <a:gd name="connsiteY5" fmla="*/ 77586 h 77852"/>
+                <a:gd name="connsiteX6" fmla="*/ 155736 w 156002"/>
+                <a:gd name="connsiteY6" fmla="*/ 69602 h 77852"/>
+                <a:gd name="connsiteX7" fmla="*/ 149539 w 156002"/>
+                <a:gd name="connsiteY7" fmla="*/ 57485 h 77852"/>
+              </a:gdLst>
+              <a:ahLst/>
+              <a:cxnLst>
+                <a:cxn ang="0">
+                  <a:pos x="connsiteX0" y="connsiteY0"/>
+                </a:cxn>
+                <a:cxn ang="0">
+                  <a:pos x="connsiteX1" y="connsiteY1"/>
+                </a:cxn>
+                <a:cxn ang="0">
+                  <a:pos x="connsiteX2" y="connsiteY2"/>
+                </a:cxn>
+                <a:cxn ang="0">
+                  <a:pos x="connsiteX3" y="connsiteY3"/>
+                </a:cxn>
+                <a:cxn ang="0">
+                  <a:pos x="connsiteX4" y="connsiteY4"/>
+                </a:cxn>
+                <a:cxn ang="0">
+                  <a:pos x="connsiteX5" y="connsiteY5"/>
+                </a:cxn>
+                <a:cxn ang="0">
+                  <a:pos x="connsiteX6" y="connsiteY6"/>
+                </a:cxn>
+                <a:cxn ang="0">
+                  <a:pos x="connsiteX7" y="connsiteY7"/>
+                </a:cxn>
+              </a:cxnLst>
+              <a:rect l="l" t="t" r="r" b="b"/>
+              <a:pathLst>
+                <a:path w="156002" h="77852">
+                  <a:moveTo>
+                    <a:pt x="149539" y="57485"/>
+                  </a:moveTo>
+                  <a:lnTo>
+                    <a:pt x="21879" y="0"/>
+                  </a:lnTo>
+                  <a:lnTo>
+                    <a:pt x="15558" y="701"/>
+                  </a:lnTo>
+                  <a:cubicBezTo>
+                    <a:pt x="23043" y="17118"/>
+                    <a:pt x="16160" y="36512"/>
+                    <a:pt x="0" y="44537"/>
+                  </a:cubicBezTo>
+                  <a:lnTo>
+                    <a:pt x="6074" y="49414"/>
+                  </a:lnTo>
+                  <a:lnTo>
+                    <a:pt x="143041" y="77586"/>
+                  </a:lnTo>
+                  <a:cubicBezTo>
+                    <a:pt x="148752" y="78886"/>
+                    <a:pt x="154435" y="75312"/>
+                    <a:pt x="155736" y="69602"/>
+                  </a:cubicBezTo>
+                  <a:cubicBezTo>
+                    <a:pt x="156877" y="64595"/>
+                    <a:pt x="154266" y="59491"/>
+                    <a:pt x="149539" y="57485"/>
+                  </a:cubicBezTo>
+                  <a:close/>
+                </a:path>
+              </a:pathLst>
+            </a:custGeom>
+            <a:solidFill>
+              <a:schemeClr val="bg1"/>
+            </a:solidFill>
+            <a:ln w="3175" cap="flat">
+              <a:noFill/>
+              <a:prstDash val="solid"/>
+              <a:miter/>
+            </a:ln>
+          </p:spPr>
+          <p:txBody>
+            <a:bodyPr rtlCol="0" anchor="ctr"/>
+            <a:lstStyle/>
+            <a:p>
+              <a:endParaRPr lang="en-GB"/>
+            </a:p>
+          </p:txBody>
+        </p:sp>
+        <p:sp>
+          <p:nvSpPr>
+            <p:cNvPr id="21" name="Freeform 20">
+              <a:extLst>
+                <a:ext uri="{FF2B5EF4-FFF2-40B4-BE49-F238E27FC236}">
+                  <a16:creationId xmlns:a16="http://schemas.microsoft.com/office/drawing/2014/main" id="{3D0D8266-4809-372C-9B66-95C62B79E20E}"/>
+                </a:ext>
+              </a:extLst>
+            </p:cNvPr>
+            <p:cNvSpPr/>
+            <p:nvPr/>
+          </p:nvSpPr>
+          <p:spPr>
+            <a:xfrm>
+              <a:off x="2592518" y="3889341"/>
+              <a:ext cx="133733" cy="124142"/>
+            </a:xfrm>
+            <a:custGeom>
+              <a:avLst/>
+              <a:gdLst>
+                <a:gd name="connsiteX0" fmla="*/ 133734 w 133733"/>
+                <a:gd name="connsiteY0" fmla="*/ 33503 h 124142"/>
+                <a:gd name="connsiteX1" fmla="*/ 101775 w 133733"/>
+                <a:gd name="connsiteY1" fmla="*/ 0 h 124142"/>
+                <a:gd name="connsiteX2" fmla="*/ 95295 w 133733"/>
+                <a:gd name="connsiteY2" fmla="*/ 2221 h 124142"/>
+                <a:gd name="connsiteX3" fmla="*/ 2763 w 133733"/>
+                <a:gd name="connsiteY3" fmla="*/ 106399 h 124142"/>
+                <a:gd name="connsiteX4" fmla="*/ 3465 w 133733"/>
+                <a:gd name="connsiteY4" fmla="*/ 121379 h 124142"/>
+                <a:gd name="connsiteX5" fmla="*/ 16902 w 133733"/>
+                <a:gd name="connsiteY5" fmla="*/ 122069 h 124142"/>
+                <a:gd name="connsiteX6" fmla="*/ 130953 w 133733"/>
+                <a:gd name="connsiteY6" fmla="*/ 39936 h 124142"/>
+              </a:gdLst>
+              <a:ahLst/>
+              <a:cxnLst>
+                <a:cxn ang="0">
+                  <a:pos x="connsiteX0" y="connsiteY0"/>
+                </a:cxn>
+                <a:cxn ang="0">
+                  <a:pos x="connsiteX1" y="connsiteY1"/>
+                </a:cxn>
+                <a:cxn ang="0">
+                  <a:pos x="connsiteX2" y="connsiteY2"/>
+                </a:cxn>
+                <a:cxn ang="0">
+                  <a:pos x="connsiteX3" y="connsiteY3"/>
+                </a:cxn>
+                <a:cxn ang="0">
+                  <a:pos x="connsiteX4" y="connsiteY4"/>
+                </a:cxn>
+                <a:cxn ang="0">
+                  <a:pos x="connsiteX5" y="connsiteY5"/>
+                </a:cxn>
+                <a:cxn ang="0">
+                  <a:pos x="connsiteX6" y="connsiteY6"/>
+                </a:cxn>
+              </a:cxnLst>
+              <a:rect l="l" t="t" r="r" b="b"/>
+              <a:pathLst>
+                <a:path w="133733" h="124142">
+                  <a:moveTo>
+                    <a:pt x="133734" y="33503"/>
+                  </a:moveTo>
+                  <a:cubicBezTo>
+                    <a:pt x="115913" y="32509"/>
+                    <a:pt x="101927" y="17848"/>
+                    <a:pt x="101775" y="0"/>
+                  </a:cubicBezTo>
+                  <a:lnTo>
+                    <a:pt x="95295" y="2221"/>
+                  </a:lnTo>
+                  <a:lnTo>
+                    <a:pt x="2763" y="106399"/>
+                  </a:lnTo>
+                  <a:cubicBezTo>
+                    <a:pt x="-1179" y="110729"/>
+                    <a:pt x="-865" y="117436"/>
+                    <a:pt x="3465" y="121379"/>
+                  </a:cubicBezTo>
+                  <a:cubicBezTo>
+                    <a:pt x="7206" y="124785"/>
+                    <a:pt x="12832" y="125074"/>
+                    <a:pt x="16902" y="122069"/>
+                  </a:cubicBezTo>
+                  <a:lnTo>
+                    <a:pt x="130953" y="39936"/>
+                  </a:lnTo>
+                  <a:close/>
+                </a:path>
+              </a:pathLst>
+            </a:custGeom>
+            <a:solidFill>
+              <a:schemeClr val="bg1"/>
+            </a:solidFill>
+            <a:ln w="3175" cap="flat">
+              <a:noFill/>
+              <a:prstDash val="solid"/>
+              <a:miter/>
+            </a:ln>
+          </p:spPr>
+          <p:txBody>
+            <a:bodyPr rtlCol="0" anchor="ctr"/>
+            <a:lstStyle/>
+            <a:p>
+              <a:endParaRPr lang="en-GB"/>
+            </a:p>
+          </p:txBody>
+        </p:sp>
+        <p:sp>
+          <p:nvSpPr>
+            <p:cNvPr id="22" name="Freeform 21">
+              <a:extLst>
+                <a:ext uri="{FF2B5EF4-FFF2-40B4-BE49-F238E27FC236}">
+                  <a16:creationId xmlns:a16="http://schemas.microsoft.com/office/drawing/2014/main" id="{10619D7E-C857-9265-B4AF-49AFFF4CA569}"/>
+                </a:ext>
+              </a:extLst>
+            </p:cNvPr>
+            <p:cNvSpPr/>
+            <p:nvPr/>
+          </p:nvSpPr>
+          <p:spPr>
+            <a:xfrm>
+              <a:off x="2711816" y="3872150"/>
+              <a:ext cx="33119" cy="33120"/>
+            </a:xfrm>
+            <a:custGeom>
+              <a:avLst/>
+              <a:gdLst>
+                <a:gd name="connsiteX0" fmla="*/ 5452 w 33119"/>
+                <a:gd name="connsiteY0" fmla="*/ 4278 h 33120"/>
+                <a:gd name="connsiteX1" fmla="*/ 4278 w 33119"/>
+                <a:gd name="connsiteY1" fmla="*/ 27668 h 33120"/>
+                <a:gd name="connsiteX2" fmla="*/ 27668 w 33119"/>
+                <a:gd name="connsiteY2" fmla="*/ 28842 h 33120"/>
+                <a:gd name="connsiteX3" fmla="*/ 28846 w 33119"/>
+                <a:gd name="connsiteY3" fmla="*/ 5456 h 33120"/>
+                <a:gd name="connsiteX4" fmla="*/ 5456 w 33119"/>
+                <a:gd name="connsiteY4" fmla="*/ 4275 h 33120"/>
+                <a:gd name="connsiteX5" fmla="*/ 5452 w 33119"/>
+                <a:gd name="connsiteY5" fmla="*/ 4278 h 33120"/>
+              </a:gdLst>
+              <a:ahLst/>
+              <a:cxnLst>
+                <a:cxn ang="0">
+                  <a:pos x="connsiteX0" y="connsiteY0"/>
+                </a:cxn>
+                <a:cxn ang="0">
+                  <a:pos x="connsiteX1" y="connsiteY1"/>
+                </a:cxn>
+                <a:cxn ang="0">
+                  <a:pos x="connsiteX2" y="connsiteY2"/>
+                </a:cxn>
+                <a:cxn ang="0">
+                  <a:pos x="connsiteX3" y="connsiteY3"/>
+                </a:cxn>
+                <a:cxn ang="0">
+                  <a:pos x="connsiteX4" y="connsiteY4"/>
+                </a:cxn>
+                <a:cxn ang="0">
+                  <a:pos x="connsiteX5" y="connsiteY5"/>
+                </a:cxn>
+              </a:cxnLst>
+              <a:rect l="l" t="t" r="r" b="b"/>
+              <a:pathLst>
+                <a:path w="33119" h="33120">
+                  <a:moveTo>
+                    <a:pt x="5452" y="4278"/>
+                  </a:moveTo>
+                  <a:cubicBezTo>
+                    <a:pt x="-1331" y="10413"/>
+                    <a:pt x="-1856" y="20885"/>
+                    <a:pt x="4278" y="27668"/>
+                  </a:cubicBezTo>
+                  <a:cubicBezTo>
+                    <a:pt x="10413" y="34451"/>
+                    <a:pt x="20885" y="34977"/>
+                    <a:pt x="27668" y="28842"/>
+                  </a:cubicBezTo>
+                  <a:cubicBezTo>
+                    <a:pt x="34449" y="22708"/>
+                    <a:pt x="34976" y="12240"/>
+                    <a:pt x="28846" y="5456"/>
+                  </a:cubicBezTo>
+                  <a:cubicBezTo>
+                    <a:pt x="22713" y="-1329"/>
+                    <a:pt x="12241" y="-1858"/>
+                    <a:pt x="5456" y="4275"/>
+                  </a:cubicBezTo>
+                  <a:cubicBezTo>
+                    <a:pt x="5455" y="4276"/>
+                    <a:pt x="5453" y="4277"/>
+                    <a:pt x="5452" y="4278"/>
+                  </a:cubicBezTo>
+                  <a:close/>
+                </a:path>
+              </a:pathLst>
+            </a:custGeom>
+            <a:solidFill>
+              <a:schemeClr val="bg1"/>
+            </a:solidFill>
+            <a:ln w="3175" cap="flat">
+              <a:noFill/>
+              <a:prstDash val="solid"/>
+              <a:miter/>
+            </a:ln>
+          </p:spPr>
+          <p:txBody>
+            <a:bodyPr rtlCol="0" anchor="ctr"/>
+            <a:lstStyle/>
+            <a:p>
+              <a:endParaRPr lang="en-GB"/>
+            </a:p>
+          </p:txBody>
+        </p:sp>
+      </p:grpSp>
+      <p:grpSp>
+        <p:nvGrpSpPr>
+          <p:cNvPr id="23" name="Group 22">
+            <a:extLst>
+              <a:ext uri="{FF2B5EF4-FFF2-40B4-BE49-F238E27FC236}">
+                <a16:creationId xmlns:a16="http://schemas.microsoft.com/office/drawing/2014/main" id="{ADA11D29-7B28-D901-7AD4-3012E4E90A3E}"/>
+              </a:ext>
+            </a:extLst>
+          </p:cNvPr>
+          <p:cNvGrpSpPr>
+            <a:grpSpLocks noChangeAspect="1"/>
+          </p:cNvGrpSpPr>
+          <p:nvPr/>
+        </p:nvGrpSpPr>
+        <p:grpSpPr>
+          <a:xfrm>
+            <a:off x="1394757" y="5258446"/>
+            <a:ext cx="318596" cy="561576"/>
+            <a:chOff x="2592518" y="3713719"/>
+            <a:chExt cx="307557" cy="542118"/>
+          </a:xfrm>
+        </p:grpSpPr>
+        <p:sp>
+          <p:nvSpPr>
+            <p:cNvPr id="24" name="Freeform 23">
+              <a:extLst>
+                <a:ext uri="{FF2B5EF4-FFF2-40B4-BE49-F238E27FC236}">
+                  <a16:creationId xmlns:a16="http://schemas.microsoft.com/office/drawing/2014/main" id="{87D5328B-D648-D2CB-33C4-A2E826E4510D}"/>
+                </a:ext>
+              </a:extLst>
+            </p:cNvPr>
+            <p:cNvSpPr/>
+            <p:nvPr/>
+          </p:nvSpPr>
+          <p:spPr>
+            <a:xfrm>
+              <a:off x="2669533" y="3939663"/>
+              <a:ext cx="123712" cy="316174"/>
+            </a:xfrm>
+            <a:custGeom>
+              <a:avLst/>
+              <a:gdLst>
+                <a:gd name="connsiteX0" fmla="*/ 69709 w 123712"/>
+                <a:gd name="connsiteY0" fmla="*/ 0 h 316174"/>
+                <a:gd name="connsiteX1" fmla="*/ 37997 w 123712"/>
+                <a:gd name="connsiteY1" fmla="*/ 22881 h 316174"/>
+                <a:gd name="connsiteX2" fmla="*/ 24725 w 123712"/>
+                <a:gd name="connsiteY2" fmla="*/ 292610 h 316174"/>
+                <a:gd name="connsiteX3" fmla="*/ 0 w 123712"/>
+                <a:gd name="connsiteY3" fmla="*/ 292610 h 316174"/>
+                <a:gd name="connsiteX4" fmla="*/ 0 w 123712"/>
+                <a:gd name="connsiteY4" fmla="*/ 316174 h 316174"/>
+                <a:gd name="connsiteX5" fmla="*/ 23564 w 123712"/>
+                <a:gd name="connsiteY5" fmla="*/ 316174 h 316174"/>
+                <a:gd name="connsiteX6" fmla="*/ 100148 w 123712"/>
+                <a:gd name="connsiteY6" fmla="*/ 316174 h 316174"/>
+                <a:gd name="connsiteX7" fmla="*/ 123713 w 123712"/>
+                <a:gd name="connsiteY7" fmla="*/ 316174 h 316174"/>
+                <a:gd name="connsiteX8" fmla="*/ 123713 w 123712"/>
+                <a:gd name="connsiteY8" fmla="*/ 292610 h 316174"/>
+                <a:gd name="connsiteX9" fmla="*/ 98605 w 123712"/>
+                <a:gd name="connsiteY9" fmla="*/ 292610 h 316174"/>
+                <a:gd name="connsiteX10" fmla="*/ 79547 w 123712"/>
+                <a:gd name="connsiteY10" fmla="*/ 2027 h 316174"/>
+                <a:gd name="connsiteX11" fmla="*/ 69709 w 123712"/>
+                <a:gd name="connsiteY11" fmla="*/ 0 h 316174"/>
+              </a:gdLst>
+              <a:ahLst/>
+              <a:cxnLst>
+                <a:cxn ang="0">
+                  <a:pos x="connsiteX0" y="connsiteY0"/>
+                </a:cxn>
+                <a:cxn ang="0">
+                  <a:pos x="connsiteX1" y="connsiteY1"/>
+                </a:cxn>
+                <a:cxn ang="0">
+                  <a:pos x="connsiteX2" y="connsiteY2"/>
+                </a:cxn>
+                <a:cxn ang="0">
+                  <a:pos x="connsiteX3" y="connsiteY3"/>
+                </a:cxn>
+                <a:cxn ang="0">
+                  <a:pos x="connsiteX4" y="connsiteY4"/>
+                </a:cxn>
+                <a:cxn ang="0">
+                  <a:pos x="connsiteX5" y="connsiteY5"/>
+                </a:cxn>
+                <a:cxn ang="0">
+                  <a:pos x="connsiteX6" y="connsiteY6"/>
+                </a:cxn>
+                <a:cxn ang="0">
+                  <a:pos x="connsiteX7" y="connsiteY7"/>
+                </a:cxn>
+                <a:cxn ang="0">
+                  <a:pos x="connsiteX8" y="connsiteY8"/>
+                </a:cxn>
+                <a:cxn ang="0">
+                  <a:pos x="connsiteX9" y="connsiteY9"/>
+                </a:cxn>
+                <a:cxn ang="0">
+                  <a:pos x="connsiteX10" y="connsiteY10"/>
+                </a:cxn>
+                <a:cxn ang="0">
+                  <a:pos x="connsiteX11" y="connsiteY11"/>
+                </a:cxn>
+              </a:cxnLst>
+              <a:rect l="l" t="t" r="r" b="b"/>
+              <a:pathLst>
+                <a:path w="123712" h="316174">
+                  <a:moveTo>
+                    <a:pt x="69709" y="0"/>
+                  </a:moveTo>
+                  <a:lnTo>
+                    <a:pt x="37997" y="22881"/>
+                  </a:lnTo>
+                  <a:lnTo>
+                    <a:pt x="24725" y="292610"/>
+                  </a:lnTo>
+                  <a:lnTo>
+                    <a:pt x="0" y="292610"/>
+                  </a:lnTo>
+                  <a:lnTo>
+                    <a:pt x="0" y="316174"/>
+                  </a:lnTo>
+                  <a:lnTo>
+                    <a:pt x="23564" y="316174"/>
+                  </a:lnTo>
+                  <a:lnTo>
+                    <a:pt x="100148" y="316174"/>
+                  </a:lnTo>
+                  <a:lnTo>
+                    <a:pt x="123713" y="316174"/>
+                  </a:lnTo>
+                  <a:lnTo>
+                    <a:pt x="123713" y="292610"/>
+                  </a:lnTo>
+                  <a:lnTo>
+                    <a:pt x="98605" y="292610"/>
+                  </a:lnTo>
+                  <a:lnTo>
+                    <a:pt x="79547" y="2027"/>
+                  </a:lnTo>
+                  <a:lnTo>
+                    <a:pt x="69709" y="0"/>
+                  </a:lnTo>
+                  <a:close/>
+                </a:path>
+              </a:pathLst>
+            </a:custGeom>
+            <a:solidFill>
+              <a:schemeClr val="bg1"/>
+            </a:solidFill>
+            <a:ln w="5854" cap="flat">
+              <a:noFill/>
+              <a:prstDash val="solid"/>
+              <a:miter/>
+            </a:ln>
+          </p:spPr>
+          <p:txBody>
+            <a:bodyPr rtlCol="0" anchor="ctr"/>
+            <a:lstStyle/>
+            <a:p>
+              <a:endParaRPr lang="en-GB"/>
+            </a:p>
+          </p:txBody>
+        </p:sp>
+        <p:sp>
+          <p:nvSpPr>
+            <p:cNvPr id="25" name="Freeform 24">
+              <a:extLst>
+                <a:ext uri="{FF2B5EF4-FFF2-40B4-BE49-F238E27FC236}">
+                  <a16:creationId xmlns:a16="http://schemas.microsoft.com/office/drawing/2014/main" id="{55F77DBF-D815-4B69-AA9B-A3DDBFCD37D9}"/>
+                </a:ext>
+              </a:extLst>
+            </p:cNvPr>
+            <p:cNvSpPr/>
+            <p:nvPr/>
+          </p:nvSpPr>
+          <p:spPr>
+            <a:xfrm>
+              <a:off x="2682632" y="3713719"/>
+              <a:ext cx="65075" cy="156611"/>
+            </a:xfrm>
+            <a:custGeom>
+              <a:avLst/>
+              <a:gdLst>
+                <a:gd name="connsiteX0" fmla="*/ 14277 w 65075"/>
+                <a:gd name="connsiteY0" fmla="*/ 152676 h 156611"/>
+                <a:gd name="connsiteX1" fmla="*/ 17028 w 65075"/>
+                <a:gd name="connsiteY1" fmla="*/ 156612 h 156611"/>
+                <a:gd name="connsiteX2" fmla="*/ 22796 w 65075"/>
+                <a:gd name="connsiteY2" fmla="*/ 149589 h 156611"/>
+                <a:gd name="connsiteX3" fmla="*/ 63898 w 65075"/>
+                <a:gd name="connsiteY3" fmla="*/ 146055 h 156611"/>
+                <a:gd name="connsiteX4" fmla="*/ 65076 w 65075"/>
+                <a:gd name="connsiteY4" fmla="*/ 140941 h 156611"/>
+                <a:gd name="connsiteX5" fmla="*/ 20722 w 65075"/>
+                <a:gd name="connsiteY5" fmla="*/ 7432 h 156611"/>
+                <a:gd name="connsiteX6" fmla="*/ 7429 w 65075"/>
+                <a:gd name="connsiteY6" fmla="*/ 489 h 156611"/>
+                <a:gd name="connsiteX7" fmla="*/ 74 w 65075"/>
+                <a:gd name="connsiteY7" fmla="*/ 11850 h 156611"/>
+              </a:gdLst>
+              <a:ahLst/>
+              <a:cxnLst>
+                <a:cxn ang="0">
+                  <a:pos x="connsiteX0" y="connsiteY0"/>
+                </a:cxn>
+                <a:cxn ang="0">
+                  <a:pos x="connsiteX1" y="connsiteY1"/>
+                </a:cxn>
+                <a:cxn ang="0">
+                  <a:pos x="connsiteX2" y="connsiteY2"/>
+                </a:cxn>
+                <a:cxn ang="0">
+                  <a:pos x="connsiteX3" y="connsiteY3"/>
+                </a:cxn>
+                <a:cxn ang="0">
+                  <a:pos x="connsiteX4" y="connsiteY4"/>
+                </a:cxn>
+                <a:cxn ang="0">
+                  <a:pos x="connsiteX5" y="connsiteY5"/>
+                </a:cxn>
+                <a:cxn ang="0">
+                  <a:pos x="connsiteX6" y="connsiteY6"/>
+                </a:cxn>
+                <a:cxn ang="0">
+                  <a:pos x="connsiteX7" y="connsiteY7"/>
+                </a:cxn>
+              </a:cxnLst>
+              <a:rect l="l" t="t" r="r" b="b"/>
+              <a:pathLst>
+                <a:path w="65075" h="156611">
+                  <a:moveTo>
+                    <a:pt x="14277" y="152676"/>
+                  </a:moveTo>
+                  <a:lnTo>
+                    <a:pt x="17028" y="156612"/>
+                  </a:lnTo>
+                  <a:cubicBezTo>
+                    <a:pt x="18623" y="154020"/>
+                    <a:pt x="20564" y="151658"/>
+                    <a:pt x="22796" y="149589"/>
+                  </a:cubicBezTo>
+                  <a:cubicBezTo>
+                    <a:pt x="34149" y="139317"/>
+                    <a:pt x="50957" y="137871"/>
+                    <a:pt x="63898" y="146055"/>
+                  </a:cubicBezTo>
+                  <a:lnTo>
+                    <a:pt x="65076" y="140941"/>
+                  </a:lnTo>
+                  <a:lnTo>
+                    <a:pt x="20722" y="7432"/>
+                  </a:lnTo>
+                  <a:cubicBezTo>
+                    <a:pt x="18968" y="1844"/>
+                    <a:pt x="13017" y="-1264"/>
+                    <a:pt x="7429" y="489"/>
+                  </a:cubicBezTo>
+                  <a:cubicBezTo>
+                    <a:pt x="2566" y="2016"/>
+                    <a:pt x="-524" y="6787"/>
+                    <a:pt x="74" y="11850"/>
+                  </a:cubicBezTo>
+                  <a:close/>
+                </a:path>
+              </a:pathLst>
+            </a:custGeom>
+            <a:solidFill>
+              <a:schemeClr val="bg1"/>
+            </a:solidFill>
+            <a:ln w="5854" cap="flat">
+              <a:noFill/>
+              <a:prstDash val="solid"/>
+              <a:miter/>
+            </a:ln>
+          </p:spPr>
+          <p:txBody>
+            <a:bodyPr rtlCol="0" anchor="ctr"/>
+            <a:lstStyle/>
+            <a:p>
+              <a:endParaRPr lang="en-GB"/>
+            </a:p>
+          </p:txBody>
+        </p:sp>
+        <p:sp>
+          <p:nvSpPr>
+            <p:cNvPr id="26" name="Freeform 25">
+              <a:extLst>
+                <a:ext uri="{FF2B5EF4-FFF2-40B4-BE49-F238E27FC236}">
+                  <a16:creationId xmlns:a16="http://schemas.microsoft.com/office/drawing/2014/main" id="{FC59D3ED-5A23-F376-10C4-CFB4A756F5C4}"/>
+                </a:ext>
+              </a:extLst>
+            </p:cNvPr>
+            <p:cNvSpPr/>
+            <p:nvPr/>
+          </p:nvSpPr>
+          <p:spPr>
+            <a:xfrm>
+              <a:off x="2744073" y="3874466"/>
+              <a:ext cx="156002" cy="77852"/>
+            </a:xfrm>
+            <a:custGeom>
+              <a:avLst/>
+              <a:gdLst>
+                <a:gd name="connsiteX0" fmla="*/ 149539 w 156002"/>
+                <a:gd name="connsiteY0" fmla="*/ 57485 h 77852"/>
+                <a:gd name="connsiteX1" fmla="*/ 21879 w 156002"/>
+                <a:gd name="connsiteY1" fmla="*/ 0 h 77852"/>
+                <a:gd name="connsiteX2" fmla="*/ 15558 w 156002"/>
+                <a:gd name="connsiteY2" fmla="*/ 701 h 77852"/>
+                <a:gd name="connsiteX3" fmla="*/ 0 w 156002"/>
+                <a:gd name="connsiteY3" fmla="*/ 44537 h 77852"/>
+                <a:gd name="connsiteX4" fmla="*/ 6074 w 156002"/>
+                <a:gd name="connsiteY4" fmla="*/ 49414 h 77852"/>
+                <a:gd name="connsiteX5" fmla="*/ 143041 w 156002"/>
+                <a:gd name="connsiteY5" fmla="*/ 77586 h 77852"/>
+                <a:gd name="connsiteX6" fmla="*/ 155736 w 156002"/>
+                <a:gd name="connsiteY6" fmla="*/ 69602 h 77852"/>
+                <a:gd name="connsiteX7" fmla="*/ 149539 w 156002"/>
+                <a:gd name="connsiteY7" fmla="*/ 57485 h 77852"/>
+              </a:gdLst>
+              <a:ahLst/>
+              <a:cxnLst>
+                <a:cxn ang="0">
+                  <a:pos x="connsiteX0" y="connsiteY0"/>
+                </a:cxn>
+                <a:cxn ang="0">
+                  <a:pos x="connsiteX1" y="connsiteY1"/>
+                </a:cxn>
+                <a:cxn ang="0">
+                  <a:pos x="connsiteX2" y="connsiteY2"/>
+                </a:cxn>
+                <a:cxn ang="0">
+                  <a:pos x="connsiteX3" y="connsiteY3"/>
+                </a:cxn>
+                <a:cxn ang="0">
+                  <a:pos x="connsiteX4" y="connsiteY4"/>
+                </a:cxn>
+                <a:cxn ang="0">
+                  <a:pos x="connsiteX5" y="connsiteY5"/>
+                </a:cxn>
+                <a:cxn ang="0">
+                  <a:pos x="connsiteX6" y="connsiteY6"/>
+                </a:cxn>
+                <a:cxn ang="0">
+                  <a:pos x="connsiteX7" y="connsiteY7"/>
+                </a:cxn>
+              </a:cxnLst>
+              <a:rect l="l" t="t" r="r" b="b"/>
+              <a:pathLst>
+                <a:path w="156002" h="77852">
+                  <a:moveTo>
+                    <a:pt x="149539" y="57485"/>
+                  </a:moveTo>
+                  <a:lnTo>
+                    <a:pt x="21879" y="0"/>
+                  </a:lnTo>
+                  <a:lnTo>
+                    <a:pt x="15558" y="701"/>
+                  </a:lnTo>
+                  <a:cubicBezTo>
+                    <a:pt x="23043" y="17118"/>
+                    <a:pt x="16160" y="36512"/>
+                    <a:pt x="0" y="44537"/>
+                  </a:cubicBezTo>
+                  <a:lnTo>
+                    <a:pt x="6074" y="49414"/>
+                  </a:lnTo>
+                  <a:lnTo>
+                    <a:pt x="143041" y="77586"/>
+                  </a:lnTo>
+                  <a:cubicBezTo>
+                    <a:pt x="148752" y="78886"/>
+                    <a:pt x="154435" y="75312"/>
+                    <a:pt x="155736" y="69602"/>
+                  </a:cubicBezTo>
+                  <a:cubicBezTo>
+                    <a:pt x="156877" y="64595"/>
+                    <a:pt x="154266" y="59491"/>
+                    <a:pt x="149539" y="57485"/>
+                  </a:cubicBezTo>
+                  <a:close/>
+                </a:path>
+              </a:pathLst>
+            </a:custGeom>
+            <a:solidFill>
+              <a:schemeClr val="bg1"/>
+            </a:solidFill>
+            <a:ln w="5854" cap="flat">
+              <a:noFill/>
+              <a:prstDash val="solid"/>
+              <a:miter/>
+            </a:ln>
+          </p:spPr>
+          <p:txBody>
+            <a:bodyPr rtlCol="0" anchor="ctr"/>
+            <a:lstStyle/>
+            <a:p>
+              <a:endParaRPr lang="en-GB"/>
+            </a:p>
+          </p:txBody>
+        </p:sp>
+        <p:sp>
+          <p:nvSpPr>
+            <p:cNvPr id="27" name="Freeform 26">
+              <a:extLst>
+                <a:ext uri="{FF2B5EF4-FFF2-40B4-BE49-F238E27FC236}">
+                  <a16:creationId xmlns:a16="http://schemas.microsoft.com/office/drawing/2014/main" id="{EEBBAB44-E95E-554B-33ED-C538877A8E1D}"/>
+                </a:ext>
+              </a:extLst>
+            </p:cNvPr>
+            <p:cNvSpPr/>
+            <p:nvPr/>
+          </p:nvSpPr>
+          <p:spPr>
+            <a:xfrm>
+              <a:off x="2592518" y="3889341"/>
+              <a:ext cx="133733" cy="124142"/>
+            </a:xfrm>
+            <a:custGeom>
+              <a:avLst/>
+              <a:gdLst>
+                <a:gd name="connsiteX0" fmla="*/ 133734 w 133733"/>
+                <a:gd name="connsiteY0" fmla="*/ 33503 h 124142"/>
+                <a:gd name="connsiteX1" fmla="*/ 101775 w 133733"/>
+                <a:gd name="connsiteY1" fmla="*/ 0 h 124142"/>
+                <a:gd name="connsiteX2" fmla="*/ 95295 w 133733"/>
+                <a:gd name="connsiteY2" fmla="*/ 2221 h 124142"/>
+                <a:gd name="connsiteX3" fmla="*/ 2763 w 133733"/>
+                <a:gd name="connsiteY3" fmla="*/ 106399 h 124142"/>
+                <a:gd name="connsiteX4" fmla="*/ 3465 w 133733"/>
+                <a:gd name="connsiteY4" fmla="*/ 121379 h 124142"/>
+                <a:gd name="connsiteX5" fmla="*/ 16902 w 133733"/>
+                <a:gd name="connsiteY5" fmla="*/ 122069 h 124142"/>
+                <a:gd name="connsiteX6" fmla="*/ 130953 w 133733"/>
+                <a:gd name="connsiteY6" fmla="*/ 39936 h 124142"/>
+              </a:gdLst>
+              <a:ahLst/>
+              <a:cxnLst>
+                <a:cxn ang="0">
+                  <a:pos x="connsiteX0" y="connsiteY0"/>
+                </a:cxn>
+                <a:cxn ang="0">
+                  <a:pos x="connsiteX1" y="connsiteY1"/>
+                </a:cxn>
+                <a:cxn ang="0">
+                  <a:pos x="connsiteX2" y="connsiteY2"/>
+                </a:cxn>
+                <a:cxn ang="0">
+                  <a:pos x="connsiteX3" y="connsiteY3"/>
+                </a:cxn>
+                <a:cxn ang="0">
+                  <a:pos x="connsiteX4" y="connsiteY4"/>
+                </a:cxn>
+                <a:cxn ang="0">
+                  <a:pos x="connsiteX5" y="connsiteY5"/>
+                </a:cxn>
+                <a:cxn ang="0">
+                  <a:pos x="connsiteX6" y="connsiteY6"/>
+                </a:cxn>
+              </a:cxnLst>
+              <a:rect l="l" t="t" r="r" b="b"/>
+              <a:pathLst>
+                <a:path w="133733" h="124142">
+                  <a:moveTo>
+                    <a:pt x="133734" y="33503"/>
+                  </a:moveTo>
+                  <a:cubicBezTo>
+                    <a:pt x="115913" y="32509"/>
+                    <a:pt x="101927" y="17848"/>
+                    <a:pt x="101775" y="0"/>
+                  </a:cubicBezTo>
+                  <a:lnTo>
+                    <a:pt x="95295" y="2221"/>
+                  </a:lnTo>
+                  <a:lnTo>
+                    <a:pt x="2763" y="106399"/>
+                  </a:lnTo>
+                  <a:cubicBezTo>
+                    <a:pt x="-1179" y="110729"/>
+                    <a:pt x="-865" y="117436"/>
+                    <a:pt x="3465" y="121379"/>
+                  </a:cubicBezTo>
+                  <a:cubicBezTo>
+                    <a:pt x="7206" y="124785"/>
+                    <a:pt x="12832" y="125074"/>
+                    <a:pt x="16902" y="122069"/>
+                  </a:cubicBezTo>
+                  <a:lnTo>
+                    <a:pt x="130953" y="39936"/>
+                  </a:lnTo>
+                  <a:close/>
+                </a:path>
+              </a:pathLst>
+            </a:custGeom>
+            <a:solidFill>
+              <a:schemeClr val="bg1"/>
+            </a:solidFill>
+            <a:ln w="5854" cap="flat">
+              <a:noFill/>
+              <a:prstDash val="solid"/>
+              <a:miter/>
+            </a:ln>
+          </p:spPr>
+          <p:txBody>
+            <a:bodyPr rtlCol="0" anchor="ctr"/>
+            <a:lstStyle/>
+            <a:p>
+              <a:endParaRPr lang="en-GB"/>
+            </a:p>
+          </p:txBody>
+        </p:sp>
+        <p:sp>
+          <p:nvSpPr>
+            <p:cNvPr id="28" name="Freeform 27">
+              <a:extLst>
+                <a:ext uri="{FF2B5EF4-FFF2-40B4-BE49-F238E27FC236}">
+                  <a16:creationId xmlns:a16="http://schemas.microsoft.com/office/drawing/2014/main" id="{DF6681E9-51E2-1950-69D5-4BFF76C58CD8}"/>
+                </a:ext>
+              </a:extLst>
+            </p:cNvPr>
+            <p:cNvSpPr/>
+            <p:nvPr/>
+          </p:nvSpPr>
+          <p:spPr>
+            <a:xfrm>
+              <a:off x="2711816" y="3872150"/>
+              <a:ext cx="33119" cy="33120"/>
+            </a:xfrm>
+            <a:custGeom>
+              <a:avLst/>
+              <a:gdLst>
+                <a:gd name="connsiteX0" fmla="*/ 5452 w 33119"/>
+                <a:gd name="connsiteY0" fmla="*/ 4278 h 33120"/>
+                <a:gd name="connsiteX1" fmla="*/ 4278 w 33119"/>
+                <a:gd name="connsiteY1" fmla="*/ 27668 h 33120"/>
+                <a:gd name="connsiteX2" fmla="*/ 27668 w 33119"/>
+                <a:gd name="connsiteY2" fmla="*/ 28842 h 33120"/>
+                <a:gd name="connsiteX3" fmla="*/ 28846 w 33119"/>
+                <a:gd name="connsiteY3" fmla="*/ 5456 h 33120"/>
+                <a:gd name="connsiteX4" fmla="*/ 5456 w 33119"/>
+                <a:gd name="connsiteY4" fmla="*/ 4275 h 33120"/>
+                <a:gd name="connsiteX5" fmla="*/ 5452 w 33119"/>
+                <a:gd name="connsiteY5" fmla="*/ 4278 h 33120"/>
+              </a:gdLst>
+              <a:ahLst/>
+              <a:cxnLst>
+                <a:cxn ang="0">
+                  <a:pos x="connsiteX0" y="connsiteY0"/>
+                </a:cxn>
+                <a:cxn ang="0">
+                  <a:pos x="connsiteX1" y="connsiteY1"/>
+                </a:cxn>
+                <a:cxn ang="0">
+                  <a:pos x="connsiteX2" y="connsiteY2"/>
+                </a:cxn>
+                <a:cxn ang="0">
+                  <a:pos x="connsiteX3" y="connsiteY3"/>
+                </a:cxn>
+                <a:cxn ang="0">
+                  <a:pos x="connsiteX4" y="connsiteY4"/>
+                </a:cxn>
+                <a:cxn ang="0">
+                  <a:pos x="connsiteX5" y="connsiteY5"/>
+                </a:cxn>
+              </a:cxnLst>
+              <a:rect l="l" t="t" r="r" b="b"/>
+              <a:pathLst>
+                <a:path w="33119" h="33120">
+                  <a:moveTo>
+                    <a:pt x="5452" y="4278"/>
+                  </a:moveTo>
+                  <a:cubicBezTo>
+                    <a:pt x="-1331" y="10413"/>
+                    <a:pt x="-1856" y="20885"/>
+                    <a:pt x="4278" y="27668"/>
+                  </a:cubicBezTo>
+                  <a:cubicBezTo>
+                    <a:pt x="10413" y="34451"/>
+                    <a:pt x="20885" y="34977"/>
+                    <a:pt x="27668" y="28842"/>
+                  </a:cubicBezTo>
+                  <a:cubicBezTo>
+                    <a:pt x="34449" y="22708"/>
+                    <a:pt x="34976" y="12240"/>
+                    <a:pt x="28846" y="5456"/>
+                  </a:cubicBezTo>
+                  <a:cubicBezTo>
+                    <a:pt x="22713" y="-1329"/>
+                    <a:pt x="12241" y="-1858"/>
+                    <a:pt x="5456" y="4275"/>
+                  </a:cubicBezTo>
+                  <a:cubicBezTo>
+                    <a:pt x="5455" y="4276"/>
+                    <a:pt x="5453" y="4277"/>
+                    <a:pt x="5452" y="4278"/>
+                  </a:cubicBezTo>
+                  <a:close/>
+                </a:path>
+              </a:pathLst>
+            </a:custGeom>
+            <a:solidFill>
+              <a:schemeClr val="bg1"/>
+            </a:solidFill>
+            <a:ln w="5854" cap="flat">
+              <a:noFill/>
+              <a:prstDash val="solid"/>
+              <a:miter/>
+            </a:ln>
+          </p:spPr>
+          <p:txBody>
+            <a:bodyPr rtlCol="0" anchor="ctr"/>
+            <a:lstStyle/>
+            <a:p>
+              <a:endParaRPr lang="en-GB"/>
+            </a:p>
+          </p:txBody>
+        </p:sp>
+      </p:grpSp>
       <p:sp>
         <p:nvSpPr>
-          <p:cNvPr id="95" name="Graphic 4" descr="Marker with solid fill">
-            <a:extLst>
-              <a:ext uri="{FF2B5EF4-FFF2-40B4-BE49-F238E27FC236}">
-                <a16:creationId xmlns:a16="http://schemas.microsoft.com/office/drawing/2014/main" id="{9FF5CAB2-4533-2C4A-8B89-18A40E186595}"/>
+          <p:cNvPr id="29" name="Graphic 4" descr="Marker with solid fill">
+            <a:extLst>
+              <a:ext uri="{FF2B5EF4-FFF2-40B4-BE49-F238E27FC236}">
+                <a16:creationId xmlns:a16="http://schemas.microsoft.com/office/drawing/2014/main" id="{2C6BCF5E-F2EC-918A-C76B-4A98F451602C}"/>
               </a:ext>
             </a:extLst>
           </p:cNvPr>
@@ -6626,7 +9451,7 @@
         </p:nvSpPr>
         <p:spPr>
           <a:xfrm>
-            <a:off x="5293755" y="3601682"/>
+            <a:off x="955929" y="5081686"/>
             <a:ext cx="627945" cy="1020000"/>
           </a:xfrm>
           <a:custGeom>
@@ -6848,16 +9673,52 @@
           <a:bodyPr rtlCol="0" anchor="ctr"/>
           <a:lstStyle/>
           <a:p>
-            <a:endParaRPr lang="en-GB"/>
+            <a:endParaRPr lang="en-GB" dirty="0"/>
           </a:p>
         </p:txBody>
       </p:sp>
+      <p:pic>
+        <p:nvPicPr>
+          <p:cNvPr id="30" name="Graphic 29" descr="Porthole with solid fill">
+            <a:extLst>
+              <a:ext uri="{FF2B5EF4-FFF2-40B4-BE49-F238E27FC236}">
+                <a16:creationId xmlns:a16="http://schemas.microsoft.com/office/drawing/2014/main" id="{CC105F9A-5723-35BF-E844-A2A5E92C71BD}"/>
+              </a:ext>
+            </a:extLst>
+          </p:cNvPr>
+          <p:cNvPicPr>
+            <a:picLocks noChangeAspect="1"/>
+          </p:cNvPicPr>
+          <p:nvPr/>
+        </p:nvPicPr>
+        <p:blipFill>
+          <a:blip r:embed="rId6">
+            <a:extLst>
+              <a:ext uri="{96DAC541-7B7A-43D3-8B79-37D633B846F1}">
+                <asvg:svgBlip xmlns:asvg="http://schemas.microsoft.com/office/drawing/2016/SVG/main" r:embed="rId7"/>
+              </a:ext>
+            </a:extLst>
+          </a:blip>
+          <a:stretch>
+            <a:fillRect/>
+          </a:stretch>
+        </p:blipFill>
+        <p:spPr>
+          <a:xfrm>
+            <a:off x="934936" y="5061839"/>
+            <a:ext cx="662527" cy="662527"/>
+          </a:xfrm>
+          <a:prstGeom prst="rect">
+            <a:avLst/>
+          </a:prstGeom>
+        </p:spPr>
+      </p:pic>
       <p:sp>
         <p:nvSpPr>
-          <p:cNvPr id="96" name="TextBox 95">
-            <a:extLst>
-              <a:ext uri="{FF2B5EF4-FFF2-40B4-BE49-F238E27FC236}">
-                <a16:creationId xmlns:a16="http://schemas.microsoft.com/office/drawing/2014/main" id="{EA9453C8-FA3E-B73E-0ECB-7A486CF63E61}"/>
+          <p:cNvPr id="31" name="TextBox 30">
+            <a:extLst>
+              <a:ext uri="{FF2B5EF4-FFF2-40B4-BE49-F238E27FC236}">
+                <a16:creationId xmlns:a16="http://schemas.microsoft.com/office/drawing/2014/main" id="{8D64A922-F09B-9E54-0FD1-84421331240B}"/>
               </a:ext>
             </a:extLst>
           </p:cNvPr>
@@ -6866,8 +9727,8 @@
         </p:nvSpPr>
         <p:spPr>
           <a:xfrm>
-            <a:off x="6146119" y="3886505"/>
-            <a:ext cx="2292807" cy="307777"/>
+            <a:off x="1781717" y="5224872"/>
+            <a:ext cx="2914003" cy="307777"/>
           </a:xfrm>
           <a:prstGeom prst="rect">
             <a:avLst/>
@@ -6882,7 +9743,7 @@
           <a:p>
             <a:r>
               <a:rPr lang="en-GB" sz="1400" dirty="0"/>
-              <a:t>Wind energy research </a:t>
+              <a:t>Marine and maritime research </a:t>
             </a:r>
             <a:r>
               <a:rPr lang="en-GB" sz="1400" dirty="0" err="1"/>
@@ -6892,12 +9753,382 @@
           </a:p>
         </p:txBody>
       </p:sp>
+      <p:sp>
+        <p:nvSpPr>
+          <p:cNvPr id="32" name="TextBox 31">
+            <a:extLst>
+              <a:ext uri="{FF2B5EF4-FFF2-40B4-BE49-F238E27FC236}">
+                <a16:creationId xmlns:a16="http://schemas.microsoft.com/office/drawing/2014/main" id="{5C7EACE4-FE33-AA74-A631-67A8FF1F132B}"/>
+              </a:ext>
+            </a:extLst>
+          </p:cNvPr>
+          <p:cNvSpPr txBox="1"/>
+          <p:nvPr/>
+        </p:nvSpPr>
+        <p:spPr>
+          <a:xfrm>
+            <a:off x="838200" y="1804638"/>
+            <a:ext cx="9451626" cy="369332"/>
+          </a:xfrm>
+          <a:prstGeom prst="rect">
+            <a:avLst/>
+          </a:prstGeom>
+          <a:noFill/>
+        </p:spPr>
+        <p:txBody>
+          <a:bodyPr wrap="none" rtlCol="0">
+            <a:spAutoFit/>
+          </a:bodyPr>
+          <a:lstStyle/>
+          <a:p>
+            <a:r>
+              <a:rPr lang="en-GB" dirty="0">
+                <a:latin typeface="Raleway" panose="020B0503030101060003" pitchFamily="34" charset="77"/>
+              </a:rPr>
+              <a:t>Physical facilities that execute multi-disciplinary research using hardware and software</a:t>
+            </a:r>
+          </a:p>
+        </p:txBody>
+      </p:sp>
+    </p:spTree>
+    <p:extLst>
+      <p:ext uri="{BB962C8B-B14F-4D97-AF65-F5344CB8AC3E}">
+        <p14:creationId xmlns:p14="http://schemas.microsoft.com/office/powerpoint/2010/main" val="3135924311"/>
+      </p:ext>
+    </p:extLst>
+  </p:cSld>
+  <p:clrMapOvr>
+    <a:masterClrMapping/>
+  </p:clrMapOvr>
+</p:sld>
+</file>
+
+<file path=ppt/slides/slide5.xml><?xml version="1.0" encoding="utf-8"?>
+<p:sld xmlns:a="http://schemas.openxmlformats.org/drawingml/2006/main" xmlns:r="http://schemas.openxmlformats.org/officeDocument/2006/relationships" xmlns:p="http://schemas.openxmlformats.org/presentationml/2006/main">
+  <p:cSld>
+    <p:spTree>
+      <p:nvGrpSpPr>
+        <p:cNvPr id="1" name=""/>
+        <p:cNvGrpSpPr/>
+        <p:nvPr/>
+      </p:nvGrpSpPr>
+      <p:grpSpPr>
+        <a:xfrm>
+          <a:off x="0" y="0"/>
+          <a:ext cx="0" cy="0"/>
+          <a:chOff x="0" y="0"/>
+          <a:chExt cx="0" cy="0"/>
+        </a:xfrm>
+      </p:grpSpPr>
+      <p:sp>
+        <p:nvSpPr>
+          <p:cNvPr id="2" name="Title 1">
+            <a:extLst>
+              <a:ext uri="{FF2B5EF4-FFF2-40B4-BE49-F238E27FC236}">
+                <a16:creationId xmlns:a16="http://schemas.microsoft.com/office/drawing/2014/main" id="{1292FA1D-68E4-1BC8-8CAA-F37DEF363C9B}"/>
+              </a:ext>
+            </a:extLst>
+          </p:cNvPr>
+          <p:cNvSpPr>
+            <a:spLocks noGrp="1"/>
+          </p:cNvSpPr>
+          <p:nvPr>
+            <p:ph type="title"/>
+          </p:nvPr>
+        </p:nvSpPr>
+        <p:spPr/>
+        <p:txBody>
+          <a:bodyPr/>
+          <a:lstStyle/>
+          <a:p>
+            <a:r>
+              <a:rPr lang="en-GB" dirty="0"/>
+              <a:t>Data collections</a:t>
+            </a:r>
+          </a:p>
+        </p:txBody>
+      </p:sp>
+      <p:sp>
+        <p:nvSpPr>
+          <p:cNvPr id="3" name="Graphic 4" descr="Marker with solid fill">
+            <a:extLst>
+              <a:ext uri="{FF2B5EF4-FFF2-40B4-BE49-F238E27FC236}">
+                <a16:creationId xmlns:a16="http://schemas.microsoft.com/office/drawing/2014/main" id="{9EE9394A-C91E-AF41-DCBC-8016110128C8}"/>
+              </a:ext>
+            </a:extLst>
+          </p:cNvPr>
+          <p:cNvSpPr/>
+          <p:nvPr/>
+        </p:nvSpPr>
+        <p:spPr>
+          <a:xfrm>
+            <a:off x="838200" y="2019142"/>
+            <a:ext cx="627945" cy="1020000"/>
+          </a:xfrm>
+          <a:custGeom>
+            <a:avLst/>
+            <a:gdLst>
+              <a:gd name="connsiteX0" fmla="*/ 313973 w 627945"/>
+              <a:gd name="connsiteY0" fmla="*/ 450000 h 1020000"/>
+              <a:gd name="connsiteX1" fmla="*/ 178973 w 627945"/>
+              <a:gd name="connsiteY1" fmla="*/ 315000 h 1020000"/>
+              <a:gd name="connsiteX2" fmla="*/ 313973 w 627945"/>
+              <a:gd name="connsiteY2" fmla="*/ 180000 h 1020000"/>
+              <a:gd name="connsiteX3" fmla="*/ 448973 w 627945"/>
+              <a:gd name="connsiteY3" fmla="*/ 315000 h 1020000"/>
+              <a:gd name="connsiteX4" fmla="*/ 313973 w 627945"/>
+              <a:gd name="connsiteY4" fmla="*/ 450000 h 1020000"/>
+              <a:gd name="connsiteX5" fmla="*/ 313973 w 627945"/>
+              <a:gd name="connsiteY5" fmla="*/ 0 h 1020000"/>
+              <a:gd name="connsiteX6" fmla="*/ 54473 w 627945"/>
+              <a:gd name="connsiteY6" fmla="*/ 138000 h 1020000"/>
+              <a:gd name="connsiteX7" fmla="*/ 21473 w 627945"/>
+              <a:gd name="connsiteY7" fmla="*/ 430500 h 1020000"/>
+              <a:gd name="connsiteX8" fmla="*/ 163973 w 627945"/>
+              <a:gd name="connsiteY8" fmla="*/ 745500 h 1020000"/>
+              <a:gd name="connsiteX9" fmla="*/ 286973 w 627945"/>
+              <a:gd name="connsiteY9" fmla="*/ 1003500 h 1020000"/>
+              <a:gd name="connsiteX10" fmla="*/ 313973 w 627945"/>
+              <a:gd name="connsiteY10" fmla="*/ 1020000 h 1020000"/>
+              <a:gd name="connsiteX11" fmla="*/ 340973 w 627945"/>
+              <a:gd name="connsiteY11" fmla="*/ 1003500 h 1020000"/>
+              <a:gd name="connsiteX12" fmla="*/ 463973 w 627945"/>
+              <a:gd name="connsiteY12" fmla="*/ 745500 h 1020000"/>
+              <a:gd name="connsiteX13" fmla="*/ 606473 w 627945"/>
+              <a:gd name="connsiteY13" fmla="*/ 430500 h 1020000"/>
+              <a:gd name="connsiteX14" fmla="*/ 573473 w 627945"/>
+              <a:gd name="connsiteY14" fmla="*/ 138000 h 1020000"/>
+              <a:gd name="connsiteX15" fmla="*/ 313973 w 627945"/>
+              <a:gd name="connsiteY15" fmla="*/ 0 h 1020000"/>
+              <a:gd name="connsiteX0" fmla="*/ 313973 w 627945"/>
+              <a:gd name="connsiteY0" fmla="*/ 450000 h 1020000"/>
+              <a:gd name="connsiteX1" fmla="*/ 178973 w 627945"/>
+              <a:gd name="connsiteY1" fmla="*/ 315000 h 1020000"/>
+              <a:gd name="connsiteX2" fmla="*/ 313973 w 627945"/>
+              <a:gd name="connsiteY2" fmla="*/ 180000 h 1020000"/>
+              <a:gd name="connsiteX3" fmla="*/ 313973 w 627945"/>
+              <a:gd name="connsiteY3" fmla="*/ 450000 h 1020000"/>
+              <a:gd name="connsiteX4" fmla="*/ 313973 w 627945"/>
+              <a:gd name="connsiteY4" fmla="*/ 0 h 1020000"/>
+              <a:gd name="connsiteX5" fmla="*/ 54473 w 627945"/>
+              <a:gd name="connsiteY5" fmla="*/ 138000 h 1020000"/>
+              <a:gd name="connsiteX6" fmla="*/ 21473 w 627945"/>
+              <a:gd name="connsiteY6" fmla="*/ 430500 h 1020000"/>
+              <a:gd name="connsiteX7" fmla="*/ 163973 w 627945"/>
+              <a:gd name="connsiteY7" fmla="*/ 745500 h 1020000"/>
+              <a:gd name="connsiteX8" fmla="*/ 286973 w 627945"/>
+              <a:gd name="connsiteY8" fmla="*/ 1003500 h 1020000"/>
+              <a:gd name="connsiteX9" fmla="*/ 313973 w 627945"/>
+              <a:gd name="connsiteY9" fmla="*/ 1020000 h 1020000"/>
+              <a:gd name="connsiteX10" fmla="*/ 340973 w 627945"/>
+              <a:gd name="connsiteY10" fmla="*/ 1003500 h 1020000"/>
+              <a:gd name="connsiteX11" fmla="*/ 463973 w 627945"/>
+              <a:gd name="connsiteY11" fmla="*/ 745500 h 1020000"/>
+              <a:gd name="connsiteX12" fmla="*/ 606473 w 627945"/>
+              <a:gd name="connsiteY12" fmla="*/ 430500 h 1020000"/>
+              <a:gd name="connsiteX13" fmla="*/ 573473 w 627945"/>
+              <a:gd name="connsiteY13" fmla="*/ 138000 h 1020000"/>
+              <a:gd name="connsiteX14" fmla="*/ 313973 w 627945"/>
+              <a:gd name="connsiteY14" fmla="*/ 0 h 1020000"/>
+              <a:gd name="connsiteX0" fmla="*/ 313973 w 627945"/>
+              <a:gd name="connsiteY0" fmla="*/ 180000 h 1020000"/>
+              <a:gd name="connsiteX1" fmla="*/ 178973 w 627945"/>
+              <a:gd name="connsiteY1" fmla="*/ 315000 h 1020000"/>
+              <a:gd name="connsiteX2" fmla="*/ 313973 w 627945"/>
+              <a:gd name="connsiteY2" fmla="*/ 180000 h 1020000"/>
+              <a:gd name="connsiteX3" fmla="*/ 313973 w 627945"/>
+              <a:gd name="connsiteY3" fmla="*/ 0 h 1020000"/>
+              <a:gd name="connsiteX4" fmla="*/ 54473 w 627945"/>
+              <a:gd name="connsiteY4" fmla="*/ 138000 h 1020000"/>
+              <a:gd name="connsiteX5" fmla="*/ 21473 w 627945"/>
+              <a:gd name="connsiteY5" fmla="*/ 430500 h 1020000"/>
+              <a:gd name="connsiteX6" fmla="*/ 163973 w 627945"/>
+              <a:gd name="connsiteY6" fmla="*/ 745500 h 1020000"/>
+              <a:gd name="connsiteX7" fmla="*/ 286973 w 627945"/>
+              <a:gd name="connsiteY7" fmla="*/ 1003500 h 1020000"/>
+              <a:gd name="connsiteX8" fmla="*/ 313973 w 627945"/>
+              <a:gd name="connsiteY8" fmla="*/ 1020000 h 1020000"/>
+              <a:gd name="connsiteX9" fmla="*/ 340973 w 627945"/>
+              <a:gd name="connsiteY9" fmla="*/ 1003500 h 1020000"/>
+              <a:gd name="connsiteX10" fmla="*/ 463973 w 627945"/>
+              <a:gd name="connsiteY10" fmla="*/ 745500 h 1020000"/>
+              <a:gd name="connsiteX11" fmla="*/ 606473 w 627945"/>
+              <a:gd name="connsiteY11" fmla="*/ 430500 h 1020000"/>
+              <a:gd name="connsiteX12" fmla="*/ 573473 w 627945"/>
+              <a:gd name="connsiteY12" fmla="*/ 138000 h 1020000"/>
+              <a:gd name="connsiteX13" fmla="*/ 313973 w 627945"/>
+              <a:gd name="connsiteY13" fmla="*/ 0 h 1020000"/>
+              <a:gd name="connsiteX0" fmla="*/ 313973 w 627945"/>
+              <a:gd name="connsiteY0" fmla="*/ 0 h 1020000"/>
+              <a:gd name="connsiteX1" fmla="*/ 54473 w 627945"/>
+              <a:gd name="connsiteY1" fmla="*/ 138000 h 1020000"/>
+              <a:gd name="connsiteX2" fmla="*/ 21473 w 627945"/>
+              <a:gd name="connsiteY2" fmla="*/ 430500 h 1020000"/>
+              <a:gd name="connsiteX3" fmla="*/ 163973 w 627945"/>
+              <a:gd name="connsiteY3" fmla="*/ 745500 h 1020000"/>
+              <a:gd name="connsiteX4" fmla="*/ 286973 w 627945"/>
+              <a:gd name="connsiteY4" fmla="*/ 1003500 h 1020000"/>
+              <a:gd name="connsiteX5" fmla="*/ 313973 w 627945"/>
+              <a:gd name="connsiteY5" fmla="*/ 1020000 h 1020000"/>
+              <a:gd name="connsiteX6" fmla="*/ 340973 w 627945"/>
+              <a:gd name="connsiteY6" fmla="*/ 1003500 h 1020000"/>
+              <a:gd name="connsiteX7" fmla="*/ 463973 w 627945"/>
+              <a:gd name="connsiteY7" fmla="*/ 745500 h 1020000"/>
+              <a:gd name="connsiteX8" fmla="*/ 606473 w 627945"/>
+              <a:gd name="connsiteY8" fmla="*/ 430500 h 1020000"/>
+              <a:gd name="connsiteX9" fmla="*/ 573473 w 627945"/>
+              <a:gd name="connsiteY9" fmla="*/ 138000 h 1020000"/>
+              <a:gd name="connsiteX10" fmla="*/ 313973 w 627945"/>
+              <a:gd name="connsiteY10" fmla="*/ 0 h 1020000"/>
+            </a:gdLst>
+            <a:ahLst/>
+            <a:cxnLst>
+              <a:cxn ang="0">
+                <a:pos x="connsiteX0" y="connsiteY0"/>
+              </a:cxn>
+              <a:cxn ang="0">
+                <a:pos x="connsiteX1" y="connsiteY1"/>
+              </a:cxn>
+              <a:cxn ang="0">
+                <a:pos x="connsiteX2" y="connsiteY2"/>
+              </a:cxn>
+              <a:cxn ang="0">
+                <a:pos x="connsiteX3" y="connsiteY3"/>
+              </a:cxn>
+              <a:cxn ang="0">
+                <a:pos x="connsiteX4" y="connsiteY4"/>
+              </a:cxn>
+              <a:cxn ang="0">
+                <a:pos x="connsiteX5" y="connsiteY5"/>
+              </a:cxn>
+              <a:cxn ang="0">
+                <a:pos x="connsiteX6" y="connsiteY6"/>
+              </a:cxn>
+              <a:cxn ang="0">
+                <a:pos x="connsiteX7" y="connsiteY7"/>
+              </a:cxn>
+              <a:cxn ang="0">
+                <a:pos x="connsiteX8" y="connsiteY8"/>
+              </a:cxn>
+              <a:cxn ang="0">
+                <a:pos x="connsiteX9" y="connsiteY9"/>
+              </a:cxn>
+              <a:cxn ang="0">
+                <a:pos x="connsiteX10" y="connsiteY10"/>
+              </a:cxn>
+            </a:cxnLst>
+            <a:rect l="l" t="t" r="r" b="b"/>
+            <a:pathLst>
+              <a:path w="627945" h="1020000">
+                <a:moveTo>
+                  <a:pt x="313973" y="0"/>
+                </a:moveTo>
+                <a:cubicBezTo>
+                  <a:pt x="210473" y="0"/>
+                  <a:pt x="112973" y="51000"/>
+                  <a:pt x="54473" y="138000"/>
+                </a:cubicBezTo>
+                <a:cubicBezTo>
+                  <a:pt x="-4027" y="223500"/>
+                  <a:pt x="-16027" y="333000"/>
+                  <a:pt x="21473" y="430500"/>
+                </a:cubicBezTo>
+                <a:lnTo>
+                  <a:pt x="163973" y="745500"/>
+                </a:lnTo>
+                <a:lnTo>
+                  <a:pt x="286973" y="1003500"/>
+                </a:lnTo>
+                <a:cubicBezTo>
+                  <a:pt x="291473" y="1014000"/>
+                  <a:pt x="301973" y="1020000"/>
+                  <a:pt x="313973" y="1020000"/>
+                </a:cubicBezTo>
+                <a:cubicBezTo>
+                  <a:pt x="325973" y="1020000"/>
+                  <a:pt x="336473" y="1014000"/>
+                  <a:pt x="340973" y="1003500"/>
+                </a:cubicBezTo>
+                <a:lnTo>
+                  <a:pt x="463973" y="745500"/>
+                </a:lnTo>
+                <a:lnTo>
+                  <a:pt x="606473" y="430500"/>
+                </a:lnTo>
+                <a:cubicBezTo>
+                  <a:pt x="643973" y="333000"/>
+                  <a:pt x="631973" y="223500"/>
+                  <a:pt x="573473" y="138000"/>
+                </a:cubicBezTo>
+                <a:cubicBezTo>
+                  <a:pt x="514973" y="51000"/>
+                  <a:pt x="417473" y="0"/>
+                  <a:pt x="313973" y="0"/>
+                </a:cubicBezTo>
+                <a:close/>
+              </a:path>
+            </a:pathLst>
+          </a:custGeom>
+          <a:solidFill>
+            <a:srgbClr val="17A9AE"/>
+          </a:solidFill>
+          <a:ln w="14982" cap="flat">
+            <a:solidFill>
+              <a:schemeClr val="tx1"/>
+            </a:solidFill>
+            <a:prstDash val="solid"/>
+            <a:miter/>
+          </a:ln>
+        </p:spPr>
+        <p:txBody>
+          <a:bodyPr rtlCol="0" anchor="ctr"/>
+          <a:lstStyle/>
+          <a:p>
+            <a:endParaRPr lang="en-GB"/>
+          </a:p>
+        </p:txBody>
+      </p:sp>
+      <p:sp>
+        <p:nvSpPr>
+          <p:cNvPr id="4" name="TextBox 3">
+            <a:extLst>
+              <a:ext uri="{FF2B5EF4-FFF2-40B4-BE49-F238E27FC236}">
+                <a16:creationId xmlns:a16="http://schemas.microsoft.com/office/drawing/2014/main" id="{7D3A64AC-77BE-C969-093F-42D5A65212E2}"/>
+              </a:ext>
+            </a:extLst>
+          </p:cNvPr>
+          <p:cNvSpPr txBox="1"/>
+          <p:nvPr/>
+        </p:nvSpPr>
+        <p:spPr>
+          <a:xfrm>
+            <a:off x="1690564" y="2303965"/>
+            <a:ext cx="1004186" cy="307777"/>
+          </a:xfrm>
+          <a:prstGeom prst="rect">
+            <a:avLst/>
+          </a:prstGeom>
+          <a:noFill/>
+        </p:spPr>
+        <p:txBody>
+          <a:bodyPr wrap="none" rtlCol="0">
+            <a:spAutoFit/>
+          </a:bodyPr>
+          <a:lstStyle/>
+          <a:p>
+            <a:r>
+              <a:rPr lang="en-GB" sz="1400" dirty="0"/>
+              <a:t>Data portal</a:t>
+            </a:r>
+          </a:p>
+        </p:txBody>
+      </p:sp>
       <p:pic>
         <p:nvPicPr>
-          <p:cNvPr id="116" name="Graphic 115" descr="Badge Question Mark with solid fill">
-            <a:extLst>
-              <a:ext uri="{FF2B5EF4-FFF2-40B4-BE49-F238E27FC236}">
-                <a16:creationId xmlns:a16="http://schemas.microsoft.com/office/drawing/2014/main" id="{7B84F16D-4E84-46C0-0CC2-3DE69F709C36}"/>
+          <p:cNvPr id="5" name="Graphic 4" descr="Database with solid fill">
+            <a:extLst>
+              <a:ext uri="{FF2B5EF4-FFF2-40B4-BE49-F238E27FC236}">
+                <a16:creationId xmlns:a16="http://schemas.microsoft.com/office/drawing/2014/main" id="{66BF151A-A53C-CC70-21AB-76230C5D69DD}"/>
               </a:ext>
             </a:extLst>
           </p:cNvPr>
@@ -6907,27 +10138,536 @@
           <p:nvPr/>
         </p:nvPicPr>
         <p:blipFill>
-          <a:blip r:embed="rId6">
+          <a:blip r:embed="rId2">
             <a:extLst>
               <a:ext uri="{96DAC541-7B7A-43D3-8B79-37D633B846F1}">
-                <asvg:svgBlip xmlns:asvg="http://schemas.microsoft.com/office/drawing/2016/SVG/main" r:embed="rId7"/>
+                <asvg:svgBlip xmlns:asvg="http://schemas.microsoft.com/office/drawing/2016/SVG/main" r:embed="rId3"/>
               </a:ext>
             </a:extLst>
           </a:blip>
-          <a:stretch>
-            <a:fillRect/>
-          </a:stretch>
+          <a:srcRect/>
+          <a:stretch/>
         </p:blipFill>
         <p:spPr>
           <a:xfrm>
-            <a:off x="5326940" y="3625937"/>
-            <a:ext cx="561575" cy="561575"/>
+            <a:off x="917945" y="2140353"/>
+            <a:ext cx="459001" cy="459001"/>
           </a:xfrm>
           <a:prstGeom prst="rect">
             <a:avLst/>
           </a:prstGeom>
         </p:spPr>
       </p:pic>
+    </p:spTree>
+    <p:extLst>
+      <p:ext uri="{BB962C8B-B14F-4D97-AF65-F5344CB8AC3E}">
+        <p14:creationId xmlns:p14="http://schemas.microsoft.com/office/powerpoint/2010/main" val="3417177653"/>
+      </p:ext>
+    </p:extLst>
+  </p:cSld>
+  <p:clrMapOvr>
+    <a:masterClrMapping/>
+  </p:clrMapOvr>
+</p:sld>
+</file>
+
+<file path=ppt/slides/slide6.xml><?xml version="1.0" encoding="utf-8"?>
+<p:sld xmlns:a="http://schemas.openxmlformats.org/drawingml/2006/main" xmlns:r="http://schemas.openxmlformats.org/officeDocument/2006/relationships" xmlns:p="http://schemas.openxmlformats.org/presentationml/2006/main">
+  <p:cSld>
+    <p:spTree>
+      <p:nvGrpSpPr>
+        <p:cNvPr id="1" name=""/>
+        <p:cNvGrpSpPr/>
+        <p:nvPr/>
+      </p:nvGrpSpPr>
+      <p:grpSpPr>
+        <a:xfrm>
+          <a:off x="0" y="0"/>
+          <a:ext cx="0" cy="0"/>
+          <a:chOff x="0" y="0"/>
+          <a:chExt cx="0" cy="0"/>
+        </a:xfrm>
+      </p:grpSpPr>
+      <p:sp>
+        <p:nvSpPr>
+          <p:cNvPr id="6" name="Graphic 4" descr="Marker with solid fill">
+            <a:extLst>
+              <a:ext uri="{FF2B5EF4-FFF2-40B4-BE49-F238E27FC236}">
+                <a16:creationId xmlns:a16="http://schemas.microsoft.com/office/drawing/2014/main" id="{7666C7AA-D9F0-0F6E-D918-FB70CC7ABA25}"/>
+              </a:ext>
+            </a:extLst>
+          </p:cNvPr>
+          <p:cNvSpPr/>
+          <p:nvPr/>
+        </p:nvSpPr>
+        <p:spPr>
+          <a:xfrm>
+            <a:off x="1062006" y="621416"/>
+            <a:ext cx="627945" cy="1020000"/>
+          </a:xfrm>
+          <a:custGeom>
+            <a:avLst/>
+            <a:gdLst>
+              <a:gd name="connsiteX0" fmla="*/ 313973 w 627945"/>
+              <a:gd name="connsiteY0" fmla="*/ 450000 h 1020000"/>
+              <a:gd name="connsiteX1" fmla="*/ 178973 w 627945"/>
+              <a:gd name="connsiteY1" fmla="*/ 315000 h 1020000"/>
+              <a:gd name="connsiteX2" fmla="*/ 313973 w 627945"/>
+              <a:gd name="connsiteY2" fmla="*/ 180000 h 1020000"/>
+              <a:gd name="connsiteX3" fmla="*/ 448973 w 627945"/>
+              <a:gd name="connsiteY3" fmla="*/ 315000 h 1020000"/>
+              <a:gd name="connsiteX4" fmla="*/ 313973 w 627945"/>
+              <a:gd name="connsiteY4" fmla="*/ 450000 h 1020000"/>
+              <a:gd name="connsiteX5" fmla="*/ 313973 w 627945"/>
+              <a:gd name="connsiteY5" fmla="*/ 0 h 1020000"/>
+              <a:gd name="connsiteX6" fmla="*/ 54473 w 627945"/>
+              <a:gd name="connsiteY6" fmla="*/ 138000 h 1020000"/>
+              <a:gd name="connsiteX7" fmla="*/ 21473 w 627945"/>
+              <a:gd name="connsiteY7" fmla="*/ 430500 h 1020000"/>
+              <a:gd name="connsiteX8" fmla="*/ 163973 w 627945"/>
+              <a:gd name="connsiteY8" fmla="*/ 745500 h 1020000"/>
+              <a:gd name="connsiteX9" fmla="*/ 286973 w 627945"/>
+              <a:gd name="connsiteY9" fmla="*/ 1003500 h 1020000"/>
+              <a:gd name="connsiteX10" fmla="*/ 313973 w 627945"/>
+              <a:gd name="connsiteY10" fmla="*/ 1020000 h 1020000"/>
+              <a:gd name="connsiteX11" fmla="*/ 340973 w 627945"/>
+              <a:gd name="connsiteY11" fmla="*/ 1003500 h 1020000"/>
+              <a:gd name="connsiteX12" fmla="*/ 463973 w 627945"/>
+              <a:gd name="connsiteY12" fmla="*/ 745500 h 1020000"/>
+              <a:gd name="connsiteX13" fmla="*/ 606473 w 627945"/>
+              <a:gd name="connsiteY13" fmla="*/ 430500 h 1020000"/>
+              <a:gd name="connsiteX14" fmla="*/ 573473 w 627945"/>
+              <a:gd name="connsiteY14" fmla="*/ 138000 h 1020000"/>
+              <a:gd name="connsiteX15" fmla="*/ 313973 w 627945"/>
+              <a:gd name="connsiteY15" fmla="*/ 0 h 1020000"/>
+              <a:gd name="connsiteX0" fmla="*/ 313973 w 627945"/>
+              <a:gd name="connsiteY0" fmla="*/ 450000 h 1020000"/>
+              <a:gd name="connsiteX1" fmla="*/ 178973 w 627945"/>
+              <a:gd name="connsiteY1" fmla="*/ 315000 h 1020000"/>
+              <a:gd name="connsiteX2" fmla="*/ 313973 w 627945"/>
+              <a:gd name="connsiteY2" fmla="*/ 180000 h 1020000"/>
+              <a:gd name="connsiteX3" fmla="*/ 313973 w 627945"/>
+              <a:gd name="connsiteY3" fmla="*/ 450000 h 1020000"/>
+              <a:gd name="connsiteX4" fmla="*/ 313973 w 627945"/>
+              <a:gd name="connsiteY4" fmla="*/ 0 h 1020000"/>
+              <a:gd name="connsiteX5" fmla="*/ 54473 w 627945"/>
+              <a:gd name="connsiteY5" fmla="*/ 138000 h 1020000"/>
+              <a:gd name="connsiteX6" fmla="*/ 21473 w 627945"/>
+              <a:gd name="connsiteY6" fmla="*/ 430500 h 1020000"/>
+              <a:gd name="connsiteX7" fmla="*/ 163973 w 627945"/>
+              <a:gd name="connsiteY7" fmla="*/ 745500 h 1020000"/>
+              <a:gd name="connsiteX8" fmla="*/ 286973 w 627945"/>
+              <a:gd name="connsiteY8" fmla="*/ 1003500 h 1020000"/>
+              <a:gd name="connsiteX9" fmla="*/ 313973 w 627945"/>
+              <a:gd name="connsiteY9" fmla="*/ 1020000 h 1020000"/>
+              <a:gd name="connsiteX10" fmla="*/ 340973 w 627945"/>
+              <a:gd name="connsiteY10" fmla="*/ 1003500 h 1020000"/>
+              <a:gd name="connsiteX11" fmla="*/ 463973 w 627945"/>
+              <a:gd name="connsiteY11" fmla="*/ 745500 h 1020000"/>
+              <a:gd name="connsiteX12" fmla="*/ 606473 w 627945"/>
+              <a:gd name="connsiteY12" fmla="*/ 430500 h 1020000"/>
+              <a:gd name="connsiteX13" fmla="*/ 573473 w 627945"/>
+              <a:gd name="connsiteY13" fmla="*/ 138000 h 1020000"/>
+              <a:gd name="connsiteX14" fmla="*/ 313973 w 627945"/>
+              <a:gd name="connsiteY14" fmla="*/ 0 h 1020000"/>
+              <a:gd name="connsiteX0" fmla="*/ 313973 w 627945"/>
+              <a:gd name="connsiteY0" fmla="*/ 180000 h 1020000"/>
+              <a:gd name="connsiteX1" fmla="*/ 178973 w 627945"/>
+              <a:gd name="connsiteY1" fmla="*/ 315000 h 1020000"/>
+              <a:gd name="connsiteX2" fmla="*/ 313973 w 627945"/>
+              <a:gd name="connsiteY2" fmla="*/ 180000 h 1020000"/>
+              <a:gd name="connsiteX3" fmla="*/ 313973 w 627945"/>
+              <a:gd name="connsiteY3" fmla="*/ 0 h 1020000"/>
+              <a:gd name="connsiteX4" fmla="*/ 54473 w 627945"/>
+              <a:gd name="connsiteY4" fmla="*/ 138000 h 1020000"/>
+              <a:gd name="connsiteX5" fmla="*/ 21473 w 627945"/>
+              <a:gd name="connsiteY5" fmla="*/ 430500 h 1020000"/>
+              <a:gd name="connsiteX6" fmla="*/ 163973 w 627945"/>
+              <a:gd name="connsiteY6" fmla="*/ 745500 h 1020000"/>
+              <a:gd name="connsiteX7" fmla="*/ 286973 w 627945"/>
+              <a:gd name="connsiteY7" fmla="*/ 1003500 h 1020000"/>
+              <a:gd name="connsiteX8" fmla="*/ 313973 w 627945"/>
+              <a:gd name="connsiteY8" fmla="*/ 1020000 h 1020000"/>
+              <a:gd name="connsiteX9" fmla="*/ 340973 w 627945"/>
+              <a:gd name="connsiteY9" fmla="*/ 1003500 h 1020000"/>
+              <a:gd name="connsiteX10" fmla="*/ 463973 w 627945"/>
+              <a:gd name="connsiteY10" fmla="*/ 745500 h 1020000"/>
+              <a:gd name="connsiteX11" fmla="*/ 606473 w 627945"/>
+              <a:gd name="connsiteY11" fmla="*/ 430500 h 1020000"/>
+              <a:gd name="connsiteX12" fmla="*/ 573473 w 627945"/>
+              <a:gd name="connsiteY12" fmla="*/ 138000 h 1020000"/>
+              <a:gd name="connsiteX13" fmla="*/ 313973 w 627945"/>
+              <a:gd name="connsiteY13" fmla="*/ 0 h 1020000"/>
+              <a:gd name="connsiteX0" fmla="*/ 313973 w 627945"/>
+              <a:gd name="connsiteY0" fmla="*/ 0 h 1020000"/>
+              <a:gd name="connsiteX1" fmla="*/ 54473 w 627945"/>
+              <a:gd name="connsiteY1" fmla="*/ 138000 h 1020000"/>
+              <a:gd name="connsiteX2" fmla="*/ 21473 w 627945"/>
+              <a:gd name="connsiteY2" fmla="*/ 430500 h 1020000"/>
+              <a:gd name="connsiteX3" fmla="*/ 163973 w 627945"/>
+              <a:gd name="connsiteY3" fmla="*/ 745500 h 1020000"/>
+              <a:gd name="connsiteX4" fmla="*/ 286973 w 627945"/>
+              <a:gd name="connsiteY4" fmla="*/ 1003500 h 1020000"/>
+              <a:gd name="connsiteX5" fmla="*/ 313973 w 627945"/>
+              <a:gd name="connsiteY5" fmla="*/ 1020000 h 1020000"/>
+              <a:gd name="connsiteX6" fmla="*/ 340973 w 627945"/>
+              <a:gd name="connsiteY6" fmla="*/ 1003500 h 1020000"/>
+              <a:gd name="connsiteX7" fmla="*/ 463973 w 627945"/>
+              <a:gd name="connsiteY7" fmla="*/ 745500 h 1020000"/>
+              <a:gd name="connsiteX8" fmla="*/ 606473 w 627945"/>
+              <a:gd name="connsiteY8" fmla="*/ 430500 h 1020000"/>
+              <a:gd name="connsiteX9" fmla="*/ 573473 w 627945"/>
+              <a:gd name="connsiteY9" fmla="*/ 138000 h 1020000"/>
+              <a:gd name="connsiteX10" fmla="*/ 313973 w 627945"/>
+              <a:gd name="connsiteY10" fmla="*/ 0 h 1020000"/>
+            </a:gdLst>
+            <a:ahLst/>
+            <a:cxnLst>
+              <a:cxn ang="0">
+                <a:pos x="connsiteX0" y="connsiteY0"/>
+              </a:cxn>
+              <a:cxn ang="0">
+                <a:pos x="connsiteX1" y="connsiteY1"/>
+              </a:cxn>
+              <a:cxn ang="0">
+                <a:pos x="connsiteX2" y="connsiteY2"/>
+              </a:cxn>
+              <a:cxn ang="0">
+                <a:pos x="connsiteX3" y="connsiteY3"/>
+              </a:cxn>
+              <a:cxn ang="0">
+                <a:pos x="connsiteX4" y="connsiteY4"/>
+              </a:cxn>
+              <a:cxn ang="0">
+                <a:pos x="connsiteX5" y="connsiteY5"/>
+              </a:cxn>
+              <a:cxn ang="0">
+                <a:pos x="connsiteX6" y="connsiteY6"/>
+              </a:cxn>
+              <a:cxn ang="0">
+                <a:pos x="connsiteX7" y="connsiteY7"/>
+              </a:cxn>
+              <a:cxn ang="0">
+                <a:pos x="connsiteX8" y="connsiteY8"/>
+              </a:cxn>
+              <a:cxn ang="0">
+                <a:pos x="connsiteX9" y="connsiteY9"/>
+              </a:cxn>
+              <a:cxn ang="0">
+                <a:pos x="connsiteX10" y="connsiteY10"/>
+              </a:cxn>
+            </a:cxnLst>
+            <a:rect l="l" t="t" r="r" b="b"/>
+            <a:pathLst>
+              <a:path w="627945" h="1020000">
+                <a:moveTo>
+                  <a:pt x="313973" y="0"/>
+                </a:moveTo>
+                <a:cubicBezTo>
+                  <a:pt x="210473" y="0"/>
+                  <a:pt x="112973" y="51000"/>
+                  <a:pt x="54473" y="138000"/>
+                </a:cubicBezTo>
+                <a:cubicBezTo>
+                  <a:pt x="-4027" y="223500"/>
+                  <a:pt x="-16027" y="333000"/>
+                  <a:pt x="21473" y="430500"/>
+                </a:cubicBezTo>
+                <a:lnTo>
+                  <a:pt x="163973" y="745500"/>
+                </a:lnTo>
+                <a:lnTo>
+                  <a:pt x="286973" y="1003500"/>
+                </a:lnTo>
+                <a:cubicBezTo>
+                  <a:pt x="291473" y="1014000"/>
+                  <a:pt x="301973" y="1020000"/>
+                  <a:pt x="313973" y="1020000"/>
+                </a:cubicBezTo>
+                <a:cubicBezTo>
+                  <a:pt x="325973" y="1020000"/>
+                  <a:pt x="336473" y="1014000"/>
+                  <a:pt x="340973" y="1003500"/>
+                </a:cubicBezTo>
+                <a:lnTo>
+                  <a:pt x="463973" y="745500"/>
+                </a:lnTo>
+                <a:lnTo>
+                  <a:pt x="606473" y="430500"/>
+                </a:lnTo>
+                <a:cubicBezTo>
+                  <a:pt x="643973" y="333000"/>
+                  <a:pt x="631973" y="223500"/>
+                  <a:pt x="573473" y="138000"/>
+                </a:cubicBezTo>
+                <a:cubicBezTo>
+                  <a:pt x="514973" y="51000"/>
+                  <a:pt x="417473" y="0"/>
+                  <a:pt x="313973" y="0"/>
+                </a:cubicBezTo>
+                <a:close/>
+              </a:path>
+            </a:pathLst>
+          </a:custGeom>
+          <a:solidFill>
+            <a:srgbClr val="17A9AE"/>
+          </a:solidFill>
+          <a:ln w="14982" cap="flat">
+            <a:solidFill>
+              <a:schemeClr val="tx1"/>
+            </a:solidFill>
+            <a:prstDash val="solid"/>
+            <a:miter/>
+          </a:ln>
+        </p:spPr>
+        <p:txBody>
+          <a:bodyPr rtlCol="0" anchor="ctr"/>
+          <a:lstStyle/>
+          <a:p>
+            <a:endParaRPr lang="en-GB"/>
+          </a:p>
+        </p:txBody>
+      </p:sp>
+      <p:sp>
+        <p:nvSpPr>
+          <p:cNvPr id="7" name="Graphic 4" descr="Marker with solid fill">
+            <a:extLst>
+              <a:ext uri="{FF2B5EF4-FFF2-40B4-BE49-F238E27FC236}">
+                <a16:creationId xmlns:a16="http://schemas.microsoft.com/office/drawing/2014/main" id="{B588A451-F142-26D5-47C8-4A3233C1FC6A}"/>
+              </a:ext>
+            </a:extLst>
+          </p:cNvPr>
+          <p:cNvSpPr/>
+          <p:nvPr/>
+        </p:nvSpPr>
+        <p:spPr>
+          <a:xfrm rot="18189218">
+            <a:off x="319624" y="954505"/>
+            <a:ext cx="510790" cy="829699"/>
+          </a:xfrm>
+          <a:custGeom>
+            <a:avLst/>
+            <a:gdLst>
+              <a:gd name="connsiteX0" fmla="*/ 313973 w 627945"/>
+              <a:gd name="connsiteY0" fmla="*/ 450000 h 1020000"/>
+              <a:gd name="connsiteX1" fmla="*/ 178973 w 627945"/>
+              <a:gd name="connsiteY1" fmla="*/ 315000 h 1020000"/>
+              <a:gd name="connsiteX2" fmla="*/ 313973 w 627945"/>
+              <a:gd name="connsiteY2" fmla="*/ 180000 h 1020000"/>
+              <a:gd name="connsiteX3" fmla="*/ 448973 w 627945"/>
+              <a:gd name="connsiteY3" fmla="*/ 315000 h 1020000"/>
+              <a:gd name="connsiteX4" fmla="*/ 313973 w 627945"/>
+              <a:gd name="connsiteY4" fmla="*/ 450000 h 1020000"/>
+              <a:gd name="connsiteX5" fmla="*/ 313973 w 627945"/>
+              <a:gd name="connsiteY5" fmla="*/ 0 h 1020000"/>
+              <a:gd name="connsiteX6" fmla="*/ 54473 w 627945"/>
+              <a:gd name="connsiteY6" fmla="*/ 138000 h 1020000"/>
+              <a:gd name="connsiteX7" fmla="*/ 21473 w 627945"/>
+              <a:gd name="connsiteY7" fmla="*/ 430500 h 1020000"/>
+              <a:gd name="connsiteX8" fmla="*/ 163973 w 627945"/>
+              <a:gd name="connsiteY8" fmla="*/ 745500 h 1020000"/>
+              <a:gd name="connsiteX9" fmla="*/ 286973 w 627945"/>
+              <a:gd name="connsiteY9" fmla="*/ 1003500 h 1020000"/>
+              <a:gd name="connsiteX10" fmla="*/ 313973 w 627945"/>
+              <a:gd name="connsiteY10" fmla="*/ 1020000 h 1020000"/>
+              <a:gd name="connsiteX11" fmla="*/ 340973 w 627945"/>
+              <a:gd name="connsiteY11" fmla="*/ 1003500 h 1020000"/>
+              <a:gd name="connsiteX12" fmla="*/ 463973 w 627945"/>
+              <a:gd name="connsiteY12" fmla="*/ 745500 h 1020000"/>
+              <a:gd name="connsiteX13" fmla="*/ 606473 w 627945"/>
+              <a:gd name="connsiteY13" fmla="*/ 430500 h 1020000"/>
+              <a:gd name="connsiteX14" fmla="*/ 573473 w 627945"/>
+              <a:gd name="connsiteY14" fmla="*/ 138000 h 1020000"/>
+              <a:gd name="connsiteX15" fmla="*/ 313973 w 627945"/>
+              <a:gd name="connsiteY15" fmla="*/ 0 h 1020000"/>
+              <a:gd name="connsiteX0" fmla="*/ 313973 w 627945"/>
+              <a:gd name="connsiteY0" fmla="*/ 450000 h 1020000"/>
+              <a:gd name="connsiteX1" fmla="*/ 178973 w 627945"/>
+              <a:gd name="connsiteY1" fmla="*/ 315000 h 1020000"/>
+              <a:gd name="connsiteX2" fmla="*/ 313973 w 627945"/>
+              <a:gd name="connsiteY2" fmla="*/ 180000 h 1020000"/>
+              <a:gd name="connsiteX3" fmla="*/ 313973 w 627945"/>
+              <a:gd name="connsiteY3" fmla="*/ 450000 h 1020000"/>
+              <a:gd name="connsiteX4" fmla="*/ 313973 w 627945"/>
+              <a:gd name="connsiteY4" fmla="*/ 0 h 1020000"/>
+              <a:gd name="connsiteX5" fmla="*/ 54473 w 627945"/>
+              <a:gd name="connsiteY5" fmla="*/ 138000 h 1020000"/>
+              <a:gd name="connsiteX6" fmla="*/ 21473 w 627945"/>
+              <a:gd name="connsiteY6" fmla="*/ 430500 h 1020000"/>
+              <a:gd name="connsiteX7" fmla="*/ 163973 w 627945"/>
+              <a:gd name="connsiteY7" fmla="*/ 745500 h 1020000"/>
+              <a:gd name="connsiteX8" fmla="*/ 286973 w 627945"/>
+              <a:gd name="connsiteY8" fmla="*/ 1003500 h 1020000"/>
+              <a:gd name="connsiteX9" fmla="*/ 313973 w 627945"/>
+              <a:gd name="connsiteY9" fmla="*/ 1020000 h 1020000"/>
+              <a:gd name="connsiteX10" fmla="*/ 340973 w 627945"/>
+              <a:gd name="connsiteY10" fmla="*/ 1003500 h 1020000"/>
+              <a:gd name="connsiteX11" fmla="*/ 463973 w 627945"/>
+              <a:gd name="connsiteY11" fmla="*/ 745500 h 1020000"/>
+              <a:gd name="connsiteX12" fmla="*/ 606473 w 627945"/>
+              <a:gd name="connsiteY12" fmla="*/ 430500 h 1020000"/>
+              <a:gd name="connsiteX13" fmla="*/ 573473 w 627945"/>
+              <a:gd name="connsiteY13" fmla="*/ 138000 h 1020000"/>
+              <a:gd name="connsiteX14" fmla="*/ 313973 w 627945"/>
+              <a:gd name="connsiteY14" fmla="*/ 0 h 1020000"/>
+              <a:gd name="connsiteX0" fmla="*/ 313973 w 627945"/>
+              <a:gd name="connsiteY0" fmla="*/ 180000 h 1020000"/>
+              <a:gd name="connsiteX1" fmla="*/ 178973 w 627945"/>
+              <a:gd name="connsiteY1" fmla="*/ 315000 h 1020000"/>
+              <a:gd name="connsiteX2" fmla="*/ 313973 w 627945"/>
+              <a:gd name="connsiteY2" fmla="*/ 180000 h 1020000"/>
+              <a:gd name="connsiteX3" fmla="*/ 313973 w 627945"/>
+              <a:gd name="connsiteY3" fmla="*/ 0 h 1020000"/>
+              <a:gd name="connsiteX4" fmla="*/ 54473 w 627945"/>
+              <a:gd name="connsiteY4" fmla="*/ 138000 h 1020000"/>
+              <a:gd name="connsiteX5" fmla="*/ 21473 w 627945"/>
+              <a:gd name="connsiteY5" fmla="*/ 430500 h 1020000"/>
+              <a:gd name="connsiteX6" fmla="*/ 163973 w 627945"/>
+              <a:gd name="connsiteY6" fmla="*/ 745500 h 1020000"/>
+              <a:gd name="connsiteX7" fmla="*/ 286973 w 627945"/>
+              <a:gd name="connsiteY7" fmla="*/ 1003500 h 1020000"/>
+              <a:gd name="connsiteX8" fmla="*/ 313973 w 627945"/>
+              <a:gd name="connsiteY8" fmla="*/ 1020000 h 1020000"/>
+              <a:gd name="connsiteX9" fmla="*/ 340973 w 627945"/>
+              <a:gd name="connsiteY9" fmla="*/ 1003500 h 1020000"/>
+              <a:gd name="connsiteX10" fmla="*/ 463973 w 627945"/>
+              <a:gd name="connsiteY10" fmla="*/ 745500 h 1020000"/>
+              <a:gd name="connsiteX11" fmla="*/ 606473 w 627945"/>
+              <a:gd name="connsiteY11" fmla="*/ 430500 h 1020000"/>
+              <a:gd name="connsiteX12" fmla="*/ 573473 w 627945"/>
+              <a:gd name="connsiteY12" fmla="*/ 138000 h 1020000"/>
+              <a:gd name="connsiteX13" fmla="*/ 313973 w 627945"/>
+              <a:gd name="connsiteY13" fmla="*/ 0 h 1020000"/>
+              <a:gd name="connsiteX0" fmla="*/ 313973 w 627945"/>
+              <a:gd name="connsiteY0" fmla="*/ 0 h 1020000"/>
+              <a:gd name="connsiteX1" fmla="*/ 54473 w 627945"/>
+              <a:gd name="connsiteY1" fmla="*/ 138000 h 1020000"/>
+              <a:gd name="connsiteX2" fmla="*/ 21473 w 627945"/>
+              <a:gd name="connsiteY2" fmla="*/ 430500 h 1020000"/>
+              <a:gd name="connsiteX3" fmla="*/ 163973 w 627945"/>
+              <a:gd name="connsiteY3" fmla="*/ 745500 h 1020000"/>
+              <a:gd name="connsiteX4" fmla="*/ 286973 w 627945"/>
+              <a:gd name="connsiteY4" fmla="*/ 1003500 h 1020000"/>
+              <a:gd name="connsiteX5" fmla="*/ 313973 w 627945"/>
+              <a:gd name="connsiteY5" fmla="*/ 1020000 h 1020000"/>
+              <a:gd name="connsiteX6" fmla="*/ 340973 w 627945"/>
+              <a:gd name="connsiteY6" fmla="*/ 1003500 h 1020000"/>
+              <a:gd name="connsiteX7" fmla="*/ 463973 w 627945"/>
+              <a:gd name="connsiteY7" fmla="*/ 745500 h 1020000"/>
+              <a:gd name="connsiteX8" fmla="*/ 606473 w 627945"/>
+              <a:gd name="connsiteY8" fmla="*/ 430500 h 1020000"/>
+              <a:gd name="connsiteX9" fmla="*/ 573473 w 627945"/>
+              <a:gd name="connsiteY9" fmla="*/ 138000 h 1020000"/>
+              <a:gd name="connsiteX10" fmla="*/ 313973 w 627945"/>
+              <a:gd name="connsiteY10" fmla="*/ 0 h 1020000"/>
+            </a:gdLst>
+            <a:ahLst/>
+            <a:cxnLst>
+              <a:cxn ang="0">
+                <a:pos x="connsiteX0" y="connsiteY0"/>
+              </a:cxn>
+              <a:cxn ang="0">
+                <a:pos x="connsiteX1" y="connsiteY1"/>
+              </a:cxn>
+              <a:cxn ang="0">
+                <a:pos x="connsiteX2" y="connsiteY2"/>
+              </a:cxn>
+              <a:cxn ang="0">
+                <a:pos x="connsiteX3" y="connsiteY3"/>
+              </a:cxn>
+              <a:cxn ang="0">
+                <a:pos x="connsiteX4" y="connsiteY4"/>
+              </a:cxn>
+              <a:cxn ang="0">
+                <a:pos x="connsiteX5" y="connsiteY5"/>
+              </a:cxn>
+              <a:cxn ang="0">
+                <a:pos x="connsiteX6" y="connsiteY6"/>
+              </a:cxn>
+              <a:cxn ang="0">
+                <a:pos x="connsiteX7" y="connsiteY7"/>
+              </a:cxn>
+              <a:cxn ang="0">
+                <a:pos x="connsiteX8" y="connsiteY8"/>
+              </a:cxn>
+              <a:cxn ang="0">
+                <a:pos x="connsiteX9" y="connsiteY9"/>
+              </a:cxn>
+              <a:cxn ang="0">
+                <a:pos x="connsiteX10" y="connsiteY10"/>
+              </a:cxn>
+            </a:cxnLst>
+            <a:rect l="l" t="t" r="r" b="b"/>
+            <a:pathLst>
+              <a:path w="627945" h="1020000">
+                <a:moveTo>
+                  <a:pt x="313973" y="0"/>
+                </a:moveTo>
+                <a:cubicBezTo>
+                  <a:pt x="210473" y="0"/>
+                  <a:pt x="112973" y="51000"/>
+                  <a:pt x="54473" y="138000"/>
+                </a:cubicBezTo>
+                <a:cubicBezTo>
+                  <a:pt x="-4027" y="223500"/>
+                  <a:pt x="-16027" y="333000"/>
+                  <a:pt x="21473" y="430500"/>
+                </a:cubicBezTo>
+                <a:lnTo>
+                  <a:pt x="163973" y="745500"/>
+                </a:lnTo>
+                <a:lnTo>
+                  <a:pt x="286973" y="1003500"/>
+                </a:lnTo>
+                <a:cubicBezTo>
+                  <a:pt x="291473" y="1014000"/>
+                  <a:pt x="301973" y="1020000"/>
+                  <a:pt x="313973" y="1020000"/>
+                </a:cubicBezTo>
+                <a:cubicBezTo>
+                  <a:pt x="325973" y="1020000"/>
+                  <a:pt x="336473" y="1014000"/>
+                  <a:pt x="340973" y="1003500"/>
+                </a:cubicBezTo>
+                <a:lnTo>
+                  <a:pt x="463973" y="745500"/>
+                </a:lnTo>
+                <a:lnTo>
+                  <a:pt x="606473" y="430500"/>
+                </a:lnTo>
+                <a:cubicBezTo>
+                  <a:pt x="643973" y="333000"/>
+                  <a:pt x="631973" y="223500"/>
+                  <a:pt x="573473" y="138000"/>
+                </a:cubicBezTo>
+                <a:cubicBezTo>
+                  <a:pt x="514973" y="51000"/>
+                  <a:pt x="417473" y="0"/>
+                  <a:pt x="313973" y="0"/>
+                </a:cubicBezTo>
+                <a:close/>
+              </a:path>
+            </a:pathLst>
+          </a:custGeom>
+          <a:solidFill>
+            <a:srgbClr val="7F7F7F">
+              <a:alpha val="69804"/>
+            </a:srgbClr>
+          </a:solidFill>
+          <a:ln w="14982" cap="flat">
+            <a:noFill/>
+            <a:prstDash val="solid"/>
+            <a:miter/>
+          </a:ln>
+        </p:spPr>
+        <p:txBody>
+          <a:bodyPr rtlCol="0" anchor="ctr"/>
+          <a:lstStyle/>
+          <a:p>
+            <a:endParaRPr lang="en-GB"/>
+          </a:p>
+        </p:txBody>
+      </p:sp>
       <p:sp>
         <p:nvSpPr>
           <p:cNvPr id="2" name="Graphic 4" descr="Marker with solid fill">
@@ -7218,10 +10958,10 @@
           <p:nvPr/>
         </p:nvPicPr>
         <p:blipFill>
-          <a:blip r:embed="rId8">
+          <a:blip r:embed="rId2">
             <a:extLst>
               <a:ext uri="{96DAC541-7B7A-43D3-8B79-37D633B846F1}">
-                <asvg:svgBlip xmlns:asvg="http://schemas.microsoft.com/office/drawing/2016/SVG/main" r:embed="rId9"/>
+                <asvg:svgBlip xmlns:asvg="http://schemas.microsoft.com/office/drawing/2016/SVG/main" r:embed="rId3"/>
               </a:ext>
             </a:extLst>
           </a:blip>
@@ -7239,12 +10979,70 @@
           </a:prstGeom>
         </p:spPr>
       </p:pic>
+    </p:spTree>
+    <p:extLst>
+      <p:ext uri="{BB962C8B-B14F-4D97-AF65-F5344CB8AC3E}">
+        <p14:creationId xmlns:p14="http://schemas.microsoft.com/office/powerpoint/2010/main" val="1724433123"/>
+      </p:ext>
+    </p:extLst>
+  </p:cSld>
+  <p:clrMapOvr>
+    <a:masterClrMapping/>
+  </p:clrMapOvr>
+</p:sld>
+</file>
+
+<file path=ppt/slides/slide7.xml><?xml version="1.0" encoding="utf-8"?>
+<p:sld xmlns:a="http://schemas.openxmlformats.org/drawingml/2006/main" xmlns:r="http://schemas.openxmlformats.org/officeDocument/2006/relationships" xmlns:p="http://schemas.openxmlformats.org/presentationml/2006/main">
+  <p:cSld>
+    <p:spTree>
+      <p:nvGrpSpPr>
+        <p:cNvPr id="1" name=""/>
+        <p:cNvGrpSpPr/>
+        <p:nvPr/>
+      </p:nvGrpSpPr>
+      <p:grpSpPr>
+        <a:xfrm>
+          <a:off x="0" y="0"/>
+          <a:ext cx="0" cy="0"/>
+          <a:chOff x="0" y="0"/>
+          <a:chExt cx="0" cy="0"/>
+        </a:xfrm>
+      </p:grpSpPr>
       <p:sp>
         <p:nvSpPr>
-          <p:cNvPr id="4" name="Graphic 4" descr="Marker with solid fill">
-            <a:extLst>
-              <a:ext uri="{FF2B5EF4-FFF2-40B4-BE49-F238E27FC236}">
-                <a16:creationId xmlns:a16="http://schemas.microsoft.com/office/drawing/2014/main" id="{742D270A-C323-BF47-50EF-A56E688A9077}"/>
+          <p:cNvPr id="2" name="Title 1">
+            <a:extLst>
+              <a:ext uri="{FF2B5EF4-FFF2-40B4-BE49-F238E27FC236}">
+                <a16:creationId xmlns:a16="http://schemas.microsoft.com/office/drawing/2014/main" id="{CE9EF1C2-A57B-0558-6E94-3BB2B7DE4D93}"/>
+              </a:ext>
+            </a:extLst>
+          </p:cNvPr>
+          <p:cNvSpPr>
+            <a:spLocks noGrp="1"/>
+          </p:cNvSpPr>
+          <p:nvPr>
+            <p:ph type="title"/>
+          </p:nvPr>
+        </p:nvSpPr>
+        <p:spPr/>
+        <p:txBody>
+          <a:bodyPr/>
+          <a:lstStyle/>
+          <a:p>
+            <a:r>
+              <a:rPr lang="en-GB" dirty="0"/>
+              <a:t>Spatial Data</a:t>
+            </a:r>
+          </a:p>
+        </p:txBody>
+      </p:sp>
+      <p:sp>
+        <p:nvSpPr>
+          <p:cNvPr id="3" name="Graphic 4" descr="Marker with solid fill">
+            <a:extLst>
+              <a:ext uri="{FF2B5EF4-FFF2-40B4-BE49-F238E27FC236}">
+                <a16:creationId xmlns:a16="http://schemas.microsoft.com/office/drawing/2014/main" id="{34A6131F-D8D8-93C5-C74C-B07209DB3795}"/>
               </a:ext>
             </a:extLst>
           </p:cNvPr>
@@ -7253,7 +11051,7 @@
         </p:nvSpPr>
         <p:spPr>
           <a:xfrm>
-            <a:off x="5293755" y="621416"/>
+            <a:off x="838200" y="2262037"/>
             <a:ext cx="627945" cy="1020000"/>
           </a:xfrm>
           <a:custGeom>
@@ -7470,2667 +11268,6 @@
             <a:prstDash val="solid"/>
             <a:miter/>
           </a:ln>
-        </p:spPr>
-        <p:txBody>
-          <a:bodyPr rtlCol="0" anchor="ctr"/>
-          <a:lstStyle/>
-          <a:p>
-            <a:endParaRPr lang="en-GB"/>
-          </a:p>
-        </p:txBody>
-      </p:sp>
-      <p:sp>
-        <p:nvSpPr>
-          <p:cNvPr id="5" name="TextBox 4">
-            <a:extLst>
-              <a:ext uri="{FF2B5EF4-FFF2-40B4-BE49-F238E27FC236}">
-                <a16:creationId xmlns:a16="http://schemas.microsoft.com/office/drawing/2014/main" id="{302DBE57-6137-B5CC-8F99-0C1D95386E01}"/>
-              </a:ext>
-            </a:extLst>
-          </p:cNvPr>
-          <p:cNvSpPr txBox="1"/>
-          <p:nvPr/>
-        </p:nvSpPr>
-        <p:spPr>
-          <a:xfrm>
-            <a:off x="6146119" y="906239"/>
-            <a:ext cx="1004186" cy="307777"/>
-          </a:xfrm>
-          <a:prstGeom prst="rect">
-            <a:avLst/>
-          </a:prstGeom>
-          <a:noFill/>
-        </p:spPr>
-        <p:txBody>
-          <a:bodyPr wrap="none" rtlCol="0">
-            <a:spAutoFit/>
-          </a:bodyPr>
-          <a:lstStyle/>
-          <a:p>
-            <a:r>
-              <a:rPr lang="en-GB" sz="1400" dirty="0"/>
-              <a:t>Data portal</a:t>
-            </a:r>
-          </a:p>
-        </p:txBody>
-      </p:sp>
-      <p:pic>
-        <p:nvPicPr>
-          <p:cNvPr id="17" name="Graphic 16" descr="Database with solid fill">
-            <a:extLst>
-              <a:ext uri="{FF2B5EF4-FFF2-40B4-BE49-F238E27FC236}">
-                <a16:creationId xmlns:a16="http://schemas.microsoft.com/office/drawing/2014/main" id="{28E591B9-ABBD-4AEB-7AD4-E2B5B573ADA4}"/>
-              </a:ext>
-            </a:extLst>
-          </p:cNvPr>
-          <p:cNvPicPr>
-            <a:picLocks noChangeAspect="1"/>
-          </p:cNvPicPr>
-          <p:nvPr/>
-        </p:nvPicPr>
-        <p:blipFill>
-          <a:blip r:embed="rId10">
-            <a:extLst>
-              <a:ext uri="{96DAC541-7B7A-43D3-8B79-37D633B846F1}">
-                <asvg:svgBlip xmlns:asvg="http://schemas.microsoft.com/office/drawing/2016/SVG/main" r:embed="rId11"/>
-              </a:ext>
-            </a:extLst>
-          </a:blip>
-          <a:srcRect/>
-          <a:stretch/>
-        </p:blipFill>
-        <p:spPr>
-          <a:xfrm>
-            <a:off x="5373500" y="742627"/>
-            <a:ext cx="459001" cy="459001"/>
-          </a:xfrm>
-          <a:prstGeom prst="rect">
-            <a:avLst/>
-          </a:prstGeom>
-        </p:spPr>
-      </p:pic>
-      <p:sp>
-        <p:nvSpPr>
-          <p:cNvPr id="22" name="TextBox 21">
-            <a:extLst>
-              <a:ext uri="{FF2B5EF4-FFF2-40B4-BE49-F238E27FC236}">
-                <a16:creationId xmlns:a16="http://schemas.microsoft.com/office/drawing/2014/main" id="{CC88DEFD-9C38-9282-B463-7CCDED283B61}"/>
-              </a:ext>
-            </a:extLst>
-          </p:cNvPr>
-          <p:cNvSpPr txBox="1"/>
-          <p:nvPr/>
-        </p:nvSpPr>
-        <p:spPr>
-          <a:xfrm>
-            <a:off x="9515709" y="3887318"/>
-            <a:ext cx="2292807" cy="307777"/>
-          </a:xfrm>
-          <a:prstGeom prst="rect">
-            <a:avLst/>
-          </a:prstGeom>
-          <a:noFill/>
-        </p:spPr>
-        <p:txBody>
-          <a:bodyPr wrap="none" rtlCol="0">
-            <a:spAutoFit/>
-          </a:bodyPr>
-          <a:lstStyle/>
-          <a:p>
-            <a:r>
-              <a:rPr lang="en-GB" sz="1400" dirty="0"/>
-              <a:t>Wind energy research </a:t>
-            </a:r>
-            <a:r>
-              <a:rPr lang="en-GB" sz="1400" dirty="0" err="1"/>
-              <a:t>center</a:t>
-            </a:r>
-            <a:endParaRPr lang="en-GB" sz="1400" dirty="0"/>
-          </a:p>
-        </p:txBody>
-      </p:sp>
-      <p:grpSp>
-        <p:nvGrpSpPr>
-          <p:cNvPr id="31" name="Group 30">
-            <a:extLst>
-              <a:ext uri="{FF2B5EF4-FFF2-40B4-BE49-F238E27FC236}">
-                <a16:creationId xmlns:a16="http://schemas.microsoft.com/office/drawing/2014/main" id="{B32F6CB2-5AA0-C027-9E28-432B13D0757D}"/>
-              </a:ext>
-            </a:extLst>
-          </p:cNvPr>
-          <p:cNvGrpSpPr>
-            <a:grpSpLocks noChangeAspect="1"/>
-          </p:cNvGrpSpPr>
-          <p:nvPr/>
-        </p:nvGrpSpPr>
-        <p:grpSpPr>
-          <a:xfrm>
-            <a:off x="8843135" y="3684339"/>
-            <a:ext cx="318596" cy="561576"/>
-            <a:chOff x="2592518" y="3713719"/>
-            <a:chExt cx="307557" cy="542118"/>
-          </a:xfrm>
-        </p:grpSpPr>
-        <p:sp>
-          <p:nvSpPr>
-            <p:cNvPr id="32" name="Freeform 31">
-              <a:extLst>
-                <a:ext uri="{FF2B5EF4-FFF2-40B4-BE49-F238E27FC236}">
-                  <a16:creationId xmlns:a16="http://schemas.microsoft.com/office/drawing/2014/main" id="{497EAA44-7041-1134-AD17-A97500795D51}"/>
-                </a:ext>
-              </a:extLst>
-            </p:cNvPr>
-            <p:cNvSpPr/>
-            <p:nvPr/>
-          </p:nvSpPr>
-          <p:spPr>
-            <a:xfrm>
-              <a:off x="2669533" y="3939663"/>
-              <a:ext cx="123712" cy="316174"/>
-            </a:xfrm>
-            <a:custGeom>
-              <a:avLst/>
-              <a:gdLst>
-                <a:gd name="connsiteX0" fmla="*/ 69709 w 123712"/>
-                <a:gd name="connsiteY0" fmla="*/ 0 h 316174"/>
-                <a:gd name="connsiteX1" fmla="*/ 37997 w 123712"/>
-                <a:gd name="connsiteY1" fmla="*/ 22881 h 316174"/>
-                <a:gd name="connsiteX2" fmla="*/ 24725 w 123712"/>
-                <a:gd name="connsiteY2" fmla="*/ 292610 h 316174"/>
-                <a:gd name="connsiteX3" fmla="*/ 0 w 123712"/>
-                <a:gd name="connsiteY3" fmla="*/ 292610 h 316174"/>
-                <a:gd name="connsiteX4" fmla="*/ 0 w 123712"/>
-                <a:gd name="connsiteY4" fmla="*/ 316174 h 316174"/>
-                <a:gd name="connsiteX5" fmla="*/ 23564 w 123712"/>
-                <a:gd name="connsiteY5" fmla="*/ 316174 h 316174"/>
-                <a:gd name="connsiteX6" fmla="*/ 100148 w 123712"/>
-                <a:gd name="connsiteY6" fmla="*/ 316174 h 316174"/>
-                <a:gd name="connsiteX7" fmla="*/ 123713 w 123712"/>
-                <a:gd name="connsiteY7" fmla="*/ 316174 h 316174"/>
-                <a:gd name="connsiteX8" fmla="*/ 123713 w 123712"/>
-                <a:gd name="connsiteY8" fmla="*/ 292610 h 316174"/>
-                <a:gd name="connsiteX9" fmla="*/ 98605 w 123712"/>
-                <a:gd name="connsiteY9" fmla="*/ 292610 h 316174"/>
-                <a:gd name="connsiteX10" fmla="*/ 79547 w 123712"/>
-                <a:gd name="connsiteY10" fmla="*/ 2027 h 316174"/>
-                <a:gd name="connsiteX11" fmla="*/ 69709 w 123712"/>
-                <a:gd name="connsiteY11" fmla="*/ 0 h 316174"/>
-              </a:gdLst>
-              <a:ahLst/>
-              <a:cxnLst>
-                <a:cxn ang="0">
-                  <a:pos x="connsiteX0" y="connsiteY0"/>
-                </a:cxn>
-                <a:cxn ang="0">
-                  <a:pos x="connsiteX1" y="connsiteY1"/>
-                </a:cxn>
-                <a:cxn ang="0">
-                  <a:pos x="connsiteX2" y="connsiteY2"/>
-                </a:cxn>
-                <a:cxn ang="0">
-                  <a:pos x="connsiteX3" y="connsiteY3"/>
-                </a:cxn>
-                <a:cxn ang="0">
-                  <a:pos x="connsiteX4" y="connsiteY4"/>
-                </a:cxn>
-                <a:cxn ang="0">
-                  <a:pos x="connsiteX5" y="connsiteY5"/>
-                </a:cxn>
-                <a:cxn ang="0">
-                  <a:pos x="connsiteX6" y="connsiteY6"/>
-                </a:cxn>
-                <a:cxn ang="0">
-                  <a:pos x="connsiteX7" y="connsiteY7"/>
-                </a:cxn>
-                <a:cxn ang="0">
-                  <a:pos x="connsiteX8" y="connsiteY8"/>
-                </a:cxn>
-                <a:cxn ang="0">
-                  <a:pos x="connsiteX9" y="connsiteY9"/>
-                </a:cxn>
-                <a:cxn ang="0">
-                  <a:pos x="connsiteX10" y="connsiteY10"/>
-                </a:cxn>
-                <a:cxn ang="0">
-                  <a:pos x="connsiteX11" y="connsiteY11"/>
-                </a:cxn>
-              </a:cxnLst>
-              <a:rect l="l" t="t" r="r" b="b"/>
-              <a:pathLst>
-                <a:path w="123712" h="316174">
-                  <a:moveTo>
-                    <a:pt x="69709" y="0"/>
-                  </a:moveTo>
-                  <a:lnTo>
-                    <a:pt x="37997" y="22881"/>
-                  </a:lnTo>
-                  <a:lnTo>
-                    <a:pt x="24725" y="292610"/>
-                  </a:lnTo>
-                  <a:lnTo>
-                    <a:pt x="0" y="292610"/>
-                  </a:lnTo>
-                  <a:lnTo>
-                    <a:pt x="0" y="316174"/>
-                  </a:lnTo>
-                  <a:lnTo>
-                    <a:pt x="23564" y="316174"/>
-                  </a:lnTo>
-                  <a:lnTo>
-                    <a:pt x="100148" y="316174"/>
-                  </a:lnTo>
-                  <a:lnTo>
-                    <a:pt x="123713" y="316174"/>
-                  </a:lnTo>
-                  <a:lnTo>
-                    <a:pt x="123713" y="292610"/>
-                  </a:lnTo>
-                  <a:lnTo>
-                    <a:pt x="98605" y="292610"/>
-                  </a:lnTo>
-                  <a:lnTo>
-                    <a:pt x="79547" y="2027"/>
-                  </a:lnTo>
-                  <a:lnTo>
-                    <a:pt x="69709" y="0"/>
-                  </a:lnTo>
-                  <a:close/>
-                </a:path>
-              </a:pathLst>
-            </a:custGeom>
-            <a:solidFill>
-              <a:schemeClr val="bg1"/>
-            </a:solidFill>
-            <a:ln w="5854" cap="flat">
-              <a:noFill/>
-              <a:prstDash val="solid"/>
-              <a:miter/>
-            </a:ln>
-          </p:spPr>
-          <p:txBody>
-            <a:bodyPr rtlCol="0" anchor="ctr"/>
-            <a:lstStyle/>
-            <a:p>
-              <a:endParaRPr lang="en-GB"/>
-            </a:p>
-          </p:txBody>
-        </p:sp>
-        <p:sp>
-          <p:nvSpPr>
-            <p:cNvPr id="33" name="Freeform 32">
-              <a:extLst>
-                <a:ext uri="{FF2B5EF4-FFF2-40B4-BE49-F238E27FC236}">
-                  <a16:creationId xmlns:a16="http://schemas.microsoft.com/office/drawing/2014/main" id="{CACBF976-CDCC-99CA-B211-C8340584AA05}"/>
-                </a:ext>
-              </a:extLst>
-            </p:cNvPr>
-            <p:cNvSpPr/>
-            <p:nvPr/>
-          </p:nvSpPr>
-          <p:spPr>
-            <a:xfrm>
-              <a:off x="2682632" y="3713719"/>
-              <a:ext cx="65075" cy="156611"/>
-            </a:xfrm>
-            <a:custGeom>
-              <a:avLst/>
-              <a:gdLst>
-                <a:gd name="connsiteX0" fmla="*/ 14277 w 65075"/>
-                <a:gd name="connsiteY0" fmla="*/ 152676 h 156611"/>
-                <a:gd name="connsiteX1" fmla="*/ 17028 w 65075"/>
-                <a:gd name="connsiteY1" fmla="*/ 156612 h 156611"/>
-                <a:gd name="connsiteX2" fmla="*/ 22796 w 65075"/>
-                <a:gd name="connsiteY2" fmla="*/ 149589 h 156611"/>
-                <a:gd name="connsiteX3" fmla="*/ 63898 w 65075"/>
-                <a:gd name="connsiteY3" fmla="*/ 146055 h 156611"/>
-                <a:gd name="connsiteX4" fmla="*/ 65076 w 65075"/>
-                <a:gd name="connsiteY4" fmla="*/ 140941 h 156611"/>
-                <a:gd name="connsiteX5" fmla="*/ 20722 w 65075"/>
-                <a:gd name="connsiteY5" fmla="*/ 7432 h 156611"/>
-                <a:gd name="connsiteX6" fmla="*/ 7429 w 65075"/>
-                <a:gd name="connsiteY6" fmla="*/ 489 h 156611"/>
-                <a:gd name="connsiteX7" fmla="*/ 74 w 65075"/>
-                <a:gd name="connsiteY7" fmla="*/ 11850 h 156611"/>
-              </a:gdLst>
-              <a:ahLst/>
-              <a:cxnLst>
-                <a:cxn ang="0">
-                  <a:pos x="connsiteX0" y="connsiteY0"/>
-                </a:cxn>
-                <a:cxn ang="0">
-                  <a:pos x="connsiteX1" y="connsiteY1"/>
-                </a:cxn>
-                <a:cxn ang="0">
-                  <a:pos x="connsiteX2" y="connsiteY2"/>
-                </a:cxn>
-                <a:cxn ang="0">
-                  <a:pos x="connsiteX3" y="connsiteY3"/>
-                </a:cxn>
-                <a:cxn ang="0">
-                  <a:pos x="connsiteX4" y="connsiteY4"/>
-                </a:cxn>
-                <a:cxn ang="0">
-                  <a:pos x="connsiteX5" y="connsiteY5"/>
-                </a:cxn>
-                <a:cxn ang="0">
-                  <a:pos x="connsiteX6" y="connsiteY6"/>
-                </a:cxn>
-                <a:cxn ang="0">
-                  <a:pos x="connsiteX7" y="connsiteY7"/>
-                </a:cxn>
-              </a:cxnLst>
-              <a:rect l="l" t="t" r="r" b="b"/>
-              <a:pathLst>
-                <a:path w="65075" h="156611">
-                  <a:moveTo>
-                    <a:pt x="14277" y="152676"/>
-                  </a:moveTo>
-                  <a:lnTo>
-                    <a:pt x="17028" y="156612"/>
-                  </a:lnTo>
-                  <a:cubicBezTo>
-                    <a:pt x="18623" y="154020"/>
-                    <a:pt x="20564" y="151658"/>
-                    <a:pt x="22796" y="149589"/>
-                  </a:cubicBezTo>
-                  <a:cubicBezTo>
-                    <a:pt x="34149" y="139317"/>
-                    <a:pt x="50957" y="137871"/>
-                    <a:pt x="63898" y="146055"/>
-                  </a:cubicBezTo>
-                  <a:lnTo>
-                    <a:pt x="65076" y="140941"/>
-                  </a:lnTo>
-                  <a:lnTo>
-                    <a:pt x="20722" y="7432"/>
-                  </a:lnTo>
-                  <a:cubicBezTo>
-                    <a:pt x="18968" y="1844"/>
-                    <a:pt x="13017" y="-1264"/>
-                    <a:pt x="7429" y="489"/>
-                  </a:cubicBezTo>
-                  <a:cubicBezTo>
-                    <a:pt x="2566" y="2016"/>
-                    <a:pt x="-524" y="6787"/>
-                    <a:pt x="74" y="11850"/>
-                  </a:cubicBezTo>
-                  <a:close/>
-                </a:path>
-              </a:pathLst>
-            </a:custGeom>
-            <a:solidFill>
-              <a:schemeClr val="bg1"/>
-            </a:solidFill>
-            <a:ln w="5854" cap="flat">
-              <a:noFill/>
-              <a:prstDash val="solid"/>
-              <a:miter/>
-            </a:ln>
-          </p:spPr>
-          <p:txBody>
-            <a:bodyPr rtlCol="0" anchor="ctr"/>
-            <a:lstStyle/>
-            <a:p>
-              <a:endParaRPr lang="en-GB"/>
-            </a:p>
-          </p:txBody>
-        </p:sp>
-        <p:sp>
-          <p:nvSpPr>
-            <p:cNvPr id="34" name="Freeform 33">
-              <a:extLst>
-                <a:ext uri="{FF2B5EF4-FFF2-40B4-BE49-F238E27FC236}">
-                  <a16:creationId xmlns:a16="http://schemas.microsoft.com/office/drawing/2014/main" id="{294FEAF3-B47C-8480-243D-46BC4DA97A3C}"/>
-                </a:ext>
-              </a:extLst>
-            </p:cNvPr>
-            <p:cNvSpPr/>
-            <p:nvPr/>
-          </p:nvSpPr>
-          <p:spPr>
-            <a:xfrm>
-              <a:off x="2744073" y="3874466"/>
-              <a:ext cx="156002" cy="77852"/>
-            </a:xfrm>
-            <a:custGeom>
-              <a:avLst/>
-              <a:gdLst>
-                <a:gd name="connsiteX0" fmla="*/ 149539 w 156002"/>
-                <a:gd name="connsiteY0" fmla="*/ 57485 h 77852"/>
-                <a:gd name="connsiteX1" fmla="*/ 21879 w 156002"/>
-                <a:gd name="connsiteY1" fmla="*/ 0 h 77852"/>
-                <a:gd name="connsiteX2" fmla="*/ 15558 w 156002"/>
-                <a:gd name="connsiteY2" fmla="*/ 701 h 77852"/>
-                <a:gd name="connsiteX3" fmla="*/ 0 w 156002"/>
-                <a:gd name="connsiteY3" fmla="*/ 44537 h 77852"/>
-                <a:gd name="connsiteX4" fmla="*/ 6074 w 156002"/>
-                <a:gd name="connsiteY4" fmla="*/ 49414 h 77852"/>
-                <a:gd name="connsiteX5" fmla="*/ 143041 w 156002"/>
-                <a:gd name="connsiteY5" fmla="*/ 77586 h 77852"/>
-                <a:gd name="connsiteX6" fmla="*/ 155736 w 156002"/>
-                <a:gd name="connsiteY6" fmla="*/ 69602 h 77852"/>
-                <a:gd name="connsiteX7" fmla="*/ 149539 w 156002"/>
-                <a:gd name="connsiteY7" fmla="*/ 57485 h 77852"/>
-              </a:gdLst>
-              <a:ahLst/>
-              <a:cxnLst>
-                <a:cxn ang="0">
-                  <a:pos x="connsiteX0" y="connsiteY0"/>
-                </a:cxn>
-                <a:cxn ang="0">
-                  <a:pos x="connsiteX1" y="connsiteY1"/>
-                </a:cxn>
-                <a:cxn ang="0">
-                  <a:pos x="connsiteX2" y="connsiteY2"/>
-                </a:cxn>
-                <a:cxn ang="0">
-                  <a:pos x="connsiteX3" y="connsiteY3"/>
-                </a:cxn>
-                <a:cxn ang="0">
-                  <a:pos x="connsiteX4" y="connsiteY4"/>
-                </a:cxn>
-                <a:cxn ang="0">
-                  <a:pos x="connsiteX5" y="connsiteY5"/>
-                </a:cxn>
-                <a:cxn ang="0">
-                  <a:pos x="connsiteX6" y="connsiteY6"/>
-                </a:cxn>
-                <a:cxn ang="0">
-                  <a:pos x="connsiteX7" y="connsiteY7"/>
-                </a:cxn>
-              </a:cxnLst>
-              <a:rect l="l" t="t" r="r" b="b"/>
-              <a:pathLst>
-                <a:path w="156002" h="77852">
-                  <a:moveTo>
-                    <a:pt x="149539" y="57485"/>
-                  </a:moveTo>
-                  <a:lnTo>
-                    <a:pt x="21879" y="0"/>
-                  </a:lnTo>
-                  <a:lnTo>
-                    <a:pt x="15558" y="701"/>
-                  </a:lnTo>
-                  <a:cubicBezTo>
-                    <a:pt x="23043" y="17118"/>
-                    <a:pt x="16160" y="36512"/>
-                    <a:pt x="0" y="44537"/>
-                  </a:cubicBezTo>
-                  <a:lnTo>
-                    <a:pt x="6074" y="49414"/>
-                  </a:lnTo>
-                  <a:lnTo>
-                    <a:pt x="143041" y="77586"/>
-                  </a:lnTo>
-                  <a:cubicBezTo>
-                    <a:pt x="148752" y="78886"/>
-                    <a:pt x="154435" y="75312"/>
-                    <a:pt x="155736" y="69602"/>
-                  </a:cubicBezTo>
-                  <a:cubicBezTo>
-                    <a:pt x="156877" y="64595"/>
-                    <a:pt x="154266" y="59491"/>
-                    <a:pt x="149539" y="57485"/>
-                  </a:cubicBezTo>
-                  <a:close/>
-                </a:path>
-              </a:pathLst>
-            </a:custGeom>
-            <a:solidFill>
-              <a:schemeClr val="bg1"/>
-            </a:solidFill>
-            <a:ln w="5854" cap="flat">
-              <a:noFill/>
-              <a:prstDash val="solid"/>
-              <a:miter/>
-            </a:ln>
-          </p:spPr>
-          <p:txBody>
-            <a:bodyPr rtlCol="0" anchor="ctr"/>
-            <a:lstStyle/>
-            <a:p>
-              <a:endParaRPr lang="en-GB"/>
-            </a:p>
-          </p:txBody>
-        </p:sp>
-        <p:sp>
-          <p:nvSpPr>
-            <p:cNvPr id="35" name="Freeform 34">
-              <a:extLst>
-                <a:ext uri="{FF2B5EF4-FFF2-40B4-BE49-F238E27FC236}">
-                  <a16:creationId xmlns:a16="http://schemas.microsoft.com/office/drawing/2014/main" id="{90414018-2E72-8382-3CAF-2E465CE92AC6}"/>
-                </a:ext>
-              </a:extLst>
-            </p:cNvPr>
-            <p:cNvSpPr/>
-            <p:nvPr/>
-          </p:nvSpPr>
-          <p:spPr>
-            <a:xfrm>
-              <a:off x="2592518" y="3889341"/>
-              <a:ext cx="133733" cy="124142"/>
-            </a:xfrm>
-            <a:custGeom>
-              <a:avLst/>
-              <a:gdLst>
-                <a:gd name="connsiteX0" fmla="*/ 133734 w 133733"/>
-                <a:gd name="connsiteY0" fmla="*/ 33503 h 124142"/>
-                <a:gd name="connsiteX1" fmla="*/ 101775 w 133733"/>
-                <a:gd name="connsiteY1" fmla="*/ 0 h 124142"/>
-                <a:gd name="connsiteX2" fmla="*/ 95295 w 133733"/>
-                <a:gd name="connsiteY2" fmla="*/ 2221 h 124142"/>
-                <a:gd name="connsiteX3" fmla="*/ 2763 w 133733"/>
-                <a:gd name="connsiteY3" fmla="*/ 106399 h 124142"/>
-                <a:gd name="connsiteX4" fmla="*/ 3465 w 133733"/>
-                <a:gd name="connsiteY4" fmla="*/ 121379 h 124142"/>
-                <a:gd name="connsiteX5" fmla="*/ 16902 w 133733"/>
-                <a:gd name="connsiteY5" fmla="*/ 122069 h 124142"/>
-                <a:gd name="connsiteX6" fmla="*/ 130953 w 133733"/>
-                <a:gd name="connsiteY6" fmla="*/ 39936 h 124142"/>
-              </a:gdLst>
-              <a:ahLst/>
-              <a:cxnLst>
-                <a:cxn ang="0">
-                  <a:pos x="connsiteX0" y="connsiteY0"/>
-                </a:cxn>
-                <a:cxn ang="0">
-                  <a:pos x="connsiteX1" y="connsiteY1"/>
-                </a:cxn>
-                <a:cxn ang="0">
-                  <a:pos x="connsiteX2" y="connsiteY2"/>
-                </a:cxn>
-                <a:cxn ang="0">
-                  <a:pos x="connsiteX3" y="connsiteY3"/>
-                </a:cxn>
-                <a:cxn ang="0">
-                  <a:pos x="connsiteX4" y="connsiteY4"/>
-                </a:cxn>
-                <a:cxn ang="0">
-                  <a:pos x="connsiteX5" y="connsiteY5"/>
-                </a:cxn>
-                <a:cxn ang="0">
-                  <a:pos x="connsiteX6" y="connsiteY6"/>
-                </a:cxn>
-              </a:cxnLst>
-              <a:rect l="l" t="t" r="r" b="b"/>
-              <a:pathLst>
-                <a:path w="133733" h="124142">
-                  <a:moveTo>
-                    <a:pt x="133734" y="33503"/>
-                  </a:moveTo>
-                  <a:cubicBezTo>
-                    <a:pt x="115913" y="32509"/>
-                    <a:pt x="101927" y="17848"/>
-                    <a:pt x="101775" y="0"/>
-                  </a:cubicBezTo>
-                  <a:lnTo>
-                    <a:pt x="95295" y="2221"/>
-                  </a:lnTo>
-                  <a:lnTo>
-                    <a:pt x="2763" y="106399"/>
-                  </a:lnTo>
-                  <a:cubicBezTo>
-                    <a:pt x="-1179" y="110729"/>
-                    <a:pt x="-865" y="117436"/>
-                    <a:pt x="3465" y="121379"/>
-                  </a:cubicBezTo>
-                  <a:cubicBezTo>
-                    <a:pt x="7206" y="124785"/>
-                    <a:pt x="12832" y="125074"/>
-                    <a:pt x="16902" y="122069"/>
-                  </a:cubicBezTo>
-                  <a:lnTo>
-                    <a:pt x="130953" y="39936"/>
-                  </a:lnTo>
-                  <a:close/>
-                </a:path>
-              </a:pathLst>
-            </a:custGeom>
-            <a:solidFill>
-              <a:schemeClr val="bg1"/>
-            </a:solidFill>
-            <a:ln w="5854" cap="flat">
-              <a:noFill/>
-              <a:prstDash val="solid"/>
-              <a:miter/>
-            </a:ln>
-          </p:spPr>
-          <p:txBody>
-            <a:bodyPr rtlCol="0" anchor="ctr"/>
-            <a:lstStyle/>
-            <a:p>
-              <a:endParaRPr lang="en-GB"/>
-            </a:p>
-          </p:txBody>
-        </p:sp>
-        <p:sp>
-          <p:nvSpPr>
-            <p:cNvPr id="36" name="Freeform 35">
-              <a:extLst>
-                <a:ext uri="{FF2B5EF4-FFF2-40B4-BE49-F238E27FC236}">
-                  <a16:creationId xmlns:a16="http://schemas.microsoft.com/office/drawing/2014/main" id="{C1228091-CFDE-D19C-8091-053AEB126B76}"/>
-                </a:ext>
-              </a:extLst>
-            </p:cNvPr>
-            <p:cNvSpPr/>
-            <p:nvPr/>
-          </p:nvSpPr>
-          <p:spPr>
-            <a:xfrm>
-              <a:off x="2711816" y="3872150"/>
-              <a:ext cx="33119" cy="33120"/>
-            </a:xfrm>
-            <a:custGeom>
-              <a:avLst/>
-              <a:gdLst>
-                <a:gd name="connsiteX0" fmla="*/ 5452 w 33119"/>
-                <a:gd name="connsiteY0" fmla="*/ 4278 h 33120"/>
-                <a:gd name="connsiteX1" fmla="*/ 4278 w 33119"/>
-                <a:gd name="connsiteY1" fmla="*/ 27668 h 33120"/>
-                <a:gd name="connsiteX2" fmla="*/ 27668 w 33119"/>
-                <a:gd name="connsiteY2" fmla="*/ 28842 h 33120"/>
-                <a:gd name="connsiteX3" fmla="*/ 28846 w 33119"/>
-                <a:gd name="connsiteY3" fmla="*/ 5456 h 33120"/>
-                <a:gd name="connsiteX4" fmla="*/ 5456 w 33119"/>
-                <a:gd name="connsiteY4" fmla="*/ 4275 h 33120"/>
-                <a:gd name="connsiteX5" fmla="*/ 5452 w 33119"/>
-                <a:gd name="connsiteY5" fmla="*/ 4278 h 33120"/>
-              </a:gdLst>
-              <a:ahLst/>
-              <a:cxnLst>
-                <a:cxn ang="0">
-                  <a:pos x="connsiteX0" y="connsiteY0"/>
-                </a:cxn>
-                <a:cxn ang="0">
-                  <a:pos x="connsiteX1" y="connsiteY1"/>
-                </a:cxn>
-                <a:cxn ang="0">
-                  <a:pos x="connsiteX2" y="connsiteY2"/>
-                </a:cxn>
-                <a:cxn ang="0">
-                  <a:pos x="connsiteX3" y="connsiteY3"/>
-                </a:cxn>
-                <a:cxn ang="0">
-                  <a:pos x="connsiteX4" y="connsiteY4"/>
-                </a:cxn>
-                <a:cxn ang="0">
-                  <a:pos x="connsiteX5" y="connsiteY5"/>
-                </a:cxn>
-              </a:cxnLst>
-              <a:rect l="l" t="t" r="r" b="b"/>
-              <a:pathLst>
-                <a:path w="33119" h="33120">
-                  <a:moveTo>
-                    <a:pt x="5452" y="4278"/>
-                  </a:moveTo>
-                  <a:cubicBezTo>
-                    <a:pt x="-1331" y="10413"/>
-                    <a:pt x="-1856" y="20885"/>
-                    <a:pt x="4278" y="27668"/>
-                  </a:cubicBezTo>
-                  <a:cubicBezTo>
-                    <a:pt x="10413" y="34451"/>
-                    <a:pt x="20885" y="34977"/>
-                    <a:pt x="27668" y="28842"/>
-                  </a:cubicBezTo>
-                  <a:cubicBezTo>
-                    <a:pt x="34449" y="22708"/>
-                    <a:pt x="34976" y="12240"/>
-                    <a:pt x="28846" y="5456"/>
-                  </a:cubicBezTo>
-                  <a:cubicBezTo>
-                    <a:pt x="22713" y="-1329"/>
-                    <a:pt x="12241" y="-1858"/>
-                    <a:pt x="5456" y="4275"/>
-                  </a:cubicBezTo>
-                  <a:cubicBezTo>
-                    <a:pt x="5455" y="4276"/>
-                    <a:pt x="5453" y="4277"/>
-                    <a:pt x="5452" y="4278"/>
-                  </a:cubicBezTo>
-                  <a:close/>
-                </a:path>
-              </a:pathLst>
-            </a:custGeom>
-            <a:solidFill>
-              <a:schemeClr val="bg1"/>
-            </a:solidFill>
-            <a:ln w="5854" cap="flat">
-              <a:noFill/>
-              <a:prstDash val="solid"/>
-              <a:miter/>
-            </a:ln>
-          </p:spPr>
-          <p:txBody>
-            <a:bodyPr rtlCol="0" anchor="ctr"/>
-            <a:lstStyle/>
-            <a:p>
-              <a:endParaRPr lang="en-GB"/>
-            </a:p>
-          </p:txBody>
-        </p:sp>
-      </p:grpSp>
-      <p:sp>
-        <p:nvSpPr>
-          <p:cNvPr id="42" name="Graphic 4" descr="Marker with solid fill">
-            <a:extLst>
-              <a:ext uri="{FF2B5EF4-FFF2-40B4-BE49-F238E27FC236}">
-                <a16:creationId xmlns:a16="http://schemas.microsoft.com/office/drawing/2014/main" id="{380FAB2B-7FC9-63E4-84AD-0515E470CC0A}"/>
-              </a:ext>
-            </a:extLst>
-          </p:cNvPr>
-          <p:cNvSpPr/>
-          <p:nvPr/>
-        </p:nvSpPr>
-        <p:spPr>
-          <a:xfrm>
-            <a:off x="8686157" y="3601682"/>
-            <a:ext cx="627945" cy="1020000"/>
-          </a:xfrm>
-          <a:custGeom>
-            <a:avLst/>
-            <a:gdLst>
-              <a:gd name="connsiteX0" fmla="*/ 313973 w 627945"/>
-              <a:gd name="connsiteY0" fmla="*/ 450000 h 1020000"/>
-              <a:gd name="connsiteX1" fmla="*/ 178973 w 627945"/>
-              <a:gd name="connsiteY1" fmla="*/ 315000 h 1020000"/>
-              <a:gd name="connsiteX2" fmla="*/ 313973 w 627945"/>
-              <a:gd name="connsiteY2" fmla="*/ 180000 h 1020000"/>
-              <a:gd name="connsiteX3" fmla="*/ 448973 w 627945"/>
-              <a:gd name="connsiteY3" fmla="*/ 315000 h 1020000"/>
-              <a:gd name="connsiteX4" fmla="*/ 313973 w 627945"/>
-              <a:gd name="connsiteY4" fmla="*/ 450000 h 1020000"/>
-              <a:gd name="connsiteX5" fmla="*/ 313973 w 627945"/>
-              <a:gd name="connsiteY5" fmla="*/ 0 h 1020000"/>
-              <a:gd name="connsiteX6" fmla="*/ 54473 w 627945"/>
-              <a:gd name="connsiteY6" fmla="*/ 138000 h 1020000"/>
-              <a:gd name="connsiteX7" fmla="*/ 21473 w 627945"/>
-              <a:gd name="connsiteY7" fmla="*/ 430500 h 1020000"/>
-              <a:gd name="connsiteX8" fmla="*/ 163973 w 627945"/>
-              <a:gd name="connsiteY8" fmla="*/ 745500 h 1020000"/>
-              <a:gd name="connsiteX9" fmla="*/ 286973 w 627945"/>
-              <a:gd name="connsiteY9" fmla="*/ 1003500 h 1020000"/>
-              <a:gd name="connsiteX10" fmla="*/ 313973 w 627945"/>
-              <a:gd name="connsiteY10" fmla="*/ 1020000 h 1020000"/>
-              <a:gd name="connsiteX11" fmla="*/ 340973 w 627945"/>
-              <a:gd name="connsiteY11" fmla="*/ 1003500 h 1020000"/>
-              <a:gd name="connsiteX12" fmla="*/ 463973 w 627945"/>
-              <a:gd name="connsiteY12" fmla="*/ 745500 h 1020000"/>
-              <a:gd name="connsiteX13" fmla="*/ 606473 w 627945"/>
-              <a:gd name="connsiteY13" fmla="*/ 430500 h 1020000"/>
-              <a:gd name="connsiteX14" fmla="*/ 573473 w 627945"/>
-              <a:gd name="connsiteY14" fmla="*/ 138000 h 1020000"/>
-              <a:gd name="connsiteX15" fmla="*/ 313973 w 627945"/>
-              <a:gd name="connsiteY15" fmla="*/ 0 h 1020000"/>
-              <a:gd name="connsiteX0" fmla="*/ 313973 w 627945"/>
-              <a:gd name="connsiteY0" fmla="*/ 450000 h 1020000"/>
-              <a:gd name="connsiteX1" fmla="*/ 178973 w 627945"/>
-              <a:gd name="connsiteY1" fmla="*/ 315000 h 1020000"/>
-              <a:gd name="connsiteX2" fmla="*/ 313973 w 627945"/>
-              <a:gd name="connsiteY2" fmla="*/ 180000 h 1020000"/>
-              <a:gd name="connsiteX3" fmla="*/ 313973 w 627945"/>
-              <a:gd name="connsiteY3" fmla="*/ 450000 h 1020000"/>
-              <a:gd name="connsiteX4" fmla="*/ 313973 w 627945"/>
-              <a:gd name="connsiteY4" fmla="*/ 0 h 1020000"/>
-              <a:gd name="connsiteX5" fmla="*/ 54473 w 627945"/>
-              <a:gd name="connsiteY5" fmla="*/ 138000 h 1020000"/>
-              <a:gd name="connsiteX6" fmla="*/ 21473 w 627945"/>
-              <a:gd name="connsiteY6" fmla="*/ 430500 h 1020000"/>
-              <a:gd name="connsiteX7" fmla="*/ 163973 w 627945"/>
-              <a:gd name="connsiteY7" fmla="*/ 745500 h 1020000"/>
-              <a:gd name="connsiteX8" fmla="*/ 286973 w 627945"/>
-              <a:gd name="connsiteY8" fmla="*/ 1003500 h 1020000"/>
-              <a:gd name="connsiteX9" fmla="*/ 313973 w 627945"/>
-              <a:gd name="connsiteY9" fmla="*/ 1020000 h 1020000"/>
-              <a:gd name="connsiteX10" fmla="*/ 340973 w 627945"/>
-              <a:gd name="connsiteY10" fmla="*/ 1003500 h 1020000"/>
-              <a:gd name="connsiteX11" fmla="*/ 463973 w 627945"/>
-              <a:gd name="connsiteY11" fmla="*/ 745500 h 1020000"/>
-              <a:gd name="connsiteX12" fmla="*/ 606473 w 627945"/>
-              <a:gd name="connsiteY12" fmla="*/ 430500 h 1020000"/>
-              <a:gd name="connsiteX13" fmla="*/ 573473 w 627945"/>
-              <a:gd name="connsiteY13" fmla="*/ 138000 h 1020000"/>
-              <a:gd name="connsiteX14" fmla="*/ 313973 w 627945"/>
-              <a:gd name="connsiteY14" fmla="*/ 0 h 1020000"/>
-              <a:gd name="connsiteX0" fmla="*/ 313973 w 627945"/>
-              <a:gd name="connsiteY0" fmla="*/ 180000 h 1020000"/>
-              <a:gd name="connsiteX1" fmla="*/ 178973 w 627945"/>
-              <a:gd name="connsiteY1" fmla="*/ 315000 h 1020000"/>
-              <a:gd name="connsiteX2" fmla="*/ 313973 w 627945"/>
-              <a:gd name="connsiteY2" fmla="*/ 180000 h 1020000"/>
-              <a:gd name="connsiteX3" fmla="*/ 313973 w 627945"/>
-              <a:gd name="connsiteY3" fmla="*/ 0 h 1020000"/>
-              <a:gd name="connsiteX4" fmla="*/ 54473 w 627945"/>
-              <a:gd name="connsiteY4" fmla="*/ 138000 h 1020000"/>
-              <a:gd name="connsiteX5" fmla="*/ 21473 w 627945"/>
-              <a:gd name="connsiteY5" fmla="*/ 430500 h 1020000"/>
-              <a:gd name="connsiteX6" fmla="*/ 163973 w 627945"/>
-              <a:gd name="connsiteY6" fmla="*/ 745500 h 1020000"/>
-              <a:gd name="connsiteX7" fmla="*/ 286973 w 627945"/>
-              <a:gd name="connsiteY7" fmla="*/ 1003500 h 1020000"/>
-              <a:gd name="connsiteX8" fmla="*/ 313973 w 627945"/>
-              <a:gd name="connsiteY8" fmla="*/ 1020000 h 1020000"/>
-              <a:gd name="connsiteX9" fmla="*/ 340973 w 627945"/>
-              <a:gd name="connsiteY9" fmla="*/ 1003500 h 1020000"/>
-              <a:gd name="connsiteX10" fmla="*/ 463973 w 627945"/>
-              <a:gd name="connsiteY10" fmla="*/ 745500 h 1020000"/>
-              <a:gd name="connsiteX11" fmla="*/ 606473 w 627945"/>
-              <a:gd name="connsiteY11" fmla="*/ 430500 h 1020000"/>
-              <a:gd name="connsiteX12" fmla="*/ 573473 w 627945"/>
-              <a:gd name="connsiteY12" fmla="*/ 138000 h 1020000"/>
-              <a:gd name="connsiteX13" fmla="*/ 313973 w 627945"/>
-              <a:gd name="connsiteY13" fmla="*/ 0 h 1020000"/>
-              <a:gd name="connsiteX0" fmla="*/ 313973 w 627945"/>
-              <a:gd name="connsiteY0" fmla="*/ 0 h 1020000"/>
-              <a:gd name="connsiteX1" fmla="*/ 54473 w 627945"/>
-              <a:gd name="connsiteY1" fmla="*/ 138000 h 1020000"/>
-              <a:gd name="connsiteX2" fmla="*/ 21473 w 627945"/>
-              <a:gd name="connsiteY2" fmla="*/ 430500 h 1020000"/>
-              <a:gd name="connsiteX3" fmla="*/ 163973 w 627945"/>
-              <a:gd name="connsiteY3" fmla="*/ 745500 h 1020000"/>
-              <a:gd name="connsiteX4" fmla="*/ 286973 w 627945"/>
-              <a:gd name="connsiteY4" fmla="*/ 1003500 h 1020000"/>
-              <a:gd name="connsiteX5" fmla="*/ 313973 w 627945"/>
-              <a:gd name="connsiteY5" fmla="*/ 1020000 h 1020000"/>
-              <a:gd name="connsiteX6" fmla="*/ 340973 w 627945"/>
-              <a:gd name="connsiteY6" fmla="*/ 1003500 h 1020000"/>
-              <a:gd name="connsiteX7" fmla="*/ 463973 w 627945"/>
-              <a:gd name="connsiteY7" fmla="*/ 745500 h 1020000"/>
-              <a:gd name="connsiteX8" fmla="*/ 606473 w 627945"/>
-              <a:gd name="connsiteY8" fmla="*/ 430500 h 1020000"/>
-              <a:gd name="connsiteX9" fmla="*/ 573473 w 627945"/>
-              <a:gd name="connsiteY9" fmla="*/ 138000 h 1020000"/>
-              <a:gd name="connsiteX10" fmla="*/ 313973 w 627945"/>
-              <a:gd name="connsiteY10" fmla="*/ 0 h 1020000"/>
-            </a:gdLst>
-            <a:ahLst/>
-            <a:cxnLst>
-              <a:cxn ang="0">
-                <a:pos x="connsiteX0" y="connsiteY0"/>
-              </a:cxn>
-              <a:cxn ang="0">
-                <a:pos x="connsiteX1" y="connsiteY1"/>
-              </a:cxn>
-              <a:cxn ang="0">
-                <a:pos x="connsiteX2" y="connsiteY2"/>
-              </a:cxn>
-              <a:cxn ang="0">
-                <a:pos x="connsiteX3" y="connsiteY3"/>
-              </a:cxn>
-              <a:cxn ang="0">
-                <a:pos x="connsiteX4" y="connsiteY4"/>
-              </a:cxn>
-              <a:cxn ang="0">
-                <a:pos x="connsiteX5" y="connsiteY5"/>
-              </a:cxn>
-              <a:cxn ang="0">
-                <a:pos x="connsiteX6" y="connsiteY6"/>
-              </a:cxn>
-              <a:cxn ang="0">
-                <a:pos x="connsiteX7" y="connsiteY7"/>
-              </a:cxn>
-              <a:cxn ang="0">
-                <a:pos x="connsiteX8" y="connsiteY8"/>
-              </a:cxn>
-              <a:cxn ang="0">
-                <a:pos x="connsiteX9" y="connsiteY9"/>
-              </a:cxn>
-              <a:cxn ang="0">
-                <a:pos x="connsiteX10" y="connsiteY10"/>
-              </a:cxn>
-            </a:cxnLst>
-            <a:rect l="l" t="t" r="r" b="b"/>
-            <a:pathLst>
-              <a:path w="627945" h="1020000">
-                <a:moveTo>
-                  <a:pt x="313973" y="0"/>
-                </a:moveTo>
-                <a:cubicBezTo>
-                  <a:pt x="210473" y="0"/>
-                  <a:pt x="112973" y="51000"/>
-                  <a:pt x="54473" y="138000"/>
-                </a:cubicBezTo>
-                <a:cubicBezTo>
-                  <a:pt x="-4027" y="223500"/>
-                  <a:pt x="-16027" y="333000"/>
-                  <a:pt x="21473" y="430500"/>
-                </a:cubicBezTo>
-                <a:lnTo>
-                  <a:pt x="163973" y="745500"/>
-                </a:lnTo>
-                <a:lnTo>
-                  <a:pt x="286973" y="1003500"/>
-                </a:lnTo>
-                <a:cubicBezTo>
-                  <a:pt x="291473" y="1014000"/>
-                  <a:pt x="301973" y="1020000"/>
-                  <a:pt x="313973" y="1020000"/>
-                </a:cubicBezTo>
-                <a:cubicBezTo>
-                  <a:pt x="325973" y="1020000"/>
-                  <a:pt x="336473" y="1014000"/>
-                  <a:pt x="340973" y="1003500"/>
-                </a:cubicBezTo>
-                <a:lnTo>
-                  <a:pt x="463973" y="745500"/>
-                </a:lnTo>
-                <a:lnTo>
-                  <a:pt x="606473" y="430500"/>
-                </a:lnTo>
-                <a:cubicBezTo>
-                  <a:pt x="643973" y="333000"/>
-                  <a:pt x="631973" y="223500"/>
-                  <a:pt x="573473" y="138000"/>
-                </a:cubicBezTo>
-                <a:cubicBezTo>
-                  <a:pt x="514973" y="51000"/>
-                  <a:pt x="417473" y="0"/>
-                  <a:pt x="313973" y="0"/>
-                </a:cubicBezTo>
-                <a:close/>
-              </a:path>
-            </a:pathLst>
-          </a:custGeom>
-          <a:solidFill>
-            <a:srgbClr val="17A9AE"/>
-          </a:solidFill>
-          <a:ln w="14982" cap="flat">
-            <a:solidFill>
-              <a:schemeClr val="tx1"/>
-            </a:solidFill>
-            <a:prstDash val="solid"/>
-            <a:miter/>
-          </a:ln>
-        </p:spPr>
-        <p:txBody>
-          <a:bodyPr rtlCol="0" anchor="ctr"/>
-          <a:lstStyle/>
-          <a:p>
-            <a:endParaRPr lang="en-GB" dirty="0"/>
-          </a:p>
-        </p:txBody>
-      </p:sp>
-      <p:pic>
-        <p:nvPicPr>
-          <p:cNvPr id="83" name="Graphic 82" descr="Magnifying glass with solid fill">
-            <a:extLst>
-              <a:ext uri="{FF2B5EF4-FFF2-40B4-BE49-F238E27FC236}">
-                <a16:creationId xmlns:a16="http://schemas.microsoft.com/office/drawing/2014/main" id="{2B766E91-99BB-1599-8CD5-8C34984CF286}"/>
-              </a:ext>
-            </a:extLst>
-          </p:cNvPr>
-          <p:cNvPicPr>
-            <a:picLocks noChangeAspect="1"/>
-          </p:cNvPicPr>
-          <p:nvPr/>
-        </p:nvPicPr>
-        <p:blipFill>
-          <a:blip r:embed="rId12">
-            <a:extLst>
-              <a:ext uri="{96DAC541-7B7A-43D3-8B79-37D633B846F1}">
-                <asvg:svgBlip xmlns:asvg="http://schemas.microsoft.com/office/drawing/2016/SVG/main" r:embed="rId13"/>
-              </a:ext>
-            </a:extLst>
-          </a:blip>
-          <a:stretch>
-            <a:fillRect/>
-          </a:stretch>
-        </p:blipFill>
-        <p:spPr>
-          <a:xfrm rot="1606036">
-            <a:off x="8624209" y="3615300"/>
-            <a:ext cx="743375" cy="743375"/>
-          </a:xfrm>
-          <a:prstGeom prst="rect">
-            <a:avLst/>
-          </a:prstGeom>
-        </p:spPr>
-      </p:pic>
-      <p:grpSp>
-        <p:nvGrpSpPr>
-          <p:cNvPr id="52" name="Group 51">
-            <a:extLst>
-              <a:ext uri="{FF2B5EF4-FFF2-40B4-BE49-F238E27FC236}">
-                <a16:creationId xmlns:a16="http://schemas.microsoft.com/office/drawing/2014/main" id="{517B3B25-8DE8-0DEA-6811-888F40AEC6F8}"/>
-              </a:ext>
-            </a:extLst>
-          </p:cNvPr>
-          <p:cNvGrpSpPr>
-            <a:grpSpLocks noChangeAspect="1"/>
-          </p:cNvGrpSpPr>
-          <p:nvPr/>
-        </p:nvGrpSpPr>
-        <p:grpSpPr>
-          <a:xfrm rot="19736769">
-            <a:off x="8842430" y="3739712"/>
-            <a:ext cx="258554" cy="252000"/>
-            <a:chOff x="2592518" y="3713719"/>
-            <a:chExt cx="307557" cy="299764"/>
-          </a:xfrm>
-        </p:grpSpPr>
-        <p:sp>
-          <p:nvSpPr>
-            <p:cNvPr id="54" name="Freeform 53">
-              <a:extLst>
-                <a:ext uri="{FF2B5EF4-FFF2-40B4-BE49-F238E27FC236}">
-                  <a16:creationId xmlns:a16="http://schemas.microsoft.com/office/drawing/2014/main" id="{D6E535C4-C19F-4425-B95F-95BDD140FA86}"/>
-                </a:ext>
-              </a:extLst>
-            </p:cNvPr>
-            <p:cNvSpPr/>
-            <p:nvPr/>
-          </p:nvSpPr>
-          <p:spPr>
-            <a:xfrm>
-              <a:off x="2682632" y="3713719"/>
-              <a:ext cx="65075" cy="156611"/>
-            </a:xfrm>
-            <a:custGeom>
-              <a:avLst/>
-              <a:gdLst>
-                <a:gd name="connsiteX0" fmla="*/ 14277 w 65075"/>
-                <a:gd name="connsiteY0" fmla="*/ 152676 h 156611"/>
-                <a:gd name="connsiteX1" fmla="*/ 17028 w 65075"/>
-                <a:gd name="connsiteY1" fmla="*/ 156612 h 156611"/>
-                <a:gd name="connsiteX2" fmla="*/ 22796 w 65075"/>
-                <a:gd name="connsiteY2" fmla="*/ 149589 h 156611"/>
-                <a:gd name="connsiteX3" fmla="*/ 63898 w 65075"/>
-                <a:gd name="connsiteY3" fmla="*/ 146055 h 156611"/>
-                <a:gd name="connsiteX4" fmla="*/ 65076 w 65075"/>
-                <a:gd name="connsiteY4" fmla="*/ 140941 h 156611"/>
-                <a:gd name="connsiteX5" fmla="*/ 20722 w 65075"/>
-                <a:gd name="connsiteY5" fmla="*/ 7432 h 156611"/>
-                <a:gd name="connsiteX6" fmla="*/ 7429 w 65075"/>
-                <a:gd name="connsiteY6" fmla="*/ 489 h 156611"/>
-                <a:gd name="connsiteX7" fmla="*/ 74 w 65075"/>
-                <a:gd name="connsiteY7" fmla="*/ 11850 h 156611"/>
-              </a:gdLst>
-              <a:ahLst/>
-              <a:cxnLst>
-                <a:cxn ang="0">
-                  <a:pos x="connsiteX0" y="connsiteY0"/>
-                </a:cxn>
-                <a:cxn ang="0">
-                  <a:pos x="connsiteX1" y="connsiteY1"/>
-                </a:cxn>
-                <a:cxn ang="0">
-                  <a:pos x="connsiteX2" y="connsiteY2"/>
-                </a:cxn>
-                <a:cxn ang="0">
-                  <a:pos x="connsiteX3" y="connsiteY3"/>
-                </a:cxn>
-                <a:cxn ang="0">
-                  <a:pos x="connsiteX4" y="connsiteY4"/>
-                </a:cxn>
-                <a:cxn ang="0">
-                  <a:pos x="connsiteX5" y="connsiteY5"/>
-                </a:cxn>
-                <a:cxn ang="0">
-                  <a:pos x="connsiteX6" y="connsiteY6"/>
-                </a:cxn>
-                <a:cxn ang="0">
-                  <a:pos x="connsiteX7" y="connsiteY7"/>
-                </a:cxn>
-              </a:cxnLst>
-              <a:rect l="l" t="t" r="r" b="b"/>
-              <a:pathLst>
-                <a:path w="65075" h="156611">
-                  <a:moveTo>
-                    <a:pt x="14277" y="152676"/>
-                  </a:moveTo>
-                  <a:lnTo>
-                    <a:pt x="17028" y="156612"/>
-                  </a:lnTo>
-                  <a:cubicBezTo>
-                    <a:pt x="18623" y="154020"/>
-                    <a:pt x="20564" y="151658"/>
-                    <a:pt x="22796" y="149589"/>
-                  </a:cubicBezTo>
-                  <a:cubicBezTo>
-                    <a:pt x="34149" y="139317"/>
-                    <a:pt x="50957" y="137871"/>
-                    <a:pt x="63898" y="146055"/>
-                  </a:cubicBezTo>
-                  <a:lnTo>
-                    <a:pt x="65076" y="140941"/>
-                  </a:lnTo>
-                  <a:lnTo>
-                    <a:pt x="20722" y="7432"/>
-                  </a:lnTo>
-                  <a:cubicBezTo>
-                    <a:pt x="18968" y="1844"/>
-                    <a:pt x="13017" y="-1264"/>
-                    <a:pt x="7429" y="489"/>
-                  </a:cubicBezTo>
-                  <a:cubicBezTo>
-                    <a:pt x="2566" y="2016"/>
-                    <a:pt x="-524" y="6787"/>
-                    <a:pt x="74" y="11850"/>
-                  </a:cubicBezTo>
-                  <a:close/>
-                </a:path>
-              </a:pathLst>
-            </a:custGeom>
-            <a:solidFill>
-              <a:schemeClr val="bg1"/>
-            </a:solidFill>
-            <a:ln w="3175" cap="flat">
-              <a:noFill/>
-              <a:prstDash val="solid"/>
-              <a:miter/>
-            </a:ln>
-          </p:spPr>
-          <p:txBody>
-            <a:bodyPr rtlCol="0" anchor="ctr"/>
-            <a:lstStyle/>
-            <a:p>
-              <a:endParaRPr lang="en-GB"/>
-            </a:p>
-          </p:txBody>
-        </p:sp>
-        <p:sp>
-          <p:nvSpPr>
-            <p:cNvPr id="55" name="Freeform 54">
-              <a:extLst>
-                <a:ext uri="{FF2B5EF4-FFF2-40B4-BE49-F238E27FC236}">
-                  <a16:creationId xmlns:a16="http://schemas.microsoft.com/office/drawing/2014/main" id="{50E92586-C4B9-DE94-7B24-4F4307F69065}"/>
-                </a:ext>
-              </a:extLst>
-            </p:cNvPr>
-            <p:cNvSpPr/>
-            <p:nvPr/>
-          </p:nvSpPr>
-          <p:spPr>
-            <a:xfrm>
-              <a:off x="2744073" y="3874466"/>
-              <a:ext cx="156002" cy="77852"/>
-            </a:xfrm>
-            <a:custGeom>
-              <a:avLst/>
-              <a:gdLst>
-                <a:gd name="connsiteX0" fmla="*/ 149539 w 156002"/>
-                <a:gd name="connsiteY0" fmla="*/ 57485 h 77852"/>
-                <a:gd name="connsiteX1" fmla="*/ 21879 w 156002"/>
-                <a:gd name="connsiteY1" fmla="*/ 0 h 77852"/>
-                <a:gd name="connsiteX2" fmla="*/ 15558 w 156002"/>
-                <a:gd name="connsiteY2" fmla="*/ 701 h 77852"/>
-                <a:gd name="connsiteX3" fmla="*/ 0 w 156002"/>
-                <a:gd name="connsiteY3" fmla="*/ 44537 h 77852"/>
-                <a:gd name="connsiteX4" fmla="*/ 6074 w 156002"/>
-                <a:gd name="connsiteY4" fmla="*/ 49414 h 77852"/>
-                <a:gd name="connsiteX5" fmla="*/ 143041 w 156002"/>
-                <a:gd name="connsiteY5" fmla="*/ 77586 h 77852"/>
-                <a:gd name="connsiteX6" fmla="*/ 155736 w 156002"/>
-                <a:gd name="connsiteY6" fmla="*/ 69602 h 77852"/>
-                <a:gd name="connsiteX7" fmla="*/ 149539 w 156002"/>
-                <a:gd name="connsiteY7" fmla="*/ 57485 h 77852"/>
-              </a:gdLst>
-              <a:ahLst/>
-              <a:cxnLst>
-                <a:cxn ang="0">
-                  <a:pos x="connsiteX0" y="connsiteY0"/>
-                </a:cxn>
-                <a:cxn ang="0">
-                  <a:pos x="connsiteX1" y="connsiteY1"/>
-                </a:cxn>
-                <a:cxn ang="0">
-                  <a:pos x="connsiteX2" y="connsiteY2"/>
-                </a:cxn>
-                <a:cxn ang="0">
-                  <a:pos x="connsiteX3" y="connsiteY3"/>
-                </a:cxn>
-                <a:cxn ang="0">
-                  <a:pos x="connsiteX4" y="connsiteY4"/>
-                </a:cxn>
-                <a:cxn ang="0">
-                  <a:pos x="connsiteX5" y="connsiteY5"/>
-                </a:cxn>
-                <a:cxn ang="0">
-                  <a:pos x="connsiteX6" y="connsiteY6"/>
-                </a:cxn>
-                <a:cxn ang="0">
-                  <a:pos x="connsiteX7" y="connsiteY7"/>
-                </a:cxn>
-              </a:cxnLst>
-              <a:rect l="l" t="t" r="r" b="b"/>
-              <a:pathLst>
-                <a:path w="156002" h="77852">
-                  <a:moveTo>
-                    <a:pt x="149539" y="57485"/>
-                  </a:moveTo>
-                  <a:lnTo>
-                    <a:pt x="21879" y="0"/>
-                  </a:lnTo>
-                  <a:lnTo>
-                    <a:pt x="15558" y="701"/>
-                  </a:lnTo>
-                  <a:cubicBezTo>
-                    <a:pt x="23043" y="17118"/>
-                    <a:pt x="16160" y="36512"/>
-                    <a:pt x="0" y="44537"/>
-                  </a:cubicBezTo>
-                  <a:lnTo>
-                    <a:pt x="6074" y="49414"/>
-                  </a:lnTo>
-                  <a:lnTo>
-                    <a:pt x="143041" y="77586"/>
-                  </a:lnTo>
-                  <a:cubicBezTo>
-                    <a:pt x="148752" y="78886"/>
-                    <a:pt x="154435" y="75312"/>
-                    <a:pt x="155736" y="69602"/>
-                  </a:cubicBezTo>
-                  <a:cubicBezTo>
-                    <a:pt x="156877" y="64595"/>
-                    <a:pt x="154266" y="59491"/>
-                    <a:pt x="149539" y="57485"/>
-                  </a:cubicBezTo>
-                  <a:close/>
-                </a:path>
-              </a:pathLst>
-            </a:custGeom>
-            <a:solidFill>
-              <a:schemeClr val="bg1"/>
-            </a:solidFill>
-            <a:ln w="3175" cap="flat">
-              <a:noFill/>
-              <a:prstDash val="solid"/>
-              <a:miter/>
-            </a:ln>
-          </p:spPr>
-          <p:txBody>
-            <a:bodyPr rtlCol="0" anchor="ctr"/>
-            <a:lstStyle/>
-            <a:p>
-              <a:endParaRPr lang="en-GB"/>
-            </a:p>
-          </p:txBody>
-        </p:sp>
-        <p:sp>
-          <p:nvSpPr>
-            <p:cNvPr id="56" name="Freeform 55">
-              <a:extLst>
-                <a:ext uri="{FF2B5EF4-FFF2-40B4-BE49-F238E27FC236}">
-                  <a16:creationId xmlns:a16="http://schemas.microsoft.com/office/drawing/2014/main" id="{208169D0-A0D9-0100-41C9-783B55FC1C92}"/>
-                </a:ext>
-              </a:extLst>
-            </p:cNvPr>
-            <p:cNvSpPr/>
-            <p:nvPr/>
-          </p:nvSpPr>
-          <p:spPr>
-            <a:xfrm>
-              <a:off x="2592518" y="3889341"/>
-              <a:ext cx="133733" cy="124142"/>
-            </a:xfrm>
-            <a:custGeom>
-              <a:avLst/>
-              <a:gdLst>
-                <a:gd name="connsiteX0" fmla="*/ 133734 w 133733"/>
-                <a:gd name="connsiteY0" fmla="*/ 33503 h 124142"/>
-                <a:gd name="connsiteX1" fmla="*/ 101775 w 133733"/>
-                <a:gd name="connsiteY1" fmla="*/ 0 h 124142"/>
-                <a:gd name="connsiteX2" fmla="*/ 95295 w 133733"/>
-                <a:gd name="connsiteY2" fmla="*/ 2221 h 124142"/>
-                <a:gd name="connsiteX3" fmla="*/ 2763 w 133733"/>
-                <a:gd name="connsiteY3" fmla="*/ 106399 h 124142"/>
-                <a:gd name="connsiteX4" fmla="*/ 3465 w 133733"/>
-                <a:gd name="connsiteY4" fmla="*/ 121379 h 124142"/>
-                <a:gd name="connsiteX5" fmla="*/ 16902 w 133733"/>
-                <a:gd name="connsiteY5" fmla="*/ 122069 h 124142"/>
-                <a:gd name="connsiteX6" fmla="*/ 130953 w 133733"/>
-                <a:gd name="connsiteY6" fmla="*/ 39936 h 124142"/>
-              </a:gdLst>
-              <a:ahLst/>
-              <a:cxnLst>
-                <a:cxn ang="0">
-                  <a:pos x="connsiteX0" y="connsiteY0"/>
-                </a:cxn>
-                <a:cxn ang="0">
-                  <a:pos x="connsiteX1" y="connsiteY1"/>
-                </a:cxn>
-                <a:cxn ang="0">
-                  <a:pos x="connsiteX2" y="connsiteY2"/>
-                </a:cxn>
-                <a:cxn ang="0">
-                  <a:pos x="connsiteX3" y="connsiteY3"/>
-                </a:cxn>
-                <a:cxn ang="0">
-                  <a:pos x="connsiteX4" y="connsiteY4"/>
-                </a:cxn>
-                <a:cxn ang="0">
-                  <a:pos x="connsiteX5" y="connsiteY5"/>
-                </a:cxn>
-                <a:cxn ang="0">
-                  <a:pos x="connsiteX6" y="connsiteY6"/>
-                </a:cxn>
-              </a:cxnLst>
-              <a:rect l="l" t="t" r="r" b="b"/>
-              <a:pathLst>
-                <a:path w="133733" h="124142">
-                  <a:moveTo>
-                    <a:pt x="133734" y="33503"/>
-                  </a:moveTo>
-                  <a:cubicBezTo>
-                    <a:pt x="115913" y="32509"/>
-                    <a:pt x="101927" y="17848"/>
-                    <a:pt x="101775" y="0"/>
-                  </a:cubicBezTo>
-                  <a:lnTo>
-                    <a:pt x="95295" y="2221"/>
-                  </a:lnTo>
-                  <a:lnTo>
-                    <a:pt x="2763" y="106399"/>
-                  </a:lnTo>
-                  <a:cubicBezTo>
-                    <a:pt x="-1179" y="110729"/>
-                    <a:pt x="-865" y="117436"/>
-                    <a:pt x="3465" y="121379"/>
-                  </a:cubicBezTo>
-                  <a:cubicBezTo>
-                    <a:pt x="7206" y="124785"/>
-                    <a:pt x="12832" y="125074"/>
-                    <a:pt x="16902" y="122069"/>
-                  </a:cubicBezTo>
-                  <a:lnTo>
-                    <a:pt x="130953" y="39936"/>
-                  </a:lnTo>
-                  <a:close/>
-                </a:path>
-              </a:pathLst>
-            </a:custGeom>
-            <a:solidFill>
-              <a:schemeClr val="bg1"/>
-            </a:solidFill>
-            <a:ln w="3175" cap="flat">
-              <a:noFill/>
-              <a:prstDash val="solid"/>
-              <a:miter/>
-            </a:ln>
-          </p:spPr>
-          <p:txBody>
-            <a:bodyPr rtlCol="0" anchor="ctr"/>
-            <a:lstStyle/>
-            <a:p>
-              <a:endParaRPr lang="en-GB"/>
-            </a:p>
-          </p:txBody>
-        </p:sp>
-        <p:sp>
-          <p:nvSpPr>
-            <p:cNvPr id="57" name="Freeform 56">
-              <a:extLst>
-                <a:ext uri="{FF2B5EF4-FFF2-40B4-BE49-F238E27FC236}">
-                  <a16:creationId xmlns:a16="http://schemas.microsoft.com/office/drawing/2014/main" id="{32F9BCA5-41AB-4BB6-E32D-6DC37EAA872E}"/>
-                </a:ext>
-              </a:extLst>
-            </p:cNvPr>
-            <p:cNvSpPr/>
-            <p:nvPr/>
-          </p:nvSpPr>
-          <p:spPr>
-            <a:xfrm>
-              <a:off x="2711816" y="3872150"/>
-              <a:ext cx="33119" cy="33120"/>
-            </a:xfrm>
-            <a:custGeom>
-              <a:avLst/>
-              <a:gdLst>
-                <a:gd name="connsiteX0" fmla="*/ 5452 w 33119"/>
-                <a:gd name="connsiteY0" fmla="*/ 4278 h 33120"/>
-                <a:gd name="connsiteX1" fmla="*/ 4278 w 33119"/>
-                <a:gd name="connsiteY1" fmla="*/ 27668 h 33120"/>
-                <a:gd name="connsiteX2" fmla="*/ 27668 w 33119"/>
-                <a:gd name="connsiteY2" fmla="*/ 28842 h 33120"/>
-                <a:gd name="connsiteX3" fmla="*/ 28846 w 33119"/>
-                <a:gd name="connsiteY3" fmla="*/ 5456 h 33120"/>
-                <a:gd name="connsiteX4" fmla="*/ 5456 w 33119"/>
-                <a:gd name="connsiteY4" fmla="*/ 4275 h 33120"/>
-                <a:gd name="connsiteX5" fmla="*/ 5452 w 33119"/>
-                <a:gd name="connsiteY5" fmla="*/ 4278 h 33120"/>
-              </a:gdLst>
-              <a:ahLst/>
-              <a:cxnLst>
-                <a:cxn ang="0">
-                  <a:pos x="connsiteX0" y="connsiteY0"/>
-                </a:cxn>
-                <a:cxn ang="0">
-                  <a:pos x="connsiteX1" y="connsiteY1"/>
-                </a:cxn>
-                <a:cxn ang="0">
-                  <a:pos x="connsiteX2" y="connsiteY2"/>
-                </a:cxn>
-                <a:cxn ang="0">
-                  <a:pos x="connsiteX3" y="connsiteY3"/>
-                </a:cxn>
-                <a:cxn ang="0">
-                  <a:pos x="connsiteX4" y="connsiteY4"/>
-                </a:cxn>
-                <a:cxn ang="0">
-                  <a:pos x="connsiteX5" y="connsiteY5"/>
-                </a:cxn>
-              </a:cxnLst>
-              <a:rect l="l" t="t" r="r" b="b"/>
-              <a:pathLst>
-                <a:path w="33119" h="33120">
-                  <a:moveTo>
-                    <a:pt x="5452" y="4278"/>
-                  </a:moveTo>
-                  <a:cubicBezTo>
-                    <a:pt x="-1331" y="10413"/>
-                    <a:pt x="-1856" y="20885"/>
-                    <a:pt x="4278" y="27668"/>
-                  </a:cubicBezTo>
-                  <a:cubicBezTo>
-                    <a:pt x="10413" y="34451"/>
-                    <a:pt x="20885" y="34977"/>
-                    <a:pt x="27668" y="28842"/>
-                  </a:cubicBezTo>
-                  <a:cubicBezTo>
-                    <a:pt x="34449" y="22708"/>
-                    <a:pt x="34976" y="12240"/>
-                    <a:pt x="28846" y="5456"/>
-                  </a:cubicBezTo>
-                  <a:cubicBezTo>
-                    <a:pt x="22713" y="-1329"/>
-                    <a:pt x="12241" y="-1858"/>
-                    <a:pt x="5456" y="4275"/>
-                  </a:cubicBezTo>
-                  <a:cubicBezTo>
-                    <a:pt x="5455" y="4276"/>
-                    <a:pt x="5453" y="4277"/>
-                    <a:pt x="5452" y="4278"/>
-                  </a:cubicBezTo>
-                  <a:close/>
-                </a:path>
-              </a:pathLst>
-            </a:custGeom>
-            <a:solidFill>
-              <a:schemeClr val="bg1"/>
-            </a:solidFill>
-            <a:ln w="3175" cap="flat">
-              <a:noFill/>
-              <a:prstDash val="solid"/>
-              <a:miter/>
-            </a:ln>
-          </p:spPr>
-          <p:txBody>
-            <a:bodyPr rtlCol="0" anchor="ctr"/>
-            <a:lstStyle/>
-            <a:p>
-              <a:endParaRPr lang="en-GB"/>
-            </a:p>
-          </p:txBody>
-        </p:sp>
-      </p:grpSp>
-      <p:grpSp>
-        <p:nvGrpSpPr>
-          <p:cNvPr id="85" name="Group 84">
-            <a:extLst>
-              <a:ext uri="{FF2B5EF4-FFF2-40B4-BE49-F238E27FC236}">
-                <a16:creationId xmlns:a16="http://schemas.microsoft.com/office/drawing/2014/main" id="{AFD7FCCF-3F12-9F24-A8DF-31186CCCB960}"/>
-              </a:ext>
-            </a:extLst>
-          </p:cNvPr>
-          <p:cNvGrpSpPr>
-            <a:grpSpLocks noChangeAspect="1"/>
-          </p:cNvGrpSpPr>
-          <p:nvPr/>
-        </p:nvGrpSpPr>
-        <p:grpSpPr>
-          <a:xfrm>
-            <a:off x="9128749" y="5023457"/>
-            <a:ext cx="318596" cy="561576"/>
-            <a:chOff x="2592518" y="3713719"/>
-            <a:chExt cx="307557" cy="542118"/>
-          </a:xfrm>
-        </p:grpSpPr>
-        <p:sp>
-          <p:nvSpPr>
-            <p:cNvPr id="86" name="Freeform 85">
-              <a:extLst>
-                <a:ext uri="{FF2B5EF4-FFF2-40B4-BE49-F238E27FC236}">
-                  <a16:creationId xmlns:a16="http://schemas.microsoft.com/office/drawing/2014/main" id="{4B7FCF2B-38FA-A629-D858-DC012EE23FD2}"/>
-                </a:ext>
-              </a:extLst>
-            </p:cNvPr>
-            <p:cNvSpPr/>
-            <p:nvPr/>
-          </p:nvSpPr>
-          <p:spPr>
-            <a:xfrm>
-              <a:off x="2669533" y="3939663"/>
-              <a:ext cx="123712" cy="316174"/>
-            </a:xfrm>
-            <a:custGeom>
-              <a:avLst/>
-              <a:gdLst>
-                <a:gd name="connsiteX0" fmla="*/ 69709 w 123712"/>
-                <a:gd name="connsiteY0" fmla="*/ 0 h 316174"/>
-                <a:gd name="connsiteX1" fmla="*/ 37997 w 123712"/>
-                <a:gd name="connsiteY1" fmla="*/ 22881 h 316174"/>
-                <a:gd name="connsiteX2" fmla="*/ 24725 w 123712"/>
-                <a:gd name="connsiteY2" fmla="*/ 292610 h 316174"/>
-                <a:gd name="connsiteX3" fmla="*/ 0 w 123712"/>
-                <a:gd name="connsiteY3" fmla="*/ 292610 h 316174"/>
-                <a:gd name="connsiteX4" fmla="*/ 0 w 123712"/>
-                <a:gd name="connsiteY4" fmla="*/ 316174 h 316174"/>
-                <a:gd name="connsiteX5" fmla="*/ 23564 w 123712"/>
-                <a:gd name="connsiteY5" fmla="*/ 316174 h 316174"/>
-                <a:gd name="connsiteX6" fmla="*/ 100148 w 123712"/>
-                <a:gd name="connsiteY6" fmla="*/ 316174 h 316174"/>
-                <a:gd name="connsiteX7" fmla="*/ 123713 w 123712"/>
-                <a:gd name="connsiteY7" fmla="*/ 316174 h 316174"/>
-                <a:gd name="connsiteX8" fmla="*/ 123713 w 123712"/>
-                <a:gd name="connsiteY8" fmla="*/ 292610 h 316174"/>
-                <a:gd name="connsiteX9" fmla="*/ 98605 w 123712"/>
-                <a:gd name="connsiteY9" fmla="*/ 292610 h 316174"/>
-                <a:gd name="connsiteX10" fmla="*/ 79547 w 123712"/>
-                <a:gd name="connsiteY10" fmla="*/ 2027 h 316174"/>
-                <a:gd name="connsiteX11" fmla="*/ 69709 w 123712"/>
-                <a:gd name="connsiteY11" fmla="*/ 0 h 316174"/>
-              </a:gdLst>
-              <a:ahLst/>
-              <a:cxnLst>
-                <a:cxn ang="0">
-                  <a:pos x="connsiteX0" y="connsiteY0"/>
-                </a:cxn>
-                <a:cxn ang="0">
-                  <a:pos x="connsiteX1" y="connsiteY1"/>
-                </a:cxn>
-                <a:cxn ang="0">
-                  <a:pos x="connsiteX2" y="connsiteY2"/>
-                </a:cxn>
-                <a:cxn ang="0">
-                  <a:pos x="connsiteX3" y="connsiteY3"/>
-                </a:cxn>
-                <a:cxn ang="0">
-                  <a:pos x="connsiteX4" y="connsiteY4"/>
-                </a:cxn>
-                <a:cxn ang="0">
-                  <a:pos x="connsiteX5" y="connsiteY5"/>
-                </a:cxn>
-                <a:cxn ang="0">
-                  <a:pos x="connsiteX6" y="connsiteY6"/>
-                </a:cxn>
-                <a:cxn ang="0">
-                  <a:pos x="connsiteX7" y="connsiteY7"/>
-                </a:cxn>
-                <a:cxn ang="0">
-                  <a:pos x="connsiteX8" y="connsiteY8"/>
-                </a:cxn>
-                <a:cxn ang="0">
-                  <a:pos x="connsiteX9" y="connsiteY9"/>
-                </a:cxn>
-                <a:cxn ang="0">
-                  <a:pos x="connsiteX10" y="connsiteY10"/>
-                </a:cxn>
-                <a:cxn ang="0">
-                  <a:pos x="connsiteX11" y="connsiteY11"/>
-                </a:cxn>
-              </a:cxnLst>
-              <a:rect l="l" t="t" r="r" b="b"/>
-              <a:pathLst>
-                <a:path w="123712" h="316174">
-                  <a:moveTo>
-                    <a:pt x="69709" y="0"/>
-                  </a:moveTo>
-                  <a:lnTo>
-                    <a:pt x="37997" y="22881"/>
-                  </a:lnTo>
-                  <a:lnTo>
-                    <a:pt x="24725" y="292610"/>
-                  </a:lnTo>
-                  <a:lnTo>
-                    <a:pt x="0" y="292610"/>
-                  </a:lnTo>
-                  <a:lnTo>
-                    <a:pt x="0" y="316174"/>
-                  </a:lnTo>
-                  <a:lnTo>
-                    <a:pt x="23564" y="316174"/>
-                  </a:lnTo>
-                  <a:lnTo>
-                    <a:pt x="100148" y="316174"/>
-                  </a:lnTo>
-                  <a:lnTo>
-                    <a:pt x="123713" y="316174"/>
-                  </a:lnTo>
-                  <a:lnTo>
-                    <a:pt x="123713" y="292610"/>
-                  </a:lnTo>
-                  <a:lnTo>
-                    <a:pt x="98605" y="292610"/>
-                  </a:lnTo>
-                  <a:lnTo>
-                    <a:pt x="79547" y="2027"/>
-                  </a:lnTo>
-                  <a:lnTo>
-                    <a:pt x="69709" y="0"/>
-                  </a:lnTo>
-                  <a:close/>
-                </a:path>
-              </a:pathLst>
-            </a:custGeom>
-            <a:solidFill>
-              <a:schemeClr val="bg1"/>
-            </a:solidFill>
-            <a:ln w="5854" cap="flat">
-              <a:noFill/>
-              <a:prstDash val="solid"/>
-              <a:miter/>
-            </a:ln>
-          </p:spPr>
-          <p:txBody>
-            <a:bodyPr rtlCol="0" anchor="ctr"/>
-            <a:lstStyle/>
-            <a:p>
-              <a:endParaRPr lang="en-GB"/>
-            </a:p>
-          </p:txBody>
-        </p:sp>
-        <p:sp>
-          <p:nvSpPr>
-            <p:cNvPr id="87" name="Freeform 86">
-              <a:extLst>
-                <a:ext uri="{FF2B5EF4-FFF2-40B4-BE49-F238E27FC236}">
-                  <a16:creationId xmlns:a16="http://schemas.microsoft.com/office/drawing/2014/main" id="{4B839BAD-E716-6C84-4C47-B19E91F7E12F}"/>
-                </a:ext>
-              </a:extLst>
-            </p:cNvPr>
-            <p:cNvSpPr/>
-            <p:nvPr/>
-          </p:nvSpPr>
-          <p:spPr>
-            <a:xfrm>
-              <a:off x="2682632" y="3713719"/>
-              <a:ext cx="65075" cy="156611"/>
-            </a:xfrm>
-            <a:custGeom>
-              <a:avLst/>
-              <a:gdLst>
-                <a:gd name="connsiteX0" fmla="*/ 14277 w 65075"/>
-                <a:gd name="connsiteY0" fmla="*/ 152676 h 156611"/>
-                <a:gd name="connsiteX1" fmla="*/ 17028 w 65075"/>
-                <a:gd name="connsiteY1" fmla="*/ 156612 h 156611"/>
-                <a:gd name="connsiteX2" fmla="*/ 22796 w 65075"/>
-                <a:gd name="connsiteY2" fmla="*/ 149589 h 156611"/>
-                <a:gd name="connsiteX3" fmla="*/ 63898 w 65075"/>
-                <a:gd name="connsiteY3" fmla="*/ 146055 h 156611"/>
-                <a:gd name="connsiteX4" fmla="*/ 65076 w 65075"/>
-                <a:gd name="connsiteY4" fmla="*/ 140941 h 156611"/>
-                <a:gd name="connsiteX5" fmla="*/ 20722 w 65075"/>
-                <a:gd name="connsiteY5" fmla="*/ 7432 h 156611"/>
-                <a:gd name="connsiteX6" fmla="*/ 7429 w 65075"/>
-                <a:gd name="connsiteY6" fmla="*/ 489 h 156611"/>
-                <a:gd name="connsiteX7" fmla="*/ 74 w 65075"/>
-                <a:gd name="connsiteY7" fmla="*/ 11850 h 156611"/>
-              </a:gdLst>
-              <a:ahLst/>
-              <a:cxnLst>
-                <a:cxn ang="0">
-                  <a:pos x="connsiteX0" y="connsiteY0"/>
-                </a:cxn>
-                <a:cxn ang="0">
-                  <a:pos x="connsiteX1" y="connsiteY1"/>
-                </a:cxn>
-                <a:cxn ang="0">
-                  <a:pos x="connsiteX2" y="connsiteY2"/>
-                </a:cxn>
-                <a:cxn ang="0">
-                  <a:pos x="connsiteX3" y="connsiteY3"/>
-                </a:cxn>
-                <a:cxn ang="0">
-                  <a:pos x="connsiteX4" y="connsiteY4"/>
-                </a:cxn>
-                <a:cxn ang="0">
-                  <a:pos x="connsiteX5" y="connsiteY5"/>
-                </a:cxn>
-                <a:cxn ang="0">
-                  <a:pos x="connsiteX6" y="connsiteY6"/>
-                </a:cxn>
-                <a:cxn ang="0">
-                  <a:pos x="connsiteX7" y="connsiteY7"/>
-                </a:cxn>
-              </a:cxnLst>
-              <a:rect l="l" t="t" r="r" b="b"/>
-              <a:pathLst>
-                <a:path w="65075" h="156611">
-                  <a:moveTo>
-                    <a:pt x="14277" y="152676"/>
-                  </a:moveTo>
-                  <a:lnTo>
-                    <a:pt x="17028" y="156612"/>
-                  </a:lnTo>
-                  <a:cubicBezTo>
-                    <a:pt x="18623" y="154020"/>
-                    <a:pt x="20564" y="151658"/>
-                    <a:pt x="22796" y="149589"/>
-                  </a:cubicBezTo>
-                  <a:cubicBezTo>
-                    <a:pt x="34149" y="139317"/>
-                    <a:pt x="50957" y="137871"/>
-                    <a:pt x="63898" y="146055"/>
-                  </a:cubicBezTo>
-                  <a:lnTo>
-                    <a:pt x="65076" y="140941"/>
-                  </a:lnTo>
-                  <a:lnTo>
-                    <a:pt x="20722" y="7432"/>
-                  </a:lnTo>
-                  <a:cubicBezTo>
-                    <a:pt x="18968" y="1844"/>
-                    <a:pt x="13017" y="-1264"/>
-                    <a:pt x="7429" y="489"/>
-                  </a:cubicBezTo>
-                  <a:cubicBezTo>
-                    <a:pt x="2566" y="2016"/>
-                    <a:pt x="-524" y="6787"/>
-                    <a:pt x="74" y="11850"/>
-                  </a:cubicBezTo>
-                  <a:close/>
-                </a:path>
-              </a:pathLst>
-            </a:custGeom>
-            <a:solidFill>
-              <a:schemeClr val="bg1"/>
-            </a:solidFill>
-            <a:ln w="5854" cap="flat">
-              <a:noFill/>
-              <a:prstDash val="solid"/>
-              <a:miter/>
-            </a:ln>
-          </p:spPr>
-          <p:txBody>
-            <a:bodyPr rtlCol="0" anchor="ctr"/>
-            <a:lstStyle/>
-            <a:p>
-              <a:endParaRPr lang="en-GB"/>
-            </a:p>
-          </p:txBody>
-        </p:sp>
-        <p:sp>
-          <p:nvSpPr>
-            <p:cNvPr id="91" name="Freeform 90">
-              <a:extLst>
-                <a:ext uri="{FF2B5EF4-FFF2-40B4-BE49-F238E27FC236}">
-                  <a16:creationId xmlns:a16="http://schemas.microsoft.com/office/drawing/2014/main" id="{66B91EF7-9818-2106-10A2-13F2ACE63D2C}"/>
-                </a:ext>
-              </a:extLst>
-            </p:cNvPr>
-            <p:cNvSpPr/>
-            <p:nvPr/>
-          </p:nvSpPr>
-          <p:spPr>
-            <a:xfrm>
-              <a:off x="2744073" y="3874466"/>
-              <a:ext cx="156002" cy="77852"/>
-            </a:xfrm>
-            <a:custGeom>
-              <a:avLst/>
-              <a:gdLst>
-                <a:gd name="connsiteX0" fmla="*/ 149539 w 156002"/>
-                <a:gd name="connsiteY0" fmla="*/ 57485 h 77852"/>
-                <a:gd name="connsiteX1" fmla="*/ 21879 w 156002"/>
-                <a:gd name="connsiteY1" fmla="*/ 0 h 77852"/>
-                <a:gd name="connsiteX2" fmla="*/ 15558 w 156002"/>
-                <a:gd name="connsiteY2" fmla="*/ 701 h 77852"/>
-                <a:gd name="connsiteX3" fmla="*/ 0 w 156002"/>
-                <a:gd name="connsiteY3" fmla="*/ 44537 h 77852"/>
-                <a:gd name="connsiteX4" fmla="*/ 6074 w 156002"/>
-                <a:gd name="connsiteY4" fmla="*/ 49414 h 77852"/>
-                <a:gd name="connsiteX5" fmla="*/ 143041 w 156002"/>
-                <a:gd name="connsiteY5" fmla="*/ 77586 h 77852"/>
-                <a:gd name="connsiteX6" fmla="*/ 155736 w 156002"/>
-                <a:gd name="connsiteY6" fmla="*/ 69602 h 77852"/>
-                <a:gd name="connsiteX7" fmla="*/ 149539 w 156002"/>
-                <a:gd name="connsiteY7" fmla="*/ 57485 h 77852"/>
-              </a:gdLst>
-              <a:ahLst/>
-              <a:cxnLst>
-                <a:cxn ang="0">
-                  <a:pos x="connsiteX0" y="connsiteY0"/>
-                </a:cxn>
-                <a:cxn ang="0">
-                  <a:pos x="connsiteX1" y="connsiteY1"/>
-                </a:cxn>
-                <a:cxn ang="0">
-                  <a:pos x="connsiteX2" y="connsiteY2"/>
-                </a:cxn>
-                <a:cxn ang="0">
-                  <a:pos x="connsiteX3" y="connsiteY3"/>
-                </a:cxn>
-                <a:cxn ang="0">
-                  <a:pos x="connsiteX4" y="connsiteY4"/>
-                </a:cxn>
-                <a:cxn ang="0">
-                  <a:pos x="connsiteX5" y="connsiteY5"/>
-                </a:cxn>
-                <a:cxn ang="0">
-                  <a:pos x="connsiteX6" y="connsiteY6"/>
-                </a:cxn>
-                <a:cxn ang="0">
-                  <a:pos x="connsiteX7" y="connsiteY7"/>
-                </a:cxn>
-              </a:cxnLst>
-              <a:rect l="l" t="t" r="r" b="b"/>
-              <a:pathLst>
-                <a:path w="156002" h="77852">
-                  <a:moveTo>
-                    <a:pt x="149539" y="57485"/>
-                  </a:moveTo>
-                  <a:lnTo>
-                    <a:pt x="21879" y="0"/>
-                  </a:lnTo>
-                  <a:lnTo>
-                    <a:pt x="15558" y="701"/>
-                  </a:lnTo>
-                  <a:cubicBezTo>
-                    <a:pt x="23043" y="17118"/>
-                    <a:pt x="16160" y="36512"/>
-                    <a:pt x="0" y="44537"/>
-                  </a:cubicBezTo>
-                  <a:lnTo>
-                    <a:pt x="6074" y="49414"/>
-                  </a:lnTo>
-                  <a:lnTo>
-                    <a:pt x="143041" y="77586"/>
-                  </a:lnTo>
-                  <a:cubicBezTo>
-                    <a:pt x="148752" y="78886"/>
-                    <a:pt x="154435" y="75312"/>
-                    <a:pt x="155736" y="69602"/>
-                  </a:cubicBezTo>
-                  <a:cubicBezTo>
-                    <a:pt x="156877" y="64595"/>
-                    <a:pt x="154266" y="59491"/>
-                    <a:pt x="149539" y="57485"/>
-                  </a:cubicBezTo>
-                  <a:close/>
-                </a:path>
-              </a:pathLst>
-            </a:custGeom>
-            <a:solidFill>
-              <a:schemeClr val="bg1"/>
-            </a:solidFill>
-            <a:ln w="5854" cap="flat">
-              <a:noFill/>
-              <a:prstDash val="solid"/>
-              <a:miter/>
-            </a:ln>
-          </p:spPr>
-          <p:txBody>
-            <a:bodyPr rtlCol="0" anchor="ctr"/>
-            <a:lstStyle/>
-            <a:p>
-              <a:endParaRPr lang="en-GB"/>
-            </a:p>
-          </p:txBody>
-        </p:sp>
-        <p:sp>
-          <p:nvSpPr>
-            <p:cNvPr id="92" name="Freeform 91">
-              <a:extLst>
-                <a:ext uri="{FF2B5EF4-FFF2-40B4-BE49-F238E27FC236}">
-                  <a16:creationId xmlns:a16="http://schemas.microsoft.com/office/drawing/2014/main" id="{D00CAA20-3CD8-131F-58CE-7B0F43DFD2F5}"/>
-                </a:ext>
-              </a:extLst>
-            </p:cNvPr>
-            <p:cNvSpPr/>
-            <p:nvPr/>
-          </p:nvSpPr>
-          <p:spPr>
-            <a:xfrm>
-              <a:off x="2592518" y="3889341"/>
-              <a:ext cx="133733" cy="124142"/>
-            </a:xfrm>
-            <a:custGeom>
-              <a:avLst/>
-              <a:gdLst>
-                <a:gd name="connsiteX0" fmla="*/ 133734 w 133733"/>
-                <a:gd name="connsiteY0" fmla="*/ 33503 h 124142"/>
-                <a:gd name="connsiteX1" fmla="*/ 101775 w 133733"/>
-                <a:gd name="connsiteY1" fmla="*/ 0 h 124142"/>
-                <a:gd name="connsiteX2" fmla="*/ 95295 w 133733"/>
-                <a:gd name="connsiteY2" fmla="*/ 2221 h 124142"/>
-                <a:gd name="connsiteX3" fmla="*/ 2763 w 133733"/>
-                <a:gd name="connsiteY3" fmla="*/ 106399 h 124142"/>
-                <a:gd name="connsiteX4" fmla="*/ 3465 w 133733"/>
-                <a:gd name="connsiteY4" fmla="*/ 121379 h 124142"/>
-                <a:gd name="connsiteX5" fmla="*/ 16902 w 133733"/>
-                <a:gd name="connsiteY5" fmla="*/ 122069 h 124142"/>
-                <a:gd name="connsiteX6" fmla="*/ 130953 w 133733"/>
-                <a:gd name="connsiteY6" fmla="*/ 39936 h 124142"/>
-              </a:gdLst>
-              <a:ahLst/>
-              <a:cxnLst>
-                <a:cxn ang="0">
-                  <a:pos x="connsiteX0" y="connsiteY0"/>
-                </a:cxn>
-                <a:cxn ang="0">
-                  <a:pos x="connsiteX1" y="connsiteY1"/>
-                </a:cxn>
-                <a:cxn ang="0">
-                  <a:pos x="connsiteX2" y="connsiteY2"/>
-                </a:cxn>
-                <a:cxn ang="0">
-                  <a:pos x="connsiteX3" y="connsiteY3"/>
-                </a:cxn>
-                <a:cxn ang="0">
-                  <a:pos x="connsiteX4" y="connsiteY4"/>
-                </a:cxn>
-                <a:cxn ang="0">
-                  <a:pos x="connsiteX5" y="connsiteY5"/>
-                </a:cxn>
-                <a:cxn ang="0">
-                  <a:pos x="connsiteX6" y="connsiteY6"/>
-                </a:cxn>
-              </a:cxnLst>
-              <a:rect l="l" t="t" r="r" b="b"/>
-              <a:pathLst>
-                <a:path w="133733" h="124142">
-                  <a:moveTo>
-                    <a:pt x="133734" y="33503"/>
-                  </a:moveTo>
-                  <a:cubicBezTo>
-                    <a:pt x="115913" y="32509"/>
-                    <a:pt x="101927" y="17848"/>
-                    <a:pt x="101775" y="0"/>
-                  </a:cubicBezTo>
-                  <a:lnTo>
-                    <a:pt x="95295" y="2221"/>
-                  </a:lnTo>
-                  <a:lnTo>
-                    <a:pt x="2763" y="106399"/>
-                  </a:lnTo>
-                  <a:cubicBezTo>
-                    <a:pt x="-1179" y="110729"/>
-                    <a:pt x="-865" y="117436"/>
-                    <a:pt x="3465" y="121379"/>
-                  </a:cubicBezTo>
-                  <a:cubicBezTo>
-                    <a:pt x="7206" y="124785"/>
-                    <a:pt x="12832" y="125074"/>
-                    <a:pt x="16902" y="122069"/>
-                  </a:cubicBezTo>
-                  <a:lnTo>
-                    <a:pt x="130953" y="39936"/>
-                  </a:lnTo>
-                  <a:close/>
-                </a:path>
-              </a:pathLst>
-            </a:custGeom>
-            <a:solidFill>
-              <a:schemeClr val="bg1"/>
-            </a:solidFill>
-            <a:ln w="5854" cap="flat">
-              <a:noFill/>
-              <a:prstDash val="solid"/>
-              <a:miter/>
-            </a:ln>
-          </p:spPr>
-          <p:txBody>
-            <a:bodyPr rtlCol="0" anchor="ctr"/>
-            <a:lstStyle/>
-            <a:p>
-              <a:endParaRPr lang="en-GB"/>
-            </a:p>
-          </p:txBody>
-        </p:sp>
-        <p:sp>
-          <p:nvSpPr>
-            <p:cNvPr id="94" name="Freeform 93">
-              <a:extLst>
-                <a:ext uri="{FF2B5EF4-FFF2-40B4-BE49-F238E27FC236}">
-                  <a16:creationId xmlns:a16="http://schemas.microsoft.com/office/drawing/2014/main" id="{AB2238CA-80F4-AF65-DF32-C3BDD121BE0D}"/>
-                </a:ext>
-              </a:extLst>
-            </p:cNvPr>
-            <p:cNvSpPr/>
-            <p:nvPr/>
-          </p:nvSpPr>
-          <p:spPr>
-            <a:xfrm>
-              <a:off x="2711816" y="3872150"/>
-              <a:ext cx="33119" cy="33120"/>
-            </a:xfrm>
-            <a:custGeom>
-              <a:avLst/>
-              <a:gdLst>
-                <a:gd name="connsiteX0" fmla="*/ 5452 w 33119"/>
-                <a:gd name="connsiteY0" fmla="*/ 4278 h 33120"/>
-                <a:gd name="connsiteX1" fmla="*/ 4278 w 33119"/>
-                <a:gd name="connsiteY1" fmla="*/ 27668 h 33120"/>
-                <a:gd name="connsiteX2" fmla="*/ 27668 w 33119"/>
-                <a:gd name="connsiteY2" fmla="*/ 28842 h 33120"/>
-                <a:gd name="connsiteX3" fmla="*/ 28846 w 33119"/>
-                <a:gd name="connsiteY3" fmla="*/ 5456 h 33120"/>
-                <a:gd name="connsiteX4" fmla="*/ 5456 w 33119"/>
-                <a:gd name="connsiteY4" fmla="*/ 4275 h 33120"/>
-                <a:gd name="connsiteX5" fmla="*/ 5452 w 33119"/>
-                <a:gd name="connsiteY5" fmla="*/ 4278 h 33120"/>
-              </a:gdLst>
-              <a:ahLst/>
-              <a:cxnLst>
-                <a:cxn ang="0">
-                  <a:pos x="connsiteX0" y="connsiteY0"/>
-                </a:cxn>
-                <a:cxn ang="0">
-                  <a:pos x="connsiteX1" y="connsiteY1"/>
-                </a:cxn>
-                <a:cxn ang="0">
-                  <a:pos x="connsiteX2" y="connsiteY2"/>
-                </a:cxn>
-                <a:cxn ang="0">
-                  <a:pos x="connsiteX3" y="connsiteY3"/>
-                </a:cxn>
-                <a:cxn ang="0">
-                  <a:pos x="connsiteX4" y="connsiteY4"/>
-                </a:cxn>
-                <a:cxn ang="0">
-                  <a:pos x="connsiteX5" y="connsiteY5"/>
-                </a:cxn>
-              </a:cxnLst>
-              <a:rect l="l" t="t" r="r" b="b"/>
-              <a:pathLst>
-                <a:path w="33119" h="33120">
-                  <a:moveTo>
-                    <a:pt x="5452" y="4278"/>
-                  </a:moveTo>
-                  <a:cubicBezTo>
-                    <a:pt x="-1331" y="10413"/>
-                    <a:pt x="-1856" y="20885"/>
-                    <a:pt x="4278" y="27668"/>
-                  </a:cubicBezTo>
-                  <a:cubicBezTo>
-                    <a:pt x="10413" y="34451"/>
-                    <a:pt x="20885" y="34977"/>
-                    <a:pt x="27668" y="28842"/>
-                  </a:cubicBezTo>
-                  <a:cubicBezTo>
-                    <a:pt x="34449" y="22708"/>
-                    <a:pt x="34976" y="12240"/>
-                    <a:pt x="28846" y="5456"/>
-                  </a:cubicBezTo>
-                  <a:cubicBezTo>
-                    <a:pt x="22713" y="-1329"/>
-                    <a:pt x="12241" y="-1858"/>
-                    <a:pt x="5456" y="4275"/>
-                  </a:cubicBezTo>
-                  <a:cubicBezTo>
-                    <a:pt x="5455" y="4276"/>
-                    <a:pt x="5453" y="4277"/>
-                    <a:pt x="5452" y="4278"/>
-                  </a:cubicBezTo>
-                  <a:close/>
-                </a:path>
-              </a:pathLst>
-            </a:custGeom>
-            <a:solidFill>
-              <a:schemeClr val="bg1"/>
-            </a:solidFill>
-            <a:ln w="5854" cap="flat">
-              <a:noFill/>
-              <a:prstDash val="solid"/>
-              <a:miter/>
-            </a:ln>
-          </p:spPr>
-          <p:txBody>
-            <a:bodyPr rtlCol="0" anchor="ctr"/>
-            <a:lstStyle/>
-            <a:p>
-              <a:endParaRPr lang="en-GB"/>
-            </a:p>
-          </p:txBody>
-        </p:sp>
-      </p:grpSp>
-      <p:sp>
-        <p:nvSpPr>
-          <p:cNvPr id="97" name="Graphic 4" descr="Marker with solid fill">
-            <a:extLst>
-              <a:ext uri="{FF2B5EF4-FFF2-40B4-BE49-F238E27FC236}">
-                <a16:creationId xmlns:a16="http://schemas.microsoft.com/office/drawing/2014/main" id="{91AB53C4-9A70-D6CA-763E-297C876A75CE}"/>
-              </a:ext>
-            </a:extLst>
-          </p:cNvPr>
-          <p:cNvSpPr/>
-          <p:nvPr/>
-        </p:nvSpPr>
-        <p:spPr>
-          <a:xfrm>
-            <a:off x="8689921" y="4846697"/>
-            <a:ext cx="627945" cy="1020000"/>
-          </a:xfrm>
-          <a:custGeom>
-            <a:avLst/>
-            <a:gdLst>
-              <a:gd name="connsiteX0" fmla="*/ 313973 w 627945"/>
-              <a:gd name="connsiteY0" fmla="*/ 450000 h 1020000"/>
-              <a:gd name="connsiteX1" fmla="*/ 178973 w 627945"/>
-              <a:gd name="connsiteY1" fmla="*/ 315000 h 1020000"/>
-              <a:gd name="connsiteX2" fmla="*/ 313973 w 627945"/>
-              <a:gd name="connsiteY2" fmla="*/ 180000 h 1020000"/>
-              <a:gd name="connsiteX3" fmla="*/ 448973 w 627945"/>
-              <a:gd name="connsiteY3" fmla="*/ 315000 h 1020000"/>
-              <a:gd name="connsiteX4" fmla="*/ 313973 w 627945"/>
-              <a:gd name="connsiteY4" fmla="*/ 450000 h 1020000"/>
-              <a:gd name="connsiteX5" fmla="*/ 313973 w 627945"/>
-              <a:gd name="connsiteY5" fmla="*/ 0 h 1020000"/>
-              <a:gd name="connsiteX6" fmla="*/ 54473 w 627945"/>
-              <a:gd name="connsiteY6" fmla="*/ 138000 h 1020000"/>
-              <a:gd name="connsiteX7" fmla="*/ 21473 w 627945"/>
-              <a:gd name="connsiteY7" fmla="*/ 430500 h 1020000"/>
-              <a:gd name="connsiteX8" fmla="*/ 163973 w 627945"/>
-              <a:gd name="connsiteY8" fmla="*/ 745500 h 1020000"/>
-              <a:gd name="connsiteX9" fmla="*/ 286973 w 627945"/>
-              <a:gd name="connsiteY9" fmla="*/ 1003500 h 1020000"/>
-              <a:gd name="connsiteX10" fmla="*/ 313973 w 627945"/>
-              <a:gd name="connsiteY10" fmla="*/ 1020000 h 1020000"/>
-              <a:gd name="connsiteX11" fmla="*/ 340973 w 627945"/>
-              <a:gd name="connsiteY11" fmla="*/ 1003500 h 1020000"/>
-              <a:gd name="connsiteX12" fmla="*/ 463973 w 627945"/>
-              <a:gd name="connsiteY12" fmla="*/ 745500 h 1020000"/>
-              <a:gd name="connsiteX13" fmla="*/ 606473 w 627945"/>
-              <a:gd name="connsiteY13" fmla="*/ 430500 h 1020000"/>
-              <a:gd name="connsiteX14" fmla="*/ 573473 w 627945"/>
-              <a:gd name="connsiteY14" fmla="*/ 138000 h 1020000"/>
-              <a:gd name="connsiteX15" fmla="*/ 313973 w 627945"/>
-              <a:gd name="connsiteY15" fmla="*/ 0 h 1020000"/>
-              <a:gd name="connsiteX0" fmla="*/ 313973 w 627945"/>
-              <a:gd name="connsiteY0" fmla="*/ 450000 h 1020000"/>
-              <a:gd name="connsiteX1" fmla="*/ 178973 w 627945"/>
-              <a:gd name="connsiteY1" fmla="*/ 315000 h 1020000"/>
-              <a:gd name="connsiteX2" fmla="*/ 313973 w 627945"/>
-              <a:gd name="connsiteY2" fmla="*/ 180000 h 1020000"/>
-              <a:gd name="connsiteX3" fmla="*/ 313973 w 627945"/>
-              <a:gd name="connsiteY3" fmla="*/ 450000 h 1020000"/>
-              <a:gd name="connsiteX4" fmla="*/ 313973 w 627945"/>
-              <a:gd name="connsiteY4" fmla="*/ 0 h 1020000"/>
-              <a:gd name="connsiteX5" fmla="*/ 54473 w 627945"/>
-              <a:gd name="connsiteY5" fmla="*/ 138000 h 1020000"/>
-              <a:gd name="connsiteX6" fmla="*/ 21473 w 627945"/>
-              <a:gd name="connsiteY6" fmla="*/ 430500 h 1020000"/>
-              <a:gd name="connsiteX7" fmla="*/ 163973 w 627945"/>
-              <a:gd name="connsiteY7" fmla="*/ 745500 h 1020000"/>
-              <a:gd name="connsiteX8" fmla="*/ 286973 w 627945"/>
-              <a:gd name="connsiteY8" fmla="*/ 1003500 h 1020000"/>
-              <a:gd name="connsiteX9" fmla="*/ 313973 w 627945"/>
-              <a:gd name="connsiteY9" fmla="*/ 1020000 h 1020000"/>
-              <a:gd name="connsiteX10" fmla="*/ 340973 w 627945"/>
-              <a:gd name="connsiteY10" fmla="*/ 1003500 h 1020000"/>
-              <a:gd name="connsiteX11" fmla="*/ 463973 w 627945"/>
-              <a:gd name="connsiteY11" fmla="*/ 745500 h 1020000"/>
-              <a:gd name="connsiteX12" fmla="*/ 606473 w 627945"/>
-              <a:gd name="connsiteY12" fmla="*/ 430500 h 1020000"/>
-              <a:gd name="connsiteX13" fmla="*/ 573473 w 627945"/>
-              <a:gd name="connsiteY13" fmla="*/ 138000 h 1020000"/>
-              <a:gd name="connsiteX14" fmla="*/ 313973 w 627945"/>
-              <a:gd name="connsiteY14" fmla="*/ 0 h 1020000"/>
-              <a:gd name="connsiteX0" fmla="*/ 313973 w 627945"/>
-              <a:gd name="connsiteY0" fmla="*/ 180000 h 1020000"/>
-              <a:gd name="connsiteX1" fmla="*/ 178973 w 627945"/>
-              <a:gd name="connsiteY1" fmla="*/ 315000 h 1020000"/>
-              <a:gd name="connsiteX2" fmla="*/ 313973 w 627945"/>
-              <a:gd name="connsiteY2" fmla="*/ 180000 h 1020000"/>
-              <a:gd name="connsiteX3" fmla="*/ 313973 w 627945"/>
-              <a:gd name="connsiteY3" fmla="*/ 0 h 1020000"/>
-              <a:gd name="connsiteX4" fmla="*/ 54473 w 627945"/>
-              <a:gd name="connsiteY4" fmla="*/ 138000 h 1020000"/>
-              <a:gd name="connsiteX5" fmla="*/ 21473 w 627945"/>
-              <a:gd name="connsiteY5" fmla="*/ 430500 h 1020000"/>
-              <a:gd name="connsiteX6" fmla="*/ 163973 w 627945"/>
-              <a:gd name="connsiteY6" fmla="*/ 745500 h 1020000"/>
-              <a:gd name="connsiteX7" fmla="*/ 286973 w 627945"/>
-              <a:gd name="connsiteY7" fmla="*/ 1003500 h 1020000"/>
-              <a:gd name="connsiteX8" fmla="*/ 313973 w 627945"/>
-              <a:gd name="connsiteY8" fmla="*/ 1020000 h 1020000"/>
-              <a:gd name="connsiteX9" fmla="*/ 340973 w 627945"/>
-              <a:gd name="connsiteY9" fmla="*/ 1003500 h 1020000"/>
-              <a:gd name="connsiteX10" fmla="*/ 463973 w 627945"/>
-              <a:gd name="connsiteY10" fmla="*/ 745500 h 1020000"/>
-              <a:gd name="connsiteX11" fmla="*/ 606473 w 627945"/>
-              <a:gd name="connsiteY11" fmla="*/ 430500 h 1020000"/>
-              <a:gd name="connsiteX12" fmla="*/ 573473 w 627945"/>
-              <a:gd name="connsiteY12" fmla="*/ 138000 h 1020000"/>
-              <a:gd name="connsiteX13" fmla="*/ 313973 w 627945"/>
-              <a:gd name="connsiteY13" fmla="*/ 0 h 1020000"/>
-              <a:gd name="connsiteX0" fmla="*/ 313973 w 627945"/>
-              <a:gd name="connsiteY0" fmla="*/ 0 h 1020000"/>
-              <a:gd name="connsiteX1" fmla="*/ 54473 w 627945"/>
-              <a:gd name="connsiteY1" fmla="*/ 138000 h 1020000"/>
-              <a:gd name="connsiteX2" fmla="*/ 21473 w 627945"/>
-              <a:gd name="connsiteY2" fmla="*/ 430500 h 1020000"/>
-              <a:gd name="connsiteX3" fmla="*/ 163973 w 627945"/>
-              <a:gd name="connsiteY3" fmla="*/ 745500 h 1020000"/>
-              <a:gd name="connsiteX4" fmla="*/ 286973 w 627945"/>
-              <a:gd name="connsiteY4" fmla="*/ 1003500 h 1020000"/>
-              <a:gd name="connsiteX5" fmla="*/ 313973 w 627945"/>
-              <a:gd name="connsiteY5" fmla="*/ 1020000 h 1020000"/>
-              <a:gd name="connsiteX6" fmla="*/ 340973 w 627945"/>
-              <a:gd name="connsiteY6" fmla="*/ 1003500 h 1020000"/>
-              <a:gd name="connsiteX7" fmla="*/ 463973 w 627945"/>
-              <a:gd name="connsiteY7" fmla="*/ 745500 h 1020000"/>
-              <a:gd name="connsiteX8" fmla="*/ 606473 w 627945"/>
-              <a:gd name="connsiteY8" fmla="*/ 430500 h 1020000"/>
-              <a:gd name="connsiteX9" fmla="*/ 573473 w 627945"/>
-              <a:gd name="connsiteY9" fmla="*/ 138000 h 1020000"/>
-              <a:gd name="connsiteX10" fmla="*/ 313973 w 627945"/>
-              <a:gd name="connsiteY10" fmla="*/ 0 h 1020000"/>
-            </a:gdLst>
-            <a:ahLst/>
-            <a:cxnLst>
-              <a:cxn ang="0">
-                <a:pos x="connsiteX0" y="connsiteY0"/>
-              </a:cxn>
-              <a:cxn ang="0">
-                <a:pos x="connsiteX1" y="connsiteY1"/>
-              </a:cxn>
-              <a:cxn ang="0">
-                <a:pos x="connsiteX2" y="connsiteY2"/>
-              </a:cxn>
-              <a:cxn ang="0">
-                <a:pos x="connsiteX3" y="connsiteY3"/>
-              </a:cxn>
-              <a:cxn ang="0">
-                <a:pos x="connsiteX4" y="connsiteY4"/>
-              </a:cxn>
-              <a:cxn ang="0">
-                <a:pos x="connsiteX5" y="connsiteY5"/>
-              </a:cxn>
-              <a:cxn ang="0">
-                <a:pos x="connsiteX6" y="connsiteY6"/>
-              </a:cxn>
-              <a:cxn ang="0">
-                <a:pos x="connsiteX7" y="connsiteY7"/>
-              </a:cxn>
-              <a:cxn ang="0">
-                <a:pos x="connsiteX8" y="connsiteY8"/>
-              </a:cxn>
-              <a:cxn ang="0">
-                <a:pos x="connsiteX9" y="connsiteY9"/>
-              </a:cxn>
-              <a:cxn ang="0">
-                <a:pos x="connsiteX10" y="connsiteY10"/>
-              </a:cxn>
-            </a:cxnLst>
-            <a:rect l="l" t="t" r="r" b="b"/>
-            <a:pathLst>
-              <a:path w="627945" h="1020000">
-                <a:moveTo>
-                  <a:pt x="313973" y="0"/>
-                </a:moveTo>
-                <a:cubicBezTo>
-                  <a:pt x="210473" y="0"/>
-                  <a:pt x="112973" y="51000"/>
-                  <a:pt x="54473" y="138000"/>
-                </a:cubicBezTo>
-                <a:cubicBezTo>
-                  <a:pt x="-4027" y="223500"/>
-                  <a:pt x="-16027" y="333000"/>
-                  <a:pt x="21473" y="430500"/>
-                </a:cubicBezTo>
-                <a:lnTo>
-                  <a:pt x="163973" y="745500"/>
-                </a:lnTo>
-                <a:lnTo>
-                  <a:pt x="286973" y="1003500"/>
-                </a:lnTo>
-                <a:cubicBezTo>
-                  <a:pt x="291473" y="1014000"/>
-                  <a:pt x="301973" y="1020000"/>
-                  <a:pt x="313973" y="1020000"/>
-                </a:cubicBezTo>
-                <a:cubicBezTo>
-                  <a:pt x="325973" y="1020000"/>
-                  <a:pt x="336473" y="1014000"/>
-                  <a:pt x="340973" y="1003500"/>
-                </a:cubicBezTo>
-                <a:lnTo>
-                  <a:pt x="463973" y="745500"/>
-                </a:lnTo>
-                <a:lnTo>
-                  <a:pt x="606473" y="430500"/>
-                </a:lnTo>
-                <a:cubicBezTo>
-                  <a:pt x="643973" y="333000"/>
-                  <a:pt x="631973" y="223500"/>
-                  <a:pt x="573473" y="138000"/>
-                </a:cubicBezTo>
-                <a:cubicBezTo>
-                  <a:pt x="514973" y="51000"/>
-                  <a:pt x="417473" y="0"/>
-                  <a:pt x="313973" y="0"/>
-                </a:cubicBezTo>
-                <a:close/>
-              </a:path>
-            </a:pathLst>
-          </a:custGeom>
-          <a:solidFill>
-            <a:srgbClr val="17A9AE"/>
-          </a:solidFill>
-          <a:ln w="14982" cap="flat">
-            <a:solidFill>
-              <a:schemeClr val="tx1"/>
-            </a:solidFill>
-            <a:prstDash val="solid"/>
-            <a:miter/>
-          </a:ln>
-        </p:spPr>
-        <p:txBody>
-          <a:bodyPr rtlCol="0" anchor="ctr"/>
-          <a:lstStyle/>
-          <a:p>
-            <a:endParaRPr lang="en-GB" dirty="0"/>
-          </a:p>
-        </p:txBody>
-      </p:sp>
-      <p:pic>
-        <p:nvPicPr>
-          <p:cNvPr id="106" name="Graphic 105" descr="Porthole with solid fill">
-            <a:extLst>
-              <a:ext uri="{FF2B5EF4-FFF2-40B4-BE49-F238E27FC236}">
-                <a16:creationId xmlns:a16="http://schemas.microsoft.com/office/drawing/2014/main" id="{64D02B08-3856-47FC-AE89-BE5B704A538D}"/>
-              </a:ext>
-            </a:extLst>
-          </p:cNvPr>
-          <p:cNvPicPr>
-            <a:picLocks noChangeAspect="1"/>
-          </p:cNvPicPr>
-          <p:nvPr/>
-        </p:nvPicPr>
-        <p:blipFill>
-          <a:blip r:embed="rId14">
-            <a:extLst>
-              <a:ext uri="{96DAC541-7B7A-43D3-8B79-37D633B846F1}">
-                <asvg:svgBlip xmlns:asvg="http://schemas.microsoft.com/office/drawing/2016/SVG/main" r:embed="rId15"/>
-              </a:ext>
-            </a:extLst>
-          </a:blip>
-          <a:stretch>
-            <a:fillRect/>
-          </a:stretch>
-        </p:blipFill>
-        <p:spPr>
-          <a:xfrm>
-            <a:off x="8668928" y="4826850"/>
-            <a:ext cx="662527" cy="662527"/>
-          </a:xfrm>
-          <a:prstGeom prst="rect">
-            <a:avLst/>
-          </a:prstGeom>
-        </p:spPr>
-      </p:pic>
-      <p:sp>
-        <p:nvSpPr>
-          <p:cNvPr id="107" name="TextBox 106">
-            <a:extLst>
-              <a:ext uri="{FF2B5EF4-FFF2-40B4-BE49-F238E27FC236}">
-                <a16:creationId xmlns:a16="http://schemas.microsoft.com/office/drawing/2014/main" id="{9DE590BB-9153-AD64-CE4E-E72ADE6759D0}"/>
-              </a:ext>
-            </a:extLst>
-          </p:cNvPr>
-          <p:cNvSpPr txBox="1"/>
-          <p:nvPr/>
-        </p:nvSpPr>
-        <p:spPr>
-          <a:xfrm>
-            <a:off x="9515709" y="4989883"/>
-            <a:ext cx="2914003" cy="307777"/>
-          </a:xfrm>
-          <a:prstGeom prst="rect">
-            <a:avLst/>
-          </a:prstGeom>
-          <a:noFill/>
-        </p:spPr>
-        <p:txBody>
-          <a:bodyPr wrap="none" rtlCol="0">
-            <a:spAutoFit/>
-          </a:bodyPr>
-          <a:lstStyle/>
-          <a:p>
-            <a:r>
-              <a:rPr lang="en-GB" sz="1400" dirty="0"/>
-              <a:t>Marine and maritime research </a:t>
-            </a:r>
-            <a:r>
-              <a:rPr lang="en-GB" sz="1400" dirty="0" err="1"/>
-              <a:t>center</a:t>
-            </a:r>
-            <a:endParaRPr lang="en-GB" sz="1400" dirty="0"/>
-          </a:p>
-        </p:txBody>
-      </p:sp>
-      <p:sp>
-        <p:nvSpPr>
-          <p:cNvPr id="108" name="Graphic 4" descr="Marker with solid fill">
-            <a:extLst>
-              <a:ext uri="{FF2B5EF4-FFF2-40B4-BE49-F238E27FC236}">
-                <a16:creationId xmlns:a16="http://schemas.microsoft.com/office/drawing/2014/main" id="{7CA84431-2CF5-FFDE-9924-B3B2E4D5CAEF}"/>
-              </a:ext>
-            </a:extLst>
-          </p:cNvPr>
-          <p:cNvSpPr/>
-          <p:nvPr/>
-        </p:nvSpPr>
-        <p:spPr>
-          <a:xfrm>
-            <a:off x="8686157" y="616117"/>
-            <a:ext cx="627945" cy="1020000"/>
-          </a:xfrm>
-          <a:custGeom>
-            <a:avLst/>
-            <a:gdLst>
-              <a:gd name="connsiteX0" fmla="*/ 313973 w 627945"/>
-              <a:gd name="connsiteY0" fmla="*/ 450000 h 1020000"/>
-              <a:gd name="connsiteX1" fmla="*/ 178973 w 627945"/>
-              <a:gd name="connsiteY1" fmla="*/ 315000 h 1020000"/>
-              <a:gd name="connsiteX2" fmla="*/ 313973 w 627945"/>
-              <a:gd name="connsiteY2" fmla="*/ 180000 h 1020000"/>
-              <a:gd name="connsiteX3" fmla="*/ 448973 w 627945"/>
-              <a:gd name="connsiteY3" fmla="*/ 315000 h 1020000"/>
-              <a:gd name="connsiteX4" fmla="*/ 313973 w 627945"/>
-              <a:gd name="connsiteY4" fmla="*/ 450000 h 1020000"/>
-              <a:gd name="connsiteX5" fmla="*/ 313973 w 627945"/>
-              <a:gd name="connsiteY5" fmla="*/ 0 h 1020000"/>
-              <a:gd name="connsiteX6" fmla="*/ 54473 w 627945"/>
-              <a:gd name="connsiteY6" fmla="*/ 138000 h 1020000"/>
-              <a:gd name="connsiteX7" fmla="*/ 21473 w 627945"/>
-              <a:gd name="connsiteY7" fmla="*/ 430500 h 1020000"/>
-              <a:gd name="connsiteX8" fmla="*/ 163973 w 627945"/>
-              <a:gd name="connsiteY8" fmla="*/ 745500 h 1020000"/>
-              <a:gd name="connsiteX9" fmla="*/ 286973 w 627945"/>
-              <a:gd name="connsiteY9" fmla="*/ 1003500 h 1020000"/>
-              <a:gd name="connsiteX10" fmla="*/ 313973 w 627945"/>
-              <a:gd name="connsiteY10" fmla="*/ 1020000 h 1020000"/>
-              <a:gd name="connsiteX11" fmla="*/ 340973 w 627945"/>
-              <a:gd name="connsiteY11" fmla="*/ 1003500 h 1020000"/>
-              <a:gd name="connsiteX12" fmla="*/ 463973 w 627945"/>
-              <a:gd name="connsiteY12" fmla="*/ 745500 h 1020000"/>
-              <a:gd name="connsiteX13" fmla="*/ 606473 w 627945"/>
-              <a:gd name="connsiteY13" fmla="*/ 430500 h 1020000"/>
-              <a:gd name="connsiteX14" fmla="*/ 573473 w 627945"/>
-              <a:gd name="connsiteY14" fmla="*/ 138000 h 1020000"/>
-              <a:gd name="connsiteX15" fmla="*/ 313973 w 627945"/>
-              <a:gd name="connsiteY15" fmla="*/ 0 h 1020000"/>
-              <a:gd name="connsiteX0" fmla="*/ 313973 w 627945"/>
-              <a:gd name="connsiteY0" fmla="*/ 450000 h 1020000"/>
-              <a:gd name="connsiteX1" fmla="*/ 178973 w 627945"/>
-              <a:gd name="connsiteY1" fmla="*/ 315000 h 1020000"/>
-              <a:gd name="connsiteX2" fmla="*/ 313973 w 627945"/>
-              <a:gd name="connsiteY2" fmla="*/ 180000 h 1020000"/>
-              <a:gd name="connsiteX3" fmla="*/ 313973 w 627945"/>
-              <a:gd name="connsiteY3" fmla="*/ 450000 h 1020000"/>
-              <a:gd name="connsiteX4" fmla="*/ 313973 w 627945"/>
-              <a:gd name="connsiteY4" fmla="*/ 0 h 1020000"/>
-              <a:gd name="connsiteX5" fmla="*/ 54473 w 627945"/>
-              <a:gd name="connsiteY5" fmla="*/ 138000 h 1020000"/>
-              <a:gd name="connsiteX6" fmla="*/ 21473 w 627945"/>
-              <a:gd name="connsiteY6" fmla="*/ 430500 h 1020000"/>
-              <a:gd name="connsiteX7" fmla="*/ 163973 w 627945"/>
-              <a:gd name="connsiteY7" fmla="*/ 745500 h 1020000"/>
-              <a:gd name="connsiteX8" fmla="*/ 286973 w 627945"/>
-              <a:gd name="connsiteY8" fmla="*/ 1003500 h 1020000"/>
-              <a:gd name="connsiteX9" fmla="*/ 313973 w 627945"/>
-              <a:gd name="connsiteY9" fmla="*/ 1020000 h 1020000"/>
-              <a:gd name="connsiteX10" fmla="*/ 340973 w 627945"/>
-              <a:gd name="connsiteY10" fmla="*/ 1003500 h 1020000"/>
-              <a:gd name="connsiteX11" fmla="*/ 463973 w 627945"/>
-              <a:gd name="connsiteY11" fmla="*/ 745500 h 1020000"/>
-              <a:gd name="connsiteX12" fmla="*/ 606473 w 627945"/>
-              <a:gd name="connsiteY12" fmla="*/ 430500 h 1020000"/>
-              <a:gd name="connsiteX13" fmla="*/ 573473 w 627945"/>
-              <a:gd name="connsiteY13" fmla="*/ 138000 h 1020000"/>
-              <a:gd name="connsiteX14" fmla="*/ 313973 w 627945"/>
-              <a:gd name="connsiteY14" fmla="*/ 0 h 1020000"/>
-              <a:gd name="connsiteX0" fmla="*/ 313973 w 627945"/>
-              <a:gd name="connsiteY0" fmla="*/ 180000 h 1020000"/>
-              <a:gd name="connsiteX1" fmla="*/ 178973 w 627945"/>
-              <a:gd name="connsiteY1" fmla="*/ 315000 h 1020000"/>
-              <a:gd name="connsiteX2" fmla="*/ 313973 w 627945"/>
-              <a:gd name="connsiteY2" fmla="*/ 180000 h 1020000"/>
-              <a:gd name="connsiteX3" fmla="*/ 313973 w 627945"/>
-              <a:gd name="connsiteY3" fmla="*/ 0 h 1020000"/>
-              <a:gd name="connsiteX4" fmla="*/ 54473 w 627945"/>
-              <a:gd name="connsiteY4" fmla="*/ 138000 h 1020000"/>
-              <a:gd name="connsiteX5" fmla="*/ 21473 w 627945"/>
-              <a:gd name="connsiteY5" fmla="*/ 430500 h 1020000"/>
-              <a:gd name="connsiteX6" fmla="*/ 163973 w 627945"/>
-              <a:gd name="connsiteY6" fmla="*/ 745500 h 1020000"/>
-              <a:gd name="connsiteX7" fmla="*/ 286973 w 627945"/>
-              <a:gd name="connsiteY7" fmla="*/ 1003500 h 1020000"/>
-              <a:gd name="connsiteX8" fmla="*/ 313973 w 627945"/>
-              <a:gd name="connsiteY8" fmla="*/ 1020000 h 1020000"/>
-              <a:gd name="connsiteX9" fmla="*/ 340973 w 627945"/>
-              <a:gd name="connsiteY9" fmla="*/ 1003500 h 1020000"/>
-              <a:gd name="connsiteX10" fmla="*/ 463973 w 627945"/>
-              <a:gd name="connsiteY10" fmla="*/ 745500 h 1020000"/>
-              <a:gd name="connsiteX11" fmla="*/ 606473 w 627945"/>
-              <a:gd name="connsiteY11" fmla="*/ 430500 h 1020000"/>
-              <a:gd name="connsiteX12" fmla="*/ 573473 w 627945"/>
-              <a:gd name="connsiteY12" fmla="*/ 138000 h 1020000"/>
-              <a:gd name="connsiteX13" fmla="*/ 313973 w 627945"/>
-              <a:gd name="connsiteY13" fmla="*/ 0 h 1020000"/>
-              <a:gd name="connsiteX0" fmla="*/ 313973 w 627945"/>
-              <a:gd name="connsiteY0" fmla="*/ 0 h 1020000"/>
-              <a:gd name="connsiteX1" fmla="*/ 54473 w 627945"/>
-              <a:gd name="connsiteY1" fmla="*/ 138000 h 1020000"/>
-              <a:gd name="connsiteX2" fmla="*/ 21473 w 627945"/>
-              <a:gd name="connsiteY2" fmla="*/ 430500 h 1020000"/>
-              <a:gd name="connsiteX3" fmla="*/ 163973 w 627945"/>
-              <a:gd name="connsiteY3" fmla="*/ 745500 h 1020000"/>
-              <a:gd name="connsiteX4" fmla="*/ 286973 w 627945"/>
-              <a:gd name="connsiteY4" fmla="*/ 1003500 h 1020000"/>
-              <a:gd name="connsiteX5" fmla="*/ 313973 w 627945"/>
-              <a:gd name="connsiteY5" fmla="*/ 1020000 h 1020000"/>
-              <a:gd name="connsiteX6" fmla="*/ 340973 w 627945"/>
-              <a:gd name="connsiteY6" fmla="*/ 1003500 h 1020000"/>
-              <a:gd name="connsiteX7" fmla="*/ 463973 w 627945"/>
-              <a:gd name="connsiteY7" fmla="*/ 745500 h 1020000"/>
-              <a:gd name="connsiteX8" fmla="*/ 606473 w 627945"/>
-              <a:gd name="connsiteY8" fmla="*/ 430500 h 1020000"/>
-              <a:gd name="connsiteX9" fmla="*/ 573473 w 627945"/>
-              <a:gd name="connsiteY9" fmla="*/ 138000 h 1020000"/>
-              <a:gd name="connsiteX10" fmla="*/ 313973 w 627945"/>
-              <a:gd name="connsiteY10" fmla="*/ 0 h 1020000"/>
-            </a:gdLst>
-            <a:ahLst/>
-            <a:cxnLst>
-              <a:cxn ang="0">
-                <a:pos x="connsiteX0" y="connsiteY0"/>
-              </a:cxn>
-              <a:cxn ang="0">
-                <a:pos x="connsiteX1" y="connsiteY1"/>
-              </a:cxn>
-              <a:cxn ang="0">
-                <a:pos x="connsiteX2" y="connsiteY2"/>
-              </a:cxn>
-              <a:cxn ang="0">
-                <a:pos x="connsiteX3" y="connsiteY3"/>
-              </a:cxn>
-              <a:cxn ang="0">
-                <a:pos x="connsiteX4" y="connsiteY4"/>
-              </a:cxn>
-              <a:cxn ang="0">
-                <a:pos x="connsiteX5" y="connsiteY5"/>
-              </a:cxn>
-              <a:cxn ang="0">
-                <a:pos x="connsiteX6" y="connsiteY6"/>
-              </a:cxn>
-              <a:cxn ang="0">
-                <a:pos x="connsiteX7" y="connsiteY7"/>
-              </a:cxn>
-              <a:cxn ang="0">
-                <a:pos x="connsiteX8" y="connsiteY8"/>
-              </a:cxn>
-              <a:cxn ang="0">
-                <a:pos x="connsiteX9" y="connsiteY9"/>
-              </a:cxn>
-              <a:cxn ang="0">
-                <a:pos x="connsiteX10" y="connsiteY10"/>
-              </a:cxn>
-            </a:cxnLst>
-            <a:rect l="l" t="t" r="r" b="b"/>
-            <a:pathLst>
-              <a:path w="627945" h="1020000">
-                <a:moveTo>
-                  <a:pt x="313973" y="0"/>
-                </a:moveTo>
-                <a:cubicBezTo>
-                  <a:pt x="210473" y="0"/>
-                  <a:pt x="112973" y="51000"/>
-                  <a:pt x="54473" y="138000"/>
-                </a:cubicBezTo>
-                <a:cubicBezTo>
-                  <a:pt x="-4027" y="223500"/>
-                  <a:pt x="-16027" y="333000"/>
-                  <a:pt x="21473" y="430500"/>
-                </a:cubicBezTo>
-                <a:lnTo>
-                  <a:pt x="163973" y="745500"/>
-                </a:lnTo>
-                <a:lnTo>
-                  <a:pt x="286973" y="1003500"/>
-                </a:lnTo>
-                <a:cubicBezTo>
-                  <a:pt x="291473" y="1014000"/>
-                  <a:pt x="301973" y="1020000"/>
-                  <a:pt x="313973" y="1020000"/>
-                </a:cubicBezTo>
-                <a:cubicBezTo>
-                  <a:pt x="325973" y="1020000"/>
-                  <a:pt x="336473" y="1014000"/>
-                  <a:pt x="340973" y="1003500"/>
-                </a:cubicBezTo>
-                <a:lnTo>
-                  <a:pt x="463973" y="745500"/>
-                </a:lnTo>
-                <a:lnTo>
-                  <a:pt x="606473" y="430500"/>
-                </a:lnTo>
-                <a:cubicBezTo>
-                  <a:pt x="643973" y="333000"/>
-                  <a:pt x="631973" y="223500"/>
-                  <a:pt x="573473" y="138000"/>
-                </a:cubicBezTo>
-                <a:cubicBezTo>
-                  <a:pt x="514973" y="51000"/>
-                  <a:pt x="417473" y="0"/>
-                  <a:pt x="313973" y="0"/>
-                </a:cubicBezTo>
-                <a:close/>
-              </a:path>
-            </a:pathLst>
-          </a:custGeom>
-          <a:solidFill>
-            <a:srgbClr val="17A9AE"/>
-          </a:solidFill>
-          <a:ln w="14982" cap="flat">
-            <a:solidFill>
-              <a:schemeClr val="tx1"/>
-            </a:solidFill>
-            <a:prstDash val="solid"/>
-            <a:miter/>
-          </a:ln>
           <a:effectLst>
             <a:outerShdw blurRad="50800" dist="38100" dir="2700000" algn="tl" rotWithShape="0">
               <a:prstClr val="black">
@@ -10149,10 +11286,10 @@
       </p:sp>
       <p:sp>
         <p:nvSpPr>
-          <p:cNvPr id="109" name="TextBox 108">
-            <a:extLst>
-              <a:ext uri="{FF2B5EF4-FFF2-40B4-BE49-F238E27FC236}">
-                <a16:creationId xmlns:a16="http://schemas.microsoft.com/office/drawing/2014/main" id="{67687637-FB50-421F-7A15-49AB2FC86AFA}"/>
+          <p:cNvPr id="4" name="TextBox 3">
+            <a:extLst>
+              <a:ext uri="{FF2B5EF4-FFF2-40B4-BE49-F238E27FC236}">
+                <a16:creationId xmlns:a16="http://schemas.microsoft.com/office/drawing/2014/main" id="{844CCEEE-97A0-5034-FD6D-B20F6B539844}"/>
               </a:ext>
             </a:extLst>
           </p:cNvPr>
@@ -10161,7 +11298,7 @@
         </p:nvSpPr>
         <p:spPr>
           <a:xfrm>
-            <a:off x="9538521" y="900940"/>
+            <a:off x="1690564" y="2546860"/>
             <a:ext cx="960456" cy="307777"/>
           </a:xfrm>
           <a:prstGeom prst="rect">
@@ -10184,10 +11321,10 @@
       </p:sp>
       <p:pic>
         <p:nvPicPr>
-          <p:cNvPr id="110" name="Graphic 109" descr="Map with pin with solid fill">
-            <a:extLst>
-              <a:ext uri="{FF2B5EF4-FFF2-40B4-BE49-F238E27FC236}">
-                <a16:creationId xmlns:a16="http://schemas.microsoft.com/office/drawing/2014/main" id="{6CB62FB3-DD71-5CC8-FF35-B3C8914A7312}"/>
+          <p:cNvPr id="5" name="Graphic 4" descr="Map with pin with solid fill">
+            <a:extLst>
+              <a:ext uri="{FF2B5EF4-FFF2-40B4-BE49-F238E27FC236}">
+                <a16:creationId xmlns:a16="http://schemas.microsoft.com/office/drawing/2014/main" id="{2AC8CD77-B1CB-05C9-C4FB-67E0F3CF25B9}"/>
               </a:ext>
             </a:extLst>
           </p:cNvPr>
@@ -10197,10 +11334,10 @@
           <p:nvPr/>
         </p:nvPicPr>
         <p:blipFill>
-          <a:blip r:embed="rId16">
+          <a:blip r:embed="rId2">
             <a:extLst>
               <a:ext uri="{96DAC541-7B7A-43D3-8B79-37D633B846F1}">
-                <asvg:svgBlip xmlns:asvg="http://schemas.microsoft.com/office/drawing/2016/SVG/main" r:embed="rId17"/>
+                <asvg:svgBlip xmlns:asvg="http://schemas.microsoft.com/office/drawing/2016/SVG/main" r:embed="rId3"/>
               </a:ext>
             </a:extLst>
           </a:blip>
@@ -10209,7 +11346,7 @@
         </p:blipFill>
         <p:spPr>
           <a:xfrm>
-            <a:off x="8765902" y="737328"/>
+            <a:off x="917945" y="2383248"/>
             <a:ext cx="459001" cy="459001"/>
           </a:xfrm>
           <a:prstGeom prst="rect">
@@ -10220,7 +11357,7 @@
     </p:spTree>
     <p:extLst>
       <p:ext uri="{BB962C8B-B14F-4D97-AF65-F5344CB8AC3E}">
-        <p14:creationId xmlns:p14="http://schemas.microsoft.com/office/powerpoint/2010/main" val="1724433123"/>
+        <p14:creationId xmlns:p14="http://schemas.microsoft.com/office/powerpoint/2010/main" val="2671589493"/>
       </p:ext>
     </p:extLst>
   </p:cSld>
@@ -10231,150 +11368,56 @@
 </file>
 
 <file path=ppt/theme/theme1.xml><?xml version="1.0" encoding="utf-8"?>
-<a:theme xmlns:a="http://schemas.openxmlformats.org/drawingml/2006/main" name="Office Theme">
+<a:theme xmlns:a="http://schemas.openxmlformats.org/drawingml/2006/main" name="enviConnect">
   <a:themeElements>
-    <a:clrScheme name="Office">
+    <a:clrScheme name="enviConnect">
       <a:dk1>
-        <a:sysClr val="windowText" lastClr="000000"/>
+        <a:srgbClr val="38325B"/>
       </a:dk1>
       <a:lt1>
-        <a:sysClr val="window" lastClr="FFFFFF"/>
+        <a:srgbClr val="FFFFFF"/>
       </a:lt1>
       <a:dk2>
-        <a:srgbClr val="44546A"/>
+        <a:srgbClr val="202020"/>
       </a:dk2>
       <a:lt2>
-        <a:srgbClr val="E7E6E6"/>
+        <a:srgbClr val="ABABAB"/>
       </a:lt2>
       <a:accent1>
-        <a:srgbClr val="4472C4"/>
+        <a:srgbClr val="17A9AE"/>
       </a:accent1>
       <a:accent2>
-        <a:srgbClr val="ED7D31"/>
+        <a:srgbClr val="CE1B4C"/>
       </a:accent2>
       <a:accent3>
-        <a:srgbClr val="A5A5A5"/>
+        <a:srgbClr val="DD967E"/>
       </a:accent3>
       <a:accent4>
-        <a:srgbClr val="FFC000"/>
+        <a:srgbClr val="1E3550"/>
       </a:accent4>
       <a:accent5>
-        <a:srgbClr val="5B9BD5"/>
+        <a:srgbClr val="D61D5A"/>
       </a:accent5>
       <a:accent6>
-        <a:srgbClr val="70AD47"/>
+        <a:srgbClr val="DF7171"/>
       </a:accent6>
       <a:hlink>
-        <a:srgbClr val="0563C1"/>
+        <a:srgbClr val="D61D5A"/>
       </a:hlink>
       <a:folHlink>
-        <a:srgbClr val="954F72"/>
+        <a:srgbClr val="2185A0"/>
       </a:folHlink>
     </a:clrScheme>
-    <a:fontScheme name="Office">
+    <a:fontScheme name="Office Classic 2">
       <a:majorFont>
-        <a:latin typeface="Calibri Light" panose="020F0302020204030204"/>
-        <a:ea typeface=""/>
-        <a:cs typeface=""/>
-        <a:font script="Jpan" typeface="游ゴシック Light"/>
-        <a:font script="Hang" typeface="맑은 고딕"/>
-        <a:font script="Hans" typeface="等线 Light"/>
-        <a:font script="Hant" typeface="新細明體"/>
-        <a:font script="Arab" typeface="Times New Roman"/>
-        <a:font script="Hebr" typeface="Times New Roman"/>
-        <a:font script="Thai" typeface="Angsana New"/>
-        <a:font script="Ethi" typeface="Nyala"/>
-        <a:font script="Beng" typeface="Vrinda"/>
-        <a:font script="Gujr" typeface="Shruti"/>
-        <a:font script="Khmr" typeface="MoolBoran"/>
-        <a:font script="Knda" typeface="Tunga"/>
-        <a:font script="Guru" typeface="Raavi"/>
-        <a:font script="Cans" typeface="Euphemia"/>
-        <a:font script="Cher" typeface="Plantagenet Cherokee"/>
-        <a:font script="Yiii" typeface="Microsoft Yi Baiti"/>
-        <a:font script="Tibt" typeface="Microsoft Himalaya"/>
-        <a:font script="Thaa" typeface="MV Boli"/>
-        <a:font script="Deva" typeface="Mangal"/>
-        <a:font script="Telu" typeface="Gautami"/>
-        <a:font script="Taml" typeface="Latha"/>
-        <a:font script="Syrc" typeface="Estrangelo Edessa"/>
-        <a:font script="Orya" typeface="Kalinga"/>
-        <a:font script="Mlym" typeface="Kartika"/>
-        <a:font script="Laoo" typeface="DokChampa"/>
-        <a:font script="Sinh" typeface="Iskoola Pota"/>
-        <a:font script="Mong" typeface="Mongolian Baiti"/>
-        <a:font script="Viet" typeface="Times New Roman"/>
-        <a:font script="Uigh" typeface="Microsoft Uighur"/>
-        <a:font script="Geor" typeface="Sylfaen"/>
-        <a:font script="Armn" typeface="Arial"/>
-        <a:font script="Bugi" typeface="Leelawadee UI"/>
-        <a:font script="Bopo" typeface="Microsoft JhengHei"/>
-        <a:font script="Java" typeface="Javanese Text"/>
-        <a:font script="Lisu" typeface="Segoe UI"/>
-        <a:font script="Mymr" typeface="Myanmar Text"/>
-        <a:font script="Nkoo" typeface="Ebrima"/>
-        <a:font script="Olck" typeface="Nirmala UI"/>
-        <a:font script="Osma" typeface="Ebrima"/>
-        <a:font script="Phag" typeface="Phagspa"/>
-        <a:font script="Syrn" typeface="Estrangelo Edessa"/>
-        <a:font script="Syrj" typeface="Estrangelo Edessa"/>
-        <a:font script="Syre" typeface="Estrangelo Edessa"/>
-        <a:font script="Sora" typeface="Nirmala UI"/>
-        <a:font script="Tale" typeface="Microsoft Tai Le"/>
-        <a:font script="Talu" typeface="Microsoft New Tai Lue"/>
-        <a:font script="Tfng" typeface="Ebrima"/>
+        <a:latin typeface="Arial"/>
+        <a:ea typeface="Arial"/>
+        <a:cs typeface="Arial"/>
       </a:majorFont>
       <a:minorFont>
-        <a:latin typeface="Calibri" panose="020F0502020204030204"/>
-        <a:ea typeface=""/>
-        <a:cs typeface=""/>
-        <a:font script="Jpan" typeface="游ゴシック"/>
-        <a:font script="Hang" typeface="맑은 고딕"/>
-        <a:font script="Hans" typeface="等线"/>
-        <a:font script="Hant" typeface="新細明體"/>
-        <a:font script="Arab" typeface="Arial"/>
-        <a:font script="Hebr" typeface="Arial"/>
-        <a:font script="Thai" typeface="Cordia New"/>
-        <a:font script="Ethi" typeface="Nyala"/>
-        <a:font script="Beng" typeface="Vrinda"/>
-        <a:font script="Gujr" typeface="Shruti"/>
-        <a:font script="Khmr" typeface="DaunPenh"/>
-        <a:font script="Knda" typeface="Tunga"/>
-        <a:font script="Guru" typeface="Raavi"/>
-        <a:font script="Cans" typeface="Euphemia"/>
-        <a:font script="Cher" typeface="Plantagenet Cherokee"/>
-        <a:font script="Yiii" typeface="Microsoft Yi Baiti"/>
-        <a:font script="Tibt" typeface="Microsoft Himalaya"/>
-        <a:font script="Thaa" typeface="MV Boli"/>
-        <a:font script="Deva" typeface="Mangal"/>
-        <a:font script="Telu" typeface="Gautami"/>
-        <a:font script="Taml" typeface="Latha"/>
-        <a:font script="Syrc" typeface="Estrangelo Edessa"/>
-        <a:font script="Orya" typeface="Kalinga"/>
-        <a:font script="Mlym" typeface="Kartika"/>
-        <a:font script="Laoo" typeface="DokChampa"/>
-        <a:font script="Sinh" typeface="Iskoola Pota"/>
-        <a:font script="Mong" typeface="Mongolian Baiti"/>
-        <a:font script="Viet" typeface="Arial"/>
-        <a:font script="Uigh" typeface="Microsoft Uighur"/>
-        <a:font script="Geor" typeface="Sylfaen"/>
-        <a:font script="Armn" typeface="Arial"/>
-        <a:font script="Bugi" typeface="Leelawadee UI"/>
-        <a:font script="Bopo" typeface="Microsoft JhengHei"/>
-        <a:font script="Java" typeface="Javanese Text"/>
-        <a:font script="Lisu" typeface="Segoe UI"/>
-        <a:font script="Mymr" typeface="Myanmar Text"/>
-        <a:font script="Nkoo" typeface="Ebrima"/>
-        <a:font script="Olck" typeface="Nirmala UI"/>
-        <a:font script="Osma" typeface="Ebrima"/>
-        <a:font script="Phag" typeface="Phagspa"/>
-        <a:font script="Syrn" typeface="Estrangelo Edessa"/>
-        <a:font script="Syrj" typeface="Estrangelo Edessa"/>
-        <a:font script="Syre" typeface="Estrangelo Edessa"/>
-        <a:font script="Sora" typeface="Nirmala UI"/>
-        <a:font script="Tale" typeface="Microsoft Tai Le"/>
-        <a:font script="Talu" typeface="Microsoft New Tai Lue"/>
-        <a:font script="Tfng" typeface="Ebrima"/>
+        <a:latin typeface="Arial"/>
+        <a:ea typeface="Arial"/>
+        <a:cs typeface="Arial"/>
       </a:minorFont>
     </a:fontScheme>
     <a:fmtScheme name="Office">
@@ -10382,94 +11425,97 @@
         <a:solidFill>
           <a:schemeClr val="phClr"/>
         </a:solidFill>
-        <a:gradFill rotWithShape="1">
+        <a:gradFill>
           <a:gsLst>
             <a:gs pos="0">
               <a:schemeClr val="phClr">
-                <a:lumMod val="110000"/>
-                <a:satMod val="105000"/>
-                <a:tint val="67000"/>
+                <a:tint val="50000"/>
+                <a:satMod val="300000"/>
               </a:schemeClr>
             </a:gs>
-            <a:gs pos="50000">
+            <a:gs pos="35000">
               <a:schemeClr val="phClr">
-                <a:lumMod val="105000"/>
-                <a:satMod val="103000"/>
-                <a:tint val="73000"/>
+                <a:tint val="37000"/>
+                <a:satMod val="300000"/>
               </a:schemeClr>
             </a:gs>
             <a:gs pos="100000">
               <a:schemeClr val="phClr">
-                <a:lumMod val="105000"/>
-                <a:satMod val="109000"/>
-                <a:tint val="81000"/>
+                <a:tint val="15000"/>
+                <a:satMod val="350000"/>
               </a:schemeClr>
             </a:gs>
           </a:gsLst>
-          <a:lin ang="5400000" scaled="0"/>
+          <a:lin ang="16200000" scaled="1"/>
         </a:gradFill>
-        <a:gradFill rotWithShape="1">
+        <a:gradFill>
           <a:gsLst>
             <a:gs pos="0">
               <a:schemeClr val="phClr">
-                <a:satMod val="103000"/>
-                <a:lumMod val="102000"/>
-                <a:tint val="94000"/>
+                <a:shade val="51000"/>
+                <a:satMod val="130000"/>
               </a:schemeClr>
             </a:gs>
-            <a:gs pos="50000">
+            <a:gs pos="80000">
               <a:schemeClr val="phClr">
-                <a:satMod val="110000"/>
-                <a:lumMod val="100000"/>
-                <a:shade val="100000"/>
+                <a:shade val="93000"/>
+                <a:satMod val="130000"/>
               </a:schemeClr>
             </a:gs>
             <a:gs pos="100000">
               <a:schemeClr val="phClr">
-                <a:lumMod val="99000"/>
-                <a:satMod val="120000"/>
-                <a:shade val="78000"/>
+                <a:shade val="94000"/>
+                <a:satMod val="135000"/>
               </a:schemeClr>
             </a:gs>
           </a:gsLst>
-          <a:lin ang="5400000" scaled="0"/>
+          <a:lin ang="16200000" scaled="0"/>
         </a:gradFill>
       </a:fillStyleLst>
       <a:lnStyleLst>
         <a:ln w="6350" cap="flat" cmpd="sng" algn="ctr">
           <a:solidFill>
-            <a:schemeClr val="phClr"/>
+            <a:schemeClr val="phClr">
+              <a:shade val="95000"/>
+              <a:satMod val="105000"/>
+            </a:schemeClr>
           </a:solidFill>
-          <a:prstDash val="solid"/>
-          <a:miter lim="800000"/>
         </a:ln>
         <a:ln w="12700" cap="flat" cmpd="sng" algn="ctr">
           <a:solidFill>
             <a:schemeClr val="phClr"/>
           </a:solidFill>
-          <a:prstDash val="solid"/>
-          <a:miter lim="800000"/>
         </a:ln>
         <a:ln w="19050" cap="flat" cmpd="sng" algn="ctr">
           <a:solidFill>
             <a:schemeClr val="phClr"/>
           </a:solidFill>
-          <a:prstDash val="solid"/>
-          <a:miter lim="800000"/>
         </a:ln>
       </a:lnStyleLst>
       <a:effectStyleLst>
         <a:effectStyle>
-          <a:effectLst/>
-        </a:effectStyle>
-        <a:effectStyle>
-          <a:effectLst/>
+          <a:effectLst>
+            <a:outerShdw blurRad="40000" dist="20000" dir="5400000" rotWithShape="0">
+              <a:srgbClr val="000000">
+                <a:alpha val="38000"/>
+              </a:srgbClr>
+            </a:outerShdw>
+          </a:effectLst>
         </a:effectStyle>
         <a:effectStyle>
           <a:effectLst>
-            <a:outerShdw blurRad="57150" dist="19050" dir="5400000" algn="ctr" rotWithShape="0">
+            <a:outerShdw blurRad="40000" dist="23000" dir="5400000" rotWithShape="0">
               <a:srgbClr val="000000">
-                <a:alpha val="63000"/>
+                <a:alpha val="35000"/>
+              </a:srgbClr>
+            </a:outerShdw>
+          </a:effectLst>
+        </a:effectStyle>
+        <a:effectStyle>
+          <a:effectLst>
+            <a:outerShdw blurRad="40000" dist="23000" dir="5400000" rotWithShape="0">
+              <a:srgbClr val="000000">
+                <a:alpha val="35000"/>
               </a:srgbClr>
             </a:outerShdw>
           </a:effectLst>
@@ -10479,48 +11525,51 @@
         <a:solidFill>
           <a:schemeClr val="phClr"/>
         </a:solidFill>
-        <a:solidFill>
-          <a:schemeClr val="phClr">
-            <a:tint val="95000"/>
-            <a:satMod val="170000"/>
-          </a:schemeClr>
-        </a:solidFill>
-        <a:gradFill rotWithShape="1">
+        <a:gradFill>
           <a:gsLst>
             <a:gs pos="0">
               <a:schemeClr val="phClr">
-                <a:tint val="93000"/>
-                <a:satMod val="150000"/>
-                <a:shade val="98000"/>
-                <a:lumMod val="102000"/>
+                <a:tint val="40000"/>
+                <a:satMod val="350000"/>
               </a:schemeClr>
             </a:gs>
-            <a:gs pos="50000">
+            <a:gs pos="40000">
               <a:schemeClr val="phClr">
-                <a:tint val="98000"/>
-                <a:satMod val="130000"/>
-                <a:shade val="90000"/>
-                <a:lumMod val="103000"/>
+                <a:tint val="45000"/>
+                <a:shade val="99000"/>
+                <a:satMod val="350000"/>
               </a:schemeClr>
             </a:gs>
             <a:gs pos="100000">
               <a:schemeClr val="phClr">
-                <a:shade val="63000"/>
-                <a:satMod val="120000"/>
+                <a:shade val="20000"/>
+                <a:satMod val="255000"/>
               </a:schemeClr>
             </a:gs>
           </a:gsLst>
-          <a:lin ang="5400000" scaled="0"/>
+          <a:path path="circle"/>
+        </a:gradFill>
+        <a:gradFill>
+          <a:gsLst>
+            <a:gs pos="0">
+              <a:schemeClr val="phClr">
+                <a:tint val="80000"/>
+                <a:satMod val="300000"/>
+              </a:schemeClr>
+            </a:gs>
+            <a:gs pos="100000">
+              <a:schemeClr val="phClr">
+                <a:shade val="30000"/>
+                <a:satMod val="200000"/>
+              </a:schemeClr>
+            </a:gs>
+          </a:gsLst>
+          <a:path path="circle"/>
         </a:gradFill>
       </a:bgFillStyleLst>
     </a:fmtScheme>
   </a:themeElements>
   <a:objectDefaults/>
   <a:extraClrSchemeLst/>
-  <a:extLst>
-    <a:ext uri="{05A4C25C-085E-4340-85A3-A5531E510DB2}">
-      <thm15:themeFamily xmlns:thm15="http://schemas.microsoft.com/office/thememl/2012/main" name="Office Theme" id="{62F939B6-93AF-4DB8-9C6B-D6C7DFDC589F}" vid="{4A3C46E8-61CC-4603-A589-7422A47A8E4A}"/>
-    </a:ext>
-  </a:extLst>
 </a:theme>
 </file>